--- a/personal_guide/2과제 번역.pptx
+++ b/personal_guide/2과제 번역.pptx
@@ -232,7 +232,7 @@
               <a:pPr lvl="0">
                 <a:defRPr/>
               </a:pPr>
-              <a:t>2024-05-14</a:t>
+              <a:t>2024-05-15</a:t>
             </a:fld>
             <a:endParaRPr lang="ko-KR" altLang="en-US"/>
           </a:p>
@@ -503,10 +503,6 @@
             <a:pPr lvl="0">
               <a:defRPr/>
             </a:pPr>
-            <a:r>
-              <a:rPr lang="ko-KR" altLang="en-US"/>
-              <a:t/>
-            </a:r>
             <a:endParaRPr lang="ko-KR" altLang="en-US"/>
           </a:p>
         </p:txBody>
@@ -534,7 +530,7 @@
               <a:pPr lvl="0">
                 <a:defRPr/>
               </a:pPr>
-              <a:t>35</a:t>
+              <a:t>2</a:t>
             </a:fld>
             <a:endParaRPr lang="en-US" altLang="en-US"/>
           </a:p>
@@ -604,10 +600,6 @@
               <a:buNone/>
               <a:defRPr/>
             </a:pPr>
-            <a:r>
-              <a:rPr lang="ko-KR" altLang="en-US"/>
-              <a:t/>
-            </a:r>
             <a:endParaRPr lang="ko-KR" altLang="en-US"/>
           </a:p>
         </p:txBody>
@@ -715,10 +707,6 @@
               <a:buNone/>
               <a:defRPr/>
             </a:pPr>
-            <a:r>
-              <a:rPr lang="ko-KR" altLang="en-US"/>
-              <a:t/>
-            </a:r>
             <a:endParaRPr lang="ko-KR" altLang="en-US"/>
           </a:p>
         </p:txBody>
@@ -852,7 +840,7 @@
               <a:pPr lvl="0">
                 <a:defRPr/>
               </a:pPr>
-              <a:t>67</a:t>
+              <a:t>26</a:t>
             </a:fld>
             <a:endParaRPr lang="en-US" altLang="en-US"/>
           </a:p>
@@ -12458,295 +12446,6 @@
           <a:chExt cx="0" cy="0"/>
         </a:xfrm>
       </p:grpSpPr>
-      <p:sp>
-        <p:nvSpPr>
-          <p:cNvPr id="422" name="슬라이드 번호"/>
-          <p:cNvSpPr txBox="1">
-            <a:spLocks noGrp="1"/>
-          </p:cNvSpPr>
-          <p:nvPr>
-            <p:ph type="sldNum" sz="quarter" idx="2"/>
-          </p:nvPr>
-        </p:nvSpPr>
-        <p:spPr>
-          <a:xfrm>
-            <a:off x="11882566" y="9323948"/>
-            <a:ext cx="309436" cy="333249"/>
-          </a:xfrm>
-          <a:prstGeom prst="rect">
-            <a:avLst/>
-          </a:prstGeom>
-          <a:ln w="12700">
-            <a:miter/>
-          </a:ln>
-        </p:spPr>
-        <p:txBody>
-          <a:bodyPr wrap="none" lIns="65023" tIns="65023" rIns="65023" bIns="65023" anchor="ctr">
-            <a:spAutoFit/>
-          </a:bodyPr>
-          <a:lstStyle>
-            <a:defPPr marL="0" marR="0" indent="0" algn="l" defTabSz="914400" rtl="0" fontAlgn="auto" latinLnBrk="1" hangingPunct="0">
-              <a:lnSpc>
-                <a:spcPct val="100000"/>
-              </a:lnSpc>
-              <a:spcBef>
-                <a:spcPts val="0"/>
-              </a:spcBef>
-              <a:spcAft>
-                <a:spcPts val="0"/>
-              </a:spcAft>
-              <a:buClrTx/>
-              <a:buFontTx/>
-              <a:buNone/>
-              <a:defRPr kumimoji="0" sz="1800" b="0" i="0" u="none" strike="noStrike" cap="none" spc="0" normalizeH="0" baseline="0">
-                <a:solidFill>
-                  <a:srgbClr val="000000"/>
-                </a:solidFill>
-                <a:effectLst/>
-                <a:uFillTx/>
-              </a:defRPr>
-            </a:defPPr>
-            <a:lvl1pPr marL="0" marR="0" indent="0" algn="r" defTabSz="1300480" rtl="0" fontAlgn="auto" latinLnBrk="0" hangingPunct="0">
-              <a:lnSpc>
-                <a:spcPct val="100000"/>
-              </a:lnSpc>
-              <a:spcBef>
-                <a:spcPts val="0"/>
-              </a:spcBef>
-              <a:spcAft>
-                <a:spcPts val="0"/>
-              </a:spcAft>
-              <a:buClrTx/>
-              <a:buFontTx/>
-              <a:buNone/>
-              <a:defRPr kumimoji="0" sz="1400" b="0" i="0" u="none" strike="noStrike" cap="none" spc="0" normalizeH="0" baseline="0">
-                <a:solidFill>
-                  <a:srgbClr val="0f253f"/>
-                </a:solidFill>
-                <a:effectLst/>
-                <a:uFillTx/>
-                <a:latin typeface="+mj-lt"/>
-                <a:ea typeface="+mj-ea"/>
-                <a:cs typeface="+mj-cs"/>
-                <a:sym typeface="Garamond"/>
-              </a:defRPr>
-            </a:lvl1pPr>
-            <a:lvl2pPr marL="0" marR="0" indent="228600" algn="ctr" defTabSz="584200" rtl="0" fontAlgn="auto" latinLnBrk="0" hangingPunct="0">
-              <a:lnSpc>
-                <a:spcPct val="100000"/>
-              </a:lnSpc>
-              <a:spcBef>
-                <a:spcPts val="0"/>
-              </a:spcBef>
-              <a:spcAft>
-                <a:spcPts val="0"/>
-              </a:spcAft>
-              <a:buClrTx/>
-              <a:buFontTx/>
-              <a:buNone/>
-              <a:defRPr kumimoji="0" sz="2400" b="1" i="0" u="none" strike="noStrike" cap="none" spc="0" normalizeH="0" baseline="0">
-                <a:solidFill>
-                  <a:srgbClr val="000000"/>
-                </a:solidFill>
-                <a:effectLst/>
-                <a:uFillTx/>
-                <a:latin typeface="Helvetica Neue"/>
-                <a:ea typeface="Helvetica Neue"/>
-                <a:cs typeface="Helvetica Neue"/>
-                <a:sym typeface="Helvetica Neue"/>
-              </a:defRPr>
-            </a:lvl2pPr>
-            <a:lvl3pPr marL="0" marR="0" indent="457200" algn="ctr" defTabSz="584200" rtl="0" fontAlgn="auto" latinLnBrk="0" hangingPunct="0">
-              <a:lnSpc>
-                <a:spcPct val="100000"/>
-              </a:lnSpc>
-              <a:spcBef>
-                <a:spcPts val="0"/>
-              </a:spcBef>
-              <a:spcAft>
-                <a:spcPts val="0"/>
-              </a:spcAft>
-              <a:buClrTx/>
-              <a:buFontTx/>
-              <a:buNone/>
-              <a:defRPr kumimoji="0" sz="2400" b="1" i="0" u="none" strike="noStrike" cap="none" spc="0" normalizeH="0" baseline="0">
-                <a:solidFill>
-                  <a:srgbClr val="000000"/>
-                </a:solidFill>
-                <a:effectLst/>
-                <a:uFillTx/>
-                <a:latin typeface="Helvetica Neue"/>
-                <a:ea typeface="Helvetica Neue"/>
-                <a:cs typeface="Helvetica Neue"/>
-                <a:sym typeface="Helvetica Neue"/>
-              </a:defRPr>
-            </a:lvl3pPr>
-            <a:lvl4pPr marL="0" marR="0" indent="685800" algn="ctr" defTabSz="584200" rtl="0" fontAlgn="auto" latinLnBrk="0" hangingPunct="0">
-              <a:lnSpc>
-                <a:spcPct val="100000"/>
-              </a:lnSpc>
-              <a:spcBef>
-                <a:spcPts val="0"/>
-              </a:spcBef>
-              <a:spcAft>
-                <a:spcPts val="0"/>
-              </a:spcAft>
-              <a:buClrTx/>
-              <a:buFontTx/>
-              <a:buNone/>
-              <a:defRPr kumimoji="0" sz="2400" b="1" i="0" u="none" strike="noStrike" cap="none" spc="0" normalizeH="0" baseline="0">
-                <a:solidFill>
-                  <a:srgbClr val="000000"/>
-                </a:solidFill>
-                <a:effectLst/>
-                <a:uFillTx/>
-                <a:latin typeface="Helvetica Neue"/>
-                <a:ea typeface="Helvetica Neue"/>
-                <a:cs typeface="Helvetica Neue"/>
-                <a:sym typeface="Helvetica Neue"/>
-              </a:defRPr>
-            </a:lvl4pPr>
-            <a:lvl5pPr marL="0" marR="0" indent="914400" algn="ctr" defTabSz="584200" rtl="0" fontAlgn="auto" latinLnBrk="0" hangingPunct="0">
-              <a:lnSpc>
-                <a:spcPct val="100000"/>
-              </a:lnSpc>
-              <a:spcBef>
-                <a:spcPts val="0"/>
-              </a:spcBef>
-              <a:spcAft>
-                <a:spcPts val="0"/>
-              </a:spcAft>
-              <a:buClrTx/>
-              <a:buFontTx/>
-              <a:buNone/>
-              <a:defRPr kumimoji="0" sz="2400" b="1" i="0" u="none" strike="noStrike" cap="none" spc="0" normalizeH="0" baseline="0">
-                <a:solidFill>
-                  <a:srgbClr val="000000"/>
-                </a:solidFill>
-                <a:effectLst/>
-                <a:uFillTx/>
-                <a:latin typeface="Helvetica Neue"/>
-                <a:ea typeface="Helvetica Neue"/>
-                <a:cs typeface="Helvetica Neue"/>
-                <a:sym typeface="Helvetica Neue"/>
-              </a:defRPr>
-            </a:lvl5pPr>
-            <a:lvl6pPr marL="0" marR="0" indent="1143000" algn="ctr" defTabSz="584200" rtl="0" fontAlgn="auto" latinLnBrk="0" hangingPunct="0">
-              <a:lnSpc>
-                <a:spcPct val="100000"/>
-              </a:lnSpc>
-              <a:spcBef>
-                <a:spcPts val="0"/>
-              </a:spcBef>
-              <a:spcAft>
-                <a:spcPts val="0"/>
-              </a:spcAft>
-              <a:buClrTx/>
-              <a:buFontTx/>
-              <a:buNone/>
-              <a:defRPr kumimoji="0" sz="2400" b="1" i="0" u="none" strike="noStrike" cap="none" spc="0" normalizeH="0" baseline="0">
-                <a:solidFill>
-                  <a:srgbClr val="000000"/>
-                </a:solidFill>
-                <a:effectLst/>
-                <a:uFillTx/>
-                <a:latin typeface="Helvetica Neue"/>
-                <a:ea typeface="Helvetica Neue"/>
-                <a:cs typeface="Helvetica Neue"/>
-                <a:sym typeface="Helvetica Neue"/>
-              </a:defRPr>
-            </a:lvl6pPr>
-            <a:lvl7pPr marL="0" marR="0" indent="1371600" algn="ctr" defTabSz="584200" rtl="0" fontAlgn="auto" latinLnBrk="0" hangingPunct="0">
-              <a:lnSpc>
-                <a:spcPct val="100000"/>
-              </a:lnSpc>
-              <a:spcBef>
-                <a:spcPts val="0"/>
-              </a:spcBef>
-              <a:spcAft>
-                <a:spcPts val="0"/>
-              </a:spcAft>
-              <a:buClrTx/>
-              <a:buFontTx/>
-              <a:buNone/>
-              <a:defRPr kumimoji="0" sz="2400" b="1" i="0" u="none" strike="noStrike" cap="none" spc="0" normalizeH="0" baseline="0">
-                <a:solidFill>
-                  <a:srgbClr val="000000"/>
-                </a:solidFill>
-                <a:effectLst/>
-                <a:uFillTx/>
-                <a:latin typeface="Helvetica Neue"/>
-                <a:ea typeface="Helvetica Neue"/>
-                <a:cs typeface="Helvetica Neue"/>
-                <a:sym typeface="Helvetica Neue"/>
-              </a:defRPr>
-            </a:lvl7pPr>
-            <a:lvl8pPr marL="0" marR="0" indent="1600200" algn="ctr" defTabSz="584200" rtl="0" fontAlgn="auto" latinLnBrk="0" hangingPunct="0">
-              <a:lnSpc>
-                <a:spcPct val="100000"/>
-              </a:lnSpc>
-              <a:spcBef>
-                <a:spcPts val="0"/>
-              </a:spcBef>
-              <a:spcAft>
-                <a:spcPts val="0"/>
-              </a:spcAft>
-              <a:buClrTx/>
-              <a:buFontTx/>
-              <a:buNone/>
-              <a:defRPr kumimoji="0" sz="2400" b="1" i="0" u="none" strike="noStrike" cap="none" spc="0" normalizeH="0" baseline="0">
-                <a:solidFill>
-                  <a:srgbClr val="000000"/>
-                </a:solidFill>
-                <a:effectLst/>
-                <a:uFillTx/>
-                <a:latin typeface="Helvetica Neue"/>
-                <a:ea typeface="Helvetica Neue"/>
-                <a:cs typeface="Helvetica Neue"/>
-                <a:sym typeface="Helvetica Neue"/>
-              </a:defRPr>
-            </a:lvl8pPr>
-            <a:lvl9pPr marL="0" marR="0" indent="1828800" algn="ctr" defTabSz="584200" rtl="0" fontAlgn="auto" latinLnBrk="0" hangingPunct="0">
-              <a:lnSpc>
-                <a:spcPct val="100000"/>
-              </a:lnSpc>
-              <a:spcBef>
-                <a:spcPts val="0"/>
-              </a:spcBef>
-              <a:spcAft>
-                <a:spcPts val="0"/>
-              </a:spcAft>
-              <a:buClrTx/>
-              <a:buFontTx/>
-              <a:buNone/>
-              <a:defRPr kumimoji="0" sz="2400" b="1" i="0" u="none" strike="noStrike" cap="none" spc="0" normalizeH="0" baseline="0">
-                <a:solidFill>
-                  <a:srgbClr val="000000"/>
-                </a:solidFill>
-                <a:effectLst/>
-                <a:uFillTx/>
-                <a:latin typeface="Helvetica Neue"/>
-                <a:ea typeface="Helvetica Neue"/>
-                <a:cs typeface="Helvetica Neue"/>
-                <a:sym typeface="Helvetica Neue"/>
-              </a:defRPr>
-            </a:lvl9pPr>
-          </a:lstStyle>
-          <a:p>
-            <a:pPr lvl="0">
-              <a:defRPr/>
-            </a:pPr>
-            <a:fld id="{86CB4B4D-7CA3-9044-876B-883B54F8677D}" type="slidenum">
-              <a:rPr lang="en-US" altLang="ko-KR"/>
-              <a:pPr lvl="0">
-                <a:defRPr/>
-              </a:pPr>
-              <a:t>67</a:t>
-            </a:fld>
-            <a:endParaRPr lang="en-US" altLang="ko-KR"/>
-          </a:p>
-        </p:txBody>
-      </p:sp>
       <p:sp>
         <p:nvSpPr>
           <p:cNvPr id="423" name="In 1997, Pathfinder on Mars has stopped. OS has crashed due to the priority inversion."/>

--- a/personal_guide/2과제 번역.pptx
+++ b/personal_guide/2과제 번역.pptx
@@ -30,8 +30,8 @@
     <p:sldId id="1878" r:id="rId22"/>
     <p:sldId id="1879" r:id="rId23"/>
     <p:sldId id="1880" r:id="rId24"/>
-    <p:sldId id="1830" r:id="rId25"/>
-    <p:sldId id="1831" r:id="rId26"/>
+    <p:sldId id="1831" r:id="rId25"/>
+    <p:sldId id="1830" r:id="rId26"/>
     <p:sldId id="1884" r:id="rId27"/>
     <p:sldId id="1834" r:id="rId28"/>
   </p:sldIdLst>
@@ -21437,7 +21437,7 @@
 </file>
 
 <file path=ppt/slides/slide23.xml><?xml version="1.0" encoding="utf-8"?>
-<p:sld xmlns:a="http://schemas.openxmlformats.org/drawingml/2006/main" xmlns:r="http://schemas.openxmlformats.org/officeDocument/2006/relationships" xmlns:p="http://schemas.openxmlformats.org/presentationml/2006/main">
+<p:sld xmlns:r="http://schemas.openxmlformats.org/officeDocument/2006/relationships" xmlns:c="http://schemas.openxmlformats.org/drawingml/2006/chart" xmlns:a="http://schemas.openxmlformats.org/drawingml/2006/main" xmlns:dgm="http://schemas.openxmlformats.org/drawingml/2006/diagram" xmlns:dsp="http://schemas.microsoft.com/office/drawing/2008/diagram" xmlns:p="http://schemas.openxmlformats.org/presentationml/2006/main">
   <p:cSld>
     <p:spTree>
       <p:nvGrpSpPr>
@@ -21455,19 +21455,1927 @@
       </p:grpSpPr>
       <p:sp>
         <p:nvSpPr>
-          <p:cNvPr id="49" name="내용 개체 틀 2">
-            <a:extLst>
-              <a:ext uri="{FF2B5EF4-FFF2-40B4-BE49-F238E27FC236}">
-                <a16:creationId xmlns:a16="http://schemas.microsoft.com/office/drawing/2014/main" id="{AA359DA7-5342-4F63-8C17-D4E4A1F57FF4}"/>
-              </a:ext>
-            </a:extLst>
-          </p:cNvPr>
-          <p:cNvSpPr txBox="1">
-            <a:spLocks/>
+          <p:cNvPr id="2" name="제목 1"/>
+          <p:cNvSpPr>
+            <a:spLocks noGrp="1"/>
           </p:cNvSpPr>
-          <p:nvPr/>
-        </p:nvSpPr>
-        <p:spPr bwMode="auto">
+          <p:nvPr>
+            <p:ph type="title" idx="0"/>
+          </p:nvPr>
+        </p:nvSpPr>
+        <p:spPr/>
+        <p:txBody>
+          <a:bodyPr/>
+          <a:lstStyle/>
+          <a:p>
+            <a:pPr lvl="0">
+              <a:defRPr/>
+            </a:pPr>
+            <a:r>
+              <a:rPr lang="en-US" altLang="ko-KR"/>
+              <a:t>Data Structure for nested donataion</a:t>
+            </a:r>
+            <a:endParaRPr lang="en-US" altLang="ko-KR"/>
+          </a:p>
+        </p:txBody>
+      </p:sp>
+      <p:sp>
+        <p:nvSpPr>
+          <p:cNvPr id="3" name="내용 개체 틀 2"/>
+          <p:cNvSpPr>
+            <a:spLocks noGrp="1"/>
+          </p:cNvSpPr>
+          <p:nvPr>
+            <p:ph idx="1"/>
+          </p:nvPr>
+        </p:nvSpPr>
+        <p:spPr>
+          <a:xfrm>
+            <a:off x="249684" y="725244"/>
+            <a:ext cx="8786812" cy="525915"/>
+          </a:xfrm>
+        </p:spPr>
+        <p:txBody>
+          <a:bodyPr/>
+          <a:lstStyle/>
+          <a:p>
+            <a:pPr lvl="0">
+              <a:defRPr/>
+            </a:pPr>
+            <a:r>
+              <a:rPr lang="en-US" altLang="ko-KR">
+                <a:latin typeface="Courier New"/>
+                <a:cs typeface="Courier New"/>
+              </a:rPr>
+              <a:t>wait_on_lock</a:t>
+            </a:r>
+            <a:r>
+              <a:rPr lang="en-US" altLang="ko-KR"/>
+              <a:t>: lock that it waits for</a:t>
+            </a:r>
+            <a:endParaRPr lang="en-US" altLang="ko-KR">
+              <a:solidFill>
+                <a:schemeClr val="tx1"/>
+              </a:solidFill>
+            </a:endParaRPr>
+          </a:p>
+        </p:txBody>
+      </p:sp>
+      <p:sp>
+        <p:nvSpPr>
+          <p:cNvPr id="5" name="슬라이드 번호 개체 틀 4"/>
+          <p:cNvSpPr>
+            <a:spLocks noGrp="1"/>
+          </p:cNvSpPr>
+          <p:nvPr>
+            <p:ph type="sldNum" sz="quarter" idx="11"/>
+          </p:nvPr>
+        </p:nvSpPr>
+        <p:spPr/>
+        <p:txBody>
+          <a:bodyPr/>
+          <a:lstStyle/>
+          <a:p>
+            <a:pPr lvl="0">
+              <a:defRPr/>
+            </a:pPr>
+            <a:fld id="{515CC4ED-1449-4712-AE45-EBC263B4DD26}" type="slidenum">
+              <a:rPr lang="en-US" altLang="ko-KR">
+                <a:solidFill>
+                  <a:srgbClr val="1f497d">
+                    <a:lumMod val="50000"/>
+                  </a:srgbClr>
+                </a:solidFill>
+              </a:rPr>
+              <a:pPr lvl="0">
+                <a:defRPr/>
+              </a:pPr>
+              <a:t>23</a:t>
+            </a:fld>
+            <a:r>
+              <a:rPr lang="en-US" altLang="ko-KR">
+                <a:solidFill>
+                  <a:srgbClr val="1f497d">
+                    <a:lumMod val="50000"/>
+                  </a:srgbClr>
+                </a:solidFill>
+              </a:rPr>
+              <a:t> </a:t>
+            </a:r>
+            <a:endParaRPr lang="en-US" altLang="ko-KR">
+              <a:solidFill>
+                <a:srgbClr val="1f497d">
+                  <a:lumMod val="50000"/>
+                </a:srgbClr>
+              </a:solidFill>
+            </a:endParaRPr>
+          </a:p>
+        </p:txBody>
+      </p:sp>
+      <p:sp>
+        <p:nvSpPr>
+          <p:cNvPr id="6" name="바닥글 개체 틀 5"/>
+          <p:cNvSpPr>
+            <a:spLocks noGrp="1"/>
+          </p:cNvSpPr>
+          <p:nvPr>
+            <p:ph type="ftr" sz="quarter" idx="3"/>
+          </p:nvPr>
+        </p:nvSpPr>
+        <p:spPr/>
+        <p:txBody>
+          <a:bodyPr/>
+          <a:lstStyle/>
+          <a:p>
+            <a:pPr lvl="0">
+              <a:defRPr/>
+            </a:pPr>
+            <a:r>
+              <a:rPr lang="en-US" altLang="ko-KR">
+                <a:solidFill>
+                  <a:prstClr val="black"/>
+                </a:solidFill>
+              </a:rPr>
+              <a:t>Youjip Won</a:t>
+            </a:r>
+            <a:endParaRPr lang="ko-KR" altLang="en-US">
+              <a:solidFill>
+                <a:prstClr val="black"/>
+              </a:solidFill>
+            </a:endParaRPr>
+          </a:p>
+        </p:txBody>
+      </p:sp>
+      <p:sp>
+        <p:nvSpPr>
+          <p:cNvPr id="84" name="직사각형 83"/>
+          <p:cNvSpPr/>
+          <p:nvPr/>
+        </p:nvSpPr>
+        <p:spPr>
+          <a:xfrm>
+            <a:off x="651434" y="2460748"/>
+            <a:ext cx="1410494" cy="324036"/>
+          </a:xfrm>
+          <a:prstGeom prst="rect">
+            <a:avLst/>
+          </a:prstGeom>
+          <a:solidFill>
+            <a:schemeClr val="accent3"/>
+          </a:solidFill>
+          <a:ln w="12700">
+            <a:solidFill>
+              <a:schemeClr val="accent3">
+                <a:lumMod val="75000"/>
+              </a:schemeClr>
+            </a:solidFill>
+          </a:ln>
+          <a:effectLst>
+            <a:outerShdw blurRad="50800" dist="38100" dir="2700000" algn="tl" rotWithShape="0">
+              <a:prstClr val="black">
+                <a:alpha val="40000"/>
+              </a:prstClr>
+            </a:outerShdw>
+          </a:effectLst>
+        </p:spPr>
+        <p:style>
+          <a:lnRef idx="3">
+            <a:schemeClr val="lt1"/>
+          </a:lnRef>
+          <a:fillRef idx="1">
+            <a:schemeClr val="accent1"/>
+          </a:fillRef>
+          <a:effectRef idx="1">
+            <a:schemeClr val="accent1"/>
+          </a:effectRef>
+          <a:fontRef idx="minor">
+            <a:schemeClr val="lt1"/>
+          </a:fontRef>
+        </p:style>
+        <p:txBody>
+          <a:bodyPr anchor="ctr"/>
+          <a:lstStyle/>
+          <a:p>
+            <a:pPr lvl="0" algn="ctr">
+              <a:defRPr/>
+            </a:pPr>
+            <a:r>
+              <a:rPr lang="en-US" altLang="ko-KR" sz="1600" b="1">
+                <a:solidFill>
+                  <a:prstClr val="white"/>
+                </a:solidFill>
+                <a:latin typeface="맑은 고딕"/>
+                <a:ea typeface="맑은 고딕"/>
+                <a:cs typeface="+mn-cs"/>
+              </a:rPr>
+              <a:t>thread L</a:t>
+            </a:r>
+            <a:endParaRPr lang="ko-KR" altLang="en-US" sz="1600" b="1">
+              <a:solidFill>
+                <a:prstClr val="white"/>
+              </a:solidFill>
+              <a:latin typeface="맑은 고딕"/>
+              <a:ea typeface="맑은 고딕"/>
+              <a:cs typeface="+mn-cs"/>
+            </a:endParaRPr>
+          </a:p>
+        </p:txBody>
+      </p:sp>
+      <p:sp>
+        <p:nvSpPr>
+          <p:cNvPr id="85" name="직사각형 84"/>
+          <p:cNvSpPr/>
+          <p:nvPr/>
+        </p:nvSpPr>
+        <p:spPr>
+          <a:xfrm>
+            <a:off x="651434" y="2784784"/>
+            <a:ext cx="1410494" cy="324036"/>
+          </a:xfrm>
+          <a:prstGeom prst="rect">
+            <a:avLst/>
+          </a:prstGeom>
+          <a:solidFill>
+            <a:schemeClr val="bg1"/>
+          </a:solidFill>
+          <a:ln w="12700">
+            <a:solidFill>
+              <a:schemeClr val="accent3">
+                <a:lumMod val="75000"/>
+              </a:schemeClr>
+            </a:solidFill>
+          </a:ln>
+          <a:effectLst>
+            <a:outerShdw blurRad="50800" dist="38100" dir="2700000" algn="tl" rotWithShape="0">
+              <a:prstClr val="black">
+                <a:alpha val="40000"/>
+              </a:prstClr>
+            </a:outerShdw>
+          </a:effectLst>
+        </p:spPr>
+        <p:style>
+          <a:lnRef idx="3">
+            <a:schemeClr val="lt1"/>
+          </a:lnRef>
+          <a:fillRef idx="1">
+            <a:schemeClr val="accent1"/>
+          </a:fillRef>
+          <a:effectRef idx="1">
+            <a:schemeClr val="accent1"/>
+          </a:effectRef>
+          <a:fontRef idx="minor">
+            <a:schemeClr val="lt1"/>
+          </a:fontRef>
+        </p:style>
+        <p:txBody>
+          <a:bodyPr anchor="ctr"/>
+          <a:lstStyle/>
+          <a:p>
+            <a:pPr lvl="0" algn="ctr">
+              <a:defRPr/>
+            </a:pPr>
+            <a:r>
+              <a:rPr lang="en-US" altLang="ko-KR" sz="1600" b="1">
+                <a:solidFill>
+                  <a:srgbClr val="9bbb59"/>
+                </a:solidFill>
+                <a:latin typeface="맑은 고딕"/>
+                <a:ea typeface="맑은 고딕"/>
+                <a:cs typeface="+mn-cs"/>
+              </a:rPr>
+              <a:t>priority = L</a:t>
+            </a:r>
+            <a:endParaRPr lang="ko-KR" altLang="en-US" sz="1600" b="1">
+              <a:solidFill>
+                <a:srgbClr val="9bbb59"/>
+              </a:solidFill>
+              <a:latin typeface="맑은 고딕"/>
+              <a:ea typeface="맑은 고딕"/>
+              <a:cs typeface="+mn-cs"/>
+            </a:endParaRPr>
+          </a:p>
+        </p:txBody>
+      </p:sp>
+      <p:sp>
+        <p:nvSpPr>
+          <p:cNvPr id="86" name="직사각형 85"/>
+          <p:cNvSpPr/>
+          <p:nvPr/>
+        </p:nvSpPr>
+        <p:spPr>
+          <a:xfrm>
+            <a:off x="651434" y="3108820"/>
+            <a:ext cx="1410494" cy="324036"/>
+          </a:xfrm>
+          <a:prstGeom prst="rect">
+            <a:avLst/>
+          </a:prstGeom>
+          <a:solidFill>
+            <a:schemeClr val="bg1"/>
+          </a:solidFill>
+          <a:ln w="12700">
+            <a:solidFill>
+              <a:schemeClr val="accent3">
+                <a:lumMod val="75000"/>
+              </a:schemeClr>
+            </a:solidFill>
+          </a:ln>
+          <a:effectLst>
+            <a:outerShdw blurRad="50800" dist="38100" dir="2700000" algn="tl" rotWithShape="0">
+              <a:prstClr val="black">
+                <a:alpha val="40000"/>
+              </a:prstClr>
+            </a:outerShdw>
+          </a:effectLst>
+        </p:spPr>
+        <p:style>
+          <a:lnRef idx="3">
+            <a:schemeClr val="lt1"/>
+          </a:lnRef>
+          <a:fillRef idx="1">
+            <a:schemeClr val="accent1"/>
+          </a:fillRef>
+          <a:effectRef idx="1">
+            <a:schemeClr val="accent1"/>
+          </a:effectRef>
+          <a:fontRef idx="minor">
+            <a:schemeClr val="lt1"/>
+          </a:fontRef>
+        </p:style>
+        <p:txBody>
+          <a:bodyPr anchor="ctr"/>
+          <a:lstStyle/>
+          <a:p>
+            <a:pPr lvl="0" algn="ctr">
+              <a:defRPr/>
+            </a:pPr>
+            <a:r>
+              <a:rPr lang="en-US" altLang="ko-KR" sz="1600" b="1">
+                <a:solidFill>
+                  <a:srgbClr val="9bbb59"/>
+                </a:solidFill>
+                <a:latin typeface="맑은 고딕"/>
+                <a:ea typeface="맑은 고딕"/>
+                <a:cs typeface="+mn-cs"/>
+              </a:rPr>
+              <a:t>wait_on_lock</a:t>
+            </a:r>
+            <a:endParaRPr lang="ko-KR" altLang="en-US" sz="1600" b="1">
+              <a:solidFill>
+                <a:srgbClr val="9bbb59"/>
+              </a:solidFill>
+              <a:latin typeface="맑은 고딕"/>
+              <a:ea typeface="맑은 고딕"/>
+              <a:cs typeface="+mn-cs"/>
+            </a:endParaRPr>
+          </a:p>
+        </p:txBody>
+      </p:sp>
+      <p:sp>
+        <p:nvSpPr>
+          <p:cNvPr id="87" name="직사각형 86"/>
+          <p:cNvSpPr/>
+          <p:nvPr/>
+        </p:nvSpPr>
+        <p:spPr>
+          <a:xfrm>
+            <a:off x="651434" y="3432856"/>
+            <a:ext cx="1410494" cy="324036"/>
+          </a:xfrm>
+          <a:prstGeom prst="rect">
+            <a:avLst/>
+          </a:prstGeom>
+          <a:solidFill>
+            <a:schemeClr val="bg1"/>
+          </a:solidFill>
+          <a:ln w="12700">
+            <a:solidFill>
+              <a:schemeClr val="accent3">
+                <a:lumMod val="75000"/>
+              </a:schemeClr>
+            </a:solidFill>
+          </a:ln>
+          <a:effectLst>
+            <a:outerShdw blurRad="50800" dist="38100" dir="2700000" algn="tl" rotWithShape="0">
+              <a:prstClr val="black">
+                <a:alpha val="40000"/>
+              </a:prstClr>
+            </a:outerShdw>
+          </a:effectLst>
+        </p:spPr>
+        <p:style>
+          <a:lnRef idx="3">
+            <a:schemeClr val="lt1"/>
+          </a:lnRef>
+          <a:fillRef idx="1">
+            <a:schemeClr val="accent1"/>
+          </a:fillRef>
+          <a:effectRef idx="1">
+            <a:schemeClr val="accent1"/>
+          </a:effectRef>
+          <a:fontRef idx="minor">
+            <a:schemeClr val="lt1"/>
+          </a:fontRef>
+        </p:style>
+        <p:txBody>
+          <a:bodyPr anchor="ctr"/>
+          <a:lstStyle/>
+          <a:p>
+            <a:pPr lvl="0" algn="ctr">
+              <a:defRPr/>
+            </a:pPr>
+            <a:r>
+              <a:rPr lang="en-US" altLang="ko-KR" sz="1600" b="1">
+                <a:solidFill>
+                  <a:srgbClr val="9bbb59"/>
+                </a:solidFill>
+                <a:latin typeface="맑은 고딕"/>
+                <a:ea typeface="맑은 고딕"/>
+                <a:cs typeface="+mn-cs"/>
+              </a:rPr>
+              <a:t>…</a:t>
+            </a:r>
+            <a:endParaRPr lang="ko-KR" altLang="en-US" sz="1600" b="1">
+              <a:solidFill>
+                <a:srgbClr val="9bbb59"/>
+              </a:solidFill>
+              <a:latin typeface="맑은 고딕"/>
+              <a:ea typeface="맑은 고딕"/>
+              <a:cs typeface="+mn-cs"/>
+            </a:endParaRPr>
+          </a:p>
+        </p:txBody>
+      </p:sp>
+      <p:sp>
+        <p:nvSpPr>
+          <p:cNvPr id="88" name="직사각형 87"/>
+          <p:cNvSpPr/>
+          <p:nvPr/>
+        </p:nvSpPr>
+        <p:spPr>
+          <a:xfrm>
+            <a:off x="2426593" y="2636912"/>
+            <a:ext cx="906170" cy="288032"/>
+          </a:xfrm>
+          <a:prstGeom prst="rect">
+            <a:avLst/>
+          </a:prstGeom>
+          <a:solidFill>
+            <a:schemeClr val="accent5"/>
+          </a:solidFill>
+          <a:ln w="12700">
+            <a:solidFill>
+              <a:schemeClr val="accent5">
+                <a:lumMod val="75000"/>
+              </a:schemeClr>
+            </a:solidFill>
+          </a:ln>
+          <a:effectLst>
+            <a:outerShdw blurRad="50800" dist="38100" dir="2700000" algn="tl" rotWithShape="0">
+              <a:prstClr val="black">
+                <a:alpha val="40000"/>
+              </a:prstClr>
+            </a:outerShdw>
+          </a:effectLst>
+        </p:spPr>
+        <p:style>
+          <a:lnRef idx="3">
+            <a:schemeClr val="lt1"/>
+          </a:lnRef>
+          <a:fillRef idx="1">
+            <a:schemeClr val="accent1"/>
+          </a:fillRef>
+          <a:effectRef idx="1">
+            <a:schemeClr val="accent1"/>
+          </a:effectRef>
+          <a:fontRef idx="minor">
+            <a:schemeClr val="lt1"/>
+          </a:fontRef>
+        </p:style>
+        <p:txBody>
+          <a:bodyPr lIns="0" tIns="0" rIns="0" bIns="0" anchor="ctr"/>
+          <a:lstStyle/>
+          <a:p>
+            <a:pPr lvl="0" algn="ctr">
+              <a:defRPr/>
+            </a:pPr>
+            <a:r>
+              <a:rPr lang="en-US" altLang="ko-KR" sz="1200" b="1">
+                <a:solidFill>
+                  <a:prstClr val="white"/>
+                </a:solidFill>
+                <a:latin typeface="맑은 고딕"/>
+                <a:ea typeface="맑은 고딕"/>
+                <a:cs typeface="+mn-cs"/>
+              </a:rPr>
+              <a:t>lock A</a:t>
+            </a:r>
+            <a:endParaRPr lang="ko-KR" altLang="en-US" sz="1200" b="1">
+              <a:solidFill>
+                <a:prstClr val="white"/>
+              </a:solidFill>
+              <a:latin typeface="맑은 고딕"/>
+              <a:ea typeface="맑은 고딕"/>
+              <a:cs typeface="+mn-cs"/>
+            </a:endParaRPr>
+          </a:p>
+        </p:txBody>
+      </p:sp>
+      <p:sp>
+        <p:nvSpPr>
+          <p:cNvPr id="89" name="직사각형 88"/>
+          <p:cNvSpPr/>
+          <p:nvPr/>
+        </p:nvSpPr>
+        <p:spPr>
+          <a:xfrm>
+            <a:off x="2426593" y="2924944"/>
+            <a:ext cx="906170" cy="288032"/>
+          </a:xfrm>
+          <a:prstGeom prst="rect">
+            <a:avLst/>
+          </a:prstGeom>
+          <a:solidFill>
+            <a:schemeClr val="bg1"/>
+          </a:solidFill>
+          <a:ln w="12700">
+            <a:solidFill>
+              <a:schemeClr val="accent5">
+                <a:lumMod val="75000"/>
+              </a:schemeClr>
+            </a:solidFill>
+          </a:ln>
+          <a:effectLst>
+            <a:outerShdw blurRad="50800" dist="38100" dir="2700000" algn="tl" rotWithShape="0">
+              <a:prstClr val="black">
+                <a:alpha val="40000"/>
+              </a:prstClr>
+            </a:outerShdw>
+          </a:effectLst>
+        </p:spPr>
+        <p:style>
+          <a:lnRef idx="3">
+            <a:schemeClr val="lt1"/>
+          </a:lnRef>
+          <a:fillRef idx="1">
+            <a:schemeClr val="accent1"/>
+          </a:fillRef>
+          <a:effectRef idx="1">
+            <a:schemeClr val="accent1"/>
+          </a:effectRef>
+          <a:fontRef idx="minor">
+            <a:schemeClr val="lt1"/>
+          </a:fontRef>
+        </p:style>
+        <p:txBody>
+          <a:bodyPr lIns="0" tIns="0" rIns="0" bIns="0" anchor="ctr"/>
+          <a:lstStyle/>
+          <a:p>
+            <a:pPr lvl="0" algn="ctr">
+              <a:defRPr/>
+            </a:pPr>
+            <a:r>
+              <a:rPr lang="en-US" altLang="ko-KR" sz="1200" b="1">
+                <a:solidFill>
+                  <a:srgbClr val="4bacc6"/>
+                </a:solidFill>
+                <a:latin typeface="맑은 고딕"/>
+                <a:ea typeface="맑은 고딕"/>
+                <a:cs typeface="+mn-cs"/>
+              </a:rPr>
+              <a:t>holder</a:t>
+            </a:r>
+            <a:endParaRPr lang="ko-KR" altLang="en-US" sz="1200" b="1">
+              <a:solidFill>
+                <a:srgbClr val="4bacc6"/>
+              </a:solidFill>
+              <a:latin typeface="맑은 고딕"/>
+              <a:ea typeface="맑은 고딕"/>
+              <a:cs typeface="+mn-cs"/>
+            </a:endParaRPr>
+          </a:p>
+        </p:txBody>
+      </p:sp>
+      <p:sp>
+        <p:nvSpPr>
+          <p:cNvPr id="90" name="직사각형 89"/>
+          <p:cNvSpPr/>
+          <p:nvPr/>
+        </p:nvSpPr>
+        <p:spPr>
+          <a:xfrm>
+            <a:off x="2426593" y="3212505"/>
+            <a:ext cx="906170" cy="288032"/>
+          </a:xfrm>
+          <a:prstGeom prst="rect">
+            <a:avLst/>
+          </a:prstGeom>
+          <a:solidFill>
+            <a:schemeClr val="bg1"/>
+          </a:solidFill>
+          <a:ln w="12700">
+            <a:solidFill>
+              <a:schemeClr val="accent5">
+                <a:lumMod val="75000"/>
+              </a:schemeClr>
+            </a:solidFill>
+          </a:ln>
+          <a:effectLst>
+            <a:outerShdw blurRad="50800" dist="38100" dir="2700000" algn="tl" rotWithShape="0">
+              <a:prstClr val="black">
+                <a:alpha val="40000"/>
+              </a:prstClr>
+            </a:outerShdw>
+          </a:effectLst>
+        </p:spPr>
+        <p:style>
+          <a:lnRef idx="3">
+            <a:schemeClr val="lt1"/>
+          </a:lnRef>
+          <a:fillRef idx="1">
+            <a:schemeClr val="accent1"/>
+          </a:fillRef>
+          <a:effectRef idx="1">
+            <a:schemeClr val="accent1"/>
+          </a:effectRef>
+          <a:fontRef idx="minor">
+            <a:schemeClr val="lt1"/>
+          </a:fontRef>
+        </p:style>
+        <p:txBody>
+          <a:bodyPr lIns="0" tIns="0" rIns="0" bIns="0" anchor="ctr"/>
+          <a:lstStyle/>
+          <a:p>
+            <a:pPr lvl="0" algn="ctr">
+              <a:defRPr/>
+            </a:pPr>
+            <a:r>
+              <a:rPr lang="en-US" altLang="ko-KR" sz="1200" b="1">
+                <a:solidFill>
+                  <a:prstClr val="black"/>
+                </a:solidFill>
+                <a:latin typeface="맑은 고딕"/>
+                <a:ea typeface="맑은 고딕"/>
+                <a:cs typeface="+mn-cs"/>
+              </a:rPr>
+              <a:t>…</a:t>
+            </a:r>
+            <a:endParaRPr lang="ko-KR" altLang="en-US" sz="1200" b="1">
+              <a:solidFill>
+                <a:prstClr val="black"/>
+              </a:solidFill>
+              <a:latin typeface="맑은 고딕"/>
+              <a:ea typeface="맑은 고딕"/>
+              <a:cs typeface="+mn-cs"/>
+            </a:endParaRPr>
+          </a:p>
+        </p:txBody>
+      </p:sp>
+      <p:cxnSp>
+        <p:nvCxnSpPr>
+          <p:cNvPr id="91" name="꺾인 연결선 20"/>
+          <p:cNvCxnSpPr>
+            <a:stCxn id="89" idx="1"/>
+            <a:endCxn id="84" idx="3"/>
+          </p:cNvCxnSpPr>
+          <p:nvPr/>
+        </p:nvCxnSpPr>
+        <p:spPr>
+          <a:xfrm rot="10800000">
+            <a:off x="2061929" y="2622766"/>
+            <a:ext cx="364665" cy="446194"/>
+          </a:xfrm>
+          <a:prstGeom prst="bentConnector3">
+            <a:avLst>
+              <a:gd name="adj1" fmla="val 50000"/>
+            </a:avLst>
+          </a:prstGeom>
+          <a:ln w="12700">
+            <a:solidFill>
+              <a:schemeClr val="tx1"/>
+            </a:solidFill>
+            <a:tailEnd type="triangle"/>
+          </a:ln>
+        </p:spPr>
+        <p:style>
+          <a:lnRef idx="1">
+            <a:schemeClr val="accent1"/>
+          </a:lnRef>
+          <a:fillRef idx="0">
+            <a:schemeClr val="accent1"/>
+          </a:fillRef>
+          <a:effectRef idx="0">
+            <a:schemeClr val="accent1"/>
+          </a:effectRef>
+          <a:fontRef idx="minor">
+            <a:schemeClr val="tx1"/>
+          </a:fontRef>
+        </p:style>
+      </p:cxnSp>
+      <p:sp>
+        <p:nvSpPr>
+          <p:cNvPr id="92" name="직사각형 91"/>
+          <p:cNvSpPr/>
+          <p:nvPr/>
+        </p:nvSpPr>
+        <p:spPr>
+          <a:xfrm>
+            <a:off x="3866753" y="2456892"/>
+            <a:ext cx="1410494" cy="324036"/>
+          </a:xfrm>
+          <a:prstGeom prst="rect">
+            <a:avLst/>
+          </a:prstGeom>
+          <a:solidFill>
+            <a:schemeClr val="accent3"/>
+          </a:solidFill>
+          <a:ln w="12700">
+            <a:solidFill>
+              <a:schemeClr val="accent3">
+                <a:lumMod val="75000"/>
+              </a:schemeClr>
+            </a:solidFill>
+          </a:ln>
+          <a:effectLst>
+            <a:outerShdw blurRad="50800" dist="38100" dir="2700000" algn="tl" rotWithShape="0">
+              <a:prstClr val="black">
+                <a:alpha val="40000"/>
+              </a:prstClr>
+            </a:outerShdw>
+          </a:effectLst>
+        </p:spPr>
+        <p:style>
+          <a:lnRef idx="3">
+            <a:schemeClr val="lt1"/>
+          </a:lnRef>
+          <a:fillRef idx="1">
+            <a:schemeClr val="accent1"/>
+          </a:fillRef>
+          <a:effectRef idx="1">
+            <a:schemeClr val="accent1"/>
+          </a:effectRef>
+          <a:fontRef idx="minor">
+            <a:schemeClr val="lt1"/>
+          </a:fontRef>
+        </p:style>
+        <p:txBody>
+          <a:bodyPr anchor="ctr"/>
+          <a:lstStyle/>
+          <a:p>
+            <a:pPr lvl="0" algn="ctr">
+              <a:defRPr/>
+            </a:pPr>
+            <a:r>
+              <a:rPr lang="en-US" altLang="ko-KR" sz="1600" b="1">
+                <a:solidFill>
+                  <a:prstClr val="white"/>
+                </a:solidFill>
+                <a:latin typeface="맑은 고딕"/>
+                <a:ea typeface="맑은 고딕"/>
+                <a:cs typeface="+mn-cs"/>
+              </a:rPr>
+              <a:t>thread M</a:t>
+            </a:r>
+            <a:endParaRPr lang="ko-KR" altLang="en-US" sz="1600" b="1">
+              <a:solidFill>
+                <a:prstClr val="white"/>
+              </a:solidFill>
+              <a:latin typeface="맑은 고딕"/>
+              <a:ea typeface="맑은 고딕"/>
+              <a:cs typeface="+mn-cs"/>
+            </a:endParaRPr>
+          </a:p>
+        </p:txBody>
+      </p:sp>
+      <p:sp>
+        <p:nvSpPr>
+          <p:cNvPr id="94" name="직사각형 93"/>
+          <p:cNvSpPr/>
+          <p:nvPr/>
+        </p:nvSpPr>
+        <p:spPr>
+          <a:xfrm>
+            <a:off x="3866753" y="2780928"/>
+            <a:ext cx="1410494" cy="324036"/>
+          </a:xfrm>
+          <a:prstGeom prst="rect">
+            <a:avLst/>
+          </a:prstGeom>
+          <a:solidFill>
+            <a:schemeClr val="bg1"/>
+          </a:solidFill>
+          <a:ln w="12700">
+            <a:solidFill>
+              <a:schemeClr val="accent3">
+                <a:lumMod val="75000"/>
+              </a:schemeClr>
+            </a:solidFill>
+          </a:ln>
+          <a:effectLst>
+            <a:outerShdw blurRad="50800" dist="38100" dir="2700000" algn="tl" rotWithShape="0">
+              <a:prstClr val="black">
+                <a:alpha val="40000"/>
+              </a:prstClr>
+            </a:outerShdw>
+          </a:effectLst>
+        </p:spPr>
+        <p:style>
+          <a:lnRef idx="3">
+            <a:schemeClr val="lt1"/>
+          </a:lnRef>
+          <a:fillRef idx="1">
+            <a:schemeClr val="accent1"/>
+          </a:fillRef>
+          <a:effectRef idx="1">
+            <a:schemeClr val="accent1"/>
+          </a:effectRef>
+          <a:fontRef idx="minor">
+            <a:schemeClr val="lt1"/>
+          </a:fontRef>
+        </p:style>
+        <p:txBody>
+          <a:bodyPr anchor="ctr"/>
+          <a:lstStyle/>
+          <a:p>
+            <a:pPr lvl="0" algn="ctr">
+              <a:defRPr/>
+            </a:pPr>
+            <a:r>
+              <a:rPr lang="en-US" altLang="ko-KR" sz="1600" b="1">
+                <a:solidFill>
+                  <a:srgbClr val="9bbb59"/>
+                </a:solidFill>
+                <a:latin typeface="맑은 고딕"/>
+                <a:ea typeface="맑은 고딕"/>
+                <a:cs typeface="+mn-cs"/>
+              </a:rPr>
+              <a:t>priority = M</a:t>
+            </a:r>
+            <a:endParaRPr lang="ko-KR" altLang="en-US" sz="1600" b="1">
+              <a:solidFill>
+                <a:srgbClr val="9bbb59"/>
+              </a:solidFill>
+              <a:latin typeface="맑은 고딕"/>
+              <a:ea typeface="맑은 고딕"/>
+              <a:cs typeface="+mn-cs"/>
+            </a:endParaRPr>
+          </a:p>
+        </p:txBody>
+      </p:sp>
+      <p:sp>
+        <p:nvSpPr>
+          <p:cNvPr id="95" name="직사각형 94"/>
+          <p:cNvSpPr/>
+          <p:nvPr/>
+        </p:nvSpPr>
+        <p:spPr>
+          <a:xfrm>
+            <a:off x="3866753" y="3104964"/>
+            <a:ext cx="1410494" cy="324036"/>
+          </a:xfrm>
+          <a:prstGeom prst="rect">
+            <a:avLst/>
+          </a:prstGeom>
+          <a:solidFill>
+            <a:schemeClr val="bg1"/>
+          </a:solidFill>
+          <a:ln w="12700">
+            <a:solidFill>
+              <a:schemeClr val="accent3">
+                <a:lumMod val="75000"/>
+              </a:schemeClr>
+            </a:solidFill>
+          </a:ln>
+          <a:effectLst>
+            <a:outerShdw blurRad="50800" dist="38100" dir="2700000" algn="tl" rotWithShape="0">
+              <a:prstClr val="black">
+                <a:alpha val="40000"/>
+              </a:prstClr>
+            </a:outerShdw>
+          </a:effectLst>
+        </p:spPr>
+        <p:style>
+          <a:lnRef idx="3">
+            <a:schemeClr val="lt1"/>
+          </a:lnRef>
+          <a:fillRef idx="1">
+            <a:schemeClr val="accent1"/>
+          </a:fillRef>
+          <a:effectRef idx="1">
+            <a:schemeClr val="accent1"/>
+          </a:effectRef>
+          <a:fontRef idx="minor">
+            <a:schemeClr val="lt1"/>
+          </a:fontRef>
+        </p:style>
+        <p:txBody>
+          <a:bodyPr anchor="ctr"/>
+          <a:lstStyle/>
+          <a:p>
+            <a:pPr lvl="0" algn="ctr">
+              <a:defRPr/>
+            </a:pPr>
+            <a:r>
+              <a:rPr lang="en-US" altLang="ko-KR" sz="1600" b="1">
+                <a:solidFill>
+                  <a:srgbClr val="9bbb59"/>
+                </a:solidFill>
+                <a:latin typeface="맑은 고딕"/>
+                <a:ea typeface="맑은 고딕"/>
+                <a:cs typeface="+mn-cs"/>
+              </a:rPr>
+              <a:t>wait_on_lock</a:t>
+            </a:r>
+            <a:endParaRPr lang="ko-KR" altLang="en-US" sz="1600" b="1">
+              <a:solidFill>
+                <a:srgbClr val="9bbb59"/>
+              </a:solidFill>
+              <a:latin typeface="맑은 고딕"/>
+              <a:ea typeface="맑은 고딕"/>
+              <a:cs typeface="+mn-cs"/>
+            </a:endParaRPr>
+          </a:p>
+        </p:txBody>
+      </p:sp>
+      <p:sp>
+        <p:nvSpPr>
+          <p:cNvPr id="96" name="직사각형 95"/>
+          <p:cNvSpPr/>
+          <p:nvPr/>
+        </p:nvSpPr>
+        <p:spPr>
+          <a:xfrm>
+            <a:off x="3866753" y="3429000"/>
+            <a:ext cx="1410494" cy="324036"/>
+          </a:xfrm>
+          <a:prstGeom prst="rect">
+            <a:avLst/>
+          </a:prstGeom>
+          <a:solidFill>
+            <a:schemeClr val="bg1"/>
+          </a:solidFill>
+          <a:ln w="12700">
+            <a:solidFill>
+              <a:schemeClr val="accent3">
+                <a:lumMod val="75000"/>
+              </a:schemeClr>
+            </a:solidFill>
+          </a:ln>
+          <a:effectLst>
+            <a:outerShdw blurRad="50800" dist="38100" dir="2700000" algn="tl" rotWithShape="0">
+              <a:prstClr val="black">
+                <a:alpha val="40000"/>
+              </a:prstClr>
+            </a:outerShdw>
+          </a:effectLst>
+        </p:spPr>
+        <p:style>
+          <a:lnRef idx="3">
+            <a:schemeClr val="lt1"/>
+          </a:lnRef>
+          <a:fillRef idx="1">
+            <a:schemeClr val="accent1"/>
+          </a:fillRef>
+          <a:effectRef idx="1">
+            <a:schemeClr val="accent1"/>
+          </a:effectRef>
+          <a:fontRef idx="minor">
+            <a:schemeClr val="lt1"/>
+          </a:fontRef>
+        </p:style>
+        <p:txBody>
+          <a:bodyPr anchor="ctr"/>
+          <a:lstStyle/>
+          <a:p>
+            <a:pPr lvl="0" algn="ctr">
+              <a:defRPr/>
+            </a:pPr>
+            <a:r>
+              <a:rPr lang="en-US" altLang="ko-KR" sz="1600" b="1">
+                <a:solidFill>
+                  <a:srgbClr val="9bbb59"/>
+                </a:solidFill>
+                <a:latin typeface="맑은 고딕"/>
+                <a:ea typeface="맑은 고딕"/>
+                <a:cs typeface="+mn-cs"/>
+              </a:rPr>
+              <a:t>…</a:t>
+            </a:r>
+            <a:endParaRPr lang="ko-KR" altLang="en-US" sz="1600" b="1">
+              <a:solidFill>
+                <a:srgbClr val="9bbb59"/>
+              </a:solidFill>
+              <a:latin typeface="맑은 고딕"/>
+              <a:ea typeface="맑은 고딕"/>
+              <a:cs typeface="+mn-cs"/>
+            </a:endParaRPr>
+          </a:p>
+        </p:txBody>
+      </p:sp>
+      <p:sp>
+        <p:nvSpPr>
+          <p:cNvPr id="97" name="직사각형 96"/>
+          <p:cNvSpPr/>
+          <p:nvPr/>
+        </p:nvSpPr>
+        <p:spPr>
+          <a:xfrm>
+            <a:off x="7323137" y="2446835"/>
+            <a:ext cx="1410494" cy="324036"/>
+          </a:xfrm>
+          <a:prstGeom prst="rect">
+            <a:avLst/>
+          </a:prstGeom>
+          <a:solidFill>
+            <a:schemeClr val="accent3"/>
+          </a:solidFill>
+          <a:ln w="12700">
+            <a:solidFill>
+              <a:schemeClr val="accent3">
+                <a:lumMod val="75000"/>
+              </a:schemeClr>
+            </a:solidFill>
+          </a:ln>
+          <a:effectLst>
+            <a:outerShdw blurRad="50800" dist="38100" dir="2700000" algn="tl" rotWithShape="0">
+              <a:prstClr val="black">
+                <a:alpha val="40000"/>
+              </a:prstClr>
+            </a:outerShdw>
+          </a:effectLst>
+        </p:spPr>
+        <p:style>
+          <a:lnRef idx="3">
+            <a:schemeClr val="lt1"/>
+          </a:lnRef>
+          <a:fillRef idx="1">
+            <a:schemeClr val="accent1"/>
+          </a:fillRef>
+          <a:effectRef idx="1">
+            <a:schemeClr val="accent1"/>
+          </a:effectRef>
+          <a:fontRef idx="minor">
+            <a:schemeClr val="lt1"/>
+          </a:fontRef>
+        </p:style>
+        <p:txBody>
+          <a:bodyPr anchor="ctr"/>
+          <a:lstStyle/>
+          <a:p>
+            <a:pPr lvl="0" algn="ctr">
+              <a:defRPr/>
+            </a:pPr>
+            <a:r>
+              <a:rPr lang="en-US" altLang="ko-KR" sz="1600" b="1">
+                <a:solidFill>
+                  <a:prstClr val="white"/>
+                </a:solidFill>
+                <a:latin typeface="맑은 고딕"/>
+                <a:ea typeface="맑은 고딕"/>
+                <a:cs typeface="+mn-cs"/>
+              </a:rPr>
+              <a:t>thread H</a:t>
+            </a:r>
+            <a:endParaRPr lang="ko-KR" altLang="en-US" sz="1600" b="1">
+              <a:solidFill>
+                <a:prstClr val="white"/>
+              </a:solidFill>
+              <a:latin typeface="맑은 고딕"/>
+              <a:ea typeface="맑은 고딕"/>
+              <a:cs typeface="+mn-cs"/>
+            </a:endParaRPr>
+          </a:p>
+        </p:txBody>
+      </p:sp>
+      <p:sp>
+        <p:nvSpPr>
+          <p:cNvPr id="98" name="직사각형 97"/>
+          <p:cNvSpPr/>
+          <p:nvPr/>
+        </p:nvSpPr>
+        <p:spPr>
+          <a:xfrm>
+            <a:off x="7323137" y="2770871"/>
+            <a:ext cx="1410494" cy="324036"/>
+          </a:xfrm>
+          <a:prstGeom prst="rect">
+            <a:avLst/>
+          </a:prstGeom>
+          <a:solidFill>
+            <a:schemeClr val="bg1"/>
+          </a:solidFill>
+          <a:ln w="12700">
+            <a:solidFill>
+              <a:schemeClr val="accent3">
+                <a:lumMod val="75000"/>
+              </a:schemeClr>
+            </a:solidFill>
+          </a:ln>
+          <a:effectLst>
+            <a:outerShdw blurRad="50800" dist="38100" dir="2700000" algn="tl" rotWithShape="0">
+              <a:prstClr val="black">
+                <a:alpha val="40000"/>
+              </a:prstClr>
+            </a:outerShdw>
+          </a:effectLst>
+        </p:spPr>
+        <p:style>
+          <a:lnRef idx="3">
+            <a:schemeClr val="lt1"/>
+          </a:lnRef>
+          <a:fillRef idx="1">
+            <a:schemeClr val="accent1"/>
+          </a:fillRef>
+          <a:effectRef idx="1">
+            <a:schemeClr val="accent1"/>
+          </a:effectRef>
+          <a:fontRef idx="minor">
+            <a:schemeClr val="lt1"/>
+          </a:fontRef>
+        </p:style>
+        <p:txBody>
+          <a:bodyPr anchor="ctr"/>
+          <a:lstStyle/>
+          <a:p>
+            <a:pPr lvl="0" algn="ctr">
+              <a:defRPr/>
+            </a:pPr>
+            <a:r>
+              <a:rPr lang="en-US" altLang="ko-KR" sz="1600" b="1">
+                <a:solidFill>
+                  <a:srgbClr val="9bbb59"/>
+                </a:solidFill>
+                <a:latin typeface="맑은 고딕"/>
+                <a:ea typeface="맑은 고딕"/>
+                <a:cs typeface="+mn-cs"/>
+              </a:rPr>
+              <a:t>priority = H</a:t>
+            </a:r>
+            <a:endParaRPr lang="ko-KR" altLang="en-US" sz="1600" b="1">
+              <a:solidFill>
+                <a:srgbClr val="9bbb59"/>
+              </a:solidFill>
+              <a:latin typeface="맑은 고딕"/>
+              <a:ea typeface="맑은 고딕"/>
+              <a:cs typeface="+mn-cs"/>
+            </a:endParaRPr>
+          </a:p>
+        </p:txBody>
+      </p:sp>
+      <p:sp>
+        <p:nvSpPr>
+          <p:cNvPr id="99" name="직사각형 98"/>
+          <p:cNvSpPr/>
+          <p:nvPr/>
+        </p:nvSpPr>
+        <p:spPr>
+          <a:xfrm>
+            <a:off x="7323137" y="3094907"/>
+            <a:ext cx="1410494" cy="324036"/>
+          </a:xfrm>
+          <a:prstGeom prst="rect">
+            <a:avLst/>
+          </a:prstGeom>
+          <a:solidFill>
+            <a:schemeClr val="bg1"/>
+          </a:solidFill>
+          <a:ln w="12700">
+            <a:solidFill>
+              <a:schemeClr val="accent3">
+                <a:lumMod val="75000"/>
+              </a:schemeClr>
+            </a:solidFill>
+          </a:ln>
+          <a:effectLst>
+            <a:outerShdw blurRad="50800" dist="38100" dir="2700000" algn="tl" rotWithShape="0">
+              <a:prstClr val="black">
+                <a:alpha val="40000"/>
+              </a:prstClr>
+            </a:outerShdw>
+          </a:effectLst>
+        </p:spPr>
+        <p:style>
+          <a:lnRef idx="3">
+            <a:schemeClr val="lt1"/>
+          </a:lnRef>
+          <a:fillRef idx="1">
+            <a:schemeClr val="accent1"/>
+          </a:fillRef>
+          <a:effectRef idx="1">
+            <a:schemeClr val="accent1"/>
+          </a:effectRef>
+          <a:fontRef idx="minor">
+            <a:schemeClr val="lt1"/>
+          </a:fontRef>
+        </p:style>
+        <p:txBody>
+          <a:bodyPr anchor="ctr"/>
+          <a:lstStyle/>
+          <a:p>
+            <a:pPr lvl="0" algn="ctr">
+              <a:defRPr/>
+            </a:pPr>
+            <a:r>
+              <a:rPr lang="en-US" altLang="ko-KR" sz="1600" b="1">
+                <a:solidFill>
+                  <a:srgbClr val="9bbb59"/>
+                </a:solidFill>
+                <a:latin typeface="맑은 고딕"/>
+                <a:ea typeface="맑은 고딕"/>
+                <a:cs typeface="+mn-cs"/>
+              </a:rPr>
+              <a:t>wait_on_lock</a:t>
+            </a:r>
+            <a:endParaRPr lang="ko-KR" altLang="en-US" sz="1600" b="1">
+              <a:solidFill>
+                <a:srgbClr val="9bbb59"/>
+              </a:solidFill>
+              <a:latin typeface="맑은 고딕"/>
+              <a:ea typeface="맑은 고딕"/>
+              <a:cs typeface="+mn-cs"/>
+            </a:endParaRPr>
+          </a:p>
+        </p:txBody>
+      </p:sp>
+      <p:sp>
+        <p:nvSpPr>
+          <p:cNvPr id="100" name="직사각형 99"/>
+          <p:cNvSpPr/>
+          <p:nvPr/>
+        </p:nvSpPr>
+        <p:spPr>
+          <a:xfrm>
+            <a:off x="7323137" y="3418943"/>
+            <a:ext cx="1410494" cy="324036"/>
+          </a:xfrm>
+          <a:prstGeom prst="rect">
+            <a:avLst/>
+          </a:prstGeom>
+          <a:solidFill>
+            <a:schemeClr val="bg1"/>
+          </a:solidFill>
+          <a:ln w="12700">
+            <a:solidFill>
+              <a:schemeClr val="accent3">
+                <a:lumMod val="75000"/>
+              </a:schemeClr>
+            </a:solidFill>
+          </a:ln>
+          <a:effectLst>
+            <a:outerShdw blurRad="50800" dist="38100" dir="2700000" algn="tl" rotWithShape="0">
+              <a:prstClr val="black">
+                <a:alpha val="40000"/>
+              </a:prstClr>
+            </a:outerShdw>
+          </a:effectLst>
+        </p:spPr>
+        <p:style>
+          <a:lnRef idx="3">
+            <a:schemeClr val="lt1"/>
+          </a:lnRef>
+          <a:fillRef idx="1">
+            <a:schemeClr val="accent1"/>
+          </a:fillRef>
+          <a:effectRef idx="1">
+            <a:schemeClr val="accent1"/>
+          </a:effectRef>
+          <a:fontRef idx="minor">
+            <a:schemeClr val="lt1"/>
+          </a:fontRef>
+        </p:style>
+        <p:txBody>
+          <a:bodyPr anchor="ctr"/>
+          <a:lstStyle/>
+          <a:p>
+            <a:pPr lvl="0" algn="ctr">
+              <a:defRPr/>
+            </a:pPr>
+            <a:r>
+              <a:rPr lang="en-US" altLang="ko-KR" sz="1600" b="1">
+                <a:solidFill>
+                  <a:srgbClr val="9bbb59"/>
+                </a:solidFill>
+                <a:latin typeface="맑은 고딕"/>
+                <a:ea typeface="맑은 고딕"/>
+                <a:cs typeface="+mn-cs"/>
+              </a:rPr>
+              <a:t>…</a:t>
+            </a:r>
+            <a:endParaRPr lang="ko-KR" altLang="en-US" sz="1600" b="1">
+              <a:solidFill>
+                <a:srgbClr val="9bbb59"/>
+              </a:solidFill>
+              <a:latin typeface="맑은 고딕"/>
+              <a:ea typeface="맑은 고딕"/>
+              <a:cs typeface="+mn-cs"/>
+            </a:endParaRPr>
+          </a:p>
+        </p:txBody>
+      </p:sp>
+      <p:sp>
+        <p:nvSpPr>
+          <p:cNvPr id="101" name="직사각형 100"/>
+          <p:cNvSpPr/>
+          <p:nvPr/>
+        </p:nvSpPr>
+        <p:spPr>
+          <a:xfrm>
+            <a:off x="5882977" y="2608853"/>
+            <a:ext cx="906170" cy="288032"/>
+          </a:xfrm>
+          <a:prstGeom prst="rect">
+            <a:avLst/>
+          </a:prstGeom>
+          <a:solidFill>
+            <a:schemeClr val="accent5"/>
+          </a:solidFill>
+          <a:ln w="12700">
+            <a:solidFill>
+              <a:schemeClr val="accent5">
+                <a:lumMod val="75000"/>
+              </a:schemeClr>
+            </a:solidFill>
+          </a:ln>
+          <a:effectLst>
+            <a:outerShdw blurRad="50800" dist="38100" dir="2700000" algn="tl" rotWithShape="0">
+              <a:prstClr val="black">
+                <a:alpha val="40000"/>
+              </a:prstClr>
+            </a:outerShdw>
+          </a:effectLst>
+        </p:spPr>
+        <p:style>
+          <a:lnRef idx="3">
+            <a:schemeClr val="lt1"/>
+          </a:lnRef>
+          <a:fillRef idx="1">
+            <a:schemeClr val="accent1"/>
+          </a:fillRef>
+          <a:effectRef idx="1">
+            <a:schemeClr val="accent1"/>
+          </a:effectRef>
+          <a:fontRef idx="minor">
+            <a:schemeClr val="lt1"/>
+          </a:fontRef>
+        </p:style>
+        <p:txBody>
+          <a:bodyPr lIns="0" tIns="0" rIns="0" bIns="0" anchor="ctr"/>
+          <a:lstStyle/>
+          <a:p>
+            <a:pPr lvl="0" algn="ctr">
+              <a:defRPr/>
+            </a:pPr>
+            <a:r>
+              <a:rPr lang="en-US" altLang="ko-KR" sz="1200" b="1">
+                <a:solidFill>
+                  <a:prstClr val="white"/>
+                </a:solidFill>
+                <a:latin typeface="맑은 고딕"/>
+                <a:ea typeface="맑은 고딕"/>
+                <a:cs typeface="+mn-cs"/>
+              </a:rPr>
+              <a:t>lock B</a:t>
+            </a:r>
+            <a:endParaRPr lang="ko-KR" altLang="en-US" sz="1200" b="1">
+              <a:solidFill>
+                <a:prstClr val="white"/>
+              </a:solidFill>
+              <a:latin typeface="맑은 고딕"/>
+              <a:ea typeface="맑은 고딕"/>
+              <a:cs typeface="+mn-cs"/>
+            </a:endParaRPr>
+          </a:p>
+        </p:txBody>
+      </p:sp>
+      <p:sp>
+        <p:nvSpPr>
+          <p:cNvPr id="102" name="직사각형 101"/>
+          <p:cNvSpPr/>
+          <p:nvPr/>
+        </p:nvSpPr>
+        <p:spPr>
+          <a:xfrm>
+            <a:off x="5882977" y="2896885"/>
+            <a:ext cx="906170" cy="288032"/>
+          </a:xfrm>
+          <a:prstGeom prst="rect">
+            <a:avLst/>
+          </a:prstGeom>
+          <a:solidFill>
+            <a:schemeClr val="bg1"/>
+          </a:solidFill>
+          <a:ln w="12700">
+            <a:solidFill>
+              <a:schemeClr val="accent5">
+                <a:lumMod val="75000"/>
+              </a:schemeClr>
+            </a:solidFill>
+          </a:ln>
+          <a:effectLst>
+            <a:outerShdw blurRad="50800" dist="38100" dir="2700000" algn="tl" rotWithShape="0">
+              <a:prstClr val="black">
+                <a:alpha val="40000"/>
+              </a:prstClr>
+            </a:outerShdw>
+          </a:effectLst>
+        </p:spPr>
+        <p:style>
+          <a:lnRef idx="3">
+            <a:schemeClr val="lt1"/>
+          </a:lnRef>
+          <a:fillRef idx="1">
+            <a:schemeClr val="accent1"/>
+          </a:fillRef>
+          <a:effectRef idx="1">
+            <a:schemeClr val="accent1"/>
+          </a:effectRef>
+          <a:fontRef idx="minor">
+            <a:schemeClr val="lt1"/>
+          </a:fontRef>
+        </p:style>
+        <p:txBody>
+          <a:bodyPr lIns="0" tIns="0" rIns="0" bIns="0" anchor="ctr"/>
+          <a:lstStyle/>
+          <a:p>
+            <a:pPr lvl="0" algn="ctr">
+              <a:defRPr/>
+            </a:pPr>
+            <a:r>
+              <a:rPr lang="en-US" altLang="ko-KR" sz="1200" b="1">
+                <a:solidFill>
+                  <a:srgbClr val="4bacc6"/>
+                </a:solidFill>
+                <a:latin typeface="맑은 고딕"/>
+                <a:ea typeface="맑은 고딕"/>
+                <a:cs typeface="+mn-cs"/>
+              </a:rPr>
+              <a:t>holder</a:t>
+            </a:r>
+            <a:endParaRPr lang="ko-KR" altLang="en-US" sz="1200" b="1">
+              <a:solidFill>
+                <a:srgbClr val="4bacc6"/>
+              </a:solidFill>
+              <a:latin typeface="맑은 고딕"/>
+              <a:ea typeface="맑은 고딕"/>
+              <a:cs typeface="+mn-cs"/>
+            </a:endParaRPr>
+          </a:p>
+        </p:txBody>
+      </p:sp>
+      <p:sp>
+        <p:nvSpPr>
+          <p:cNvPr id="103" name="직사각형 102"/>
+          <p:cNvSpPr/>
+          <p:nvPr/>
+        </p:nvSpPr>
+        <p:spPr>
+          <a:xfrm>
+            <a:off x="5882977" y="3184446"/>
+            <a:ext cx="906170" cy="288032"/>
+          </a:xfrm>
+          <a:prstGeom prst="rect">
+            <a:avLst/>
+          </a:prstGeom>
+          <a:solidFill>
+            <a:schemeClr val="bg1"/>
+          </a:solidFill>
+          <a:ln w="12700">
+            <a:solidFill>
+              <a:schemeClr val="accent5">
+                <a:lumMod val="75000"/>
+              </a:schemeClr>
+            </a:solidFill>
+          </a:ln>
+          <a:effectLst>
+            <a:outerShdw blurRad="50800" dist="38100" dir="2700000" algn="tl" rotWithShape="0">
+              <a:prstClr val="black">
+                <a:alpha val="40000"/>
+              </a:prstClr>
+            </a:outerShdw>
+          </a:effectLst>
+        </p:spPr>
+        <p:style>
+          <a:lnRef idx="3">
+            <a:schemeClr val="lt1"/>
+          </a:lnRef>
+          <a:fillRef idx="1">
+            <a:schemeClr val="accent1"/>
+          </a:fillRef>
+          <a:effectRef idx="1">
+            <a:schemeClr val="accent1"/>
+          </a:effectRef>
+          <a:fontRef idx="minor">
+            <a:schemeClr val="lt1"/>
+          </a:fontRef>
+        </p:style>
+        <p:txBody>
+          <a:bodyPr lIns="0" tIns="0" rIns="0" bIns="0" anchor="ctr"/>
+          <a:lstStyle/>
+          <a:p>
+            <a:pPr lvl="0" algn="ctr">
+              <a:defRPr/>
+            </a:pPr>
+            <a:r>
+              <a:rPr lang="en-US" altLang="ko-KR" sz="1200" b="1">
+                <a:solidFill>
+                  <a:prstClr val="black"/>
+                </a:solidFill>
+                <a:latin typeface="맑은 고딕"/>
+                <a:ea typeface="맑은 고딕"/>
+                <a:cs typeface="+mn-cs"/>
+              </a:rPr>
+              <a:t>…</a:t>
+            </a:r>
+            <a:endParaRPr lang="ko-KR" altLang="en-US" sz="1200" b="1">
+              <a:solidFill>
+                <a:prstClr val="black"/>
+              </a:solidFill>
+              <a:latin typeface="맑은 고딕"/>
+              <a:ea typeface="맑은 고딕"/>
+              <a:cs typeface="+mn-cs"/>
+            </a:endParaRPr>
+          </a:p>
+        </p:txBody>
+      </p:sp>
+      <p:cxnSp>
+        <p:nvCxnSpPr>
+          <p:cNvPr id="104" name="꺾인 연결선 20"/>
+          <p:cNvCxnSpPr>
+            <a:stCxn id="102" idx="1"/>
+            <a:endCxn id="92" idx="3"/>
+          </p:cNvCxnSpPr>
+          <p:nvPr/>
+        </p:nvCxnSpPr>
+        <p:spPr>
+          <a:xfrm rot="10800000">
+            <a:off x="5277247" y="2618911"/>
+            <a:ext cx="605730" cy="421991"/>
+          </a:xfrm>
+          <a:prstGeom prst="bentConnector3">
+            <a:avLst>
+              <a:gd name="adj1" fmla="val 50000"/>
+            </a:avLst>
+          </a:prstGeom>
+          <a:ln w="12700">
+            <a:solidFill>
+              <a:schemeClr val="tx1"/>
+            </a:solidFill>
+            <a:tailEnd type="triangle"/>
+          </a:ln>
+        </p:spPr>
+        <p:style>
+          <a:lnRef idx="1">
+            <a:schemeClr val="accent1"/>
+          </a:lnRef>
+          <a:fillRef idx="0">
+            <a:schemeClr val="accent1"/>
+          </a:fillRef>
+          <a:effectRef idx="0">
+            <a:schemeClr val="accent1"/>
+          </a:effectRef>
+          <a:fontRef idx="minor">
+            <a:schemeClr val="tx1"/>
+          </a:fontRef>
+        </p:style>
+      </p:cxnSp>
+      <p:cxnSp>
+        <p:nvCxnSpPr>
+          <p:cNvPr id="105" name="꺾인 연결선 20"/>
+          <p:cNvCxnSpPr>
+            <a:stCxn id="95" idx="1"/>
+            <a:endCxn id="88" idx="3"/>
+          </p:cNvCxnSpPr>
+          <p:nvPr/>
+        </p:nvCxnSpPr>
+        <p:spPr>
+          <a:xfrm rot="10800000">
+            <a:off x="3332763" y="2780928"/>
+            <a:ext cx="533990" cy="486054"/>
+          </a:xfrm>
+          <a:prstGeom prst="bentConnector3">
+            <a:avLst>
+              <a:gd name="adj1" fmla="val 50000"/>
+            </a:avLst>
+          </a:prstGeom>
+          <a:ln w="12700">
+            <a:solidFill>
+              <a:schemeClr val="tx1"/>
+            </a:solidFill>
+            <a:tailEnd type="triangle"/>
+          </a:ln>
+        </p:spPr>
+        <p:style>
+          <a:lnRef idx="1">
+            <a:schemeClr val="accent1"/>
+          </a:lnRef>
+          <a:fillRef idx="0">
+            <a:schemeClr val="accent1"/>
+          </a:fillRef>
+          <a:effectRef idx="0">
+            <a:schemeClr val="accent1"/>
+          </a:effectRef>
+          <a:fontRef idx="minor">
+            <a:schemeClr val="tx1"/>
+          </a:fontRef>
+        </p:style>
+      </p:cxnSp>
+      <p:cxnSp>
+        <p:nvCxnSpPr>
+          <p:cNvPr id="106" name="꺾인 연결선 20"/>
+          <p:cNvCxnSpPr>
+            <a:stCxn id="99" idx="1"/>
+            <a:endCxn id="101" idx="3"/>
+          </p:cNvCxnSpPr>
+          <p:nvPr/>
+        </p:nvCxnSpPr>
+        <p:spPr>
+          <a:xfrm rot="10800000">
+            <a:off x="6789147" y="2752869"/>
+            <a:ext cx="533990" cy="504056"/>
+          </a:xfrm>
+          <a:prstGeom prst="bentConnector3">
+            <a:avLst>
+              <a:gd name="adj1" fmla="val 50000"/>
+            </a:avLst>
+          </a:prstGeom>
+          <a:ln w="12700">
+            <a:solidFill>
+              <a:schemeClr val="tx1"/>
+            </a:solidFill>
+            <a:tailEnd type="triangle"/>
+          </a:ln>
+        </p:spPr>
+        <p:style>
+          <a:lnRef idx="1">
+            <a:schemeClr val="accent1"/>
+          </a:lnRef>
+          <a:fillRef idx="0">
+            <a:schemeClr val="accent1"/>
+          </a:fillRef>
+          <a:effectRef idx="0">
+            <a:schemeClr val="accent1"/>
+          </a:effectRef>
+          <a:fontRef idx="minor">
+            <a:schemeClr val="tx1"/>
+          </a:fontRef>
+        </p:style>
+      </p:cxnSp>
+      <p:sp>
+        <p:nvSpPr>
+          <p:cNvPr id="28" name="타원 27"/>
+          <p:cNvSpPr/>
+          <p:nvPr/>
+        </p:nvSpPr>
+        <p:spPr>
+          <a:xfrm>
+            <a:off x="3828696" y="3230982"/>
+            <a:ext cx="72000" cy="72000"/>
+          </a:xfrm>
+          <a:prstGeom prst="ellipse">
+            <a:avLst/>
+          </a:prstGeom>
+          <a:solidFill>
+            <a:schemeClr val="tx1"/>
+          </a:solidFill>
+          <a:ln w="9525">
+            <a:noFill/>
+          </a:ln>
+        </p:spPr>
+        <p:style>
+          <a:lnRef idx="3">
+            <a:schemeClr val="lt1"/>
+          </a:lnRef>
+          <a:fillRef idx="1">
+            <a:schemeClr val="accent1"/>
+          </a:fillRef>
+          <a:effectRef idx="1">
+            <a:schemeClr val="accent1"/>
+          </a:effectRef>
+          <a:fontRef idx="minor">
+            <a:schemeClr val="lt1"/>
+          </a:fontRef>
+        </p:style>
+        <p:txBody>
+          <a:bodyPr lIns="252000" anchor="ctr"/>
+          <a:lstStyle/>
+          <a:p>
+            <a:pPr lvl="0" algn="ctr">
+              <a:defRPr/>
+            </a:pPr>
+            <a:endParaRPr lang="ko-KR" altLang="en-US" sz="1600">
+              <a:solidFill>
+                <a:srgbClr val="00b050"/>
+              </a:solidFill>
+              <a:latin typeface="Courier New"/>
+              <a:ea typeface="맑은 고딕"/>
+              <a:cs typeface="Courier New"/>
+            </a:endParaRPr>
+          </a:p>
+        </p:txBody>
+      </p:sp>
+      <p:sp>
+        <p:nvSpPr>
+          <p:cNvPr id="29" name="타원 28"/>
+          <p:cNvSpPr/>
+          <p:nvPr/>
+        </p:nvSpPr>
+        <p:spPr>
+          <a:xfrm>
+            <a:off x="5846977" y="3004438"/>
+            <a:ext cx="72000" cy="72000"/>
+          </a:xfrm>
+          <a:prstGeom prst="ellipse">
+            <a:avLst/>
+          </a:prstGeom>
+          <a:solidFill>
+            <a:schemeClr val="tx1"/>
+          </a:solidFill>
+          <a:ln w="9525">
+            <a:noFill/>
+          </a:ln>
+        </p:spPr>
+        <p:style>
+          <a:lnRef idx="3">
+            <a:schemeClr val="lt1"/>
+          </a:lnRef>
+          <a:fillRef idx="1">
+            <a:schemeClr val="accent1"/>
+          </a:fillRef>
+          <a:effectRef idx="1">
+            <a:schemeClr val="accent1"/>
+          </a:effectRef>
+          <a:fontRef idx="minor">
+            <a:schemeClr val="lt1"/>
+          </a:fontRef>
+        </p:style>
+        <p:txBody>
+          <a:bodyPr lIns="252000" anchor="ctr"/>
+          <a:lstStyle/>
+          <a:p>
+            <a:pPr lvl="0" algn="ctr">
+              <a:defRPr/>
+            </a:pPr>
+            <a:endParaRPr lang="ko-KR" altLang="en-US" sz="1600">
+              <a:solidFill>
+                <a:srgbClr val="00b050"/>
+              </a:solidFill>
+              <a:latin typeface="Courier New"/>
+              <a:ea typeface="맑은 고딕"/>
+              <a:cs typeface="Courier New"/>
+            </a:endParaRPr>
+          </a:p>
+        </p:txBody>
+      </p:sp>
+      <p:sp>
+        <p:nvSpPr>
+          <p:cNvPr id="30" name="타원 29"/>
+          <p:cNvSpPr/>
+          <p:nvPr/>
+        </p:nvSpPr>
+        <p:spPr>
+          <a:xfrm>
+            <a:off x="7287137" y="3220925"/>
+            <a:ext cx="72000" cy="72000"/>
+          </a:xfrm>
+          <a:prstGeom prst="ellipse">
+            <a:avLst/>
+          </a:prstGeom>
+          <a:solidFill>
+            <a:schemeClr val="tx1"/>
+          </a:solidFill>
+          <a:ln w="9525">
+            <a:noFill/>
+          </a:ln>
+        </p:spPr>
+        <p:style>
+          <a:lnRef idx="3">
+            <a:schemeClr val="lt1"/>
+          </a:lnRef>
+          <a:fillRef idx="1">
+            <a:schemeClr val="accent1"/>
+          </a:fillRef>
+          <a:effectRef idx="1">
+            <a:schemeClr val="accent1"/>
+          </a:effectRef>
+          <a:fontRef idx="minor">
+            <a:schemeClr val="lt1"/>
+          </a:fontRef>
+        </p:style>
+        <p:txBody>
+          <a:bodyPr lIns="252000" anchor="ctr"/>
+          <a:lstStyle/>
+          <a:p>
+            <a:pPr lvl="0" algn="ctr">
+              <a:defRPr/>
+            </a:pPr>
+            <a:endParaRPr lang="ko-KR" altLang="en-US" sz="1600">
+              <a:solidFill>
+                <a:srgbClr val="00b050"/>
+              </a:solidFill>
+              <a:latin typeface="Courier New"/>
+              <a:ea typeface="맑은 고딕"/>
+              <a:cs typeface="Courier New"/>
+            </a:endParaRPr>
+          </a:p>
+        </p:txBody>
+      </p:sp>
+      <p:sp>
+        <p:nvSpPr>
+          <p:cNvPr id="31" name="타원 30"/>
+          <p:cNvSpPr/>
+          <p:nvPr/>
+        </p:nvSpPr>
+        <p:spPr>
+          <a:xfrm>
+            <a:off x="2384259" y="3040438"/>
+            <a:ext cx="72000" cy="72000"/>
+          </a:xfrm>
+          <a:prstGeom prst="ellipse">
+            <a:avLst/>
+          </a:prstGeom>
+          <a:solidFill>
+            <a:schemeClr val="tx1"/>
+          </a:solidFill>
+          <a:ln w="9525">
+            <a:noFill/>
+          </a:ln>
+        </p:spPr>
+        <p:style>
+          <a:lnRef idx="3">
+            <a:schemeClr val="lt1"/>
+          </a:lnRef>
+          <a:fillRef idx="1">
+            <a:schemeClr val="accent1"/>
+          </a:fillRef>
+          <a:effectRef idx="1">
+            <a:schemeClr val="accent1"/>
+          </a:effectRef>
+          <a:fontRef idx="minor">
+            <a:schemeClr val="lt1"/>
+          </a:fontRef>
+        </p:style>
+        <p:txBody>
+          <a:bodyPr lIns="252000" anchor="ctr"/>
+          <a:lstStyle/>
+          <a:p>
+            <a:pPr lvl="0" algn="ctr">
+              <a:defRPr/>
+            </a:pPr>
+            <a:endParaRPr lang="ko-KR" altLang="en-US" sz="1600">
+              <a:solidFill>
+                <a:srgbClr val="00b050"/>
+              </a:solidFill>
+              <a:latin typeface="Courier New"/>
+              <a:ea typeface="맑은 고딕"/>
+              <a:cs typeface="Courier New"/>
+            </a:endParaRPr>
+          </a:p>
+        </p:txBody>
+      </p:sp>
+    </p:spTree>
+  </p:cSld>
+  <p:clrMapOvr>
+    <a:masterClrMapping/>
+  </p:clrMapOvr>
+  <mc:AlternateContent xmlns:mc="http://schemas.openxmlformats.org/markup-compatibility/2006">
+    <mc:Choice xmlns:p14="http://schemas.microsoft.com/office/powerpoint/2010/main" Requires="p14">
+      <p:transition xmlns:mc="http://schemas.openxmlformats.org/markup-compatibility/2006" xmlns:p14="http://schemas.microsoft.com/office/powerpoint/2010/main" mc:Ignorable="p14" p14:dur="500">
+        <p:zoom/>
+      </p:transition>
+    </mc:Choice>
+    <mc:Fallback>
+      <p:transition xmlns:mc="http://schemas.openxmlformats.org/markup-compatibility/2006" xmlns:hp="http://schemas.haansoft.com/office/presentation/8.0" mc:Ignorable="hp" hp:hslDur="500">
+        <p:fade/>
+      </p:transition>
+    </mc:Fallback>
+  </mc:AlternateContent>
+</p:sld>
+</file>
+
+<file path=ppt/slides/slide24.xml><?xml version="1.0" encoding="utf-8"?>
+<p:sld xmlns:r="http://schemas.openxmlformats.org/officeDocument/2006/relationships" xmlns:c="http://schemas.openxmlformats.org/drawingml/2006/chart" xmlns:a="http://schemas.openxmlformats.org/drawingml/2006/main" xmlns:dgm="http://schemas.openxmlformats.org/drawingml/2006/diagram" xmlns:dsp="http://schemas.microsoft.com/office/drawing/2008/diagram" xmlns:p="http://schemas.openxmlformats.org/presentationml/2006/main">
+  <p:cSld>
+    <p:spTree>
+      <p:nvGrpSpPr>
+        <p:cNvPr id="1" name=""/>
+        <p:cNvGrpSpPr/>
+        <p:nvPr/>
+      </p:nvGrpSpPr>
+      <p:grpSpPr>
+        <a:xfrm>
+          <a:off x="0" y="0"/>
+          <a:ext cx="0" cy="0"/>
+          <a:chOff x="0" y="0"/>
+          <a:chExt cx="0" cy="0"/>
+        </a:xfrm>
+      </p:grpSpPr>
+      <p:sp>
+        <p:nvSpPr>
+          <p:cNvPr id="49" name="내용 개체 틀 2"/>
+          <p:cNvSpPr txBox="1"/>
+          <p:nvPr/>
+        </p:nvSpPr>
+        <p:spPr>
           <a:xfrm>
             <a:off x="249684" y="809303"/>
             <a:ext cx="8786812" cy="5501258"/>
@@ -21478,13 +23386,11 @@
           <a:noFill/>
           <a:ln w="9525">
             <a:noFill/>
-            <a:miter lim="800000"/>
-            <a:headEnd/>
-            <a:tailEnd/>
+            <a:miter/>
           </a:ln>
         </p:spPr>
         <p:txBody>
-          <a:bodyPr vert="horz" wrap="square" lIns="91440" tIns="45720" rIns="91440" bIns="45720" numCol="1" anchor="t" anchorCtr="0" compatLnSpc="1">
+          <a:bodyPr vert="horz" wrap="square" lIns="91440" tIns="45720" rIns="91440" bIns="45720" anchor="t" anchorCtr="0">
             <a:prstTxWarp prst="textNoShape">
               <a:avLst/>
             </a:prstTxWarp>
@@ -21504,14 +23410,14 @@
                 <a:srgbClr val="002060"/>
               </a:buClr>
               <a:buSzPct val="65000"/>
-              <a:buFont typeface="Wingdings" pitchFamily="2" charset="2"/>
+              <a:buFont typeface="Wingdings"/>
               <a:buChar char=""/>
               <a:defRPr kumimoji="1" sz="2000" b="0">
                 <a:solidFill>
                   <a:schemeClr val="tx1"/>
                 </a:solidFill>
-                <a:latin typeface="맑은 고딕" pitchFamily="50" charset="-127"/>
-                <a:ea typeface="맑은 고딕" pitchFamily="50" charset="-127"/>
+                <a:latin typeface="맑은 고딕"/>
+                <a:ea typeface="맑은 고딕"/>
                 <a:cs typeface="+mn-cs"/>
               </a:defRPr>
             </a:lvl1pPr>
@@ -21529,14 +23435,14 @@
                 <a:srgbClr val="002060"/>
               </a:buClr>
               <a:buSzPct val="100000"/>
-              <a:buFont typeface="Wingdings" pitchFamily="2" charset="2"/>
+              <a:buFont typeface="Wingdings"/>
               <a:buChar char=""/>
               <a:defRPr kumimoji="1" sz="1800">
                 <a:solidFill>
                   <a:schemeClr val="tx1"/>
                 </a:solidFill>
-                <a:latin typeface="맑은 고딕" pitchFamily="50" charset="-127"/>
-                <a:ea typeface="맑은 고딕" pitchFamily="50" charset="-127"/>
+                <a:latin typeface="맑은 고딕"/>
+                <a:ea typeface="맑은 고딕"/>
               </a:defRPr>
             </a:lvl2pPr>
             <a:lvl3pPr marL="1143000" indent="-228600" algn="l" rtl="0" eaLnBrk="0" fontAlgn="base" latinLnBrk="1" hangingPunct="0">
@@ -21553,14 +23459,14 @@
                 <a:srgbClr val="002060"/>
               </a:buClr>
               <a:buSzPct val="65000"/>
-              <a:buFont typeface="Wingdings" pitchFamily="2" charset="2"/>
+              <a:buFont typeface="Wingdings"/>
               <a:buChar char=""/>
               <a:defRPr kumimoji="1" sz="1600">
                 <a:solidFill>
                   <a:schemeClr val="tx1"/>
                 </a:solidFill>
-                <a:latin typeface="맑은 고딕" pitchFamily="50" charset="-127"/>
-                <a:ea typeface="맑은 고딕" pitchFamily="50" charset="-127"/>
+                <a:latin typeface="맑은 고딕"/>
+                <a:ea typeface="맑은 고딕"/>
               </a:defRPr>
             </a:lvl3pPr>
             <a:lvl4pPr marL="1600200" indent="-228600" algn="l" rtl="0" eaLnBrk="0" fontAlgn="base" latinLnBrk="1" hangingPunct="0">
@@ -21577,14 +23483,14 @@
                 <a:srgbClr val="002060"/>
               </a:buClr>
               <a:buSzPct val="65000"/>
-              <a:buFont typeface="Wingdings" pitchFamily="2" charset="2"/>
+              <a:buFont typeface="Wingdings"/>
               <a:buChar char=""/>
               <a:defRPr kumimoji="1" sz="1400">
                 <a:solidFill>
                   <a:schemeClr val="tx1"/>
                 </a:solidFill>
-                <a:latin typeface="맑은 고딕" pitchFamily="50" charset="-127"/>
-                <a:ea typeface="맑은 고딕" pitchFamily="50" charset="-127"/>
+                <a:latin typeface="맑은 고딕"/>
+                <a:ea typeface="맑은 고딕"/>
               </a:defRPr>
             </a:lvl4pPr>
             <a:lvl5pPr marL="2057400" indent="-228600" algn="l" rtl="0" eaLnBrk="0" fontAlgn="base" latinLnBrk="1" hangingPunct="0">
@@ -21600,14 +23506,14 @@
               <a:buClr>
                 <a:srgbClr val="002060"/>
               </a:buClr>
-              <a:buFont typeface="Wingdings" pitchFamily="2" charset="2"/>
+              <a:buFont typeface="Wingdings"/>
               <a:buChar char=""/>
               <a:defRPr kumimoji="1" sz="1400">
                 <a:solidFill>
                   <a:schemeClr val="tx1"/>
                 </a:solidFill>
-                <a:latin typeface="맑은 고딕" pitchFamily="50" charset="-127"/>
-                <a:ea typeface="맑은 고딕" pitchFamily="50" charset="-127"/>
+                <a:latin typeface="맑은 고딕"/>
+                <a:ea typeface="맑은 고딕"/>
               </a:defRPr>
             </a:lvl5pPr>
             <a:lvl6pPr marL="2514600" indent="-228600" algn="l" rtl="0" eaLnBrk="1" fontAlgn="base" latinLnBrk="1" hangingPunct="1">
@@ -21676,18 +23582,21 @@
             </a:lvl9pPr>
           </a:lstStyle>
           <a:p>
-            <a:r>
-              <a:rPr lang="en-US" altLang="ko-KR" sz="1800" kern="0" dirty="0">
-                <a:latin typeface="Courier New" panose="02070309020205020404" pitchFamily="49" charset="0"/>
-                <a:cs typeface="Courier New" panose="02070309020205020404" pitchFamily="49" charset="0"/>
+            <a:pPr lvl="0">
+              <a:defRPr/>
+            </a:pPr>
+            <a:r>
+              <a:rPr lang="en-US" altLang="ko-KR" sz="1800" kern="0">
+                <a:latin typeface="Courier New"/>
+                <a:cs typeface="Courier New"/>
               </a:rPr>
               <a:t>Donations</a:t>
             </a:r>
             <a:r>
-              <a:rPr lang="en-US" altLang="ko-KR" sz="1800" kern="0" dirty="0"/>
+              <a:rPr lang="en-US" altLang="ko-KR" sz="1800" kern="0"/>
               <a:t>: list of Donors</a:t>
             </a:r>
-            <a:endParaRPr lang="ko-KR" altLang="en-US" sz="1800" kern="0" dirty="0"/>
+            <a:endParaRPr lang="ko-KR" altLang="en-US" sz="1800" kern="0"/>
           </a:p>
         </p:txBody>
       </p:sp>
@@ -21698,7 +23607,7 @@
             <a:spLocks noGrp="1"/>
           </p:cNvSpPr>
           <p:nvPr>
-            <p:ph type="title"/>
+            <p:ph type="title" idx="0"/>
           </p:nvPr>
         </p:nvSpPr>
         <p:spPr/>
@@ -21706,10 +23615,14 @@
           <a:bodyPr/>
           <a:lstStyle/>
           <a:p>
-            <a:r>
-              <a:rPr lang="en-US" altLang="ko-KR" dirty="0"/>
+            <a:pPr lvl="0">
+              <a:defRPr/>
+            </a:pPr>
+            <a:r>
+              <a:rPr lang="en-US" altLang="ko-KR"/>
               <a:t>Data Structure for Multiple Donation</a:t>
             </a:r>
+            <a:endParaRPr lang="en-US" altLang="ko-KR"/>
           </a:p>
         </p:txBody>
       </p:sp>
@@ -21728,35 +23641,35 @@
           <a:bodyPr/>
           <a:lstStyle/>
           <a:p>
-            <a:pPr>
+            <a:pPr lvl="0">
               <a:defRPr/>
             </a:pPr>
             <a:fld id="{515CC4ED-1449-4712-AE45-EBC263B4DD26}" type="slidenum">
-              <a:rPr lang="en-US" altLang="ko-KR" smtClean="0">
-                <a:solidFill>
-                  <a:srgbClr val="1F497D">
+              <a:rPr lang="en-US" altLang="ko-KR">
+                <a:solidFill>
+                  <a:srgbClr val="1f497d">
                     <a:lumMod val="50000"/>
                   </a:srgbClr>
                 </a:solidFill>
               </a:rPr>
-              <a:pPr>
+              <a:pPr lvl="0">
                 <a:defRPr/>
               </a:pPr>
-              <a:t>44</a:t>
+              <a:t>24</a:t>
             </a:fld>
             <a:r>
               <a:rPr lang="en-US" altLang="ko-KR">
                 <a:solidFill>
-                  <a:srgbClr val="1F497D">
+                  <a:srgbClr val="1f497d">
                     <a:lumMod val="50000"/>
                   </a:srgbClr>
                 </a:solidFill>
               </a:rPr>
               <a:t> </a:t>
             </a:r>
-            <a:endParaRPr lang="en-US" altLang="ko-KR" dirty="0">
-              <a:solidFill>
-                <a:srgbClr val="1F497D">
+            <a:endParaRPr lang="en-US" altLang="ko-KR">
+              <a:solidFill>
+                <a:srgbClr val="1f497d">
                   <a:lumMod val="50000"/>
                 </a:srgbClr>
               </a:solidFill>
@@ -21779,7 +23692,7 @@
           <a:bodyPr/>
           <a:lstStyle/>
           <a:p>
-            <a:pPr>
+            <a:pPr lvl="0">
               <a:defRPr/>
             </a:pPr>
             <a:r>
@@ -21790,7 +23703,7 @@
               </a:rPr>
               <a:t>Youjip Won</a:t>
             </a:r>
-            <a:endParaRPr lang="ko-KR" altLang="en-US" dirty="0">
+            <a:endParaRPr lang="ko-KR" altLang="en-US">
               <a:solidFill>
                 <a:prstClr val="black"/>
               </a:solidFill>
@@ -21800,18 +23713,12 @@
       </p:sp>
       <p:grpSp>
         <p:nvGrpSpPr>
-          <p:cNvPr id="15" name="그룹 14">
-            <a:extLst>
-              <a:ext uri="{FF2B5EF4-FFF2-40B4-BE49-F238E27FC236}">
-                <a16:creationId xmlns:a16="http://schemas.microsoft.com/office/drawing/2014/main" id="{4CCD140D-E5E4-4D5B-8C7E-B604803285CB}"/>
-              </a:ext>
-            </a:extLst>
-          </p:cNvPr>
+          <p:cNvPr id="15" name="그룹 14"/>
           <p:cNvGrpSpPr/>
           <p:nvPr/>
         </p:nvGrpSpPr>
         <p:grpSpPr>
-          <a:xfrm>
+          <a:xfrm rot="0">
             <a:off x="1169624" y="2132856"/>
             <a:ext cx="6804752" cy="3452067"/>
             <a:chOff x="971600" y="2749241"/>
@@ -21865,26 +23772,30 @@
             </a:fontRef>
           </p:style>
           <p:txBody>
-            <a:bodyPr rtlCol="0" anchor="ctr"/>
+            <a:bodyPr anchor="ctr"/>
             <a:lstStyle/>
             <a:p>
-              <a:pPr algn="ctr"/>
+              <a:pPr lvl="0" algn="ctr">
+                <a:defRPr/>
+              </a:pPr>
               <a:r>
-                <a:rPr lang="en-US" altLang="ko-KR" sz="1600" b="1" dirty="0">
+                <a:rPr lang="en-US" altLang="ko-KR" sz="1600" b="1">
                   <a:solidFill>
                     <a:prstClr val="white"/>
                   </a:solidFill>
-                  <a:latin typeface="맑은 고딕" pitchFamily="50" charset="-127"/>
-                  <a:ea typeface="맑은 고딕" pitchFamily="50" charset="-127"/>
+                  <a:latin typeface="맑은 고딕"/>
+                  <a:ea typeface="맑은 고딕"/>
+                  <a:cs typeface="+mn-cs"/>
                 </a:rPr>
                 <a:t>thread L</a:t>
               </a:r>
-              <a:endParaRPr lang="ko-KR" altLang="en-US" sz="1600" b="1" dirty="0" err="1">
+              <a:endParaRPr lang="ko-KR" altLang="en-US" sz="1600" b="1">
                 <a:solidFill>
                   <a:prstClr val="white"/>
                 </a:solidFill>
-                <a:latin typeface="맑은 고딕" pitchFamily="50" charset="-127"/>
-                <a:ea typeface="맑은 고딕" pitchFamily="50" charset="-127"/>
+                <a:latin typeface="맑은 고딕"/>
+                <a:ea typeface="맑은 고딕"/>
+                <a:cs typeface="+mn-cs"/>
               </a:endParaRPr>
             </a:p>
           </p:txBody>
@@ -21936,26 +23847,30 @@
             </a:fontRef>
           </p:style>
           <p:txBody>
-            <a:bodyPr rtlCol="0" anchor="ctr"/>
+            <a:bodyPr anchor="ctr"/>
             <a:lstStyle/>
             <a:p>
-              <a:pPr algn="ctr"/>
+              <a:pPr lvl="0" algn="ctr">
+                <a:defRPr/>
+              </a:pPr>
               <a:r>
-                <a:rPr lang="en-US" altLang="ko-KR" sz="1600" b="1" dirty="0">
+                <a:rPr lang="en-US" altLang="ko-KR" sz="1600" b="1">
                   <a:solidFill>
-                    <a:srgbClr val="9BBB59"/>
+                    <a:srgbClr val="9bbb59"/>
                   </a:solidFill>
-                  <a:latin typeface="맑은 고딕" pitchFamily="50" charset="-127"/>
-                  <a:ea typeface="맑은 고딕" pitchFamily="50" charset="-127"/>
+                  <a:latin typeface="맑은 고딕"/>
+                  <a:ea typeface="맑은 고딕"/>
+                  <a:cs typeface="+mn-cs"/>
                 </a:rPr>
                 <a:t>priority = L</a:t>
               </a:r>
-              <a:endParaRPr lang="ko-KR" altLang="en-US" sz="1600" b="1" dirty="0" err="1">
-                <a:solidFill>
-                  <a:srgbClr val="9BBB59"/>
-                </a:solidFill>
-                <a:latin typeface="맑은 고딕" pitchFamily="50" charset="-127"/>
-                <a:ea typeface="맑은 고딕" pitchFamily="50" charset="-127"/>
+              <a:endParaRPr lang="ko-KR" altLang="en-US" sz="1600" b="1">
+                <a:solidFill>
+                  <a:srgbClr val="9bbb59"/>
+                </a:solidFill>
+                <a:latin typeface="맑은 고딕"/>
+                <a:ea typeface="맑은 고딕"/>
+                <a:cs typeface="+mn-cs"/>
               </a:endParaRPr>
             </a:p>
           </p:txBody>
@@ -22007,26 +23922,30 @@
             </a:fontRef>
           </p:style>
           <p:txBody>
-            <a:bodyPr rtlCol="0" anchor="ctr"/>
+            <a:bodyPr anchor="ctr"/>
             <a:lstStyle/>
             <a:p>
-              <a:pPr algn="ctr"/>
+              <a:pPr lvl="0" algn="ctr">
+                <a:defRPr/>
+              </a:pPr>
               <a:r>
-                <a:rPr lang="en-US" altLang="ko-KR" sz="1600" b="1" dirty="0" err="1">
+                <a:rPr lang="en-US" altLang="ko-KR" sz="1600" b="1">
                   <a:solidFill>
-                    <a:srgbClr val="9BBB59"/>
+                    <a:srgbClr val="9bbb59"/>
                   </a:solidFill>
-                  <a:latin typeface="맑은 고딕" pitchFamily="50" charset="-127"/>
-                  <a:ea typeface="맑은 고딕" pitchFamily="50" charset="-127"/>
+                  <a:latin typeface="맑은 고딕"/>
+                  <a:ea typeface="맑은 고딕"/>
+                  <a:cs typeface="+mn-cs"/>
                 </a:rPr>
                 <a:t>wait_on_lock</a:t>
               </a:r>
-              <a:endParaRPr lang="ko-KR" altLang="en-US" sz="1600" b="1" dirty="0" err="1">
-                <a:solidFill>
-                  <a:srgbClr val="9BBB59"/>
-                </a:solidFill>
-                <a:latin typeface="맑은 고딕" pitchFamily="50" charset="-127"/>
-                <a:ea typeface="맑은 고딕" pitchFamily="50" charset="-127"/>
+              <a:endParaRPr lang="ko-KR" altLang="en-US" sz="1600" b="1">
+                <a:solidFill>
+                  <a:srgbClr val="9bbb59"/>
+                </a:solidFill>
+                <a:latin typeface="맑은 고딕"/>
+                <a:ea typeface="맑은 고딕"/>
+                <a:cs typeface="+mn-cs"/>
               </a:endParaRPr>
             </a:p>
           </p:txBody>
@@ -22078,26 +23997,30 @@
             </a:fontRef>
           </p:style>
           <p:txBody>
-            <a:bodyPr rtlCol="0" anchor="ctr"/>
+            <a:bodyPr anchor="ctr"/>
             <a:lstStyle/>
             <a:p>
-              <a:pPr algn="ctr"/>
+              <a:pPr lvl="0" algn="ctr">
+                <a:defRPr/>
+              </a:pPr>
               <a:r>
-                <a:rPr lang="en-US" altLang="ko-KR" sz="1600" b="1" dirty="0">
+                <a:rPr lang="en-US" altLang="ko-KR" sz="1600" b="1">
                   <a:solidFill>
-                    <a:srgbClr val="9BBB59"/>
+                    <a:srgbClr val="9bbb59"/>
                   </a:solidFill>
-                  <a:latin typeface="맑은 고딕" pitchFamily="50" charset="-127"/>
-                  <a:ea typeface="맑은 고딕" pitchFamily="50" charset="-127"/>
+                  <a:latin typeface="맑은 고딕"/>
+                  <a:ea typeface="맑은 고딕"/>
+                  <a:cs typeface="+mn-cs"/>
                 </a:rPr>
                 <a:t>…</a:t>
               </a:r>
-              <a:endParaRPr lang="ko-KR" altLang="en-US" sz="1600" b="1" dirty="0" err="1">
-                <a:solidFill>
-                  <a:srgbClr val="9BBB59"/>
-                </a:solidFill>
-                <a:latin typeface="맑은 고딕" pitchFamily="50" charset="-127"/>
-                <a:ea typeface="맑은 고딕" pitchFamily="50" charset="-127"/>
+              <a:endParaRPr lang="ko-KR" altLang="en-US" sz="1600" b="1">
+                <a:solidFill>
+                  <a:srgbClr val="9bbb59"/>
+                </a:solidFill>
+                <a:latin typeface="맑은 고딕"/>
+                <a:ea typeface="맑은 고딕"/>
+                <a:cs typeface="+mn-cs"/>
               </a:endParaRPr>
             </a:p>
           </p:txBody>
@@ -22149,26 +24072,30 @@
             </a:fontRef>
           </p:style>
           <p:txBody>
-            <a:bodyPr lIns="0" tIns="0" rIns="0" bIns="0" rtlCol="0" anchor="ctr"/>
+            <a:bodyPr lIns="0" tIns="0" rIns="0" bIns="0" anchor="ctr"/>
             <a:lstStyle/>
             <a:p>
-              <a:pPr algn="ctr"/>
+              <a:pPr lvl="0" algn="ctr">
+                <a:defRPr/>
+              </a:pPr>
               <a:r>
-                <a:rPr lang="en-US" altLang="ko-KR" sz="1200" b="1" dirty="0">
+                <a:rPr lang="en-US" altLang="ko-KR" sz="1200" b="1">
                   <a:solidFill>
                     <a:prstClr val="white"/>
                   </a:solidFill>
-                  <a:latin typeface="맑은 고딕" pitchFamily="50" charset="-127"/>
-                  <a:ea typeface="맑은 고딕" pitchFamily="50" charset="-127"/>
+                  <a:latin typeface="맑은 고딕"/>
+                  <a:ea typeface="맑은 고딕"/>
+                  <a:cs typeface="+mn-cs"/>
                 </a:rPr>
                 <a:t>lock A</a:t>
               </a:r>
-              <a:endParaRPr lang="ko-KR" altLang="en-US" sz="1200" b="1" dirty="0">
+              <a:endParaRPr lang="ko-KR" altLang="en-US" sz="1200" b="1">
                 <a:solidFill>
                   <a:prstClr val="white"/>
                 </a:solidFill>
-                <a:latin typeface="맑은 고딕" pitchFamily="50" charset="-127"/>
-                <a:ea typeface="맑은 고딕" pitchFamily="50" charset="-127"/>
+                <a:latin typeface="맑은 고딕"/>
+                <a:ea typeface="맑은 고딕"/>
+                <a:cs typeface="+mn-cs"/>
               </a:endParaRPr>
             </a:p>
           </p:txBody>
@@ -22220,26 +24147,30 @@
             </a:fontRef>
           </p:style>
           <p:txBody>
-            <a:bodyPr lIns="0" tIns="0" rIns="0" bIns="0" rtlCol="0" anchor="ctr"/>
+            <a:bodyPr lIns="0" tIns="0" rIns="0" bIns="0" anchor="ctr"/>
             <a:lstStyle/>
             <a:p>
-              <a:pPr algn="ctr"/>
+              <a:pPr lvl="0" algn="ctr">
+                <a:defRPr/>
+              </a:pPr>
               <a:r>
-                <a:rPr lang="en-US" altLang="ko-KR" sz="1200" b="1" dirty="0">
+                <a:rPr lang="en-US" altLang="ko-KR" sz="1200" b="1">
                   <a:solidFill>
-                    <a:srgbClr val="4BACC6"/>
+                    <a:srgbClr val="4bacc6"/>
                   </a:solidFill>
-                  <a:latin typeface="맑은 고딕" pitchFamily="50" charset="-127"/>
-                  <a:ea typeface="맑은 고딕" pitchFamily="50" charset="-127"/>
+                  <a:latin typeface="맑은 고딕"/>
+                  <a:ea typeface="맑은 고딕"/>
+                  <a:cs typeface="+mn-cs"/>
                 </a:rPr>
                 <a:t>holder</a:t>
               </a:r>
-              <a:endParaRPr lang="ko-KR" altLang="en-US" sz="1200" b="1" dirty="0">
-                <a:solidFill>
-                  <a:srgbClr val="4BACC6"/>
-                </a:solidFill>
-                <a:latin typeface="맑은 고딕" pitchFamily="50" charset="-127"/>
-                <a:ea typeface="맑은 고딕" pitchFamily="50" charset="-127"/>
+              <a:endParaRPr lang="ko-KR" altLang="en-US" sz="1200" b="1">
+                <a:solidFill>
+                  <a:srgbClr val="4bacc6"/>
+                </a:solidFill>
+                <a:latin typeface="맑은 고딕"/>
+                <a:ea typeface="맑은 고딕"/>
+                <a:cs typeface="+mn-cs"/>
               </a:endParaRPr>
             </a:p>
           </p:txBody>
@@ -22291,26 +24222,30 @@
             </a:fontRef>
           </p:style>
           <p:txBody>
-            <a:bodyPr lIns="0" tIns="0" rIns="0" bIns="0" rtlCol="0" anchor="ctr"/>
+            <a:bodyPr lIns="0" tIns="0" rIns="0" bIns="0" anchor="ctr"/>
             <a:lstStyle/>
             <a:p>
-              <a:pPr algn="ctr"/>
+              <a:pPr lvl="0" algn="ctr">
+                <a:defRPr/>
+              </a:pPr>
               <a:r>
-                <a:rPr lang="en-US" altLang="ko-KR" sz="1200" b="1" dirty="0">
+                <a:rPr lang="en-US" altLang="ko-KR" sz="1200" b="1">
                   <a:solidFill>
                     <a:prstClr val="black"/>
                   </a:solidFill>
-                  <a:latin typeface="맑은 고딕" pitchFamily="50" charset="-127"/>
-                  <a:ea typeface="맑은 고딕" pitchFamily="50" charset="-127"/>
+                  <a:latin typeface="맑은 고딕"/>
+                  <a:ea typeface="맑은 고딕"/>
+                  <a:cs typeface="+mn-cs"/>
                 </a:rPr>
                 <a:t>…</a:t>
               </a:r>
-              <a:endParaRPr lang="ko-KR" altLang="en-US" sz="1200" b="1" dirty="0">
+              <a:endParaRPr lang="ko-KR" altLang="en-US" sz="1200" b="1">
                 <a:solidFill>
                   <a:prstClr val="black"/>
                 </a:solidFill>
-                <a:latin typeface="맑은 고딕" pitchFamily="50" charset="-127"/>
-                <a:ea typeface="맑은 고딕" pitchFamily="50" charset="-127"/>
+                <a:latin typeface="맑은 고딕"/>
+                <a:ea typeface="맑은 고딕"/>
+                <a:cs typeface="+mn-cs"/>
               </a:endParaRPr>
             </a:p>
           </p:txBody>
@@ -22319,7 +24254,6 @@
           <p:nvCxnSpPr>
             <p:cNvPr id="27" name="꺾인 연결선 20"/>
             <p:cNvCxnSpPr>
-              <a:cxnSpLocks/>
               <a:stCxn id="24" idx="1"/>
             </p:cNvCxnSpPr>
             <p:nvPr/>
@@ -22403,26 +24337,30 @@
             </a:fontRef>
           </p:style>
           <p:txBody>
-            <a:bodyPr rtlCol="0" anchor="ctr"/>
+            <a:bodyPr anchor="ctr"/>
             <a:lstStyle/>
             <a:p>
-              <a:pPr algn="ctr"/>
+              <a:pPr lvl="0" algn="ctr">
+                <a:defRPr/>
+              </a:pPr>
               <a:r>
-                <a:rPr lang="en-US" altLang="ko-KR" sz="1400" b="1" dirty="0">
+                <a:rPr lang="en-US" altLang="ko-KR" sz="1400" b="1">
                   <a:solidFill>
                     <a:prstClr val="white"/>
                   </a:solidFill>
-                  <a:latin typeface="맑은 고딕" pitchFamily="50" charset="-127"/>
-                  <a:ea typeface="맑은 고딕" pitchFamily="50" charset="-127"/>
+                  <a:latin typeface="맑은 고딕"/>
+                  <a:ea typeface="맑은 고딕"/>
+                  <a:cs typeface="+mn-cs"/>
                 </a:rPr>
                 <a:t>thread M</a:t>
               </a:r>
-              <a:endParaRPr lang="ko-KR" altLang="en-US" sz="1400" b="1" dirty="0" err="1">
+              <a:endParaRPr lang="ko-KR" altLang="en-US" sz="1400" b="1">
                 <a:solidFill>
                   <a:prstClr val="white"/>
                 </a:solidFill>
-                <a:latin typeface="맑은 고딕" pitchFamily="50" charset="-127"/>
-                <a:ea typeface="맑은 고딕" pitchFamily="50" charset="-127"/>
+                <a:latin typeface="맑은 고딕"/>
+                <a:ea typeface="맑은 고딕"/>
+                <a:cs typeface="+mn-cs"/>
               </a:endParaRPr>
             </a:p>
           </p:txBody>
@@ -22474,26 +24412,30 @@
             </a:fontRef>
           </p:style>
           <p:txBody>
-            <a:bodyPr rtlCol="0" anchor="ctr"/>
+            <a:bodyPr anchor="ctr"/>
             <a:lstStyle/>
             <a:p>
-              <a:pPr algn="ctr"/>
+              <a:pPr lvl="0" algn="ctr">
+                <a:defRPr/>
+              </a:pPr>
               <a:r>
-                <a:rPr lang="en-US" altLang="ko-KR" sz="1400" b="1" dirty="0">
+                <a:rPr lang="en-US" altLang="ko-KR" sz="1400" b="1">
                   <a:solidFill>
-                    <a:srgbClr val="9BBB59"/>
+                    <a:srgbClr val="9bbb59"/>
                   </a:solidFill>
-                  <a:latin typeface="맑은 고딕" pitchFamily="50" charset="-127"/>
-                  <a:ea typeface="맑은 고딕" pitchFamily="50" charset="-127"/>
+                  <a:latin typeface="맑은 고딕"/>
+                  <a:ea typeface="맑은 고딕"/>
+                  <a:cs typeface="+mn-cs"/>
                 </a:rPr>
                 <a:t>priority = M</a:t>
               </a:r>
-              <a:endParaRPr lang="ko-KR" altLang="en-US" sz="1400" b="1" dirty="0" err="1">
-                <a:solidFill>
-                  <a:srgbClr val="9BBB59"/>
-                </a:solidFill>
-                <a:latin typeface="맑은 고딕" pitchFamily="50" charset="-127"/>
-                <a:ea typeface="맑은 고딕" pitchFamily="50" charset="-127"/>
+              <a:endParaRPr lang="ko-KR" altLang="en-US" sz="1400" b="1">
+                <a:solidFill>
+                  <a:srgbClr val="9bbb59"/>
+                </a:solidFill>
+                <a:latin typeface="맑은 고딕"/>
+                <a:ea typeface="맑은 고딕"/>
+                <a:cs typeface="+mn-cs"/>
               </a:endParaRPr>
             </a:p>
           </p:txBody>
@@ -22545,26 +24487,30 @@
             </a:fontRef>
           </p:style>
           <p:txBody>
-            <a:bodyPr rtlCol="0" anchor="ctr"/>
+            <a:bodyPr anchor="ctr"/>
             <a:lstStyle/>
             <a:p>
-              <a:pPr algn="ctr"/>
+              <a:pPr lvl="0" algn="ctr">
+                <a:defRPr/>
+              </a:pPr>
               <a:r>
-                <a:rPr lang="en-US" altLang="ko-KR" sz="1400" b="1" dirty="0" err="1">
+                <a:rPr lang="en-US" altLang="ko-KR" sz="1400" b="1">
                   <a:solidFill>
-                    <a:srgbClr val="9BBB59"/>
+                    <a:srgbClr val="9bbb59"/>
                   </a:solidFill>
-                  <a:latin typeface="맑은 고딕" pitchFamily="50" charset="-127"/>
-                  <a:ea typeface="맑은 고딕" pitchFamily="50" charset="-127"/>
+                  <a:latin typeface="맑은 고딕"/>
+                  <a:ea typeface="맑은 고딕"/>
+                  <a:cs typeface="+mn-cs"/>
                 </a:rPr>
                 <a:t>wait_on_lock</a:t>
               </a:r>
-              <a:endParaRPr lang="ko-KR" altLang="en-US" sz="1400" b="1" dirty="0" err="1">
-                <a:solidFill>
-                  <a:srgbClr val="9BBB59"/>
-                </a:solidFill>
-                <a:latin typeface="맑은 고딕" pitchFamily="50" charset="-127"/>
-                <a:ea typeface="맑은 고딕" pitchFamily="50" charset="-127"/>
+              <a:endParaRPr lang="ko-KR" altLang="en-US" sz="1400" b="1">
+                <a:solidFill>
+                  <a:srgbClr val="9bbb59"/>
+                </a:solidFill>
+                <a:latin typeface="맑은 고딕"/>
+                <a:ea typeface="맑은 고딕"/>
+                <a:cs typeface="+mn-cs"/>
               </a:endParaRPr>
             </a:p>
           </p:txBody>
@@ -22616,26 +24562,30 @@
             </a:fontRef>
           </p:style>
           <p:txBody>
-            <a:bodyPr rtlCol="0" anchor="ctr"/>
+            <a:bodyPr anchor="ctr"/>
             <a:lstStyle/>
             <a:p>
-              <a:pPr algn="ctr"/>
+              <a:pPr lvl="0" algn="ctr">
+                <a:defRPr/>
+              </a:pPr>
               <a:r>
-                <a:rPr lang="en-US" altLang="ko-KR" sz="1400" b="1" dirty="0">
+                <a:rPr lang="en-US" altLang="ko-KR" sz="1400" b="1">
                   <a:solidFill>
-                    <a:srgbClr val="9BBB59"/>
+                    <a:srgbClr val="9bbb59"/>
                   </a:solidFill>
-                  <a:latin typeface="맑은 고딕" pitchFamily="50" charset="-127"/>
-                  <a:ea typeface="맑은 고딕" pitchFamily="50" charset="-127"/>
+                  <a:latin typeface="맑은 고딕"/>
+                  <a:ea typeface="맑은 고딕"/>
+                  <a:cs typeface="+mn-cs"/>
                 </a:rPr>
                 <a:t>…</a:t>
               </a:r>
-              <a:endParaRPr lang="ko-KR" altLang="en-US" sz="1400" b="1" dirty="0" err="1">
-                <a:solidFill>
-                  <a:srgbClr val="9BBB59"/>
-                </a:solidFill>
-                <a:latin typeface="맑은 고딕" pitchFamily="50" charset="-127"/>
-                <a:ea typeface="맑은 고딕" pitchFamily="50" charset="-127"/>
+              <a:endParaRPr lang="ko-KR" altLang="en-US" sz="1400" b="1">
+                <a:solidFill>
+                  <a:srgbClr val="9bbb59"/>
+                </a:solidFill>
+                <a:latin typeface="맑은 고딕"/>
+                <a:ea typeface="맑은 고딕"/>
+                <a:cs typeface="+mn-cs"/>
               </a:endParaRPr>
             </a:p>
           </p:txBody>
@@ -22687,26 +24637,30 @@
             </a:fontRef>
           </p:style>
           <p:txBody>
-            <a:bodyPr rtlCol="0" anchor="ctr"/>
+            <a:bodyPr anchor="ctr"/>
             <a:lstStyle/>
             <a:p>
-              <a:pPr algn="ctr"/>
+              <a:pPr lvl="0" algn="ctr">
+                <a:defRPr/>
+              </a:pPr>
               <a:r>
-                <a:rPr lang="en-US" altLang="ko-KR" sz="1400" b="1" dirty="0">
+                <a:rPr lang="en-US" altLang="ko-KR" sz="1400" b="1">
                   <a:solidFill>
                     <a:prstClr val="white"/>
                   </a:solidFill>
-                  <a:latin typeface="맑은 고딕" pitchFamily="50" charset="-127"/>
-                  <a:ea typeface="맑은 고딕" pitchFamily="50" charset="-127"/>
+                  <a:latin typeface="맑은 고딕"/>
+                  <a:ea typeface="맑은 고딕"/>
+                  <a:cs typeface="+mn-cs"/>
                 </a:rPr>
                 <a:t>thread H</a:t>
               </a:r>
-              <a:endParaRPr lang="ko-KR" altLang="en-US" sz="1400" b="1" dirty="0" err="1">
+              <a:endParaRPr lang="ko-KR" altLang="en-US" sz="1400" b="1">
                 <a:solidFill>
                   <a:prstClr val="white"/>
                 </a:solidFill>
-                <a:latin typeface="맑은 고딕" pitchFamily="50" charset="-127"/>
-                <a:ea typeface="맑은 고딕" pitchFamily="50" charset="-127"/>
+                <a:latin typeface="맑은 고딕"/>
+                <a:ea typeface="맑은 고딕"/>
+                <a:cs typeface="+mn-cs"/>
               </a:endParaRPr>
             </a:p>
           </p:txBody>
@@ -22758,26 +24712,30 @@
             </a:fontRef>
           </p:style>
           <p:txBody>
-            <a:bodyPr rtlCol="0" anchor="ctr"/>
+            <a:bodyPr anchor="ctr"/>
             <a:lstStyle/>
             <a:p>
-              <a:pPr algn="ctr"/>
+              <a:pPr lvl="0" algn="ctr">
+                <a:defRPr/>
+              </a:pPr>
               <a:r>
-                <a:rPr lang="en-US" altLang="ko-KR" sz="1400" b="1" dirty="0">
+                <a:rPr lang="en-US" altLang="ko-KR" sz="1400" b="1">
                   <a:solidFill>
-                    <a:srgbClr val="9BBB59"/>
+                    <a:srgbClr val="9bbb59"/>
                   </a:solidFill>
-                  <a:latin typeface="맑은 고딕" pitchFamily="50" charset="-127"/>
-                  <a:ea typeface="맑은 고딕" pitchFamily="50" charset="-127"/>
+                  <a:latin typeface="맑은 고딕"/>
+                  <a:ea typeface="맑은 고딕"/>
+                  <a:cs typeface="+mn-cs"/>
                 </a:rPr>
                 <a:t>priority = H</a:t>
               </a:r>
-              <a:endParaRPr lang="ko-KR" altLang="en-US" sz="1400" b="1" dirty="0" err="1">
-                <a:solidFill>
-                  <a:srgbClr val="9BBB59"/>
-                </a:solidFill>
-                <a:latin typeface="맑은 고딕" pitchFamily="50" charset="-127"/>
-                <a:ea typeface="맑은 고딕" pitchFamily="50" charset="-127"/>
+              <a:endParaRPr lang="ko-KR" altLang="en-US" sz="1400" b="1">
+                <a:solidFill>
+                  <a:srgbClr val="9bbb59"/>
+                </a:solidFill>
+                <a:latin typeface="맑은 고딕"/>
+                <a:ea typeface="맑은 고딕"/>
+                <a:cs typeface="+mn-cs"/>
               </a:endParaRPr>
             </a:p>
           </p:txBody>
@@ -22829,26 +24787,30 @@
             </a:fontRef>
           </p:style>
           <p:txBody>
-            <a:bodyPr rtlCol="0" anchor="ctr"/>
+            <a:bodyPr anchor="ctr"/>
             <a:lstStyle/>
             <a:p>
-              <a:pPr algn="ctr"/>
+              <a:pPr lvl="0" algn="ctr">
+                <a:defRPr/>
+              </a:pPr>
               <a:r>
-                <a:rPr lang="en-US" altLang="ko-KR" sz="1400" b="1" dirty="0" err="1">
+                <a:rPr lang="en-US" altLang="ko-KR" sz="1400" b="1">
                   <a:solidFill>
-                    <a:srgbClr val="9BBB59"/>
+                    <a:srgbClr val="9bbb59"/>
                   </a:solidFill>
-                  <a:latin typeface="맑은 고딕" pitchFamily="50" charset="-127"/>
-                  <a:ea typeface="맑은 고딕" pitchFamily="50" charset="-127"/>
+                  <a:latin typeface="맑은 고딕"/>
+                  <a:ea typeface="맑은 고딕"/>
+                  <a:cs typeface="+mn-cs"/>
                 </a:rPr>
                 <a:t>wait_on_lock</a:t>
               </a:r>
-              <a:endParaRPr lang="ko-KR" altLang="en-US" sz="1400" b="1" dirty="0" err="1">
-                <a:solidFill>
-                  <a:srgbClr val="9BBB59"/>
-                </a:solidFill>
-                <a:latin typeface="맑은 고딕" pitchFamily="50" charset="-127"/>
-                <a:ea typeface="맑은 고딕" pitchFamily="50" charset="-127"/>
+              <a:endParaRPr lang="ko-KR" altLang="en-US" sz="1400" b="1">
+                <a:solidFill>
+                  <a:srgbClr val="9bbb59"/>
+                </a:solidFill>
+                <a:latin typeface="맑은 고딕"/>
+                <a:ea typeface="맑은 고딕"/>
+                <a:cs typeface="+mn-cs"/>
               </a:endParaRPr>
             </a:p>
           </p:txBody>
@@ -22900,26 +24862,30 @@
             </a:fontRef>
           </p:style>
           <p:txBody>
-            <a:bodyPr rtlCol="0" anchor="ctr"/>
+            <a:bodyPr anchor="ctr"/>
             <a:lstStyle/>
             <a:p>
-              <a:pPr algn="ctr"/>
+              <a:pPr lvl="0" algn="ctr">
+                <a:defRPr/>
+              </a:pPr>
               <a:r>
-                <a:rPr lang="en-US" altLang="ko-KR" sz="1400" b="1" dirty="0">
+                <a:rPr lang="en-US" altLang="ko-KR" sz="1400" b="1">
                   <a:solidFill>
-                    <a:srgbClr val="9BBB59"/>
+                    <a:srgbClr val="9bbb59"/>
                   </a:solidFill>
-                  <a:latin typeface="맑은 고딕" pitchFamily="50" charset="-127"/>
-                  <a:ea typeface="맑은 고딕" pitchFamily="50" charset="-127"/>
+                  <a:latin typeface="맑은 고딕"/>
+                  <a:ea typeface="맑은 고딕"/>
+                  <a:cs typeface="+mn-cs"/>
                 </a:rPr>
                 <a:t>…</a:t>
               </a:r>
-              <a:endParaRPr lang="ko-KR" altLang="en-US" sz="1400" b="1" dirty="0" err="1">
-                <a:solidFill>
-                  <a:srgbClr val="9BBB59"/>
-                </a:solidFill>
-                <a:latin typeface="맑은 고딕" pitchFamily="50" charset="-127"/>
-                <a:ea typeface="맑은 고딕" pitchFamily="50" charset="-127"/>
+              <a:endParaRPr lang="ko-KR" altLang="en-US" sz="1400" b="1">
+                <a:solidFill>
+                  <a:srgbClr val="9bbb59"/>
+                </a:solidFill>
+                <a:latin typeface="맑은 고딕"/>
+                <a:ea typeface="맑은 고딕"/>
+                <a:cs typeface="+mn-cs"/>
               </a:endParaRPr>
             </a:p>
           </p:txBody>
@@ -23094,26 +25060,30 @@
             </a:fontRef>
           </p:style>
           <p:txBody>
-            <a:bodyPr rtlCol="0" anchor="ctr"/>
+            <a:bodyPr anchor="ctr"/>
             <a:lstStyle/>
             <a:p>
-              <a:pPr algn="ctr"/>
+              <a:pPr lvl="0" algn="ctr">
+                <a:defRPr/>
+              </a:pPr>
               <a:r>
-                <a:rPr lang="en-US" altLang="ko-KR" sz="1600" b="1" dirty="0">
+                <a:rPr lang="en-US" altLang="ko-KR" sz="1600" b="1">
                   <a:solidFill>
-                    <a:srgbClr val="9BBB59"/>
+                    <a:srgbClr val="9bbb59"/>
                   </a:solidFill>
-                  <a:latin typeface="맑은 고딕" pitchFamily="50" charset="-127"/>
-                  <a:ea typeface="맑은 고딕" pitchFamily="50" charset="-127"/>
+                  <a:latin typeface="맑은 고딕"/>
+                  <a:ea typeface="맑은 고딕"/>
+                  <a:cs typeface="+mn-cs"/>
                 </a:rPr>
                 <a:t>donations</a:t>
               </a:r>
-              <a:endParaRPr lang="ko-KR" altLang="en-US" sz="1600" b="1" dirty="0" err="1">
-                <a:solidFill>
-                  <a:srgbClr val="9BBB59"/>
-                </a:solidFill>
-                <a:latin typeface="맑은 고딕" pitchFamily="50" charset="-127"/>
-                <a:ea typeface="맑은 고딕" pitchFamily="50" charset="-127"/>
+              <a:endParaRPr lang="ko-KR" altLang="en-US" sz="1600" b="1">
+                <a:solidFill>
+                  <a:srgbClr val="9bbb59"/>
+                </a:solidFill>
+                <a:latin typeface="맑은 고딕"/>
+                <a:ea typeface="맑은 고딕"/>
+                <a:cs typeface="+mn-cs"/>
               </a:endParaRPr>
             </a:p>
           </p:txBody>
@@ -23165,26 +25135,30 @@
             </a:fontRef>
           </p:style>
           <p:txBody>
-            <a:bodyPr rtlCol="0" anchor="ctr"/>
+            <a:bodyPr anchor="ctr"/>
             <a:lstStyle/>
             <a:p>
-              <a:pPr algn="ctr"/>
+              <a:pPr lvl="0" algn="ctr">
+                <a:defRPr/>
+              </a:pPr>
               <a:r>
-                <a:rPr lang="en-US" altLang="ko-KR" sz="1600" b="1" dirty="0" err="1">
+                <a:rPr lang="en-US" altLang="ko-KR" sz="1600" b="1">
                   <a:solidFill>
-                    <a:srgbClr val="9BBB59"/>
+                    <a:srgbClr val="9bbb59"/>
                   </a:solidFill>
-                  <a:latin typeface="맑은 고딕" pitchFamily="50" charset="-127"/>
-                  <a:ea typeface="맑은 고딕" pitchFamily="50" charset="-127"/>
+                  <a:latin typeface="맑은 고딕"/>
+                  <a:ea typeface="맑은 고딕"/>
+                  <a:cs typeface="+mn-cs"/>
                 </a:rPr>
                 <a:t>d_elem</a:t>
               </a:r>
-              <a:endParaRPr lang="ko-KR" altLang="en-US" sz="1600" b="1" dirty="0" err="1">
-                <a:solidFill>
-                  <a:srgbClr val="9BBB59"/>
-                </a:solidFill>
-                <a:latin typeface="맑은 고딕" pitchFamily="50" charset="-127"/>
-                <a:ea typeface="맑은 고딕" pitchFamily="50" charset="-127"/>
+              <a:endParaRPr lang="ko-KR" altLang="en-US" sz="1600" b="1">
+                <a:solidFill>
+                  <a:srgbClr val="9bbb59"/>
+                </a:solidFill>
+                <a:latin typeface="맑은 고딕"/>
+                <a:ea typeface="맑은 고딕"/>
+                <a:cs typeface="+mn-cs"/>
               </a:endParaRPr>
             </a:p>
           </p:txBody>
@@ -23236,26 +25210,30 @@
             </a:fontRef>
           </p:style>
           <p:txBody>
-            <a:bodyPr rtlCol="0" anchor="ctr"/>
+            <a:bodyPr anchor="ctr"/>
             <a:lstStyle/>
             <a:p>
-              <a:pPr algn="ctr"/>
+              <a:pPr lvl="0" algn="ctr">
+                <a:defRPr/>
+              </a:pPr>
               <a:r>
-                <a:rPr lang="en-US" altLang="ko-KR" sz="1400" b="1" dirty="0">
+                <a:rPr lang="en-US" altLang="ko-KR" sz="1400" b="1">
                   <a:solidFill>
-                    <a:srgbClr val="9BBB59"/>
+                    <a:srgbClr val="9bbb59"/>
                   </a:solidFill>
-                  <a:latin typeface="맑은 고딕" pitchFamily="50" charset="-127"/>
-                  <a:ea typeface="맑은 고딕" pitchFamily="50" charset="-127"/>
+                  <a:latin typeface="맑은 고딕"/>
+                  <a:ea typeface="맑은 고딕"/>
+                  <a:cs typeface="+mn-cs"/>
                 </a:rPr>
                 <a:t>donations</a:t>
               </a:r>
-              <a:endParaRPr lang="ko-KR" altLang="en-US" sz="1400" b="1" dirty="0" err="1">
-                <a:solidFill>
-                  <a:srgbClr val="9BBB59"/>
-                </a:solidFill>
-                <a:latin typeface="맑은 고딕" pitchFamily="50" charset="-127"/>
-                <a:ea typeface="맑은 고딕" pitchFamily="50" charset="-127"/>
+              <a:endParaRPr lang="ko-KR" altLang="en-US" sz="1400" b="1">
+                <a:solidFill>
+                  <a:srgbClr val="9bbb59"/>
+                </a:solidFill>
+                <a:latin typeface="맑은 고딕"/>
+                <a:ea typeface="맑은 고딕"/>
+                <a:cs typeface="+mn-cs"/>
               </a:endParaRPr>
             </a:p>
           </p:txBody>
@@ -23307,26 +25285,30 @@
             </a:fontRef>
           </p:style>
           <p:txBody>
-            <a:bodyPr rtlCol="0" anchor="ctr"/>
+            <a:bodyPr anchor="ctr"/>
             <a:lstStyle/>
             <a:p>
-              <a:pPr algn="ctr"/>
+              <a:pPr lvl="0" algn="ctr">
+                <a:defRPr/>
+              </a:pPr>
               <a:r>
-                <a:rPr lang="en-US" altLang="ko-KR" sz="1400" b="1" dirty="0" err="1">
+                <a:rPr lang="en-US" altLang="ko-KR" sz="1400" b="1">
                   <a:solidFill>
-                    <a:srgbClr val="9BBB59"/>
+                    <a:srgbClr val="9bbb59"/>
                   </a:solidFill>
-                  <a:latin typeface="맑은 고딕" pitchFamily="50" charset="-127"/>
-                  <a:ea typeface="맑은 고딕" pitchFamily="50" charset="-127"/>
+                  <a:latin typeface="맑은 고딕"/>
+                  <a:ea typeface="맑은 고딕"/>
+                  <a:cs typeface="+mn-cs"/>
                 </a:rPr>
                 <a:t>d_elem</a:t>
               </a:r>
-              <a:endParaRPr lang="ko-KR" altLang="en-US" sz="1400" b="1" dirty="0" err="1">
-                <a:solidFill>
-                  <a:srgbClr val="9BBB59"/>
-                </a:solidFill>
-                <a:latin typeface="맑은 고딕" pitchFamily="50" charset="-127"/>
-                <a:ea typeface="맑은 고딕" pitchFamily="50" charset="-127"/>
+              <a:endParaRPr lang="ko-KR" altLang="en-US" sz="1400" b="1">
+                <a:solidFill>
+                  <a:srgbClr val="9bbb59"/>
+                </a:solidFill>
+                <a:latin typeface="맑은 고딕"/>
+                <a:ea typeface="맑은 고딕"/>
+                <a:cs typeface="+mn-cs"/>
               </a:endParaRPr>
             </a:p>
           </p:txBody>
@@ -23378,26 +25360,30 @@
             </a:fontRef>
           </p:style>
           <p:txBody>
-            <a:bodyPr rtlCol="0" anchor="ctr"/>
+            <a:bodyPr anchor="ctr"/>
             <a:lstStyle/>
             <a:p>
-              <a:pPr algn="ctr"/>
+              <a:pPr lvl="0" algn="ctr">
+                <a:defRPr/>
+              </a:pPr>
               <a:r>
-                <a:rPr lang="en-US" altLang="ko-KR" sz="1400" b="1" dirty="0">
+                <a:rPr lang="en-US" altLang="ko-KR" sz="1400" b="1">
                   <a:solidFill>
-                    <a:srgbClr val="9BBB59"/>
+                    <a:srgbClr val="9bbb59"/>
                   </a:solidFill>
-                  <a:latin typeface="맑은 고딕" pitchFamily="50" charset="-127"/>
-                  <a:ea typeface="맑은 고딕" pitchFamily="50" charset="-127"/>
+                  <a:latin typeface="맑은 고딕"/>
+                  <a:ea typeface="맑은 고딕"/>
+                  <a:cs typeface="+mn-cs"/>
                 </a:rPr>
                 <a:t>donations</a:t>
               </a:r>
-              <a:endParaRPr lang="ko-KR" altLang="en-US" sz="1400" b="1" dirty="0" err="1">
-                <a:solidFill>
-                  <a:srgbClr val="9BBB59"/>
-                </a:solidFill>
-                <a:latin typeface="맑은 고딕" pitchFamily="50" charset="-127"/>
-                <a:ea typeface="맑은 고딕" pitchFamily="50" charset="-127"/>
+              <a:endParaRPr lang="ko-KR" altLang="en-US" sz="1400" b="1">
+                <a:solidFill>
+                  <a:srgbClr val="9bbb59"/>
+                </a:solidFill>
+                <a:latin typeface="맑은 고딕"/>
+                <a:ea typeface="맑은 고딕"/>
+                <a:cs typeface="+mn-cs"/>
               </a:endParaRPr>
             </a:p>
           </p:txBody>
@@ -23449,26 +25435,30 @@
             </a:fontRef>
           </p:style>
           <p:txBody>
-            <a:bodyPr rtlCol="0" anchor="ctr"/>
+            <a:bodyPr anchor="ctr"/>
             <a:lstStyle/>
             <a:p>
-              <a:pPr algn="ctr"/>
+              <a:pPr lvl="0" algn="ctr">
+                <a:defRPr/>
+              </a:pPr>
               <a:r>
-                <a:rPr lang="en-US" altLang="ko-KR" sz="1400" b="1" dirty="0" err="1">
+                <a:rPr lang="en-US" altLang="ko-KR" sz="1400" b="1">
                   <a:solidFill>
-                    <a:srgbClr val="9BBB59"/>
+                    <a:srgbClr val="9bbb59"/>
                   </a:solidFill>
-                  <a:latin typeface="맑은 고딕" pitchFamily="50" charset="-127"/>
-                  <a:ea typeface="맑은 고딕" pitchFamily="50" charset="-127"/>
+                  <a:latin typeface="맑은 고딕"/>
+                  <a:ea typeface="맑은 고딕"/>
+                  <a:cs typeface="+mn-cs"/>
                 </a:rPr>
                 <a:t>d_elem</a:t>
               </a:r>
-              <a:endParaRPr lang="ko-KR" altLang="en-US" sz="1400" b="1" dirty="0" err="1">
-                <a:solidFill>
-                  <a:srgbClr val="9BBB59"/>
-                </a:solidFill>
-                <a:latin typeface="맑은 고딕" pitchFamily="50" charset="-127"/>
-                <a:ea typeface="맑은 고딕" pitchFamily="50" charset="-127"/>
+              <a:endParaRPr lang="ko-KR" altLang="en-US" sz="1400" b="1">
+                <a:solidFill>
+                  <a:srgbClr val="9bbb59"/>
+                </a:solidFill>
+                <a:latin typeface="맑은 고딕"/>
+                <a:ea typeface="맑은 고딕"/>
+                <a:cs typeface="+mn-cs"/>
               </a:endParaRPr>
             </a:p>
           </p:txBody>
@@ -23520,26 +25510,30 @@
             </a:fontRef>
           </p:style>
           <p:txBody>
-            <a:bodyPr lIns="0" tIns="0" rIns="0" bIns="0" rtlCol="0" anchor="ctr"/>
+            <a:bodyPr lIns="0" tIns="0" rIns="0" bIns="0" anchor="ctr"/>
             <a:lstStyle/>
             <a:p>
-              <a:pPr algn="ctr"/>
+              <a:pPr lvl="0" algn="ctr">
+                <a:defRPr/>
+              </a:pPr>
               <a:r>
-                <a:rPr lang="en-US" altLang="ko-KR" sz="1200" b="1" dirty="0">
+                <a:rPr lang="en-US" altLang="ko-KR" sz="1200" b="1">
                   <a:solidFill>
                     <a:prstClr val="white"/>
                   </a:solidFill>
-                  <a:latin typeface="맑은 고딕" pitchFamily="50" charset="-127"/>
-                  <a:ea typeface="맑은 고딕" pitchFamily="50" charset="-127"/>
+                  <a:latin typeface="맑은 고딕"/>
+                  <a:ea typeface="맑은 고딕"/>
+                  <a:cs typeface="+mn-cs"/>
                 </a:rPr>
                 <a:t>lock B</a:t>
               </a:r>
-              <a:endParaRPr lang="ko-KR" altLang="en-US" sz="1200" b="1" dirty="0">
+              <a:endParaRPr lang="ko-KR" altLang="en-US" sz="1200" b="1">
                 <a:solidFill>
                   <a:prstClr val="white"/>
                 </a:solidFill>
-                <a:latin typeface="맑은 고딕" pitchFamily="50" charset="-127"/>
-                <a:ea typeface="맑은 고딕" pitchFamily="50" charset="-127"/>
+                <a:latin typeface="맑은 고딕"/>
+                <a:ea typeface="맑은 고딕"/>
+                <a:cs typeface="+mn-cs"/>
               </a:endParaRPr>
             </a:p>
           </p:txBody>
@@ -23591,26 +25585,30 @@
             </a:fontRef>
           </p:style>
           <p:txBody>
-            <a:bodyPr lIns="0" tIns="0" rIns="0" bIns="0" rtlCol="0" anchor="ctr"/>
+            <a:bodyPr lIns="0" tIns="0" rIns="0" bIns="0" anchor="ctr"/>
             <a:lstStyle/>
             <a:p>
-              <a:pPr algn="ctr"/>
+              <a:pPr lvl="0" algn="ctr">
+                <a:defRPr/>
+              </a:pPr>
               <a:r>
-                <a:rPr lang="en-US" altLang="ko-KR" sz="1200" b="1" dirty="0">
+                <a:rPr lang="en-US" altLang="ko-KR" sz="1200" b="1">
                   <a:solidFill>
-                    <a:srgbClr val="4BACC6"/>
+                    <a:srgbClr val="4bacc6"/>
                   </a:solidFill>
-                  <a:latin typeface="맑은 고딕" pitchFamily="50" charset="-127"/>
-                  <a:ea typeface="맑은 고딕" pitchFamily="50" charset="-127"/>
+                  <a:latin typeface="맑은 고딕"/>
+                  <a:ea typeface="맑은 고딕"/>
+                  <a:cs typeface="+mn-cs"/>
                 </a:rPr>
                 <a:t>holder</a:t>
               </a:r>
-              <a:endParaRPr lang="ko-KR" altLang="en-US" sz="1200" b="1" dirty="0">
-                <a:solidFill>
-                  <a:srgbClr val="4BACC6"/>
-                </a:solidFill>
-                <a:latin typeface="맑은 고딕" pitchFamily="50" charset="-127"/>
-                <a:ea typeface="맑은 고딕" pitchFamily="50" charset="-127"/>
+              <a:endParaRPr lang="ko-KR" altLang="en-US" sz="1200" b="1">
+                <a:solidFill>
+                  <a:srgbClr val="4bacc6"/>
+                </a:solidFill>
+                <a:latin typeface="맑은 고딕"/>
+                <a:ea typeface="맑은 고딕"/>
+                <a:cs typeface="+mn-cs"/>
               </a:endParaRPr>
             </a:p>
           </p:txBody>
@@ -23662,26 +25660,30 @@
             </a:fontRef>
           </p:style>
           <p:txBody>
-            <a:bodyPr lIns="0" tIns="0" rIns="0" bIns="0" rtlCol="0" anchor="ctr"/>
+            <a:bodyPr lIns="0" tIns="0" rIns="0" bIns="0" anchor="ctr"/>
             <a:lstStyle/>
             <a:p>
-              <a:pPr algn="ctr"/>
+              <a:pPr lvl="0" algn="ctr">
+                <a:defRPr/>
+              </a:pPr>
               <a:r>
-                <a:rPr lang="en-US" altLang="ko-KR" sz="1200" b="1" dirty="0">
+                <a:rPr lang="en-US" altLang="ko-KR" sz="1200" b="1">
                   <a:solidFill>
                     <a:prstClr val="black"/>
                   </a:solidFill>
-                  <a:latin typeface="맑은 고딕" pitchFamily="50" charset="-127"/>
-                  <a:ea typeface="맑은 고딕" pitchFamily="50" charset="-127"/>
+                  <a:latin typeface="맑은 고딕"/>
+                  <a:ea typeface="맑은 고딕"/>
+                  <a:cs typeface="+mn-cs"/>
                 </a:rPr>
                 <a:t>…</a:t>
               </a:r>
-              <a:endParaRPr lang="ko-KR" altLang="en-US" sz="1200" b="1" dirty="0">
+              <a:endParaRPr lang="ko-KR" altLang="en-US" sz="1200" b="1">
                 <a:solidFill>
                   <a:prstClr val="black"/>
                 </a:solidFill>
-                <a:latin typeface="맑은 고딕" pitchFamily="50" charset="-127"/>
-                <a:ea typeface="맑은 고딕" pitchFamily="50" charset="-127"/>
+                <a:latin typeface="맑은 고딕"/>
+                <a:ea typeface="맑은 고딕"/>
+                <a:cs typeface="+mn-cs"/>
               </a:endParaRPr>
             </a:p>
           </p:txBody>
@@ -23690,7 +25692,6 @@
           <p:nvCxnSpPr>
             <p:cNvPr id="46" name="꺾인 연결선 20"/>
             <p:cNvCxnSpPr>
-              <a:cxnSpLocks/>
               <a:stCxn id="44" idx="1"/>
             </p:cNvCxnSpPr>
             <p:nvPr/>
@@ -23770,13 +25771,7 @@
         </p:cxnSp>
         <p:sp>
           <p:nvSpPr>
-            <p:cNvPr id="13" name="타원 12">
-              <a:extLst>
-                <a:ext uri="{FF2B5EF4-FFF2-40B4-BE49-F238E27FC236}">
-                  <a16:creationId xmlns:a16="http://schemas.microsoft.com/office/drawing/2014/main" id="{5C4D2B96-F509-48C5-BC2F-0D2862C25482}"/>
-                </a:ext>
-              </a:extLst>
-            </p:cNvPr>
+            <p:cNvPr id="13" name="타원 12"/>
             <p:cNvSpPr/>
             <p:nvPr/>
           </p:nvSpPr>
@@ -23810,30 +25805,26 @@
             </a:fontRef>
           </p:style>
           <p:txBody>
-            <a:bodyPr lIns="252000" rtlCol="0" anchor="ctr"/>
+            <a:bodyPr lIns="252000" anchor="ctr"/>
             <a:lstStyle/>
             <a:p>
-              <a:pPr algn="ctr"/>
-              <a:endParaRPr lang="ko-KR" altLang="en-US" sz="1600" dirty="0">
-                <a:solidFill>
-                  <a:srgbClr val="00B050"/>
-                </a:solidFill>
-                <a:latin typeface="Courier New" pitchFamily="49" charset="0"/>
-                <a:ea typeface="맑은 고딕" pitchFamily="50" charset="-127"/>
-                <a:cs typeface="Courier New" pitchFamily="49" charset="0"/>
+              <a:pPr lvl="0" algn="ctr">
+                <a:defRPr/>
+              </a:pPr>
+              <a:endParaRPr lang="ko-KR" altLang="en-US" sz="1600">
+                <a:solidFill>
+                  <a:srgbClr val="00b050"/>
+                </a:solidFill>
+                <a:latin typeface="Courier New"/>
+                <a:ea typeface="맑은 고딕"/>
+                <a:cs typeface="Courier New"/>
               </a:endParaRPr>
             </a:p>
           </p:txBody>
         </p:sp>
         <p:sp>
           <p:nvSpPr>
-            <p:cNvPr id="40" name="타원 39">
-              <a:extLst>
-                <a:ext uri="{FF2B5EF4-FFF2-40B4-BE49-F238E27FC236}">
-                  <a16:creationId xmlns:a16="http://schemas.microsoft.com/office/drawing/2014/main" id="{25A52AA3-39FD-4E85-B0BA-46E4192E54CD}"/>
-                </a:ext>
-              </a:extLst>
-            </p:cNvPr>
+            <p:cNvPr id="40" name="타원 39"/>
             <p:cNvSpPr/>
             <p:nvPr/>
           </p:nvSpPr>
@@ -23867,30 +25858,26 @@
             </a:fontRef>
           </p:style>
           <p:txBody>
-            <a:bodyPr lIns="252000" rtlCol="0" anchor="ctr"/>
+            <a:bodyPr lIns="252000" anchor="ctr"/>
             <a:lstStyle/>
             <a:p>
-              <a:pPr algn="ctr"/>
-              <a:endParaRPr lang="ko-KR" altLang="en-US" sz="1600" dirty="0">
-                <a:solidFill>
-                  <a:srgbClr val="00B050"/>
-                </a:solidFill>
-                <a:latin typeface="Courier New" pitchFamily="49" charset="0"/>
-                <a:ea typeface="맑은 고딕" pitchFamily="50" charset="-127"/>
-                <a:cs typeface="Courier New" pitchFamily="49" charset="0"/>
+              <a:pPr lvl="0" algn="ctr">
+                <a:defRPr/>
+              </a:pPr>
+              <a:endParaRPr lang="ko-KR" altLang="en-US" sz="1600">
+                <a:solidFill>
+                  <a:srgbClr val="00b050"/>
+                </a:solidFill>
+                <a:latin typeface="Courier New"/>
+                <a:ea typeface="맑은 고딕"/>
+                <a:cs typeface="Courier New"/>
               </a:endParaRPr>
             </a:p>
           </p:txBody>
         </p:sp>
         <p:sp>
           <p:nvSpPr>
-            <p:cNvPr id="41" name="타원 40">
-              <a:extLst>
-                <a:ext uri="{FF2B5EF4-FFF2-40B4-BE49-F238E27FC236}">
-                  <a16:creationId xmlns:a16="http://schemas.microsoft.com/office/drawing/2014/main" id="{26CB575C-8012-4B73-A421-6B092DBA9305}"/>
-                </a:ext>
-              </a:extLst>
-            </p:cNvPr>
+            <p:cNvPr id="41" name="타원 40"/>
             <p:cNvSpPr/>
             <p:nvPr/>
           </p:nvSpPr>
@@ -23924,30 +25911,26 @@
             </a:fontRef>
           </p:style>
           <p:txBody>
-            <a:bodyPr lIns="252000" rtlCol="0" anchor="ctr"/>
+            <a:bodyPr lIns="252000" anchor="ctr"/>
             <a:lstStyle/>
             <a:p>
-              <a:pPr algn="ctr"/>
-              <a:endParaRPr lang="ko-KR" altLang="en-US" sz="1600" dirty="0">
-                <a:solidFill>
-                  <a:srgbClr val="00B050"/>
-                </a:solidFill>
-                <a:latin typeface="Courier New" pitchFamily="49" charset="0"/>
-                <a:ea typeface="맑은 고딕" pitchFamily="50" charset="-127"/>
-                <a:cs typeface="Courier New" pitchFamily="49" charset="0"/>
+              <a:pPr lvl="0" algn="ctr">
+                <a:defRPr/>
+              </a:pPr>
+              <a:endParaRPr lang="ko-KR" altLang="en-US" sz="1600">
+                <a:solidFill>
+                  <a:srgbClr val="00b050"/>
+                </a:solidFill>
+                <a:latin typeface="Courier New"/>
+                <a:ea typeface="맑은 고딕"/>
+                <a:cs typeface="Courier New"/>
               </a:endParaRPr>
             </a:p>
           </p:txBody>
         </p:sp>
         <p:sp>
           <p:nvSpPr>
-            <p:cNvPr id="42" name="타원 41">
-              <a:extLst>
-                <a:ext uri="{FF2B5EF4-FFF2-40B4-BE49-F238E27FC236}">
-                  <a16:creationId xmlns:a16="http://schemas.microsoft.com/office/drawing/2014/main" id="{F23EDDDA-8481-4F7B-B447-FF3FE96D074A}"/>
-                </a:ext>
-              </a:extLst>
-            </p:cNvPr>
+            <p:cNvPr id="42" name="타원 41"/>
             <p:cNvSpPr/>
             <p:nvPr/>
           </p:nvSpPr>
@@ -23981,30 +25964,26 @@
             </a:fontRef>
           </p:style>
           <p:txBody>
-            <a:bodyPr lIns="252000" rtlCol="0" anchor="ctr"/>
+            <a:bodyPr lIns="252000" anchor="ctr"/>
             <a:lstStyle/>
             <a:p>
-              <a:pPr algn="ctr"/>
-              <a:endParaRPr lang="ko-KR" altLang="en-US" sz="1600" dirty="0">
-                <a:solidFill>
-                  <a:srgbClr val="00B050"/>
-                </a:solidFill>
-                <a:latin typeface="Courier New" pitchFamily="49" charset="0"/>
-                <a:ea typeface="맑은 고딕" pitchFamily="50" charset="-127"/>
-                <a:cs typeface="Courier New" pitchFamily="49" charset="0"/>
+              <a:pPr lvl="0" algn="ctr">
+                <a:defRPr/>
+              </a:pPr>
+              <a:endParaRPr lang="ko-KR" altLang="en-US" sz="1600">
+                <a:solidFill>
+                  <a:srgbClr val="00b050"/>
+                </a:solidFill>
+                <a:latin typeface="Courier New"/>
+                <a:ea typeface="맑은 고딕"/>
+                <a:cs typeface="Courier New"/>
               </a:endParaRPr>
             </a:p>
           </p:txBody>
         </p:sp>
         <p:sp>
           <p:nvSpPr>
-            <p:cNvPr id="47" name="타원 46">
-              <a:extLst>
-                <a:ext uri="{FF2B5EF4-FFF2-40B4-BE49-F238E27FC236}">
-                  <a16:creationId xmlns:a16="http://schemas.microsoft.com/office/drawing/2014/main" id="{A0EEEC94-2A40-4FA7-A4BC-4EA562EFFC9A}"/>
-                </a:ext>
-              </a:extLst>
-            </p:cNvPr>
+            <p:cNvPr id="47" name="타원 46"/>
             <p:cNvSpPr/>
             <p:nvPr/>
           </p:nvSpPr>
@@ -24038,30 +26017,26 @@
             </a:fontRef>
           </p:style>
           <p:txBody>
-            <a:bodyPr lIns="252000" rtlCol="0" anchor="ctr"/>
+            <a:bodyPr lIns="252000" anchor="ctr"/>
             <a:lstStyle/>
             <a:p>
-              <a:pPr algn="ctr"/>
-              <a:endParaRPr lang="ko-KR" altLang="en-US" sz="1600" dirty="0">
-                <a:solidFill>
-                  <a:srgbClr val="00B050"/>
-                </a:solidFill>
-                <a:latin typeface="Courier New" pitchFamily="49" charset="0"/>
-                <a:ea typeface="맑은 고딕" pitchFamily="50" charset="-127"/>
-                <a:cs typeface="Courier New" pitchFamily="49" charset="0"/>
+              <a:pPr lvl="0" algn="ctr">
+                <a:defRPr/>
+              </a:pPr>
+              <a:endParaRPr lang="ko-KR" altLang="en-US" sz="1600">
+                <a:solidFill>
+                  <a:srgbClr val="00b050"/>
+                </a:solidFill>
+                <a:latin typeface="Courier New"/>
+                <a:ea typeface="맑은 고딕"/>
+                <a:cs typeface="Courier New"/>
               </a:endParaRPr>
             </a:p>
           </p:txBody>
         </p:sp>
         <p:sp>
           <p:nvSpPr>
-            <p:cNvPr id="48" name="타원 47">
-              <a:extLst>
-                <a:ext uri="{FF2B5EF4-FFF2-40B4-BE49-F238E27FC236}">
-                  <a16:creationId xmlns:a16="http://schemas.microsoft.com/office/drawing/2014/main" id="{827B8717-FE1F-4A5D-867E-6FA32EF61210}"/>
-                </a:ext>
-              </a:extLst>
-            </p:cNvPr>
+            <p:cNvPr id="48" name="타원 47"/>
             <p:cNvSpPr/>
             <p:nvPr/>
           </p:nvSpPr>
@@ -24095,1889 +26070,41 @@
             </a:fontRef>
           </p:style>
           <p:txBody>
-            <a:bodyPr lIns="252000" rtlCol="0" anchor="ctr"/>
+            <a:bodyPr lIns="252000" anchor="ctr"/>
             <a:lstStyle/>
             <a:p>
-              <a:pPr algn="ctr"/>
-              <a:endParaRPr lang="ko-KR" altLang="en-US" sz="1600" dirty="0">
-                <a:solidFill>
-                  <a:srgbClr val="00B050"/>
-                </a:solidFill>
-                <a:latin typeface="Courier New" pitchFamily="49" charset="0"/>
-                <a:ea typeface="맑은 고딕" pitchFamily="50" charset="-127"/>
-                <a:cs typeface="Courier New" pitchFamily="49" charset="0"/>
+              <a:pPr lvl="0" algn="ctr">
+                <a:defRPr/>
+              </a:pPr>
+              <a:endParaRPr lang="ko-KR" altLang="en-US" sz="1600">
+                <a:solidFill>
+                  <a:srgbClr val="00b050"/>
+                </a:solidFill>
+                <a:latin typeface="Courier New"/>
+                <a:ea typeface="맑은 고딕"/>
+                <a:cs typeface="Courier New"/>
               </a:endParaRPr>
             </a:p>
           </p:txBody>
         </p:sp>
       </p:grpSp>
     </p:spTree>
-    <p:extLst>
-      <p:ext uri="{BB962C8B-B14F-4D97-AF65-F5344CB8AC3E}">
-        <p14:creationId xmlns:p14="http://schemas.microsoft.com/office/powerpoint/2010/main" val="3560058888"/>
-      </p:ext>
-    </p:extLst>
   </p:cSld>
   <p:clrMapOvr>
     <a:masterClrMapping/>
   </p:clrMapOvr>
-  <p:transition>
-    <p:zoom/>
-  </p:transition>
-</p:sld>
-</file>
-
-<file path=ppt/slides/slide24.xml><?xml version="1.0" encoding="utf-8"?>
-<p:sld xmlns:a="http://schemas.openxmlformats.org/drawingml/2006/main" xmlns:r="http://schemas.openxmlformats.org/officeDocument/2006/relationships" xmlns:p="http://schemas.openxmlformats.org/presentationml/2006/main">
-  <p:cSld>
-    <p:spTree>
-      <p:nvGrpSpPr>
-        <p:cNvPr id="1" name=""/>
-        <p:cNvGrpSpPr/>
-        <p:nvPr/>
-      </p:nvGrpSpPr>
-      <p:grpSpPr>
-        <a:xfrm>
-          <a:off x="0" y="0"/>
-          <a:ext cx="0" cy="0"/>
-          <a:chOff x="0" y="0"/>
-          <a:chExt cx="0" cy="0"/>
-        </a:xfrm>
-      </p:grpSpPr>
-      <p:sp>
-        <p:nvSpPr>
-          <p:cNvPr id="2" name="제목 1"/>
-          <p:cNvSpPr>
-            <a:spLocks noGrp="1"/>
-          </p:cNvSpPr>
-          <p:nvPr>
-            <p:ph type="title"/>
-          </p:nvPr>
-        </p:nvSpPr>
-        <p:spPr/>
-        <p:txBody>
-          <a:bodyPr/>
-          <a:lstStyle/>
-          <a:p>
-            <a:r>
-              <a:rPr lang="en-US" altLang="ko-KR" dirty="0"/>
-              <a:t>Data Structure for nested </a:t>
-            </a:r>
-            <a:r>
-              <a:rPr lang="en-US" altLang="ko-KR" dirty="0" err="1"/>
-              <a:t>donataion</a:t>
-            </a:r>
-            <a:endParaRPr lang="en-US" altLang="ko-KR" dirty="0"/>
-          </a:p>
-        </p:txBody>
-      </p:sp>
-      <p:sp>
-        <p:nvSpPr>
-          <p:cNvPr id="3" name="내용 개체 틀 2"/>
-          <p:cNvSpPr>
-            <a:spLocks noGrp="1"/>
-          </p:cNvSpPr>
-          <p:nvPr>
-            <p:ph idx="1"/>
-          </p:nvPr>
-        </p:nvSpPr>
-        <p:spPr>
-          <a:xfrm>
-            <a:off x="249684" y="725244"/>
-            <a:ext cx="8786812" cy="525915"/>
-          </a:xfrm>
-        </p:spPr>
-        <p:txBody>
-          <a:bodyPr/>
-          <a:lstStyle/>
-          <a:p>
-            <a:r>
-              <a:rPr lang="en-US" altLang="ko-KR" dirty="0" err="1">
-                <a:latin typeface="Courier New" panose="02070309020205020404" pitchFamily="49" charset="0"/>
-                <a:cs typeface="Courier New" panose="02070309020205020404" pitchFamily="49" charset="0"/>
-              </a:rPr>
-              <a:t>wait_on_lock</a:t>
-            </a:r>
-            <a:r>
-              <a:rPr lang="en-US" altLang="ko-KR" dirty="0"/>
-              <a:t>: lock that it waits for</a:t>
-            </a:r>
-            <a:endParaRPr lang="en-US" altLang="ko-KR" dirty="0">
-              <a:solidFill>
-                <a:schemeClr val="tx1"/>
-              </a:solidFill>
-            </a:endParaRPr>
-          </a:p>
-        </p:txBody>
-      </p:sp>
-      <p:sp>
-        <p:nvSpPr>
-          <p:cNvPr id="5" name="슬라이드 번호 개체 틀 4"/>
-          <p:cNvSpPr>
-            <a:spLocks noGrp="1"/>
-          </p:cNvSpPr>
-          <p:nvPr>
-            <p:ph type="sldNum" sz="quarter" idx="11"/>
-          </p:nvPr>
-        </p:nvSpPr>
-        <p:spPr/>
-        <p:txBody>
-          <a:bodyPr/>
-          <a:lstStyle/>
-          <a:p>
-            <a:pPr>
-              <a:defRPr/>
-            </a:pPr>
-            <a:fld id="{515CC4ED-1449-4712-AE45-EBC263B4DD26}" type="slidenum">
-              <a:rPr lang="en-US" altLang="ko-KR" smtClean="0">
-                <a:solidFill>
-                  <a:srgbClr val="1F497D">
-                    <a:lumMod val="50000"/>
-                  </a:srgbClr>
-                </a:solidFill>
-              </a:rPr>
-              <a:pPr>
-                <a:defRPr/>
-              </a:pPr>
-              <a:t>45</a:t>
-            </a:fld>
-            <a:r>
-              <a:rPr lang="en-US" altLang="ko-KR">
-                <a:solidFill>
-                  <a:srgbClr val="1F497D">
-                    <a:lumMod val="50000"/>
-                  </a:srgbClr>
-                </a:solidFill>
-              </a:rPr>
-              <a:t> </a:t>
-            </a:r>
-            <a:endParaRPr lang="en-US" altLang="ko-KR" dirty="0">
-              <a:solidFill>
-                <a:srgbClr val="1F497D">
-                  <a:lumMod val="50000"/>
-                </a:srgbClr>
-              </a:solidFill>
-            </a:endParaRPr>
-          </a:p>
-        </p:txBody>
-      </p:sp>
-      <p:sp>
-        <p:nvSpPr>
-          <p:cNvPr id="6" name="바닥글 개체 틀 5"/>
-          <p:cNvSpPr>
-            <a:spLocks noGrp="1"/>
-          </p:cNvSpPr>
-          <p:nvPr>
-            <p:ph type="ftr" sz="quarter" idx="3"/>
-          </p:nvPr>
-        </p:nvSpPr>
-        <p:spPr/>
-        <p:txBody>
-          <a:bodyPr/>
-          <a:lstStyle/>
-          <a:p>
-            <a:pPr>
-              <a:defRPr/>
-            </a:pPr>
-            <a:r>
-              <a:rPr lang="en-US" altLang="ko-KR">
-                <a:solidFill>
-                  <a:prstClr val="black"/>
-                </a:solidFill>
-              </a:rPr>
-              <a:t>Youjip Won</a:t>
-            </a:r>
-            <a:endParaRPr lang="ko-KR" altLang="en-US" dirty="0">
-              <a:solidFill>
-                <a:prstClr val="black"/>
-              </a:solidFill>
-            </a:endParaRPr>
-          </a:p>
-        </p:txBody>
-      </p:sp>
-      <p:sp>
-        <p:nvSpPr>
-          <p:cNvPr id="84" name="직사각형 83"/>
-          <p:cNvSpPr/>
-          <p:nvPr/>
-        </p:nvSpPr>
-        <p:spPr>
-          <a:xfrm>
-            <a:off x="651434" y="2460748"/>
-            <a:ext cx="1410494" cy="324036"/>
-          </a:xfrm>
-          <a:prstGeom prst="rect">
-            <a:avLst/>
-          </a:prstGeom>
-          <a:solidFill>
-            <a:schemeClr val="accent3"/>
-          </a:solidFill>
-          <a:ln w="12700">
-            <a:solidFill>
-              <a:schemeClr val="accent3">
-                <a:lumMod val="75000"/>
-              </a:schemeClr>
-            </a:solidFill>
-          </a:ln>
-          <a:effectLst>
-            <a:outerShdw blurRad="50800" dist="38100" dir="2700000" algn="tl" rotWithShape="0">
-              <a:prstClr val="black">
-                <a:alpha val="40000"/>
-              </a:prstClr>
-            </a:outerShdw>
-          </a:effectLst>
-        </p:spPr>
-        <p:style>
-          <a:lnRef idx="3">
-            <a:schemeClr val="lt1"/>
-          </a:lnRef>
-          <a:fillRef idx="1">
-            <a:schemeClr val="accent1"/>
-          </a:fillRef>
-          <a:effectRef idx="1">
-            <a:schemeClr val="accent1"/>
-          </a:effectRef>
-          <a:fontRef idx="minor">
-            <a:schemeClr val="lt1"/>
-          </a:fontRef>
-        </p:style>
-        <p:txBody>
-          <a:bodyPr rtlCol="0" anchor="ctr"/>
-          <a:lstStyle/>
-          <a:p>
-            <a:pPr algn="ctr"/>
-            <a:r>
-              <a:rPr lang="en-US" altLang="ko-KR" sz="1600" b="1" dirty="0">
-                <a:solidFill>
-                  <a:prstClr val="white"/>
-                </a:solidFill>
-                <a:latin typeface="맑은 고딕" pitchFamily="50" charset="-127"/>
-                <a:ea typeface="맑은 고딕" pitchFamily="50" charset="-127"/>
-              </a:rPr>
-              <a:t>thread L</a:t>
-            </a:r>
-            <a:endParaRPr lang="ko-KR" altLang="en-US" sz="1600" b="1" dirty="0" err="1">
-              <a:solidFill>
-                <a:prstClr val="white"/>
-              </a:solidFill>
-              <a:latin typeface="맑은 고딕" pitchFamily="50" charset="-127"/>
-              <a:ea typeface="맑은 고딕" pitchFamily="50" charset="-127"/>
-            </a:endParaRPr>
-          </a:p>
-        </p:txBody>
-      </p:sp>
-      <p:sp>
-        <p:nvSpPr>
-          <p:cNvPr id="85" name="직사각형 84"/>
-          <p:cNvSpPr/>
-          <p:nvPr/>
-        </p:nvSpPr>
-        <p:spPr>
-          <a:xfrm>
-            <a:off x="651434" y="2784784"/>
-            <a:ext cx="1410494" cy="324036"/>
-          </a:xfrm>
-          <a:prstGeom prst="rect">
-            <a:avLst/>
-          </a:prstGeom>
-          <a:solidFill>
-            <a:schemeClr val="bg1"/>
-          </a:solidFill>
-          <a:ln w="12700">
-            <a:solidFill>
-              <a:schemeClr val="accent3">
-                <a:lumMod val="75000"/>
-              </a:schemeClr>
-            </a:solidFill>
-          </a:ln>
-          <a:effectLst>
-            <a:outerShdw blurRad="50800" dist="38100" dir="2700000" algn="tl" rotWithShape="0">
-              <a:prstClr val="black">
-                <a:alpha val="40000"/>
-              </a:prstClr>
-            </a:outerShdw>
-          </a:effectLst>
-        </p:spPr>
-        <p:style>
-          <a:lnRef idx="3">
-            <a:schemeClr val="lt1"/>
-          </a:lnRef>
-          <a:fillRef idx="1">
-            <a:schemeClr val="accent1"/>
-          </a:fillRef>
-          <a:effectRef idx="1">
-            <a:schemeClr val="accent1"/>
-          </a:effectRef>
-          <a:fontRef idx="minor">
-            <a:schemeClr val="lt1"/>
-          </a:fontRef>
-        </p:style>
-        <p:txBody>
-          <a:bodyPr rtlCol="0" anchor="ctr"/>
-          <a:lstStyle/>
-          <a:p>
-            <a:pPr algn="ctr"/>
-            <a:r>
-              <a:rPr lang="en-US" altLang="ko-KR" sz="1600" b="1" dirty="0">
-                <a:solidFill>
-                  <a:srgbClr val="9BBB59"/>
-                </a:solidFill>
-                <a:latin typeface="맑은 고딕" pitchFamily="50" charset="-127"/>
-                <a:ea typeface="맑은 고딕" pitchFamily="50" charset="-127"/>
-              </a:rPr>
-              <a:t>priority = L</a:t>
-            </a:r>
-            <a:endParaRPr lang="ko-KR" altLang="en-US" sz="1600" b="1" dirty="0" err="1">
-              <a:solidFill>
-                <a:srgbClr val="9BBB59"/>
-              </a:solidFill>
-              <a:latin typeface="맑은 고딕" pitchFamily="50" charset="-127"/>
-              <a:ea typeface="맑은 고딕" pitchFamily="50" charset="-127"/>
-            </a:endParaRPr>
-          </a:p>
-        </p:txBody>
-      </p:sp>
-      <p:sp>
-        <p:nvSpPr>
-          <p:cNvPr id="86" name="직사각형 85"/>
-          <p:cNvSpPr/>
-          <p:nvPr/>
-        </p:nvSpPr>
-        <p:spPr>
-          <a:xfrm>
-            <a:off x="651434" y="3108820"/>
-            <a:ext cx="1410494" cy="324036"/>
-          </a:xfrm>
-          <a:prstGeom prst="rect">
-            <a:avLst/>
-          </a:prstGeom>
-          <a:solidFill>
-            <a:schemeClr val="bg1"/>
-          </a:solidFill>
-          <a:ln w="12700">
-            <a:solidFill>
-              <a:schemeClr val="accent3">
-                <a:lumMod val="75000"/>
-              </a:schemeClr>
-            </a:solidFill>
-          </a:ln>
-          <a:effectLst>
-            <a:outerShdw blurRad="50800" dist="38100" dir="2700000" algn="tl" rotWithShape="0">
-              <a:prstClr val="black">
-                <a:alpha val="40000"/>
-              </a:prstClr>
-            </a:outerShdw>
-          </a:effectLst>
-        </p:spPr>
-        <p:style>
-          <a:lnRef idx="3">
-            <a:schemeClr val="lt1"/>
-          </a:lnRef>
-          <a:fillRef idx="1">
-            <a:schemeClr val="accent1"/>
-          </a:fillRef>
-          <a:effectRef idx="1">
-            <a:schemeClr val="accent1"/>
-          </a:effectRef>
-          <a:fontRef idx="minor">
-            <a:schemeClr val="lt1"/>
-          </a:fontRef>
-        </p:style>
-        <p:txBody>
-          <a:bodyPr rtlCol="0" anchor="ctr"/>
-          <a:lstStyle/>
-          <a:p>
-            <a:pPr algn="ctr"/>
-            <a:r>
-              <a:rPr lang="en-US" altLang="ko-KR" sz="1600" b="1" dirty="0" err="1">
-                <a:solidFill>
-                  <a:srgbClr val="9BBB59"/>
-                </a:solidFill>
-                <a:latin typeface="맑은 고딕" pitchFamily="50" charset="-127"/>
-                <a:ea typeface="맑은 고딕" pitchFamily="50" charset="-127"/>
-              </a:rPr>
-              <a:t>wait_on_lock</a:t>
-            </a:r>
-            <a:endParaRPr lang="ko-KR" altLang="en-US" sz="1600" b="1" dirty="0" err="1">
-              <a:solidFill>
-                <a:srgbClr val="9BBB59"/>
-              </a:solidFill>
-              <a:latin typeface="맑은 고딕" pitchFamily="50" charset="-127"/>
-              <a:ea typeface="맑은 고딕" pitchFamily="50" charset="-127"/>
-            </a:endParaRPr>
-          </a:p>
-        </p:txBody>
-      </p:sp>
-      <p:sp>
-        <p:nvSpPr>
-          <p:cNvPr id="87" name="직사각형 86"/>
-          <p:cNvSpPr/>
-          <p:nvPr/>
-        </p:nvSpPr>
-        <p:spPr>
-          <a:xfrm>
-            <a:off x="651434" y="3432856"/>
-            <a:ext cx="1410494" cy="324036"/>
-          </a:xfrm>
-          <a:prstGeom prst="rect">
-            <a:avLst/>
-          </a:prstGeom>
-          <a:solidFill>
-            <a:schemeClr val="bg1"/>
-          </a:solidFill>
-          <a:ln w="12700">
-            <a:solidFill>
-              <a:schemeClr val="accent3">
-                <a:lumMod val="75000"/>
-              </a:schemeClr>
-            </a:solidFill>
-          </a:ln>
-          <a:effectLst>
-            <a:outerShdw blurRad="50800" dist="38100" dir="2700000" algn="tl" rotWithShape="0">
-              <a:prstClr val="black">
-                <a:alpha val="40000"/>
-              </a:prstClr>
-            </a:outerShdw>
-          </a:effectLst>
-        </p:spPr>
-        <p:style>
-          <a:lnRef idx="3">
-            <a:schemeClr val="lt1"/>
-          </a:lnRef>
-          <a:fillRef idx="1">
-            <a:schemeClr val="accent1"/>
-          </a:fillRef>
-          <a:effectRef idx="1">
-            <a:schemeClr val="accent1"/>
-          </a:effectRef>
-          <a:fontRef idx="minor">
-            <a:schemeClr val="lt1"/>
-          </a:fontRef>
-        </p:style>
-        <p:txBody>
-          <a:bodyPr rtlCol="0" anchor="ctr"/>
-          <a:lstStyle/>
-          <a:p>
-            <a:pPr algn="ctr"/>
-            <a:r>
-              <a:rPr lang="en-US" altLang="ko-KR" sz="1600" b="1" dirty="0">
-                <a:solidFill>
-                  <a:srgbClr val="9BBB59"/>
-                </a:solidFill>
-                <a:latin typeface="맑은 고딕" pitchFamily="50" charset="-127"/>
-                <a:ea typeface="맑은 고딕" pitchFamily="50" charset="-127"/>
-              </a:rPr>
-              <a:t>…</a:t>
-            </a:r>
-            <a:endParaRPr lang="ko-KR" altLang="en-US" sz="1600" b="1" dirty="0" err="1">
-              <a:solidFill>
-                <a:srgbClr val="9BBB59"/>
-              </a:solidFill>
-              <a:latin typeface="맑은 고딕" pitchFamily="50" charset="-127"/>
-              <a:ea typeface="맑은 고딕" pitchFamily="50" charset="-127"/>
-            </a:endParaRPr>
-          </a:p>
-        </p:txBody>
-      </p:sp>
-      <p:sp>
-        <p:nvSpPr>
-          <p:cNvPr id="88" name="직사각형 87"/>
-          <p:cNvSpPr/>
-          <p:nvPr/>
-        </p:nvSpPr>
-        <p:spPr>
-          <a:xfrm>
-            <a:off x="2426593" y="2636912"/>
-            <a:ext cx="906170" cy="288032"/>
-          </a:xfrm>
-          <a:prstGeom prst="rect">
-            <a:avLst/>
-          </a:prstGeom>
-          <a:solidFill>
-            <a:schemeClr val="accent5"/>
-          </a:solidFill>
-          <a:ln w="12700">
-            <a:solidFill>
-              <a:schemeClr val="accent5">
-                <a:lumMod val="75000"/>
-              </a:schemeClr>
-            </a:solidFill>
-          </a:ln>
-          <a:effectLst>
-            <a:outerShdw blurRad="50800" dist="38100" dir="2700000" algn="tl" rotWithShape="0">
-              <a:prstClr val="black">
-                <a:alpha val="40000"/>
-              </a:prstClr>
-            </a:outerShdw>
-          </a:effectLst>
-        </p:spPr>
-        <p:style>
-          <a:lnRef idx="3">
-            <a:schemeClr val="lt1"/>
-          </a:lnRef>
-          <a:fillRef idx="1">
-            <a:schemeClr val="accent1"/>
-          </a:fillRef>
-          <a:effectRef idx="1">
-            <a:schemeClr val="accent1"/>
-          </a:effectRef>
-          <a:fontRef idx="minor">
-            <a:schemeClr val="lt1"/>
-          </a:fontRef>
-        </p:style>
-        <p:txBody>
-          <a:bodyPr lIns="0" tIns="0" rIns="0" bIns="0" rtlCol="0" anchor="ctr"/>
-          <a:lstStyle/>
-          <a:p>
-            <a:pPr algn="ctr"/>
-            <a:r>
-              <a:rPr lang="en-US" altLang="ko-KR" sz="1200" b="1" dirty="0">
-                <a:solidFill>
-                  <a:prstClr val="white"/>
-                </a:solidFill>
-                <a:latin typeface="맑은 고딕" pitchFamily="50" charset="-127"/>
-                <a:ea typeface="맑은 고딕" pitchFamily="50" charset="-127"/>
-              </a:rPr>
-              <a:t>lock A</a:t>
-            </a:r>
-            <a:endParaRPr lang="ko-KR" altLang="en-US" sz="1200" b="1" dirty="0">
-              <a:solidFill>
-                <a:prstClr val="white"/>
-              </a:solidFill>
-              <a:latin typeface="맑은 고딕" pitchFamily="50" charset="-127"/>
-              <a:ea typeface="맑은 고딕" pitchFamily="50" charset="-127"/>
-            </a:endParaRPr>
-          </a:p>
-        </p:txBody>
-      </p:sp>
-      <p:sp>
-        <p:nvSpPr>
-          <p:cNvPr id="89" name="직사각형 88"/>
-          <p:cNvSpPr/>
-          <p:nvPr/>
-        </p:nvSpPr>
-        <p:spPr>
-          <a:xfrm>
-            <a:off x="2426593" y="2924944"/>
-            <a:ext cx="906170" cy="288032"/>
-          </a:xfrm>
-          <a:prstGeom prst="rect">
-            <a:avLst/>
-          </a:prstGeom>
-          <a:solidFill>
-            <a:schemeClr val="bg1"/>
-          </a:solidFill>
-          <a:ln w="12700">
-            <a:solidFill>
-              <a:schemeClr val="accent5">
-                <a:lumMod val="75000"/>
-              </a:schemeClr>
-            </a:solidFill>
-          </a:ln>
-          <a:effectLst>
-            <a:outerShdw blurRad="50800" dist="38100" dir="2700000" algn="tl" rotWithShape="0">
-              <a:prstClr val="black">
-                <a:alpha val="40000"/>
-              </a:prstClr>
-            </a:outerShdw>
-          </a:effectLst>
-        </p:spPr>
-        <p:style>
-          <a:lnRef idx="3">
-            <a:schemeClr val="lt1"/>
-          </a:lnRef>
-          <a:fillRef idx="1">
-            <a:schemeClr val="accent1"/>
-          </a:fillRef>
-          <a:effectRef idx="1">
-            <a:schemeClr val="accent1"/>
-          </a:effectRef>
-          <a:fontRef idx="minor">
-            <a:schemeClr val="lt1"/>
-          </a:fontRef>
-        </p:style>
-        <p:txBody>
-          <a:bodyPr lIns="0" tIns="0" rIns="0" bIns="0" rtlCol="0" anchor="ctr"/>
-          <a:lstStyle/>
-          <a:p>
-            <a:pPr algn="ctr"/>
-            <a:r>
-              <a:rPr lang="en-US" altLang="ko-KR" sz="1200" b="1" dirty="0">
-                <a:solidFill>
-                  <a:srgbClr val="4BACC6"/>
-                </a:solidFill>
-                <a:latin typeface="맑은 고딕" pitchFamily="50" charset="-127"/>
-                <a:ea typeface="맑은 고딕" pitchFamily="50" charset="-127"/>
-              </a:rPr>
-              <a:t>holder</a:t>
-            </a:r>
-            <a:endParaRPr lang="ko-KR" altLang="en-US" sz="1200" b="1" dirty="0">
-              <a:solidFill>
-                <a:srgbClr val="4BACC6"/>
-              </a:solidFill>
-              <a:latin typeface="맑은 고딕" pitchFamily="50" charset="-127"/>
-              <a:ea typeface="맑은 고딕" pitchFamily="50" charset="-127"/>
-            </a:endParaRPr>
-          </a:p>
-        </p:txBody>
-      </p:sp>
-      <p:sp>
-        <p:nvSpPr>
-          <p:cNvPr id="90" name="직사각형 89"/>
-          <p:cNvSpPr/>
-          <p:nvPr/>
-        </p:nvSpPr>
-        <p:spPr>
-          <a:xfrm>
-            <a:off x="2426593" y="3212505"/>
-            <a:ext cx="906170" cy="288032"/>
-          </a:xfrm>
-          <a:prstGeom prst="rect">
-            <a:avLst/>
-          </a:prstGeom>
-          <a:solidFill>
-            <a:schemeClr val="bg1"/>
-          </a:solidFill>
-          <a:ln w="12700">
-            <a:solidFill>
-              <a:schemeClr val="accent5">
-                <a:lumMod val="75000"/>
-              </a:schemeClr>
-            </a:solidFill>
-          </a:ln>
-          <a:effectLst>
-            <a:outerShdw blurRad="50800" dist="38100" dir="2700000" algn="tl" rotWithShape="0">
-              <a:prstClr val="black">
-                <a:alpha val="40000"/>
-              </a:prstClr>
-            </a:outerShdw>
-          </a:effectLst>
-        </p:spPr>
-        <p:style>
-          <a:lnRef idx="3">
-            <a:schemeClr val="lt1"/>
-          </a:lnRef>
-          <a:fillRef idx="1">
-            <a:schemeClr val="accent1"/>
-          </a:fillRef>
-          <a:effectRef idx="1">
-            <a:schemeClr val="accent1"/>
-          </a:effectRef>
-          <a:fontRef idx="minor">
-            <a:schemeClr val="lt1"/>
-          </a:fontRef>
-        </p:style>
-        <p:txBody>
-          <a:bodyPr lIns="0" tIns="0" rIns="0" bIns="0" rtlCol="0" anchor="ctr"/>
-          <a:lstStyle/>
-          <a:p>
-            <a:pPr algn="ctr"/>
-            <a:r>
-              <a:rPr lang="en-US" altLang="ko-KR" sz="1200" b="1" dirty="0">
-                <a:solidFill>
-                  <a:prstClr val="black"/>
-                </a:solidFill>
-                <a:latin typeface="맑은 고딕" pitchFamily="50" charset="-127"/>
-                <a:ea typeface="맑은 고딕" pitchFamily="50" charset="-127"/>
-              </a:rPr>
-              <a:t>…</a:t>
-            </a:r>
-            <a:endParaRPr lang="ko-KR" altLang="en-US" sz="1200" b="1" dirty="0">
-              <a:solidFill>
-                <a:prstClr val="black"/>
-              </a:solidFill>
-              <a:latin typeface="맑은 고딕" pitchFamily="50" charset="-127"/>
-              <a:ea typeface="맑은 고딕" pitchFamily="50" charset="-127"/>
-            </a:endParaRPr>
-          </a:p>
-        </p:txBody>
-      </p:sp>
-      <p:cxnSp>
-        <p:nvCxnSpPr>
-          <p:cNvPr id="91" name="꺾인 연결선 20"/>
-          <p:cNvCxnSpPr>
-            <a:stCxn id="89" idx="1"/>
-            <a:endCxn id="84" idx="3"/>
-          </p:cNvCxnSpPr>
-          <p:nvPr/>
-        </p:nvCxnSpPr>
-        <p:spPr>
-          <a:xfrm rot="10800000">
-            <a:off x="2061929" y="2622766"/>
-            <a:ext cx="364665" cy="446194"/>
-          </a:xfrm>
-          <a:prstGeom prst="bentConnector3">
-            <a:avLst>
-              <a:gd name="adj1" fmla="val 50000"/>
-            </a:avLst>
-          </a:prstGeom>
-          <a:ln w="12700">
-            <a:solidFill>
-              <a:schemeClr val="tx1"/>
-            </a:solidFill>
-            <a:tailEnd type="triangle"/>
-          </a:ln>
-        </p:spPr>
-        <p:style>
-          <a:lnRef idx="1">
-            <a:schemeClr val="accent1"/>
-          </a:lnRef>
-          <a:fillRef idx="0">
-            <a:schemeClr val="accent1"/>
-          </a:fillRef>
-          <a:effectRef idx="0">
-            <a:schemeClr val="accent1"/>
-          </a:effectRef>
-          <a:fontRef idx="minor">
-            <a:schemeClr val="tx1"/>
-          </a:fontRef>
-        </p:style>
-      </p:cxnSp>
-      <p:sp>
-        <p:nvSpPr>
-          <p:cNvPr id="92" name="직사각형 91"/>
-          <p:cNvSpPr/>
-          <p:nvPr/>
-        </p:nvSpPr>
-        <p:spPr>
-          <a:xfrm>
-            <a:off x="3866753" y="2456892"/>
-            <a:ext cx="1410494" cy="324036"/>
-          </a:xfrm>
-          <a:prstGeom prst="rect">
-            <a:avLst/>
-          </a:prstGeom>
-          <a:solidFill>
-            <a:schemeClr val="accent3"/>
-          </a:solidFill>
-          <a:ln w="12700">
-            <a:solidFill>
-              <a:schemeClr val="accent3">
-                <a:lumMod val="75000"/>
-              </a:schemeClr>
-            </a:solidFill>
-          </a:ln>
-          <a:effectLst>
-            <a:outerShdw blurRad="50800" dist="38100" dir="2700000" algn="tl" rotWithShape="0">
-              <a:prstClr val="black">
-                <a:alpha val="40000"/>
-              </a:prstClr>
-            </a:outerShdw>
-          </a:effectLst>
-        </p:spPr>
-        <p:style>
-          <a:lnRef idx="3">
-            <a:schemeClr val="lt1"/>
-          </a:lnRef>
-          <a:fillRef idx="1">
-            <a:schemeClr val="accent1"/>
-          </a:fillRef>
-          <a:effectRef idx="1">
-            <a:schemeClr val="accent1"/>
-          </a:effectRef>
-          <a:fontRef idx="minor">
-            <a:schemeClr val="lt1"/>
-          </a:fontRef>
-        </p:style>
-        <p:txBody>
-          <a:bodyPr rtlCol="0" anchor="ctr"/>
-          <a:lstStyle/>
-          <a:p>
-            <a:pPr algn="ctr"/>
-            <a:r>
-              <a:rPr lang="en-US" altLang="ko-KR" sz="1600" b="1" dirty="0">
-                <a:solidFill>
-                  <a:prstClr val="white"/>
-                </a:solidFill>
-                <a:latin typeface="맑은 고딕" pitchFamily="50" charset="-127"/>
-                <a:ea typeface="맑은 고딕" pitchFamily="50" charset="-127"/>
-              </a:rPr>
-              <a:t>thread M</a:t>
-            </a:r>
-            <a:endParaRPr lang="ko-KR" altLang="en-US" sz="1600" b="1" dirty="0" err="1">
-              <a:solidFill>
-                <a:prstClr val="white"/>
-              </a:solidFill>
-              <a:latin typeface="맑은 고딕" pitchFamily="50" charset="-127"/>
-              <a:ea typeface="맑은 고딕" pitchFamily="50" charset="-127"/>
-            </a:endParaRPr>
-          </a:p>
-        </p:txBody>
-      </p:sp>
-      <p:sp>
-        <p:nvSpPr>
-          <p:cNvPr id="94" name="직사각형 93"/>
-          <p:cNvSpPr/>
-          <p:nvPr/>
-        </p:nvSpPr>
-        <p:spPr>
-          <a:xfrm>
-            <a:off x="3866753" y="2780928"/>
-            <a:ext cx="1410494" cy="324036"/>
-          </a:xfrm>
-          <a:prstGeom prst="rect">
-            <a:avLst/>
-          </a:prstGeom>
-          <a:solidFill>
-            <a:schemeClr val="bg1"/>
-          </a:solidFill>
-          <a:ln w="12700">
-            <a:solidFill>
-              <a:schemeClr val="accent3">
-                <a:lumMod val="75000"/>
-              </a:schemeClr>
-            </a:solidFill>
-          </a:ln>
-          <a:effectLst>
-            <a:outerShdw blurRad="50800" dist="38100" dir="2700000" algn="tl" rotWithShape="0">
-              <a:prstClr val="black">
-                <a:alpha val="40000"/>
-              </a:prstClr>
-            </a:outerShdw>
-          </a:effectLst>
-        </p:spPr>
-        <p:style>
-          <a:lnRef idx="3">
-            <a:schemeClr val="lt1"/>
-          </a:lnRef>
-          <a:fillRef idx="1">
-            <a:schemeClr val="accent1"/>
-          </a:fillRef>
-          <a:effectRef idx="1">
-            <a:schemeClr val="accent1"/>
-          </a:effectRef>
-          <a:fontRef idx="minor">
-            <a:schemeClr val="lt1"/>
-          </a:fontRef>
-        </p:style>
-        <p:txBody>
-          <a:bodyPr rtlCol="0" anchor="ctr"/>
-          <a:lstStyle/>
-          <a:p>
-            <a:pPr algn="ctr"/>
-            <a:r>
-              <a:rPr lang="en-US" altLang="ko-KR" sz="1600" b="1" dirty="0">
-                <a:solidFill>
-                  <a:srgbClr val="9BBB59"/>
-                </a:solidFill>
-                <a:latin typeface="맑은 고딕" pitchFamily="50" charset="-127"/>
-                <a:ea typeface="맑은 고딕" pitchFamily="50" charset="-127"/>
-              </a:rPr>
-              <a:t>priority = M</a:t>
-            </a:r>
-            <a:endParaRPr lang="ko-KR" altLang="en-US" sz="1600" b="1" dirty="0" err="1">
-              <a:solidFill>
-                <a:srgbClr val="9BBB59"/>
-              </a:solidFill>
-              <a:latin typeface="맑은 고딕" pitchFamily="50" charset="-127"/>
-              <a:ea typeface="맑은 고딕" pitchFamily="50" charset="-127"/>
-            </a:endParaRPr>
-          </a:p>
-        </p:txBody>
-      </p:sp>
-      <p:sp>
-        <p:nvSpPr>
-          <p:cNvPr id="95" name="직사각형 94"/>
-          <p:cNvSpPr/>
-          <p:nvPr/>
-        </p:nvSpPr>
-        <p:spPr>
-          <a:xfrm>
-            <a:off x="3866753" y="3104964"/>
-            <a:ext cx="1410494" cy="324036"/>
-          </a:xfrm>
-          <a:prstGeom prst="rect">
-            <a:avLst/>
-          </a:prstGeom>
-          <a:solidFill>
-            <a:schemeClr val="bg1"/>
-          </a:solidFill>
-          <a:ln w="12700">
-            <a:solidFill>
-              <a:schemeClr val="accent3">
-                <a:lumMod val="75000"/>
-              </a:schemeClr>
-            </a:solidFill>
-          </a:ln>
-          <a:effectLst>
-            <a:outerShdw blurRad="50800" dist="38100" dir="2700000" algn="tl" rotWithShape="0">
-              <a:prstClr val="black">
-                <a:alpha val="40000"/>
-              </a:prstClr>
-            </a:outerShdw>
-          </a:effectLst>
-        </p:spPr>
-        <p:style>
-          <a:lnRef idx="3">
-            <a:schemeClr val="lt1"/>
-          </a:lnRef>
-          <a:fillRef idx="1">
-            <a:schemeClr val="accent1"/>
-          </a:fillRef>
-          <a:effectRef idx="1">
-            <a:schemeClr val="accent1"/>
-          </a:effectRef>
-          <a:fontRef idx="minor">
-            <a:schemeClr val="lt1"/>
-          </a:fontRef>
-        </p:style>
-        <p:txBody>
-          <a:bodyPr rtlCol="0" anchor="ctr"/>
-          <a:lstStyle/>
-          <a:p>
-            <a:pPr algn="ctr"/>
-            <a:r>
-              <a:rPr lang="en-US" altLang="ko-KR" sz="1600" b="1" dirty="0" err="1">
-                <a:solidFill>
-                  <a:srgbClr val="9BBB59"/>
-                </a:solidFill>
-                <a:latin typeface="맑은 고딕" pitchFamily="50" charset="-127"/>
-                <a:ea typeface="맑은 고딕" pitchFamily="50" charset="-127"/>
-              </a:rPr>
-              <a:t>wait_on_lock</a:t>
-            </a:r>
-            <a:endParaRPr lang="ko-KR" altLang="en-US" sz="1600" b="1" dirty="0" err="1">
-              <a:solidFill>
-                <a:srgbClr val="9BBB59"/>
-              </a:solidFill>
-              <a:latin typeface="맑은 고딕" pitchFamily="50" charset="-127"/>
-              <a:ea typeface="맑은 고딕" pitchFamily="50" charset="-127"/>
-            </a:endParaRPr>
-          </a:p>
-        </p:txBody>
-      </p:sp>
-      <p:sp>
-        <p:nvSpPr>
-          <p:cNvPr id="96" name="직사각형 95"/>
-          <p:cNvSpPr/>
-          <p:nvPr/>
-        </p:nvSpPr>
-        <p:spPr>
-          <a:xfrm>
-            <a:off x="3866753" y="3429000"/>
-            <a:ext cx="1410494" cy="324036"/>
-          </a:xfrm>
-          <a:prstGeom prst="rect">
-            <a:avLst/>
-          </a:prstGeom>
-          <a:solidFill>
-            <a:schemeClr val="bg1"/>
-          </a:solidFill>
-          <a:ln w="12700">
-            <a:solidFill>
-              <a:schemeClr val="accent3">
-                <a:lumMod val="75000"/>
-              </a:schemeClr>
-            </a:solidFill>
-          </a:ln>
-          <a:effectLst>
-            <a:outerShdw blurRad="50800" dist="38100" dir="2700000" algn="tl" rotWithShape="0">
-              <a:prstClr val="black">
-                <a:alpha val="40000"/>
-              </a:prstClr>
-            </a:outerShdw>
-          </a:effectLst>
-        </p:spPr>
-        <p:style>
-          <a:lnRef idx="3">
-            <a:schemeClr val="lt1"/>
-          </a:lnRef>
-          <a:fillRef idx="1">
-            <a:schemeClr val="accent1"/>
-          </a:fillRef>
-          <a:effectRef idx="1">
-            <a:schemeClr val="accent1"/>
-          </a:effectRef>
-          <a:fontRef idx="minor">
-            <a:schemeClr val="lt1"/>
-          </a:fontRef>
-        </p:style>
-        <p:txBody>
-          <a:bodyPr rtlCol="0" anchor="ctr"/>
-          <a:lstStyle/>
-          <a:p>
-            <a:pPr algn="ctr"/>
-            <a:r>
-              <a:rPr lang="en-US" altLang="ko-KR" sz="1600" b="1" dirty="0">
-                <a:solidFill>
-                  <a:srgbClr val="9BBB59"/>
-                </a:solidFill>
-                <a:latin typeface="맑은 고딕" pitchFamily="50" charset="-127"/>
-                <a:ea typeface="맑은 고딕" pitchFamily="50" charset="-127"/>
-              </a:rPr>
-              <a:t>…</a:t>
-            </a:r>
-            <a:endParaRPr lang="ko-KR" altLang="en-US" sz="1600" b="1" dirty="0" err="1">
-              <a:solidFill>
-                <a:srgbClr val="9BBB59"/>
-              </a:solidFill>
-              <a:latin typeface="맑은 고딕" pitchFamily="50" charset="-127"/>
-              <a:ea typeface="맑은 고딕" pitchFamily="50" charset="-127"/>
-            </a:endParaRPr>
-          </a:p>
-        </p:txBody>
-      </p:sp>
-      <p:sp>
-        <p:nvSpPr>
-          <p:cNvPr id="97" name="직사각형 96"/>
-          <p:cNvSpPr/>
-          <p:nvPr/>
-        </p:nvSpPr>
-        <p:spPr>
-          <a:xfrm>
-            <a:off x="7323137" y="2446835"/>
-            <a:ext cx="1410494" cy="324036"/>
-          </a:xfrm>
-          <a:prstGeom prst="rect">
-            <a:avLst/>
-          </a:prstGeom>
-          <a:solidFill>
-            <a:schemeClr val="accent3"/>
-          </a:solidFill>
-          <a:ln w="12700">
-            <a:solidFill>
-              <a:schemeClr val="accent3">
-                <a:lumMod val="75000"/>
-              </a:schemeClr>
-            </a:solidFill>
-          </a:ln>
-          <a:effectLst>
-            <a:outerShdw blurRad="50800" dist="38100" dir="2700000" algn="tl" rotWithShape="0">
-              <a:prstClr val="black">
-                <a:alpha val="40000"/>
-              </a:prstClr>
-            </a:outerShdw>
-          </a:effectLst>
-        </p:spPr>
-        <p:style>
-          <a:lnRef idx="3">
-            <a:schemeClr val="lt1"/>
-          </a:lnRef>
-          <a:fillRef idx="1">
-            <a:schemeClr val="accent1"/>
-          </a:fillRef>
-          <a:effectRef idx="1">
-            <a:schemeClr val="accent1"/>
-          </a:effectRef>
-          <a:fontRef idx="minor">
-            <a:schemeClr val="lt1"/>
-          </a:fontRef>
-        </p:style>
-        <p:txBody>
-          <a:bodyPr rtlCol="0" anchor="ctr"/>
-          <a:lstStyle/>
-          <a:p>
-            <a:pPr algn="ctr"/>
-            <a:r>
-              <a:rPr lang="en-US" altLang="ko-KR" sz="1600" b="1" dirty="0">
-                <a:solidFill>
-                  <a:prstClr val="white"/>
-                </a:solidFill>
-                <a:latin typeface="맑은 고딕" pitchFamily="50" charset="-127"/>
-                <a:ea typeface="맑은 고딕" pitchFamily="50" charset="-127"/>
-              </a:rPr>
-              <a:t>thread H</a:t>
-            </a:r>
-            <a:endParaRPr lang="ko-KR" altLang="en-US" sz="1600" b="1" dirty="0" err="1">
-              <a:solidFill>
-                <a:prstClr val="white"/>
-              </a:solidFill>
-              <a:latin typeface="맑은 고딕" pitchFamily="50" charset="-127"/>
-              <a:ea typeface="맑은 고딕" pitchFamily="50" charset="-127"/>
-            </a:endParaRPr>
-          </a:p>
-        </p:txBody>
-      </p:sp>
-      <p:sp>
-        <p:nvSpPr>
-          <p:cNvPr id="98" name="직사각형 97"/>
-          <p:cNvSpPr/>
-          <p:nvPr/>
-        </p:nvSpPr>
-        <p:spPr>
-          <a:xfrm>
-            <a:off x="7323137" y="2770871"/>
-            <a:ext cx="1410494" cy="324036"/>
-          </a:xfrm>
-          <a:prstGeom prst="rect">
-            <a:avLst/>
-          </a:prstGeom>
-          <a:solidFill>
-            <a:schemeClr val="bg1"/>
-          </a:solidFill>
-          <a:ln w="12700">
-            <a:solidFill>
-              <a:schemeClr val="accent3">
-                <a:lumMod val="75000"/>
-              </a:schemeClr>
-            </a:solidFill>
-          </a:ln>
-          <a:effectLst>
-            <a:outerShdw blurRad="50800" dist="38100" dir="2700000" algn="tl" rotWithShape="0">
-              <a:prstClr val="black">
-                <a:alpha val="40000"/>
-              </a:prstClr>
-            </a:outerShdw>
-          </a:effectLst>
-        </p:spPr>
-        <p:style>
-          <a:lnRef idx="3">
-            <a:schemeClr val="lt1"/>
-          </a:lnRef>
-          <a:fillRef idx="1">
-            <a:schemeClr val="accent1"/>
-          </a:fillRef>
-          <a:effectRef idx="1">
-            <a:schemeClr val="accent1"/>
-          </a:effectRef>
-          <a:fontRef idx="minor">
-            <a:schemeClr val="lt1"/>
-          </a:fontRef>
-        </p:style>
-        <p:txBody>
-          <a:bodyPr rtlCol="0" anchor="ctr"/>
-          <a:lstStyle/>
-          <a:p>
-            <a:pPr algn="ctr"/>
-            <a:r>
-              <a:rPr lang="en-US" altLang="ko-KR" sz="1600" b="1" dirty="0">
-                <a:solidFill>
-                  <a:srgbClr val="9BBB59"/>
-                </a:solidFill>
-                <a:latin typeface="맑은 고딕" pitchFamily="50" charset="-127"/>
-                <a:ea typeface="맑은 고딕" pitchFamily="50" charset="-127"/>
-              </a:rPr>
-              <a:t>priority = H</a:t>
-            </a:r>
-            <a:endParaRPr lang="ko-KR" altLang="en-US" sz="1600" b="1" dirty="0" err="1">
-              <a:solidFill>
-                <a:srgbClr val="9BBB59"/>
-              </a:solidFill>
-              <a:latin typeface="맑은 고딕" pitchFamily="50" charset="-127"/>
-              <a:ea typeface="맑은 고딕" pitchFamily="50" charset="-127"/>
-            </a:endParaRPr>
-          </a:p>
-        </p:txBody>
-      </p:sp>
-      <p:sp>
-        <p:nvSpPr>
-          <p:cNvPr id="99" name="직사각형 98"/>
-          <p:cNvSpPr/>
-          <p:nvPr/>
-        </p:nvSpPr>
-        <p:spPr>
-          <a:xfrm>
-            <a:off x="7323137" y="3094907"/>
-            <a:ext cx="1410494" cy="324036"/>
-          </a:xfrm>
-          <a:prstGeom prst="rect">
-            <a:avLst/>
-          </a:prstGeom>
-          <a:solidFill>
-            <a:schemeClr val="bg1"/>
-          </a:solidFill>
-          <a:ln w="12700">
-            <a:solidFill>
-              <a:schemeClr val="accent3">
-                <a:lumMod val="75000"/>
-              </a:schemeClr>
-            </a:solidFill>
-          </a:ln>
-          <a:effectLst>
-            <a:outerShdw blurRad="50800" dist="38100" dir="2700000" algn="tl" rotWithShape="0">
-              <a:prstClr val="black">
-                <a:alpha val="40000"/>
-              </a:prstClr>
-            </a:outerShdw>
-          </a:effectLst>
-        </p:spPr>
-        <p:style>
-          <a:lnRef idx="3">
-            <a:schemeClr val="lt1"/>
-          </a:lnRef>
-          <a:fillRef idx="1">
-            <a:schemeClr val="accent1"/>
-          </a:fillRef>
-          <a:effectRef idx="1">
-            <a:schemeClr val="accent1"/>
-          </a:effectRef>
-          <a:fontRef idx="minor">
-            <a:schemeClr val="lt1"/>
-          </a:fontRef>
-        </p:style>
-        <p:txBody>
-          <a:bodyPr rtlCol="0" anchor="ctr"/>
-          <a:lstStyle/>
-          <a:p>
-            <a:pPr algn="ctr"/>
-            <a:r>
-              <a:rPr lang="en-US" altLang="ko-KR" sz="1600" b="1" dirty="0" err="1">
-                <a:solidFill>
-                  <a:srgbClr val="9BBB59"/>
-                </a:solidFill>
-                <a:latin typeface="맑은 고딕" pitchFamily="50" charset="-127"/>
-                <a:ea typeface="맑은 고딕" pitchFamily="50" charset="-127"/>
-              </a:rPr>
-              <a:t>wait_on_lock</a:t>
-            </a:r>
-            <a:endParaRPr lang="ko-KR" altLang="en-US" sz="1600" b="1" dirty="0" err="1">
-              <a:solidFill>
-                <a:srgbClr val="9BBB59"/>
-              </a:solidFill>
-              <a:latin typeface="맑은 고딕" pitchFamily="50" charset="-127"/>
-              <a:ea typeface="맑은 고딕" pitchFamily="50" charset="-127"/>
-            </a:endParaRPr>
-          </a:p>
-        </p:txBody>
-      </p:sp>
-      <p:sp>
-        <p:nvSpPr>
-          <p:cNvPr id="100" name="직사각형 99"/>
-          <p:cNvSpPr/>
-          <p:nvPr/>
-        </p:nvSpPr>
-        <p:spPr>
-          <a:xfrm>
-            <a:off x="7323137" y="3418943"/>
-            <a:ext cx="1410494" cy="324036"/>
-          </a:xfrm>
-          <a:prstGeom prst="rect">
-            <a:avLst/>
-          </a:prstGeom>
-          <a:solidFill>
-            <a:schemeClr val="bg1"/>
-          </a:solidFill>
-          <a:ln w="12700">
-            <a:solidFill>
-              <a:schemeClr val="accent3">
-                <a:lumMod val="75000"/>
-              </a:schemeClr>
-            </a:solidFill>
-          </a:ln>
-          <a:effectLst>
-            <a:outerShdw blurRad="50800" dist="38100" dir="2700000" algn="tl" rotWithShape="0">
-              <a:prstClr val="black">
-                <a:alpha val="40000"/>
-              </a:prstClr>
-            </a:outerShdw>
-          </a:effectLst>
-        </p:spPr>
-        <p:style>
-          <a:lnRef idx="3">
-            <a:schemeClr val="lt1"/>
-          </a:lnRef>
-          <a:fillRef idx="1">
-            <a:schemeClr val="accent1"/>
-          </a:fillRef>
-          <a:effectRef idx="1">
-            <a:schemeClr val="accent1"/>
-          </a:effectRef>
-          <a:fontRef idx="minor">
-            <a:schemeClr val="lt1"/>
-          </a:fontRef>
-        </p:style>
-        <p:txBody>
-          <a:bodyPr rtlCol="0" anchor="ctr"/>
-          <a:lstStyle/>
-          <a:p>
-            <a:pPr algn="ctr"/>
-            <a:r>
-              <a:rPr lang="en-US" altLang="ko-KR" sz="1600" b="1" dirty="0">
-                <a:solidFill>
-                  <a:srgbClr val="9BBB59"/>
-                </a:solidFill>
-                <a:latin typeface="맑은 고딕" pitchFamily="50" charset="-127"/>
-                <a:ea typeface="맑은 고딕" pitchFamily="50" charset="-127"/>
-              </a:rPr>
-              <a:t>…</a:t>
-            </a:r>
-            <a:endParaRPr lang="ko-KR" altLang="en-US" sz="1600" b="1" dirty="0" err="1">
-              <a:solidFill>
-                <a:srgbClr val="9BBB59"/>
-              </a:solidFill>
-              <a:latin typeface="맑은 고딕" pitchFamily="50" charset="-127"/>
-              <a:ea typeface="맑은 고딕" pitchFamily="50" charset="-127"/>
-            </a:endParaRPr>
-          </a:p>
-        </p:txBody>
-      </p:sp>
-      <p:sp>
-        <p:nvSpPr>
-          <p:cNvPr id="101" name="직사각형 100"/>
-          <p:cNvSpPr/>
-          <p:nvPr/>
-        </p:nvSpPr>
-        <p:spPr>
-          <a:xfrm>
-            <a:off x="5882977" y="2608853"/>
-            <a:ext cx="906170" cy="288032"/>
-          </a:xfrm>
-          <a:prstGeom prst="rect">
-            <a:avLst/>
-          </a:prstGeom>
-          <a:solidFill>
-            <a:schemeClr val="accent5"/>
-          </a:solidFill>
-          <a:ln w="12700">
-            <a:solidFill>
-              <a:schemeClr val="accent5">
-                <a:lumMod val="75000"/>
-              </a:schemeClr>
-            </a:solidFill>
-          </a:ln>
-          <a:effectLst>
-            <a:outerShdw blurRad="50800" dist="38100" dir="2700000" algn="tl" rotWithShape="0">
-              <a:prstClr val="black">
-                <a:alpha val="40000"/>
-              </a:prstClr>
-            </a:outerShdw>
-          </a:effectLst>
-        </p:spPr>
-        <p:style>
-          <a:lnRef idx="3">
-            <a:schemeClr val="lt1"/>
-          </a:lnRef>
-          <a:fillRef idx="1">
-            <a:schemeClr val="accent1"/>
-          </a:fillRef>
-          <a:effectRef idx="1">
-            <a:schemeClr val="accent1"/>
-          </a:effectRef>
-          <a:fontRef idx="minor">
-            <a:schemeClr val="lt1"/>
-          </a:fontRef>
-        </p:style>
-        <p:txBody>
-          <a:bodyPr lIns="0" tIns="0" rIns="0" bIns="0" rtlCol="0" anchor="ctr"/>
-          <a:lstStyle/>
-          <a:p>
-            <a:pPr algn="ctr"/>
-            <a:r>
-              <a:rPr lang="en-US" altLang="ko-KR" sz="1200" b="1" dirty="0">
-                <a:solidFill>
-                  <a:prstClr val="white"/>
-                </a:solidFill>
-                <a:latin typeface="맑은 고딕" pitchFamily="50" charset="-127"/>
-                <a:ea typeface="맑은 고딕" pitchFamily="50" charset="-127"/>
-              </a:rPr>
-              <a:t>lock B</a:t>
-            </a:r>
-            <a:endParaRPr lang="ko-KR" altLang="en-US" sz="1200" b="1" dirty="0">
-              <a:solidFill>
-                <a:prstClr val="white"/>
-              </a:solidFill>
-              <a:latin typeface="맑은 고딕" pitchFamily="50" charset="-127"/>
-              <a:ea typeface="맑은 고딕" pitchFamily="50" charset="-127"/>
-            </a:endParaRPr>
-          </a:p>
-        </p:txBody>
-      </p:sp>
-      <p:sp>
-        <p:nvSpPr>
-          <p:cNvPr id="102" name="직사각형 101"/>
-          <p:cNvSpPr/>
-          <p:nvPr/>
-        </p:nvSpPr>
-        <p:spPr>
-          <a:xfrm>
-            <a:off x="5882977" y="2896885"/>
-            <a:ext cx="906170" cy="288032"/>
-          </a:xfrm>
-          <a:prstGeom prst="rect">
-            <a:avLst/>
-          </a:prstGeom>
-          <a:solidFill>
-            <a:schemeClr val="bg1"/>
-          </a:solidFill>
-          <a:ln w="12700">
-            <a:solidFill>
-              <a:schemeClr val="accent5">
-                <a:lumMod val="75000"/>
-              </a:schemeClr>
-            </a:solidFill>
-          </a:ln>
-          <a:effectLst>
-            <a:outerShdw blurRad="50800" dist="38100" dir="2700000" algn="tl" rotWithShape="0">
-              <a:prstClr val="black">
-                <a:alpha val="40000"/>
-              </a:prstClr>
-            </a:outerShdw>
-          </a:effectLst>
-        </p:spPr>
-        <p:style>
-          <a:lnRef idx="3">
-            <a:schemeClr val="lt1"/>
-          </a:lnRef>
-          <a:fillRef idx="1">
-            <a:schemeClr val="accent1"/>
-          </a:fillRef>
-          <a:effectRef idx="1">
-            <a:schemeClr val="accent1"/>
-          </a:effectRef>
-          <a:fontRef idx="minor">
-            <a:schemeClr val="lt1"/>
-          </a:fontRef>
-        </p:style>
-        <p:txBody>
-          <a:bodyPr lIns="0" tIns="0" rIns="0" bIns="0" rtlCol="0" anchor="ctr"/>
-          <a:lstStyle/>
-          <a:p>
-            <a:pPr algn="ctr"/>
-            <a:r>
-              <a:rPr lang="en-US" altLang="ko-KR" sz="1200" b="1" dirty="0">
-                <a:solidFill>
-                  <a:srgbClr val="4BACC6"/>
-                </a:solidFill>
-                <a:latin typeface="맑은 고딕" pitchFamily="50" charset="-127"/>
-                <a:ea typeface="맑은 고딕" pitchFamily="50" charset="-127"/>
-              </a:rPr>
-              <a:t>holder</a:t>
-            </a:r>
-            <a:endParaRPr lang="ko-KR" altLang="en-US" sz="1200" b="1" dirty="0">
-              <a:solidFill>
-                <a:srgbClr val="4BACC6"/>
-              </a:solidFill>
-              <a:latin typeface="맑은 고딕" pitchFamily="50" charset="-127"/>
-              <a:ea typeface="맑은 고딕" pitchFamily="50" charset="-127"/>
-            </a:endParaRPr>
-          </a:p>
-        </p:txBody>
-      </p:sp>
-      <p:sp>
-        <p:nvSpPr>
-          <p:cNvPr id="103" name="직사각형 102"/>
-          <p:cNvSpPr/>
-          <p:nvPr/>
-        </p:nvSpPr>
-        <p:spPr>
-          <a:xfrm>
-            <a:off x="5882977" y="3184446"/>
-            <a:ext cx="906170" cy="288032"/>
-          </a:xfrm>
-          <a:prstGeom prst="rect">
-            <a:avLst/>
-          </a:prstGeom>
-          <a:solidFill>
-            <a:schemeClr val="bg1"/>
-          </a:solidFill>
-          <a:ln w="12700">
-            <a:solidFill>
-              <a:schemeClr val="accent5">
-                <a:lumMod val="75000"/>
-              </a:schemeClr>
-            </a:solidFill>
-          </a:ln>
-          <a:effectLst>
-            <a:outerShdw blurRad="50800" dist="38100" dir="2700000" algn="tl" rotWithShape="0">
-              <a:prstClr val="black">
-                <a:alpha val="40000"/>
-              </a:prstClr>
-            </a:outerShdw>
-          </a:effectLst>
-        </p:spPr>
-        <p:style>
-          <a:lnRef idx="3">
-            <a:schemeClr val="lt1"/>
-          </a:lnRef>
-          <a:fillRef idx="1">
-            <a:schemeClr val="accent1"/>
-          </a:fillRef>
-          <a:effectRef idx="1">
-            <a:schemeClr val="accent1"/>
-          </a:effectRef>
-          <a:fontRef idx="minor">
-            <a:schemeClr val="lt1"/>
-          </a:fontRef>
-        </p:style>
-        <p:txBody>
-          <a:bodyPr lIns="0" tIns="0" rIns="0" bIns="0" rtlCol="0" anchor="ctr"/>
-          <a:lstStyle/>
-          <a:p>
-            <a:pPr algn="ctr"/>
-            <a:r>
-              <a:rPr lang="en-US" altLang="ko-KR" sz="1200" b="1" dirty="0">
-                <a:solidFill>
-                  <a:prstClr val="black"/>
-                </a:solidFill>
-                <a:latin typeface="맑은 고딕" pitchFamily="50" charset="-127"/>
-                <a:ea typeface="맑은 고딕" pitchFamily="50" charset="-127"/>
-              </a:rPr>
-              <a:t>…</a:t>
-            </a:r>
-            <a:endParaRPr lang="ko-KR" altLang="en-US" sz="1200" b="1" dirty="0">
-              <a:solidFill>
-                <a:prstClr val="black"/>
-              </a:solidFill>
-              <a:latin typeface="맑은 고딕" pitchFamily="50" charset="-127"/>
-              <a:ea typeface="맑은 고딕" pitchFamily="50" charset="-127"/>
-            </a:endParaRPr>
-          </a:p>
-        </p:txBody>
-      </p:sp>
-      <p:cxnSp>
-        <p:nvCxnSpPr>
-          <p:cNvPr id="104" name="꺾인 연결선 20"/>
-          <p:cNvCxnSpPr>
-            <a:stCxn id="102" idx="1"/>
-            <a:endCxn id="92" idx="3"/>
-          </p:cNvCxnSpPr>
-          <p:nvPr/>
-        </p:nvCxnSpPr>
-        <p:spPr>
-          <a:xfrm rot="10800000">
-            <a:off x="5277247" y="2618911"/>
-            <a:ext cx="605730" cy="421991"/>
-          </a:xfrm>
-          <a:prstGeom prst="bentConnector3">
-            <a:avLst>
-              <a:gd name="adj1" fmla="val 50000"/>
-            </a:avLst>
-          </a:prstGeom>
-          <a:ln w="12700">
-            <a:solidFill>
-              <a:schemeClr val="tx1"/>
-            </a:solidFill>
-            <a:tailEnd type="triangle"/>
-          </a:ln>
-        </p:spPr>
-        <p:style>
-          <a:lnRef idx="1">
-            <a:schemeClr val="accent1"/>
-          </a:lnRef>
-          <a:fillRef idx="0">
-            <a:schemeClr val="accent1"/>
-          </a:fillRef>
-          <a:effectRef idx="0">
-            <a:schemeClr val="accent1"/>
-          </a:effectRef>
-          <a:fontRef idx="minor">
-            <a:schemeClr val="tx1"/>
-          </a:fontRef>
-        </p:style>
-      </p:cxnSp>
-      <p:cxnSp>
-        <p:nvCxnSpPr>
-          <p:cNvPr id="105" name="꺾인 연결선 20"/>
-          <p:cNvCxnSpPr>
-            <a:stCxn id="95" idx="1"/>
-            <a:endCxn id="88" idx="3"/>
-          </p:cNvCxnSpPr>
-          <p:nvPr/>
-        </p:nvCxnSpPr>
-        <p:spPr>
-          <a:xfrm rot="10800000">
-            <a:off x="3332763" y="2780928"/>
-            <a:ext cx="533990" cy="486054"/>
-          </a:xfrm>
-          <a:prstGeom prst="bentConnector3">
-            <a:avLst>
-              <a:gd name="adj1" fmla="val 50000"/>
-            </a:avLst>
-          </a:prstGeom>
-          <a:ln w="12700">
-            <a:solidFill>
-              <a:schemeClr val="tx1"/>
-            </a:solidFill>
-            <a:tailEnd type="triangle"/>
-          </a:ln>
-        </p:spPr>
-        <p:style>
-          <a:lnRef idx="1">
-            <a:schemeClr val="accent1"/>
-          </a:lnRef>
-          <a:fillRef idx="0">
-            <a:schemeClr val="accent1"/>
-          </a:fillRef>
-          <a:effectRef idx="0">
-            <a:schemeClr val="accent1"/>
-          </a:effectRef>
-          <a:fontRef idx="minor">
-            <a:schemeClr val="tx1"/>
-          </a:fontRef>
-        </p:style>
-      </p:cxnSp>
-      <p:cxnSp>
-        <p:nvCxnSpPr>
-          <p:cNvPr id="106" name="꺾인 연결선 20"/>
-          <p:cNvCxnSpPr>
-            <a:stCxn id="99" idx="1"/>
-            <a:endCxn id="101" idx="3"/>
-          </p:cNvCxnSpPr>
-          <p:nvPr/>
-        </p:nvCxnSpPr>
-        <p:spPr>
-          <a:xfrm rot="10800000">
-            <a:off x="6789147" y="2752869"/>
-            <a:ext cx="533990" cy="504056"/>
-          </a:xfrm>
-          <a:prstGeom prst="bentConnector3">
-            <a:avLst>
-              <a:gd name="adj1" fmla="val 50000"/>
-            </a:avLst>
-          </a:prstGeom>
-          <a:ln w="12700">
-            <a:solidFill>
-              <a:schemeClr val="tx1"/>
-            </a:solidFill>
-            <a:tailEnd type="triangle"/>
-          </a:ln>
-        </p:spPr>
-        <p:style>
-          <a:lnRef idx="1">
-            <a:schemeClr val="accent1"/>
-          </a:lnRef>
-          <a:fillRef idx="0">
-            <a:schemeClr val="accent1"/>
-          </a:fillRef>
-          <a:effectRef idx="0">
-            <a:schemeClr val="accent1"/>
-          </a:effectRef>
-          <a:fontRef idx="minor">
-            <a:schemeClr val="tx1"/>
-          </a:fontRef>
-        </p:style>
-      </p:cxnSp>
-      <p:sp>
-        <p:nvSpPr>
-          <p:cNvPr id="28" name="타원 27">
-            <a:extLst>
-              <a:ext uri="{FF2B5EF4-FFF2-40B4-BE49-F238E27FC236}">
-                <a16:creationId xmlns:a16="http://schemas.microsoft.com/office/drawing/2014/main" id="{19D31249-68EF-4412-878A-50FBF36D340E}"/>
-              </a:ext>
-            </a:extLst>
-          </p:cNvPr>
-          <p:cNvSpPr/>
-          <p:nvPr/>
-        </p:nvSpPr>
-        <p:spPr>
-          <a:xfrm>
-            <a:off x="3828696" y="3230982"/>
-            <a:ext cx="72000" cy="72000"/>
-          </a:xfrm>
-          <a:prstGeom prst="ellipse">
-            <a:avLst/>
-          </a:prstGeom>
-          <a:solidFill>
-            <a:schemeClr val="tx1"/>
-          </a:solidFill>
-          <a:ln w="9525">
-            <a:noFill/>
-          </a:ln>
-        </p:spPr>
-        <p:style>
-          <a:lnRef idx="3">
-            <a:schemeClr val="lt1"/>
-          </a:lnRef>
-          <a:fillRef idx="1">
-            <a:schemeClr val="accent1"/>
-          </a:fillRef>
-          <a:effectRef idx="1">
-            <a:schemeClr val="accent1"/>
-          </a:effectRef>
-          <a:fontRef idx="minor">
-            <a:schemeClr val="lt1"/>
-          </a:fontRef>
-        </p:style>
-        <p:txBody>
-          <a:bodyPr lIns="252000" rtlCol="0" anchor="ctr"/>
-          <a:lstStyle/>
-          <a:p>
-            <a:pPr algn="ctr"/>
-            <a:endParaRPr lang="ko-KR" altLang="en-US" sz="1600" dirty="0">
-              <a:solidFill>
-                <a:srgbClr val="00B050"/>
-              </a:solidFill>
-              <a:latin typeface="Courier New" pitchFamily="49" charset="0"/>
-              <a:ea typeface="맑은 고딕" pitchFamily="50" charset="-127"/>
-              <a:cs typeface="Courier New" pitchFamily="49" charset="0"/>
-            </a:endParaRPr>
-          </a:p>
-        </p:txBody>
-      </p:sp>
-      <p:sp>
-        <p:nvSpPr>
-          <p:cNvPr id="29" name="타원 28">
-            <a:extLst>
-              <a:ext uri="{FF2B5EF4-FFF2-40B4-BE49-F238E27FC236}">
-                <a16:creationId xmlns:a16="http://schemas.microsoft.com/office/drawing/2014/main" id="{7B7C5697-27B2-4288-A25E-8AACF252EF4E}"/>
-              </a:ext>
-            </a:extLst>
-          </p:cNvPr>
-          <p:cNvSpPr/>
-          <p:nvPr/>
-        </p:nvSpPr>
-        <p:spPr>
-          <a:xfrm>
-            <a:off x="5846977" y="3004438"/>
-            <a:ext cx="72000" cy="72000"/>
-          </a:xfrm>
-          <a:prstGeom prst="ellipse">
-            <a:avLst/>
-          </a:prstGeom>
-          <a:solidFill>
-            <a:schemeClr val="tx1"/>
-          </a:solidFill>
-          <a:ln w="9525">
-            <a:noFill/>
-          </a:ln>
-        </p:spPr>
-        <p:style>
-          <a:lnRef idx="3">
-            <a:schemeClr val="lt1"/>
-          </a:lnRef>
-          <a:fillRef idx="1">
-            <a:schemeClr val="accent1"/>
-          </a:fillRef>
-          <a:effectRef idx="1">
-            <a:schemeClr val="accent1"/>
-          </a:effectRef>
-          <a:fontRef idx="minor">
-            <a:schemeClr val="lt1"/>
-          </a:fontRef>
-        </p:style>
-        <p:txBody>
-          <a:bodyPr lIns="252000" rtlCol="0" anchor="ctr"/>
-          <a:lstStyle/>
-          <a:p>
-            <a:pPr algn="ctr"/>
-            <a:endParaRPr lang="ko-KR" altLang="en-US" sz="1600" dirty="0">
-              <a:solidFill>
-                <a:srgbClr val="00B050"/>
-              </a:solidFill>
-              <a:latin typeface="Courier New" pitchFamily="49" charset="0"/>
-              <a:ea typeface="맑은 고딕" pitchFamily="50" charset="-127"/>
-              <a:cs typeface="Courier New" pitchFamily="49" charset="0"/>
-            </a:endParaRPr>
-          </a:p>
-        </p:txBody>
-      </p:sp>
-      <p:sp>
-        <p:nvSpPr>
-          <p:cNvPr id="30" name="타원 29">
-            <a:extLst>
-              <a:ext uri="{FF2B5EF4-FFF2-40B4-BE49-F238E27FC236}">
-                <a16:creationId xmlns:a16="http://schemas.microsoft.com/office/drawing/2014/main" id="{CB93FEBC-84C0-4232-8BA3-008D647259EE}"/>
-              </a:ext>
-            </a:extLst>
-          </p:cNvPr>
-          <p:cNvSpPr/>
-          <p:nvPr/>
-        </p:nvSpPr>
-        <p:spPr>
-          <a:xfrm>
-            <a:off x="7287137" y="3220925"/>
-            <a:ext cx="72000" cy="72000"/>
-          </a:xfrm>
-          <a:prstGeom prst="ellipse">
-            <a:avLst/>
-          </a:prstGeom>
-          <a:solidFill>
-            <a:schemeClr val="tx1"/>
-          </a:solidFill>
-          <a:ln w="9525">
-            <a:noFill/>
-          </a:ln>
-        </p:spPr>
-        <p:style>
-          <a:lnRef idx="3">
-            <a:schemeClr val="lt1"/>
-          </a:lnRef>
-          <a:fillRef idx="1">
-            <a:schemeClr val="accent1"/>
-          </a:fillRef>
-          <a:effectRef idx="1">
-            <a:schemeClr val="accent1"/>
-          </a:effectRef>
-          <a:fontRef idx="minor">
-            <a:schemeClr val="lt1"/>
-          </a:fontRef>
-        </p:style>
-        <p:txBody>
-          <a:bodyPr lIns="252000" rtlCol="0" anchor="ctr"/>
-          <a:lstStyle/>
-          <a:p>
-            <a:pPr algn="ctr"/>
-            <a:endParaRPr lang="ko-KR" altLang="en-US" sz="1600" dirty="0">
-              <a:solidFill>
-                <a:srgbClr val="00B050"/>
-              </a:solidFill>
-              <a:latin typeface="Courier New" pitchFamily="49" charset="0"/>
-              <a:ea typeface="맑은 고딕" pitchFamily="50" charset="-127"/>
-              <a:cs typeface="Courier New" pitchFamily="49" charset="0"/>
-            </a:endParaRPr>
-          </a:p>
-        </p:txBody>
-      </p:sp>
-      <p:sp>
-        <p:nvSpPr>
-          <p:cNvPr id="31" name="타원 30">
-            <a:extLst>
-              <a:ext uri="{FF2B5EF4-FFF2-40B4-BE49-F238E27FC236}">
-                <a16:creationId xmlns:a16="http://schemas.microsoft.com/office/drawing/2014/main" id="{F2207E0C-460E-4F7E-ABF3-2D5FD1778FFD}"/>
-              </a:ext>
-            </a:extLst>
-          </p:cNvPr>
-          <p:cNvSpPr/>
-          <p:nvPr/>
-        </p:nvSpPr>
-        <p:spPr>
-          <a:xfrm>
-            <a:off x="2384259" y="3040438"/>
-            <a:ext cx="72000" cy="72000"/>
-          </a:xfrm>
-          <a:prstGeom prst="ellipse">
-            <a:avLst/>
-          </a:prstGeom>
-          <a:solidFill>
-            <a:schemeClr val="tx1"/>
-          </a:solidFill>
-          <a:ln w="9525">
-            <a:noFill/>
-          </a:ln>
-        </p:spPr>
-        <p:style>
-          <a:lnRef idx="3">
-            <a:schemeClr val="lt1"/>
-          </a:lnRef>
-          <a:fillRef idx="1">
-            <a:schemeClr val="accent1"/>
-          </a:fillRef>
-          <a:effectRef idx="1">
-            <a:schemeClr val="accent1"/>
-          </a:effectRef>
-          <a:fontRef idx="minor">
-            <a:schemeClr val="lt1"/>
-          </a:fontRef>
-        </p:style>
-        <p:txBody>
-          <a:bodyPr lIns="252000" rtlCol="0" anchor="ctr"/>
-          <a:lstStyle/>
-          <a:p>
-            <a:pPr algn="ctr"/>
-            <a:endParaRPr lang="ko-KR" altLang="en-US" sz="1600" dirty="0">
-              <a:solidFill>
-                <a:srgbClr val="00B050"/>
-              </a:solidFill>
-              <a:latin typeface="Courier New" pitchFamily="49" charset="0"/>
-              <a:ea typeface="맑은 고딕" pitchFamily="50" charset="-127"/>
-              <a:cs typeface="Courier New" pitchFamily="49" charset="0"/>
-            </a:endParaRPr>
-          </a:p>
-        </p:txBody>
-      </p:sp>
-    </p:spTree>
-    <p:extLst>
-      <p:ext uri="{BB962C8B-B14F-4D97-AF65-F5344CB8AC3E}">
-        <p14:creationId xmlns:p14="http://schemas.microsoft.com/office/powerpoint/2010/main" val="1602677321"/>
-      </p:ext>
-    </p:extLst>
-  </p:cSld>
-  <p:clrMapOvr>
-    <a:masterClrMapping/>
-  </p:clrMapOvr>
-  <p:transition>
-    <p:zoom/>
-  </p:transition>
+  <mc:AlternateContent xmlns:mc="http://schemas.openxmlformats.org/markup-compatibility/2006">
+    <mc:Choice xmlns:p14="http://schemas.microsoft.com/office/powerpoint/2010/main" Requires="p14">
+      <p:transition xmlns:mc="http://schemas.openxmlformats.org/markup-compatibility/2006" xmlns:p14="http://schemas.microsoft.com/office/powerpoint/2010/main" mc:Ignorable="p14" p14:dur="500">
+        <p:zoom/>
+      </p:transition>
+    </mc:Choice>
+    <mc:Fallback>
+      <p:transition xmlns:mc="http://schemas.openxmlformats.org/markup-compatibility/2006" xmlns:hp="http://schemas.haansoft.com/office/presentation/8.0" mc:Ignorable="hp" hp:hslDur="500">
+        <p:fade/>
+      </p:transition>
+    </mc:Fallback>
+  </mc:AlternateContent>
 </p:sld>
 </file>
 

--- a/personal_guide/2과제 번역.pptx
+++ b/personal_guide/2과제 번역.pptx
@@ -2835,7 +2835,7 @@
 </file>
 
 <file path=ppt/slides/slide1.xml><?xml version="1.0" encoding="utf-8"?>
-<p:sld xmlns:a="http://schemas.openxmlformats.org/drawingml/2006/main" xmlns:r="http://schemas.openxmlformats.org/officeDocument/2006/relationships" xmlns:p="http://schemas.openxmlformats.org/presentationml/2006/main">
+<p:sld xmlns:r="http://schemas.openxmlformats.org/officeDocument/2006/relationships" xmlns:c="http://schemas.openxmlformats.org/drawingml/2006/chart" xmlns:a="http://schemas.openxmlformats.org/drawingml/2006/main" xmlns:dgm="http://schemas.openxmlformats.org/drawingml/2006/diagram" xmlns:dsp="http://schemas.microsoft.com/office/drawing/2008/diagram" xmlns:p="http://schemas.openxmlformats.org/presentationml/2006/main">
   <p:cSld>
     <p:spTree>
       <p:nvGrpSpPr>
@@ -2866,11 +2866,14 @@
           <a:bodyPr/>
           <a:lstStyle/>
           <a:p>
-            <a:r>
-              <a:rPr lang="en-US" altLang="ko-KR" dirty="0"/>
+            <a:pPr lvl="0">
+              <a:defRPr/>
+            </a:pPr>
+            <a:r>
+              <a:rPr lang="en-US" altLang="ko-KR"/>
               <a:t>Priority Scheduling</a:t>
             </a:r>
-            <a:endParaRPr lang="ko-KR" altLang="en-US" dirty="0"/>
+            <a:endParaRPr lang="ko-KR" altLang="en-US"/>
           </a:p>
         </p:txBody>
       </p:sp>
@@ -2889,25 +2892,25 @@
           <a:bodyPr/>
           <a:lstStyle/>
           <a:p>
-            <a:pPr>
+            <a:pPr lvl="0">
               <a:defRPr/>
             </a:pPr>
             <a:fld id="{7F046A94-6F93-4D63-9AA3-1A6E5AF96093}" type="slidenum">
-              <a:rPr lang="en-US" altLang="ko-KR" smtClean="0">
-                <a:solidFill>
-                  <a:srgbClr val="1F497D">
+              <a:rPr lang="en-US" altLang="ko-KR">
+                <a:solidFill>
+                  <a:srgbClr val="1f497d">
                     <a:lumMod val="50000"/>
                   </a:srgbClr>
                 </a:solidFill>
               </a:rPr>
-              <a:pPr>
+              <a:pPr lvl="0">
                 <a:defRPr/>
               </a:pPr>
-              <a:t>22</a:t>
+              <a:t>1</a:t>
             </a:fld>
             <a:endParaRPr lang="en-US" altLang="ko-KR">
               <a:solidFill>
-                <a:srgbClr val="1F497D">
+                <a:srgbClr val="1f497d">
                   <a:lumMod val="50000"/>
                 </a:srgbClr>
               </a:solidFill>
@@ -2930,6 +2933,9 @@
           <a:bodyPr/>
           <a:lstStyle/>
           <a:p>
+            <a:pPr lvl="0">
+              <a:defRPr/>
+            </a:pPr>
             <a:r>
               <a:rPr lang="en-US" altLang="ko-KR">
                 <a:solidFill>
@@ -2938,19 +2944,17 @@
               </a:rPr>
               <a:t>Youjip Won</a:t>
             </a:r>
-            <a:endParaRPr lang="ko-KR" altLang="en-US" dirty="0"/>
+            <a:endParaRPr lang="ko-KR" altLang="en-US"/>
           </a:p>
         </p:txBody>
       </p:sp>
       <p:sp>
         <p:nvSpPr>
           <p:cNvPr id="7" name="텍스트 개체 틀 1"/>
-          <p:cNvSpPr txBox="1">
-            <a:spLocks/>
-          </p:cNvSpPr>
-          <p:nvPr/>
-        </p:nvSpPr>
-        <p:spPr bwMode="auto">
+          <p:cNvSpPr txBox="1"/>
+          <p:nvPr/>
+        </p:nvSpPr>
+        <p:spPr>
           <a:xfrm>
             <a:off x="899592" y="4509120"/>
             <a:ext cx="8072494" cy="1500187"/>
@@ -2961,13 +2965,11 @@
           <a:noFill/>
           <a:ln w="9525">
             <a:noFill/>
-            <a:miter lim="800000"/>
-            <a:headEnd/>
-            <a:tailEnd/>
+            <a:miter/>
           </a:ln>
         </p:spPr>
         <p:txBody>
-          <a:bodyPr vert="horz" wrap="square" lIns="91440" tIns="45720" rIns="91440" bIns="45720" numCol="1" anchor="t" anchorCtr="0" compatLnSpc="1">
+          <a:bodyPr vert="horz" wrap="square" lIns="91440" tIns="45720" rIns="91440" bIns="45720" anchor="t" anchorCtr="0">
             <a:prstTxWarp prst="textNoShape">
               <a:avLst/>
             </a:prstTxWarp>
@@ -2984,7 +2986,7 @@
                 <a:srgbClr val="002060"/>
               </a:buClr>
               <a:buSzPct val="65000"/>
-              <a:buFont typeface="Wingdings" pitchFamily="2" charset="2"/>
+              <a:buFont typeface="Wingdings"/>
               <a:buNone/>
               <a:defRPr kumimoji="1" sz="3200" b="1">
                 <a:solidFill>
@@ -2992,8 +2994,8 @@
                     <a:lumMod val="50000"/>
                   </a:schemeClr>
                 </a:solidFill>
-                <a:latin typeface="MS Reference Sans Serif" pitchFamily="34" charset="0"/>
-                <a:ea typeface="맑은 고딕" pitchFamily="50" charset="-127"/>
+                <a:latin typeface="MS Reference Sans Serif"/>
+                <a:ea typeface="맑은 고딕"/>
                 <a:cs typeface="+mn-cs"/>
               </a:defRPr>
             </a:lvl1pPr>
@@ -3005,10 +3007,10 @@
                 <a:spcPct val="0"/>
               </a:spcAft>
               <a:buClr>
-                <a:srgbClr val="007E3C"/>
+                <a:srgbClr val="007e3c"/>
               </a:buClr>
               <a:buSzPct val="100000"/>
-              <a:buFont typeface="Wingdings" pitchFamily="2" charset="2"/>
+              <a:buFont typeface="Wingdings"/>
               <a:buNone/>
               <a:defRPr kumimoji="1" sz="1800">
                 <a:solidFill>
@@ -3016,8 +3018,8 @@
                     <a:lumMod val="50000"/>
                   </a:schemeClr>
                 </a:solidFill>
-                <a:latin typeface="MS Reference Sans Serif" pitchFamily="34" charset="0"/>
-                <a:ea typeface="맑은 고딕" pitchFamily="50" charset="-127"/>
+                <a:latin typeface="MS Reference Sans Serif"/>
+                <a:ea typeface="맑은 고딕"/>
               </a:defRPr>
             </a:lvl2pPr>
             <a:lvl3pPr marL="914400" indent="0" algn="l" rtl="0" eaLnBrk="1" fontAlgn="base" latinLnBrk="1" hangingPunct="1">
@@ -3031,7 +3033,7 @@
                 <a:srgbClr val="002060"/>
               </a:buClr>
               <a:buSzPct val="65000"/>
-              <a:buFont typeface="Wingdings" pitchFamily="2" charset="2"/>
+              <a:buFont typeface="Wingdings"/>
               <a:buNone/>
               <a:defRPr kumimoji="1" sz="1600">
                 <a:solidFill>
@@ -3039,8 +3041,8 @@
                     <a:lumMod val="50000"/>
                   </a:schemeClr>
                 </a:solidFill>
-                <a:latin typeface="MS Reference Sans Serif" pitchFamily="34" charset="0"/>
-                <a:ea typeface="맑은 고딕" pitchFamily="50" charset="-127"/>
+                <a:latin typeface="MS Reference Sans Serif"/>
+                <a:ea typeface="맑은 고딕"/>
               </a:defRPr>
             </a:lvl3pPr>
             <a:lvl4pPr marL="1371600" indent="0" algn="l" rtl="0" eaLnBrk="1" fontAlgn="base" latinLnBrk="1" hangingPunct="1">
@@ -3051,10 +3053,10 @@
                 <a:spcPct val="0"/>
               </a:spcAft>
               <a:buClr>
-                <a:srgbClr val="00B03C"/>
+                <a:srgbClr val="00b03c"/>
               </a:buClr>
               <a:buSzPct val="65000"/>
-              <a:buFont typeface="Wingdings" pitchFamily="2" charset="2"/>
+              <a:buFont typeface="Wingdings"/>
               <a:buNone/>
               <a:defRPr kumimoji="1" sz="1400">
                 <a:solidFill>
@@ -3062,8 +3064,8 @@
                     <a:lumMod val="50000"/>
                   </a:schemeClr>
                 </a:solidFill>
-                <a:latin typeface="MS Reference Sans Serif" pitchFamily="34" charset="0"/>
-                <a:ea typeface="맑은 고딕" pitchFamily="50" charset="-127"/>
+                <a:latin typeface="MS Reference Sans Serif"/>
+                <a:ea typeface="맑은 고딕"/>
               </a:defRPr>
             </a:lvl4pPr>
             <a:lvl5pPr marL="1828800" indent="0" algn="l" rtl="0" eaLnBrk="1" fontAlgn="base" latinLnBrk="1" hangingPunct="1">
@@ -3076,7 +3078,7 @@
               <a:buClr>
                 <a:srgbClr val="002060"/>
               </a:buClr>
-              <a:buFont typeface="Wingdings" pitchFamily="2" charset="2"/>
+              <a:buFont typeface="Wingdings"/>
               <a:buNone/>
               <a:defRPr kumimoji="1" sz="1400">
                 <a:solidFill>
@@ -3084,8 +3086,8 @@
                     <a:lumMod val="50000"/>
                   </a:schemeClr>
                 </a:solidFill>
-                <a:latin typeface="MS Reference Sans Serif" pitchFamily="34" charset="0"/>
-                <a:ea typeface="맑은 고딕" pitchFamily="50" charset="-127"/>
+                <a:latin typeface="MS Reference Sans Serif"/>
+                <a:ea typeface="맑은 고딕"/>
               </a:defRPr>
             </a:lvl5pPr>
             <a:lvl6pPr marL="2286000" indent="0" algn="l" rtl="0" eaLnBrk="1" fontAlgn="base" latinLnBrk="1" hangingPunct="1">
@@ -3154,19 +3156,22 @@
             </a:lvl9pPr>
           </a:lstStyle>
           <a:p>
-            <a:r>
-              <a:rPr lang="en-US" altLang="ko-KR" sz="2800" kern="0" dirty="0">
-                <a:solidFill>
-                  <a:srgbClr val="1F497D">
+            <a:pPr lvl="0">
+              <a:defRPr/>
+            </a:pPr>
+            <a:r>
+              <a:rPr lang="en-US" altLang="ko-KR" sz="2800" kern="0">
+                <a:solidFill>
+                  <a:srgbClr val="1f497d">
                     <a:lumMod val="50000"/>
                   </a:srgbClr>
                 </a:solidFill>
               </a:rPr>
               <a:t> </a:t>
             </a:r>
-            <a:endParaRPr lang="ko-KR" altLang="en-US" sz="2800" kern="0" dirty="0">
-              <a:solidFill>
-                <a:srgbClr val="1F497D">
+            <a:endParaRPr lang="ko-KR" altLang="en-US" sz="2800" kern="0">
+              <a:solidFill>
+                <a:srgbClr val="1f497d">
                   <a:lumMod val="50000"/>
                 </a:srgbClr>
               </a:solidFill>
@@ -3175,18 +3180,22 @@
         </p:txBody>
       </p:sp>
     </p:spTree>
-    <p:extLst>
-      <p:ext uri="{BB962C8B-B14F-4D97-AF65-F5344CB8AC3E}">
-        <p14:creationId xmlns:p14="http://schemas.microsoft.com/office/powerpoint/2010/main" val="375117742"/>
-      </p:ext>
-    </p:extLst>
   </p:cSld>
   <p:clrMapOvr>
     <a:masterClrMapping/>
   </p:clrMapOvr>
-  <p:transition>
-    <p:zoom/>
-  </p:transition>
+  <mc:AlternateContent xmlns:mc="http://schemas.openxmlformats.org/markup-compatibility/2006">
+    <mc:Choice xmlns:p14="http://schemas.microsoft.com/office/powerpoint/2010/main" Requires="p14">
+      <p:transition xmlns:mc="http://schemas.openxmlformats.org/markup-compatibility/2006" xmlns:p14="http://schemas.microsoft.com/office/powerpoint/2010/main" mc:Ignorable="p14" p14:dur="500">
+        <p:zoom/>
+      </p:transition>
+    </mc:Choice>
+    <mc:Fallback>
+      <p:transition xmlns:mc="http://schemas.openxmlformats.org/markup-compatibility/2006" xmlns:hp="http://schemas.haansoft.com/office/presentation/8.0" mc:Ignorable="hp" hp:hslDur="500">
+        <p:fade/>
+      </p:transition>
+    </mc:Fallback>
+  </mc:AlternateContent>
 </p:sld>
 </file>
 
@@ -14536,7 +14545,7 @@
 </file>
 
 <file path=ppt/slides/slide20.xml><?xml version="1.0" encoding="utf-8"?>
-<p:sld xmlns:a="http://schemas.openxmlformats.org/drawingml/2006/main" xmlns:r="http://schemas.openxmlformats.org/officeDocument/2006/relationships" xmlns:p="http://schemas.openxmlformats.org/presentationml/2006/main">
+<p:sld xmlns:r="http://schemas.openxmlformats.org/officeDocument/2006/relationships" xmlns:c="http://schemas.openxmlformats.org/drawingml/2006/chart" xmlns:a="http://schemas.openxmlformats.org/drawingml/2006/main" xmlns:dgm="http://schemas.openxmlformats.org/drawingml/2006/diagram" xmlns:dsp="http://schemas.microsoft.com/office/drawing/2008/diagram" xmlns:p="http://schemas.openxmlformats.org/presentationml/2006/main">
   <p:cSld>
     <p:spTree>
       <p:nvGrpSpPr>
@@ -14554,13 +14563,7 @@
       </p:grpSpPr>
       <p:sp>
         <p:nvSpPr>
-          <p:cNvPr id="13" name="모서리가 둥근 직사각형 12">
-            <a:extLst>
-              <a:ext uri="{FF2B5EF4-FFF2-40B4-BE49-F238E27FC236}">
-                <a16:creationId xmlns:a16="http://schemas.microsoft.com/office/drawing/2014/main" id="{857C4D95-F984-A745-9BC7-5D45F16BDB07}"/>
-              </a:ext>
-            </a:extLst>
-          </p:cNvPr>
+          <p:cNvPr id="13" name="모서리가 둥근 직사각형 12"/>
           <p:cNvSpPr/>
           <p:nvPr/>
         </p:nvSpPr>
@@ -14598,35 +14601,31 @@
           </a:fontRef>
         </p:style>
         <p:txBody>
-          <a:bodyPr lIns="252000" rtlCol="0" anchor="ctr"/>
-          <a:lstStyle/>
-          <a:p>
-            <a:pPr algn="ctr"/>
-            <a:endParaRPr kumimoji="1" lang="ko-Kore-KR" altLang="en-US" sz="1600" dirty="0">
-              <a:solidFill>
-                <a:srgbClr val="00B050"/>
-              </a:solidFill>
-              <a:latin typeface="Courier New" pitchFamily="49" charset="0"/>
-              <a:ea typeface="맑은 고딕" pitchFamily="50" charset="-127"/>
-              <a:cs typeface="Courier New" pitchFamily="49" charset="0"/>
-            </a:endParaRPr>
-          </a:p>
-        </p:txBody>
-      </p:sp>
-      <p:sp>
-        <p:nvSpPr>
-          <p:cNvPr id="2" name="제목 1">
-            <a:extLst>
-              <a:ext uri="{FF2B5EF4-FFF2-40B4-BE49-F238E27FC236}">
-                <a16:creationId xmlns:a16="http://schemas.microsoft.com/office/drawing/2014/main" id="{5C27E38E-EF00-004C-8490-A9974FC60A95}"/>
-              </a:ext>
-            </a:extLst>
-          </p:cNvPr>
+          <a:bodyPr lIns="252000" anchor="ctr"/>
+          <a:lstStyle/>
+          <a:p>
+            <a:pPr lvl="0" algn="ctr">
+              <a:defRPr/>
+            </a:pPr>
+            <a:endParaRPr kumimoji="1" lang="ko-Kore-KR" altLang="en-US" sz="1600">
+              <a:solidFill>
+                <a:srgbClr val="00b050"/>
+              </a:solidFill>
+              <a:latin typeface="Courier New"/>
+              <a:ea typeface="맑은 고딕"/>
+              <a:cs typeface="Courier New"/>
+            </a:endParaRPr>
+          </a:p>
+        </p:txBody>
+      </p:sp>
+      <p:sp>
+        <p:nvSpPr>
+          <p:cNvPr id="2" name="제목 1"/>
           <p:cNvSpPr>
             <a:spLocks noGrp="1"/>
           </p:cNvSpPr>
           <p:nvPr>
-            <p:ph type="title"/>
+            <p:ph type="title" idx="0"/>
           </p:nvPr>
         </p:nvSpPr>
         <p:spPr/>
@@ -14634,23 +14633,20 @@
           <a:bodyPr/>
           <a:lstStyle/>
           <a:p>
-            <a:r>
-              <a:rPr kumimoji="1" lang="en-US" altLang="ko-Kore-KR" dirty="0"/>
+            <a:pPr lvl="0">
+              <a:defRPr/>
+            </a:pPr>
+            <a:r>
+              <a:rPr kumimoji="1" lang="en-US" altLang="ko-Kore-KR"/>
               <a:t>Priority Donation</a:t>
             </a:r>
-            <a:endParaRPr kumimoji="1" lang="ko-Kore-KR" altLang="en-US" dirty="0"/>
-          </a:p>
-        </p:txBody>
-      </p:sp>
-      <p:sp>
-        <p:nvSpPr>
-          <p:cNvPr id="4" name="슬라이드 번호 개체 틀 3">
-            <a:extLst>
-              <a:ext uri="{FF2B5EF4-FFF2-40B4-BE49-F238E27FC236}">
-                <a16:creationId xmlns:a16="http://schemas.microsoft.com/office/drawing/2014/main" id="{AE9ECEFD-BC24-E64E-899A-769B75156810}"/>
-              </a:ext>
-            </a:extLst>
-          </p:cNvPr>
+            <a:endParaRPr kumimoji="1" lang="ko-Kore-KR" altLang="en-US"/>
+          </a:p>
+        </p:txBody>
+      </p:sp>
+      <p:sp>
+        <p:nvSpPr>
+          <p:cNvPr id="4" name="슬라이드 번호 개체 틀 3"/>
           <p:cNvSpPr>
             <a:spLocks noGrp="1"/>
           </p:cNvSpPr>
@@ -14663,44 +14659,45 @@
           <a:bodyPr/>
           <a:lstStyle/>
           <a:p>
-            <a:pPr>
+            <a:pPr lvl="0">
               <a:defRPr/>
             </a:pPr>
             <a:fld id="{515CC4ED-1449-4712-AE45-EBC263B4DD26}" type="slidenum">
-              <a:rPr lang="en-US" altLang="ko-KR" smtClean="0">
-                <a:solidFill>
-                  <a:srgbClr val="1F497D">
+              <a:rPr lang="en-US" altLang="ko-KR">
+                <a:solidFill>
+                  <a:srgbClr val="1f497d">
                     <a:lumMod val="50000"/>
                   </a:srgbClr>
                 </a:solidFill>
               </a:rPr>
-              <a:pPr>
+              <a:pPr lvl="0">
                 <a:defRPr/>
               </a:pPr>
-              <a:t>41</a:t>
+              <a:t>20</a:t>
             </a:fld>
             <a:r>
               <a:rPr lang="en-US" altLang="ko-KR">
                 <a:solidFill>
-                  <a:srgbClr val="1F497D">
+                  <a:srgbClr val="1f497d">
                     <a:lumMod val="50000"/>
                   </a:srgbClr>
                 </a:solidFill>
               </a:rPr>
               <a:t> </a:t>
             </a:r>
-          </a:p>
-        </p:txBody>
-      </p:sp>
-      <p:sp>
-        <p:nvSpPr>
-          <p:cNvPr id="5" name="바닥글 개체 틀 4">
-            <a:extLst>
-              <a:ext uri="{FF2B5EF4-FFF2-40B4-BE49-F238E27FC236}">
-                <a16:creationId xmlns:a16="http://schemas.microsoft.com/office/drawing/2014/main" id="{4039F769-C498-2A4B-812C-84DE49A1CF83}"/>
-              </a:ext>
-            </a:extLst>
-          </p:cNvPr>
+            <a:endParaRPr lang="en-US" altLang="ko-KR">
+              <a:solidFill>
+                <a:srgbClr val="1f497d">
+                  <a:lumMod val="50000"/>
+                </a:srgbClr>
+              </a:solidFill>
+            </a:endParaRPr>
+          </a:p>
+        </p:txBody>
+      </p:sp>
+      <p:sp>
+        <p:nvSpPr>
+          <p:cNvPr id="5" name="바닥글 개체 틀 4"/>
           <p:cNvSpPr>
             <a:spLocks noGrp="1"/>
           </p:cNvSpPr>
@@ -14713,7 +14710,7 @@
           <a:bodyPr/>
           <a:lstStyle/>
           <a:p>
-            <a:pPr fontAlgn="base">
+            <a:pPr lvl="0">
               <a:spcBef>
                 <a:spcPct val="0"/>
               </a:spcBef>
@@ -14730,7 +14727,7 @@
               </a:rPr>
               <a:t>Youjip Won</a:t>
             </a:r>
-            <a:endParaRPr kumimoji="1" lang="ko-KR" altLang="en-US" dirty="0">
+            <a:endParaRPr kumimoji="1" lang="ko-KR" altLang="en-US">
               <a:solidFill>
                 <a:prstClr val="black"/>
               </a:solidFill>
@@ -14740,19 +14737,13 @@
       </p:sp>
       <p:pic>
         <p:nvPicPr>
-          <p:cNvPr id="6" name="그림 5">
-            <a:extLst>
-              <a:ext uri="{FF2B5EF4-FFF2-40B4-BE49-F238E27FC236}">
-                <a16:creationId xmlns:a16="http://schemas.microsoft.com/office/drawing/2014/main" id="{012014CD-65D6-1D46-A721-B93E9BBE34DE}"/>
-              </a:ext>
-            </a:extLst>
-          </p:cNvPr>
+          <p:cNvPr id="6" name="그림 5"/>
           <p:cNvPicPr>
             <a:picLocks noChangeAspect="1"/>
           </p:cNvPicPr>
           <p:nvPr/>
         </p:nvPicPr>
-        <p:blipFill>
+        <p:blipFill rotWithShape="1">
           <a:blip r:embed="rId2"/>
           <a:stretch>
             <a:fillRect/>
@@ -14770,13 +14761,7 @@
       </p:pic>
       <p:sp>
         <p:nvSpPr>
-          <p:cNvPr id="8" name="모서리가 둥근 직사각형 7">
-            <a:extLst>
-              <a:ext uri="{FF2B5EF4-FFF2-40B4-BE49-F238E27FC236}">
-                <a16:creationId xmlns:a16="http://schemas.microsoft.com/office/drawing/2014/main" id="{F0689C4A-20BF-9742-841B-00FBC1BB441B}"/>
-              </a:ext>
-            </a:extLst>
-          </p:cNvPr>
+          <p:cNvPr id="8" name="모서리가 둥근 직사각형 7"/>
           <p:cNvSpPr/>
           <p:nvPr/>
         </p:nvSpPr>
@@ -14814,30 +14799,26 @@
           </a:fontRef>
         </p:style>
         <p:txBody>
-          <a:bodyPr lIns="252000" rtlCol="0" anchor="ctr"/>
-          <a:lstStyle/>
-          <a:p>
-            <a:pPr algn="ctr"/>
-            <a:endParaRPr kumimoji="1" lang="ko-Kore-KR" altLang="en-US" sz="1600" dirty="0">
-              <a:solidFill>
-                <a:srgbClr val="00B050"/>
-              </a:solidFill>
-              <a:latin typeface="Courier New" pitchFamily="49" charset="0"/>
-              <a:ea typeface="맑은 고딕" pitchFamily="50" charset="-127"/>
-              <a:cs typeface="Courier New" pitchFamily="49" charset="0"/>
-            </a:endParaRPr>
-          </a:p>
-        </p:txBody>
-      </p:sp>
-      <p:sp>
-        <p:nvSpPr>
-          <p:cNvPr id="9" name="TextBox 8">
-            <a:extLst>
-              <a:ext uri="{FF2B5EF4-FFF2-40B4-BE49-F238E27FC236}">
-                <a16:creationId xmlns:a16="http://schemas.microsoft.com/office/drawing/2014/main" id="{EE9940BD-FE86-2D4F-BE11-A8966AB4CBC4}"/>
-              </a:ext>
-            </a:extLst>
-          </p:cNvPr>
+          <a:bodyPr lIns="252000" anchor="ctr"/>
+          <a:lstStyle/>
+          <a:p>
+            <a:pPr lvl="0" algn="ctr">
+              <a:defRPr/>
+            </a:pPr>
+            <a:endParaRPr kumimoji="1" lang="ko-Kore-KR" altLang="en-US" sz="1600">
+              <a:solidFill>
+                <a:srgbClr val="00b050"/>
+              </a:solidFill>
+              <a:latin typeface="Courier New"/>
+              <a:ea typeface="맑은 고딕"/>
+              <a:cs typeface="Courier New"/>
+            </a:endParaRPr>
+          </a:p>
+        </p:txBody>
+      </p:sp>
+      <p:sp>
+        <p:nvSpPr>
+          <p:cNvPr id="9" name="TextBox 8"/>
           <p:cNvSpPr txBox="1"/>
           <p:nvPr/>
         </p:nvSpPr>
@@ -14852,32 +14833,29 @@
           <a:noFill/>
         </p:spPr>
         <p:txBody>
-          <a:bodyPr wrap="square" rtlCol="0">
+          <a:bodyPr wrap="square">
             <a:spAutoFit/>
           </a:bodyPr>
           <a:lstStyle/>
           <a:p>
-            <a:r>
-              <a:rPr kumimoji="1" lang="en-US" altLang="ko-Kore-KR" sz="1400" dirty="0">
-                <a:latin typeface="Helvetica" pitchFamily="2" charset="0"/>
+            <a:pPr lvl="0">
+              <a:defRPr/>
+            </a:pPr>
+            <a:r>
+              <a:rPr kumimoji="1" lang="en-US" altLang="ko-Kore-KR" sz="1400">
+                <a:latin typeface="Arial"/>
               </a:rPr>
               <a:t>T1</a:t>
             </a:r>
-            <a:endParaRPr kumimoji="1" lang="ko-Kore-KR" altLang="en-US" sz="1400" dirty="0">
-              <a:latin typeface="Helvetica" pitchFamily="2" charset="0"/>
-            </a:endParaRPr>
-          </a:p>
-        </p:txBody>
-      </p:sp>
-      <p:sp>
-        <p:nvSpPr>
-          <p:cNvPr id="10" name="TextBox 9">
-            <a:extLst>
-              <a:ext uri="{FF2B5EF4-FFF2-40B4-BE49-F238E27FC236}">
-                <a16:creationId xmlns:a16="http://schemas.microsoft.com/office/drawing/2014/main" id="{2136F02A-68FA-1941-AD54-AAC10D102C83}"/>
-              </a:ext>
-            </a:extLst>
-          </p:cNvPr>
+            <a:endParaRPr kumimoji="1" lang="ko-Kore-KR" altLang="en-US" sz="1400">
+              <a:latin typeface="Arial"/>
+            </a:endParaRPr>
+          </a:p>
+        </p:txBody>
+      </p:sp>
+      <p:sp>
+        <p:nvSpPr>
+          <p:cNvPr id="10" name="TextBox 9"/>
           <p:cNvSpPr txBox="1"/>
           <p:nvPr/>
         </p:nvSpPr>
@@ -14892,32 +14870,29 @@
           <a:noFill/>
         </p:spPr>
         <p:txBody>
-          <a:bodyPr wrap="square" rtlCol="0">
+          <a:bodyPr wrap="square">
             <a:spAutoFit/>
           </a:bodyPr>
           <a:lstStyle/>
           <a:p>
-            <a:r>
-              <a:rPr kumimoji="1" lang="en-US" altLang="ko-Kore-KR" sz="1400" strike="sngStrike" dirty="0">
-                <a:latin typeface="Helvetica" pitchFamily="2" charset="0"/>
+            <a:pPr lvl="0">
+              <a:defRPr/>
+            </a:pPr>
+            <a:r>
+              <a:rPr kumimoji="1" lang="en-US" altLang="ko-Kore-KR" sz="1400" strike="sngStrike">
+                <a:latin typeface="Arial"/>
               </a:rPr>
               <a:t>PRI =10</a:t>
             </a:r>
-            <a:endParaRPr kumimoji="1" lang="ko-Kore-KR" altLang="en-US" sz="1400" strike="sngStrike" dirty="0">
-              <a:latin typeface="Helvetica" pitchFamily="2" charset="0"/>
+            <a:endParaRPr kumimoji="1" lang="ko-Kore-KR" altLang="en-US" sz="1400" strike="sngStrike">
+              <a:latin typeface="Arial"/>
             </a:endParaRPr>
           </a:p>
         </p:txBody>
       </p:sp>
       <p:cxnSp>
         <p:nvCxnSpPr>
-          <p:cNvPr id="12" name="직선 화살표 연결선 11">
-            <a:extLst>
-              <a:ext uri="{FF2B5EF4-FFF2-40B4-BE49-F238E27FC236}">
-                <a16:creationId xmlns:a16="http://schemas.microsoft.com/office/drawing/2014/main" id="{A0A93596-BA18-5D48-8AE8-50E73A582EC6}"/>
-              </a:ext>
-            </a:extLst>
-          </p:cNvPr>
+          <p:cNvPr id="12" name="직선 화살표 연결선 11"/>
           <p:cNvCxnSpPr/>
           <p:nvPr/>
         </p:nvCxnSpPr>
@@ -14953,13 +14928,7 @@
       </p:cxnSp>
       <p:sp>
         <p:nvSpPr>
-          <p:cNvPr id="23" name="모서리가 둥근 직사각형 22">
-            <a:extLst>
-              <a:ext uri="{FF2B5EF4-FFF2-40B4-BE49-F238E27FC236}">
-                <a16:creationId xmlns:a16="http://schemas.microsoft.com/office/drawing/2014/main" id="{23EC60FB-BC8B-F640-9212-6063679EB41A}"/>
-              </a:ext>
-            </a:extLst>
-          </p:cNvPr>
+          <p:cNvPr id="23" name="모서리가 둥근 직사각형 22"/>
           <p:cNvSpPr/>
           <p:nvPr/>
         </p:nvSpPr>
@@ -14997,37 +14966,33 @@
           </a:fontRef>
         </p:style>
         <p:txBody>
-          <a:bodyPr lIns="252000" rtlCol="0" anchor="ctr"/>
-          <a:lstStyle/>
-          <a:p>
-            <a:pPr algn="ctr"/>
-            <a:endParaRPr kumimoji="1" lang="ko-Kore-KR" altLang="en-US" sz="1600" dirty="0">
-              <a:solidFill>
-                <a:srgbClr val="00B050"/>
-              </a:solidFill>
-              <a:latin typeface="Courier New" pitchFamily="49" charset="0"/>
-              <a:ea typeface="맑은 고딕" pitchFamily="50" charset="-127"/>
-              <a:cs typeface="Courier New" pitchFamily="49" charset="0"/>
+          <a:bodyPr lIns="252000" anchor="ctr"/>
+          <a:lstStyle/>
+          <a:p>
+            <a:pPr lvl="0" algn="ctr">
+              <a:defRPr/>
+            </a:pPr>
+            <a:endParaRPr kumimoji="1" lang="ko-Kore-KR" altLang="en-US" sz="1600">
+              <a:solidFill>
+                <a:srgbClr val="00b050"/>
+              </a:solidFill>
+              <a:latin typeface="Courier New"/>
+              <a:ea typeface="맑은 고딕"/>
+              <a:cs typeface="Courier New"/>
             </a:endParaRPr>
           </a:p>
         </p:txBody>
       </p:sp>
       <p:pic>
         <p:nvPicPr>
-          <p:cNvPr id="24" name="그림 23">
-            <a:extLst>
-              <a:ext uri="{FF2B5EF4-FFF2-40B4-BE49-F238E27FC236}">
-                <a16:creationId xmlns:a16="http://schemas.microsoft.com/office/drawing/2014/main" id="{EA5EC07E-5D85-0A42-A63A-6DBDD8669D32}"/>
-              </a:ext>
-            </a:extLst>
-          </p:cNvPr>
+          <p:cNvPr id="24" name="그림 23"/>
           <p:cNvPicPr>
             <a:picLocks noChangeAspect="1"/>
           </p:cNvPicPr>
           <p:nvPr/>
         </p:nvPicPr>
-        <p:blipFill>
-          <a:blip r:embed="rId2"/>
+        <p:blipFill rotWithShape="1">
+          <a:blip r:embed="rId3"/>
           <a:stretch>
             <a:fillRect/>
           </a:stretch>
@@ -15044,13 +15009,7 @@
       </p:pic>
       <p:sp>
         <p:nvSpPr>
-          <p:cNvPr id="25" name="모서리가 둥근 직사각형 24">
-            <a:extLst>
-              <a:ext uri="{FF2B5EF4-FFF2-40B4-BE49-F238E27FC236}">
-                <a16:creationId xmlns:a16="http://schemas.microsoft.com/office/drawing/2014/main" id="{B2C98994-4CD7-A64E-87F6-F0E5F964A38A}"/>
-              </a:ext>
-            </a:extLst>
-          </p:cNvPr>
+          <p:cNvPr id="25" name="모서리가 둥근 직사각형 24"/>
           <p:cNvSpPr/>
           <p:nvPr/>
         </p:nvSpPr>
@@ -15088,30 +15047,26 @@
           </a:fontRef>
         </p:style>
         <p:txBody>
-          <a:bodyPr lIns="252000" rtlCol="0" anchor="ctr"/>
-          <a:lstStyle/>
-          <a:p>
-            <a:pPr algn="ctr"/>
-            <a:endParaRPr kumimoji="1" lang="ko-Kore-KR" altLang="en-US" sz="1600" dirty="0">
-              <a:solidFill>
-                <a:srgbClr val="00B050"/>
-              </a:solidFill>
-              <a:latin typeface="Courier New" pitchFamily="49" charset="0"/>
-              <a:ea typeface="맑은 고딕" pitchFamily="50" charset="-127"/>
-              <a:cs typeface="Courier New" pitchFamily="49" charset="0"/>
-            </a:endParaRPr>
-          </a:p>
-        </p:txBody>
-      </p:sp>
-      <p:sp>
-        <p:nvSpPr>
-          <p:cNvPr id="26" name="TextBox 25">
-            <a:extLst>
-              <a:ext uri="{FF2B5EF4-FFF2-40B4-BE49-F238E27FC236}">
-                <a16:creationId xmlns:a16="http://schemas.microsoft.com/office/drawing/2014/main" id="{79D94A54-7342-0047-8144-1F5A15BE5504}"/>
-              </a:ext>
-            </a:extLst>
-          </p:cNvPr>
+          <a:bodyPr lIns="252000" anchor="ctr"/>
+          <a:lstStyle/>
+          <a:p>
+            <a:pPr lvl="0" algn="ctr">
+              <a:defRPr/>
+            </a:pPr>
+            <a:endParaRPr kumimoji="1" lang="ko-Kore-KR" altLang="en-US" sz="1600">
+              <a:solidFill>
+                <a:srgbClr val="00b050"/>
+              </a:solidFill>
+              <a:latin typeface="Courier New"/>
+              <a:ea typeface="맑은 고딕"/>
+              <a:cs typeface="Courier New"/>
+            </a:endParaRPr>
+          </a:p>
+        </p:txBody>
+      </p:sp>
+      <p:sp>
+        <p:nvSpPr>
+          <p:cNvPr id="26" name="TextBox 25"/>
           <p:cNvSpPr txBox="1"/>
           <p:nvPr/>
         </p:nvSpPr>
@@ -15126,32 +15081,29 @@
           <a:noFill/>
         </p:spPr>
         <p:txBody>
-          <a:bodyPr wrap="square" rtlCol="0">
+          <a:bodyPr wrap="square">
             <a:spAutoFit/>
           </a:bodyPr>
           <a:lstStyle/>
           <a:p>
-            <a:r>
-              <a:rPr kumimoji="1" lang="en-US" altLang="ko-Kore-KR" sz="1400" dirty="0">
-                <a:latin typeface="Helvetica" pitchFamily="2" charset="0"/>
+            <a:pPr lvl="0">
+              <a:defRPr/>
+            </a:pPr>
+            <a:r>
+              <a:rPr kumimoji="1" lang="en-US" altLang="ko-Kore-KR" sz="1400">
+                <a:latin typeface="Arial"/>
               </a:rPr>
               <a:t>T1</a:t>
             </a:r>
-            <a:endParaRPr kumimoji="1" lang="ko-Kore-KR" altLang="en-US" sz="1400" dirty="0">
-              <a:latin typeface="Helvetica" pitchFamily="2" charset="0"/>
-            </a:endParaRPr>
-          </a:p>
-        </p:txBody>
-      </p:sp>
-      <p:sp>
-        <p:nvSpPr>
-          <p:cNvPr id="27" name="TextBox 26">
-            <a:extLst>
-              <a:ext uri="{FF2B5EF4-FFF2-40B4-BE49-F238E27FC236}">
-                <a16:creationId xmlns:a16="http://schemas.microsoft.com/office/drawing/2014/main" id="{1858E70D-0CB1-744F-8E94-B15F60D170AA}"/>
-              </a:ext>
-            </a:extLst>
-          </p:cNvPr>
+            <a:endParaRPr kumimoji="1" lang="ko-Kore-KR" altLang="en-US" sz="1400">
+              <a:latin typeface="Arial"/>
+            </a:endParaRPr>
+          </a:p>
+        </p:txBody>
+      </p:sp>
+      <p:sp>
+        <p:nvSpPr>
+          <p:cNvPr id="27" name="TextBox 26"/>
           <p:cNvSpPr txBox="1"/>
           <p:nvPr/>
         </p:nvSpPr>
@@ -15166,32 +15118,29 @@
           <a:noFill/>
         </p:spPr>
         <p:txBody>
-          <a:bodyPr wrap="square" rtlCol="0">
+          <a:bodyPr wrap="square">
             <a:spAutoFit/>
           </a:bodyPr>
           <a:lstStyle/>
           <a:p>
-            <a:r>
-              <a:rPr kumimoji="1" lang="en-US" altLang="ko-Kore-KR" sz="1400" dirty="0">
-                <a:latin typeface="Helvetica" pitchFamily="2" charset="0"/>
+            <a:pPr lvl="0">
+              <a:defRPr/>
+            </a:pPr>
+            <a:r>
+              <a:rPr kumimoji="1" lang="en-US" altLang="ko-Kore-KR" sz="1400">
+                <a:latin typeface="Arial"/>
               </a:rPr>
               <a:t>PRI =10</a:t>
             </a:r>
-            <a:endParaRPr kumimoji="1" lang="ko-Kore-KR" altLang="en-US" sz="1400" dirty="0">
-              <a:latin typeface="Helvetica" pitchFamily="2" charset="0"/>
+            <a:endParaRPr kumimoji="1" lang="ko-Kore-KR" altLang="en-US" sz="1400">
+              <a:latin typeface="Arial"/>
             </a:endParaRPr>
           </a:p>
         </p:txBody>
       </p:sp>
       <p:cxnSp>
         <p:nvCxnSpPr>
-          <p:cNvPr id="28" name="직선 화살표 연결선 27">
-            <a:extLst>
-              <a:ext uri="{FF2B5EF4-FFF2-40B4-BE49-F238E27FC236}">
-                <a16:creationId xmlns:a16="http://schemas.microsoft.com/office/drawing/2014/main" id="{77491081-00A2-CD41-BFF9-48DF25C8D8D3}"/>
-              </a:ext>
-            </a:extLst>
-          </p:cNvPr>
+          <p:cNvPr id="28" name="직선 화살표 연결선 27"/>
           <p:cNvCxnSpPr/>
           <p:nvPr/>
         </p:nvCxnSpPr>
@@ -15227,13 +15176,7 @@
       </p:cxnSp>
       <p:sp>
         <p:nvSpPr>
-          <p:cNvPr id="29" name="모서리가 둥근 직사각형 28">
-            <a:extLst>
-              <a:ext uri="{FF2B5EF4-FFF2-40B4-BE49-F238E27FC236}">
-                <a16:creationId xmlns:a16="http://schemas.microsoft.com/office/drawing/2014/main" id="{4F4BBFF8-7A0C-1245-9F5C-A22784404098}"/>
-              </a:ext>
-            </a:extLst>
-          </p:cNvPr>
+          <p:cNvPr id="29" name="모서리가 둥근 직사각형 28"/>
           <p:cNvSpPr/>
           <p:nvPr/>
         </p:nvSpPr>
@@ -15271,30 +15214,26 @@
           </a:fontRef>
         </p:style>
         <p:txBody>
-          <a:bodyPr lIns="252000" rtlCol="0" anchor="ctr"/>
-          <a:lstStyle/>
-          <a:p>
-            <a:pPr algn="ctr"/>
-            <a:endParaRPr kumimoji="1" lang="ko-Kore-KR" altLang="en-US" sz="1600" dirty="0">
-              <a:solidFill>
-                <a:srgbClr val="00B050"/>
-              </a:solidFill>
-              <a:latin typeface="Courier New" pitchFamily="49" charset="0"/>
-              <a:ea typeface="맑은 고딕" pitchFamily="50" charset="-127"/>
-              <a:cs typeface="Courier New" pitchFamily="49" charset="0"/>
-            </a:endParaRPr>
-          </a:p>
-        </p:txBody>
-      </p:sp>
-      <p:sp>
-        <p:nvSpPr>
-          <p:cNvPr id="30" name="TextBox 29">
-            <a:extLst>
-              <a:ext uri="{FF2B5EF4-FFF2-40B4-BE49-F238E27FC236}">
-                <a16:creationId xmlns:a16="http://schemas.microsoft.com/office/drawing/2014/main" id="{AE9B2A45-64B2-D240-8948-F1A160AC3F4A}"/>
-              </a:ext>
-            </a:extLst>
-          </p:cNvPr>
+          <a:bodyPr lIns="252000" anchor="ctr"/>
+          <a:lstStyle/>
+          <a:p>
+            <a:pPr lvl="0" algn="ctr">
+              <a:defRPr/>
+            </a:pPr>
+            <a:endParaRPr kumimoji="1" lang="ko-Kore-KR" altLang="en-US" sz="1600">
+              <a:solidFill>
+                <a:srgbClr val="00b050"/>
+              </a:solidFill>
+              <a:latin typeface="Courier New"/>
+              <a:ea typeface="맑은 고딕"/>
+              <a:cs typeface="Courier New"/>
+            </a:endParaRPr>
+          </a:p>
+        </p:txBody>
+      </p:sp>
+      <p:sp>
+        <p:nvSpPr>
+          <p:cNvPr id="30" name="TextBox 29"/>
           <p:cNvSpPr txBox="1"/>
           <p:nvPr/>
         </p:nvSpPr>
@@ -15309,32 +15248,29 @@
           <a:noFill/>
         </p:spPr>
         <p:txBody>
-          <a:bodyPr wrap="square" rtlCol="0">
+          <a:bodyPr wrap="square">
             <a:spAutoFit/>
           </a:bodyPr>
           <a:lstStyle/>
           <a:p>
-            <a:r>
-              <a:rPr kumimoji="1" lang="en-US" altLang="ko-Kore-KR" sz="1400" dirty="0">
-                <a:latin typeface="Helvetica" pitchFamily="2" charset="0"/>
+            <a:pPr lvl="0">
+              <a:defRPr/>
+            </a:pPr>
+            <a:r>
+              <a:rPr kumimoji="1" lang="en-US" altLang="ko-Kore-KR" sz="1400">
+                <a:latin typeface="Arial"/>
               </a:rPr>
               <a:t>T2</a:t>
             </a:r>
-            <a:endParaRPr kumimoji="1" lang="ko-Kore-KR" altLang="en-US" sz="1400" dirty="0">
-              <a:latin typeface="Helvetica" pitchFamily="2" charset="0"/>
-            </a:endParaRPr>
-          </a:p>
-        </p:txBody>
-      </p:sp>
-      <p:sp>
-        <p:nvSpPr>
-          <p:cNvPr id="31" name="모서리가 둥근 직사각형 30">
-            <a:extLst>
-              <a:ext uri="{FF2B5EF4-FFF2-40B4-BE49-F238E27FC236}">
-                <a16:creationId xmlns:a16="http://schemas.microsoft.com/office/drawing/2014/main" id="{6518F69A-4404-B24C-8964-574075F92900}"/>
-              </a:ext>
-            </a:extLst>
-          </p:cNvPr>
+            <a:endParaRPr kumimoji="1" lang="ko-Kore-KR" altLang="en-US" sz="1400">
+              <a:latin typeface="Arial"/>
+            </a:endParaRPr>
+          </a:p>
+        </p:txBody>
+      </p:sp>
+      <p:sp>
+        <p:nvSpPr>
+          <p:cNvPr id="31" name="모서리가 둥근 직사각형 30"/>
           <p:cNvSpPr/>
           <p:nvPr/>
         </p:nvSpPr>
@@ -15372,30 +15308,26 @@
           </a:fontRef>
         </p:style>
         <p:txBody>
-          <a:bodyPr lIns="252000" rtlCol="0" anchor="ctr"/>
-          <a:lstStyle/>
-          <a:p>
-            <a:pPr algn="ctr"/>
-            <a:endParaRPr kumimoji="1" lang="ko-Kore-KR" altLang="en-US" sz="1600" dirty="0">
-              <a:solidFill>
-                <a:srgbClr val="00B050"/>
-              </a:solidFill>
-              <a:latin typeface="Courier New" pitchFamily="49" charset="0"/>
-              <a:ea typeface="맑은 고딕" pitchFamily="50" charset="-127"/>
-              <a:cs typeface="Courier New" pitchFamily="49" charset="0"/>
-            </a:endParaRPr>
-          </a:p>
-        </p:txBody>
-      </p:sp>
-      <p:sp>
-        <p:nvSpPr>
-          <p:cNvPr id="32" name="TextBox 31">
-            <a:extLst>
-              <a:ext uri="{FF2B5EF4-FFF2-40B4-BE49-F238E27FC236}">
-                <a16:creationId xmlns:a16="http://schemas.microsoft.com/office/drawing/2014/main" id="{406AF707-7603-1141-B58A-D5B88943A9E9}"/>
-              </a:ext>
-            </a:extLst>
-          </p:cNvPr>
+          <a:bodyPr lIns="252000" anchor="ctr"/>
+          <a:lstStyle/>
+          <a:p>
+            <a:pPr lvl="0" algn="ctr">
+              <a:defRPr/>
+            </a:pPr>
+            <a:endParaRPr kumimoji="1" lang="ko-Kore-KR" altLang="en-US" sz="1600">
+              <a:solidFill>
+                <a:srgbClr val="00b050"/>
+              </a:solidFill>
+              <a:latin typeface="Courier New"/>
+              <a:ea typeface="맑은 고딕"/>
+              <a:cs typeface="Courier New"/>
+            </a:endParaRPr>
+          </a:p>
+        </p:txBody>
+      </p:sp>
+      <p:sp>
+        <p:nvSpPr>
+          <p:cNvPr id="32" name="TextBox 31"/>
           <p:cNvSpPr txBox="1"/>
           <p:nvPr/>
         </p:nvSpPr>
@@ -15410,32 +15342,29 @@
           <a:noFill/>
         </p:spPr>
         <p:txBody>
-          <a:bodyPr wrap="square" rtlCol="0">
+          <a:bodyPr wrap="square">
             <a:spAutoFit/>
           </a:bodyPr>
           <a:lstStyle/>
           <a:p>
-            <a:r>
-              <a:rPr kumimoji="1" lang="en-US" altLang="ko-Kore-KR" sz="1400" dirty="0">
-                <a:latin typeface="Helvetica" pitchFamily="2" charset="0"/>
+            <a:pPr lvl="0">
+              <a:defRPr/>
+            </a:pPr>
+            <a:r>
+              <a:rPr kumimoji="1" lang="en-US" altLang="ko-Kore-KR" sz="1400">
+                <a:latin typeface="Arial"/>
               </a:rPr>
               <a:t>T3</a:t>
             </a:r>
-            <a:endParaRPr kumimoji="1" lang="ko-Kore-KR" altLang="en-US" sz="1400" dirty="0">
-              <a:latin typeface="Helvetica" pitchFamily="2" charset="0"/>
-            </a:endParaRPr>
-          </a:p>
-        </p:txBody>
-      </p:sp>
-      <p:sp>
-        <p:nvSpPr>
-          <p:cNvPr id="33" name="모서리가 둥근 직사각형 32">
-            <a:extLst>
-              <a:ext uri="{FF2B5EF4-FFF2-40B4-BE49-F238E27FC236}">
-                <a16:creationId xmlns:a16="http://schemas.microsoft.com/office/drawing/2014/main" id="{84C09E31-53E3-8348-9266-6DB63EB3CD00}"/>
-              </a:ext>
-            </a:extLst>
-          </p:cNvPr>
+            <a:endParaRPr kumimoji="1" lang="ko-Kore-KR" altLang="en-US" sz="1400">
+              <a:latin typeface="Arial"/>
+            </a:endParaRPr>
+          </a:p>
+        </p:txBody>
+      </p:sp>
+      <p:sp>
+        <p:nvSpPr>
+          <p:cNvPr id="33" name="모서리가 둥근 직사각형 32"/>
           <p:cNvSpPr/>
           <p:nvPr/>
         </p:nvSpPr>
@@ -15473,30 +15402,26 @@
           </a:fontRef>
         </p:style>
         <p:txBody>
-          <a:bodyPr lIns="252000" rtlCol="0" anchor="ctr"/>
-          <a:lstStyle/>
-          <a:p>
-            <a:pPr algn="ctr"/>
-            <a:endParaRPr kumimoji="1" lang="ko-Kore-KR" altLang="en-US" sz="1600" dirty="0">
-              <a:solidFill>
-                <a:srgbClr val="00B050"/>
-              </a:solidFill>
-              <a:latin typeface="Courier New" pitchFamily="49" charset="0"/>
-              <a:ea typeface="맑은 고딕" pitchFamily="50" charset="-127"/>
-              <a:cs typeface="Courier New" pitchFamily="49" charset="0"/>
-            </a:endParaRPr>
-          </a:p>
-        </p:txBody>
-      </p:sp>
-      <p:sp>
-        <p:nvSpPr>
-          <p:cNvPr id="34" name="TextBox 33">
-            <a:extLst>
-              <a:ext uri="{FF2B5EF4-FFF2-40B4-BE49-F238E27FC236}">
-                <a16:creationId xmlns:a16="http://schemas.microsoft.com/office/drawing/2014/main" id="{8D63F83A-44BB-5343-B4CE-9D34145549B9}"/>
-              </a:ext>
-            </a:extLst>
-          </p:cNvPr>
+          <a:bodyPr lIns="252000" anchor="ctr"/>
+          <a:lstStyle/>
+          <a:p>
+            <a:pPr lvl="0" algn="ctr">
+              <a:defRPr/>
+            </a:pPr>
+            <a:endParaRPr kumimoji="1" lang="ko-Kore-KR" altLang="en-US" sz="1600">
+              <a:solidFill>
+                <a:srgbClr val="00b050"/>
+              </a:solidFill>
+              <a:latin typeface="Courier New"/>
+              <a:ea typeface="맑은 고딕"/>
+              <a:cs typeface="Courier New"/>
+            </a:endParaRPr>
+          </a:p>
+        </p:txBody>
+      </p:sp>
+      <p:sp>
+        <p:nvSpPr>
+          <p:cNvPr id="34" name="TextBox 33"/>
           <p:cNvSpPr txBox="1"/>
           <p:nvPr/>
         </p:nvSpPr>
@@ -15511,32 +15436,29 @@
           <a:noFill/>
         </p:spPr>
         <p:txBody>
-          <a:bodyPr wrap="square" rtlCol="0">
+          <a:bodyPr wrap="square">
             <a:spAutoFit/>
           </a:bodyPr>
           <a:lstStyle/>
           <a:p>
-            <a:r>
-              <a:rPr kumimoji="1" lang="en-US" altLang="ko-Kore-KR" sz="1400" dirty="0">
-                <a:latin typeface="Helvetica" pitchFamily="2" charset="0"/>
+            <a:pPr lvl="0">
+              <a:defRPr/>
+            </a:pPr>
+            <a:r>
+              <a:rPr kumimoji="1" lang="en-US" altLang="ko-Kore-KR" sz="1400">
+                <a:latin typeface="Arial"/>
               </a:rPr>
               <a:t>T4</a:t>
             </a:r>
-            <a:endParaRPr kumimoji="1" lang="ko-Kore-KR" altLang="en-US" sz="1400" dirty="0">
-              <a:latin typeface="Helvetica" pitchFamily="2" charset="0"/>
-            </a:endParaRPr>
-          </a:p>
-        </p:txBody>
-      </p:sp>
-      <p:sp>
-        <p:nvSpPr>
-          <p:cNvPr id="35" name="TextBox 34">
-            <a:extLst>
-              <a:ext uri="{FF2B5EF4-FFF2-40B4-BE49-F238E27FC236}">
-                <a16:creationId xmlns:a16="http://schemas.microsoft.com/office/drawing/2014/main" id="{558B43AB-6E3B-EB46-9560-CD2D96C4071B}"/>
-              </a:ext>
-            </a:extLst>
-          </p:cNvPr>
+            <a:endParaRPr kumimoji="1" lang="ko-Kore-KR" altLang="en-US" sz="1400">
+              <a:latin typeface="Arial"/>
+            </a:endParaRPr>
+          </a:p>
+        </p:txBody>
+      </p:sp>
+      <p:sp>
+        <p:nvSpPr>
+          <p:cNvPr id="35" name="TextBox 34"/>
           <p:cNvSpPr txBox="1"/>
           <p:nvPr/>
         </p:nvSpPr>
@@ -15551,32 +15473,29 @@
           <a:noFill/>
         </p:spPr>
         <p:txBody>
-          <a:bodyPr wrap="square" rtlCol="0">
+          <a:bodyPr wrap="square">
             <a:spAutoFit/>
           </a:bodyPr>
           <a:lstStyle/>
           <a:p>
-            <a:r>
-              <a:rPr kumimoji="1" lang="en-US" altLang="ko-Kore-KR" sz="1400" dirty="0">
-                <a:latin typeface="Helvetica" pitchFamily="2" charset="0"/>
+            <a:pPr lvl="0">
+              <a:defRPr/>
+            </a:pPr>
+            <a:r>
+              <a:rPr kumimoji="1" lang="en-US" altLang="ko-Kore-KR" sz="1400">
+                <a:latin typeface="Arial"/>
               </a:rPr>
               <a:t>PRI =9</a:t>
             </a:r>
-            <a:endParaRPr kumimoji="1" lang="ko-Kore-KR" altLang="en-US" sz="1400" dirty="0">
-              <a:latin typeface="Helvetica" pitchFamily="2" charset="0"/>
-            </a:endParaRPr>
-          </a:p>
-        </p:txBody>
-      </p:sp>
-      <p:sp>
-        <p:nvSpPr>
-          <p:cNvPr id="36" name="TextBox 35">
-            <a:extLst>
-              <a:ext uri="{FF2B5EF4-FFF2-40B4-BE49-F238E27FC236}">
-                <a16:creationId xmlns:a16="http://schemas.microsoft.com/office/drawing/2014/main" id="{503CF7CA-218D-7D44-B9A0-262100880186}"/>
-              </a:ext>
-            </a:extLst>
-          </p:cNvPr>
+            <a:endParaRPr kumimoji="1" lang="ko-Kore-KR" altLang="en-US" sz="1400">
+              <a:latin typeface="Arial"/>
+            </a:endParaRPr>
+          </a:p>
+        </p:txBody>
+      </p:sp>
+      <p:sp>
+        <p:nvSpPr>
+          <p:cNvPr id="36" name="TextBox 35"/>
           <p:cNvSpPr txBox="1"/>
           <p:nvPr/>
         </p:nvSpPr>
@@ -15591,32 +15510,29 @@
           <a:noFill/>
         </p:spPr>
         <p:txBody>
-          <a:bodyPr wrap="square" rtlCol="0">
+          <a:bodyPr wrap="square">
             <a:spAutoFit/>
           </a:bodyPr>
           <a:lstStyle/>
           <a:p>
-            <a:r>
-              <a:rPr kumimoji="1" lang="en-US" altLang="ko-Kore-KR" sz="1400" dirty="0">
-                <a:latin typeface="Helvetica" pitchFamily="2" charset="0"/>
+            <a:pPr lvl="0">
+              <a:defRPr/>
+            </a:pPr>
+            <a:r>
+              <a:rPr kumimoji="1" lang="en-US" altLang="ko-Kore-KR" sz="1400">
+                <a:latin typeface="Arial"/>
               </a:rPr>
               <a:t>PRI =12</a:t>
             </a:r>
-            <a:endParaRPr kumimoji="1" lang="ko-Kore-KR" altLang="en-US" sz="1400" dirty="0">
-              <a:latin typeface="Helvetica" pitchFamily="2" charset="0"/>
-            </a:endParaRPr>
-          </a:p>
-        </p:txBody>
-      </p:sp>
-      <p:sp>
-        <p:nvSpPr>
-          <p:cNvPr id="37" name="TextBox 36">
-            <a:extLst>
-              <a:ext uri="{FF2B5EF4-FFF2-40B4-BE49-F238E27FC236}">
-                <a16:creationId xmlns:a16="http://schemas.microsoft.com/office/drawing/2014/main" id="{ABAE84F7-3B63-8C48-9AFC-CADFA9A46266}"/>
-              </a:ext>
-            </a:extLst>
-          </p:cNvPr>
+            <a:endParaRPr kumimoji="1" lang="ko-Kore-KR" altLang="en-US" sz="1400">
+              <a:latin typeface="Arial"/>
+            </a:endParaRPr>
+          </a:p>
+        </p:txBody>
+      </p:sp>
+      <p:sp>
+        <p:nvSpPr>
+          <p:cNvPr id="37" name="TextBox 36"/>
           <p:cNvSpPr txBox="1"/>
           <p:nvPr/>
         </p:nvSpPr>
@@ -15631,32 +15547,29 @@
           <a:noFill/>
         </p:spPr>
         <p:txBody>
-          <a:bodyPr wrap="square" rtlCol="0">
+          <a:bodyPr wrap="square">
             <a:spAutoFit/>
           </a:bodyPr>
           <a:lstStyle/>
           <a:p>
-            <a:r>
-              <a:rPr kumimoji="1" lang="en-US" altLang="ko-Kore-KR" sz="1400" dirty="0">
-                <a:latin typeface="Helvetica" pitchFamily="2" charset="0"/>
+            <a:pPr lvl="0">
+              <a:defRPr/>
+            </a:pPr>
+            <a:r>
+              <a:rPr kumimoji="1" lang="en-US" altLang="ko-Kore-KR" sz="1400">
+                <a:latin typeface="Arial"/>
               </a:rPr>
               <a:t>PRI =8</a:t>
             </a:r>
-            <a:endParaRPr kumimoji="1" lang="ko-Kore-KR" altLang="en-US" sz="1400" dirty="0">
-              <a:latin typeface="Helvetica" pitchFamily="2" charset="0"/>
-            </a:endParaRPr>
-          </a:p>
-        </p:txBody>
-      </p:sp>
-      <p:sp>
-        <p:nvSpPr>
-          <p:cNvPr id="38" name="TextBox 37">
-            <a:extLst>
-              <a:ext uri="{FF2B5EF4-FFF2-40B4-BE49-F238E27FC236}">
-                <a16:creationId xmlns:a16="http://schemas.microsoft.com/office/drawing/2014/main" id="{9C33360F-980E-2447-9455-018C26C85EDE}"/>
-              </a:ext>
-            </a:extLst>
-          </p:cNvPr>
+            <a:endParaRPr kumimoji="1" lang="ko-Kore-KR" altLang="en-US" sz="1400">
+              <a:latin typeface="Arial"/>
+            </a:endParaRPr>
+          </a:p>
+        </p:txBody>
+      </p:sp>
+      <p:sp>
+        <p:nvSpPr>
+          <p:cNvPr id="38" name="TextBox 37"/>
           <p:cNvSpPr txBox="1"/>
           <p:nvPr/>
         </p:nvSpPr>
@@ -15671,40 +15584,36 @@
           <a:noFill/>
         </p:spPr>
         <p:txBody>
-          <a:bodyPr wrap="square" rtlCol="0">
+          <a:bodyPr wrap="square">
             <a:spAutoFit/>
           </a:bodyPr>
           <a:lstStyle/>
           <a:p>
-            <a:r>
-              <a:rPr kumimoji="1" lang="en-US" altLang="ko-Kore-KR" sz="1400" dirty="0">
-                <a:solidFill>
-                  <a:srgbClr val="FF0000"/>
-                </a:solidFill>
-                <a:latin typeface="Helvetica" pitchFamily="2" charset="0"/>
+            <a:pPr lvl="0">
+              <a:defRPr/>
+            </a:pPr>
+            <a:r>
+              <a:rPr kumimoji="1" lang="en-US" altLang="ko-Kore-KR" sz="1400">
+                <a:solidFill>
+                  <a:srgbClr val="ff0000"/>
+                </a:solidFill>
+                <a:latin typeface="Arial"/>
               </a:rPr>
               <a:t>PRI =12</a:t>
             </a:r>
-            <a:endParaRPr kumimoji="1" lang="ko-Kore-KR" altLang="en-US" sz="1400" dirty="0">
-              <a:solidFill>
-                <a:srgbClr val="FF0000"/>
-              </a:solidFill>
-              <a:latin typeface="Helvetica" pitchFamily="2" charset="0"/>
+            <a:endParaRPr kumimoji="1" lang="ko-Kore-KR" altLang="en-US" sz="1400">
+              <a:solidFill>
+                <a:srgbClr val="ff0000"/>
+              </a:solidFill>
+              <a:latin typeface="Arial"/>
             </a:endParaRPr>
           </a:p>
         </p:txBody>
       </p:sp>
       <p:cxnSp>
         <p:nvCxnSpPr>
-          <p:cNvPr id="42" name="직선 화살표 연결선 41">
-            <a:extLst>
-              <a:ext uri="{FF2B5EF4-FFF2-40B4-BE49-F238E27FC236}">
-                <a16:creationId xmlns:a16="http://schemas.microsoft.com/office/drawing/2014/main" id="{8CB05375-B8C2-0241-9FFE-E8029DEE2DC4}"/>
-              </a:ext>
-            </a:extLst>
-          </p:cNvPr>
+          <p:cNvPr id="42" name="직선 화살표 연결선 41"/>
           <p:cNvCxnSpPr>
-            <a:cxnSpLocks/>
             <a:endCxn id="31" idx="1"/>
           </p:cNvCxnSpPr>
           <p:nvPr/>
@@ -15741,16 +15650,8 @@
       </p:cxnSp>
       <p:cxnSp>
         <p:nvCxnSpPr>
-          <p:cNvPr id="44" name="직선 화살표 연결선 43">
-            <a:extLst>
-              <a:ext uri="{FF2B5EF4-FFF2-40B4-BE49-F238E27FC236}">
-                <a16:creationId xmlns:a16="http://schemas.microsoft.com/office/drawing/2014/main" id="{A109532D-E369-1441-9785-1B471C5B2955}"/>
-              </a:ext>
-            </a:extLst>
-          </p:cNvPr>
-          <p:cNvCxnSpPr>
-            <a:cxnSpLocks/>
-          </p:cNvCxnSpPr>
+          <p:cNvPr id="44" name="직선 화살표 연결선 43"/>
+          <p:cNvCxnSpPr/>
           <p:nvPr/>
         </p:nvCxnSpPr>
         <p:spPr>
@@ -15785,16 +15686,8 @@
       </p:cxnSp>
       <p:cxnSp>
         <p:nvCxnSpPr>
-          <p:cNvPr id="45" name="직선 화살표 연결선 44">
-            <a:extLst>
-              <a:ext uri="{FF2B5EF4-FFF2-40B4-BE49-F238E27FC236}">
-                <a16:creationId xmlns:a16="http://schemas.microsoft.com/office/drawing/2014/main" id="{6846F6AB-CA8B-224C-AAB1-37413D3923B9}"/>
-              </a:ext>
-            </a:extLst>
-          </p:cNvPr>
-          <p:cNvCxnSpPr>
-            <a:cxnSpLocks/>
-          </p:cNvCxnSpPr>
+          <p:cNvPr id="45" name="직선 화살표 연결선 44"/>
+          <p:cNvCxnSpPr/>
           <p:nvPr/>
         </p:nvCxnSpPr>
         <p:spPr>
@@ -15829,16 +15722,8 @@
       </p:cxnSp>
       <p:cxnSp>
         <p:nvCxnSpPr>
-          <p:cNvPr id="48" name="직선 화살표 연결선 47">
-            <a:extLst>
-              <a:ext uri="{FF2B5EF4-FFF2-40B4-BE49-F238E27FC236}">
-                <a16:creationId xmlns:a16="http://schemas.microsoft.com/office/drawing/2014/main" id="{9E29D667-5572-E245-92D0-A00FD89DDE60}"/>
-              </a:ext>
-            </a:extLst>
-          </p:cNvPr>
-          <p:cNvCxnSpPr>
-            <a:cxnSpLocks/>
-          </p:cNvCxnSpPr>
+          <p:cNvPr id="48" name="직선 화살표 연결선 47"/>
+          <p:cNvCxnSpPr/>
           <p:nvPr/>
         </p:nvCxnSpPr>
         <p:spPr>
@@ -15873,16 +15758,8 @@
       </p:cxnSp>
       <p:cxnSp>
         <p:nvCxnSpPr>
-          <p:cNvPr id="49" name="직선 화살표 연결선 48">
-            <a:extLst>
-              <a:ext uri="{FF2B5EF4-FFF2-40B4-BE49-F238E27FC236}">
-                <a16:creationId xmlns:a16="http://schemas.microsoft.com/office/drawing/2014/main" id="{DF08142A-D2DC-594F-8D30-898378955B9A}"/>
-              </a:ext>
-            </a:extLst>
-          </p:cNvPr>
-          <p:cNvCxnSpPr>
-            <a:cxnSpLocks/>
-          </p:cNvCxnSpPr>
+          <p:cNvPr id="49" name="직선 화살표 연결선 48"/>
+          <p:cNvCxnSpPr/>
           <p:nvPr/>
         </p:nvCxnSpPr>
         <p:spPr>
@@ -15917,16 +15794,8 @@
       </p:cxnSp>
       <p:cxnSp>
         <p:nvCxnSpPr>
-          <p:cNvPr id="50" name="직선 화살표 연결선 49">
-            <a:extLst>
-              <a:ext uri="{FF2B5EF4-FFF2-40B4-BE49-F238E27FC236}">
-                <a16:creationId xmlns:a16="http://schemas.microsoft.com/office/drawing/2014/main" id="{F0021B7A-BB8F-5E43-902B-9FC7B5602D31}"/>
-              </a:ext>
-            </a:extLst>
-          </p:cNvPr>
-          <p:cNvCxnSpPr>
-            <a:cxnSpLocks/>
-          </p:cNvCxnSpPr>
+          <p:cNvPr id="50" name="직선 화살표 연결선 49"/>
+          <p:cNvCxnSpPr/>
           <p:nvPr/>
         </p:nvCxnSpPr>
         <p:spPr>
@@ -15961,13 +15830,7 @@
       </p:cxnSp>
       <p:sp>
         <p:nvSpPr>
-          <p:cNvPr id="51" name="모서리가 둥근 직사각형 50">
-            <a:extLst>
-              <a:ext uri="{FF2B5EF4-FFF2-40B4-BE49-F238E27FC236}">
-                <a16:creationId xmlns:a16="http://schemas.microsoft.com/office/drawing/2014/main" id="{99347355-6432-5743-8D98-EB5D454826B5}"/>
-              </a:ext>
-            </a:extLst>
-          </p:cNvPr>
+          <p:cNvPr id="51" name="모서리가 둥근 직사각형 50"/>
           <p:cNvSpPr/>
           <p:nvPr/>
         </p:nvSpPr>
@@ -16005,30 +15868,26 @@
           </a:fontRef>
         </p:style>
         <p:txBody>
-          <a:bodyPr lIns="252000" rtlCol="0" anchor="ctr"/>
-          <a:lstStyle/>
-          <a:p>
-            <a:pPr algn="ctr"/>
-            <a:endParaRPr kumimoji="1" lang="ko-Kore-KR" altLang="en-US" sz="1600" dirty="0">
-              <a:solidFill>
-                <a:srgbClr val="00B050"/>
-              </a:solidFill>
-              <a:latin typeface="Courier New" pitchFamily="49" charset="0"/>
-              <a:ea typeface="맑은 고딕" pitchFamily="50" charset="-127"/>
-              <a:cs typeface="Courier New" pitchFamily="49" charset="0"/>
-            </a:endParaRPr>
-          </a:p>
-        </p:txBody>
-      </p:sp>
-      <p:sp>
-        <p:nvSpPr>
-          <p:cNvPr id="52" name="TextBox 51">
-            <a:extLst>
-              <a:ext uri="{FF2B5EF4-FFF2-40B4-BE49-F238E27FC236}">
-                <a16:creationId xmlns:a16="http://schemas.microsoft.com/office/drawing/2014/main" id="{C9490A2C-8CE4-F34A-94BE-5D7215869EF4}"/>
-              </a:ext>
-            </a:extLst>
-          </p:cNvPr>
+          <a:bodyPr lIns="252000" anchor="ctr"/>
+          <a:lstStyle/>
+          <a:p>
+            <a:pPr lvl="0" algn="ctr">
+              <a:defRPr/>
+            </a:pPr>
+            <a:endParaRPr kumimoji="1" lang="ko-Kore-KR" altLang="en-US" sz="1600">
+              <a:solidFill>
+                <a:srgbClr val="00b050"/>
+              </a:solidFill>
+              <a:latin typeface="Courier New"/>
+              <a:ea typeface="맑은 고딕"/>
+              <a:cs typeface="Courier New"/>
+            </a:endParaRPr>
+          </a:p>
+        </p:txBody>
+      </p:sp>
+      <p:sp>
+        <p:nvSpPr>
+          <p:cNvPr id="52" name="TextBox 51"/>
           <p:cNvSpPr txBox="1"/>
           <p:nvPr/>
         </p:nvSpPr>
@@ -16043,32 +15902,29 @@
           <a:noFill/>
         </p:spPr>
         <p:txBody>
-          <a:bodyPr wrap="square" rtlCol="0">
+          <a:bodyPr wrap="square">
             <a:spAutoFit/>
           </a:bodyPr>
           <a:lstStyle/>
           <a:p>
-            <a:r>
-              <a:rPr kumimoji="1" lang="en-US" altLang="ko-Kore-KR" sz="1400" dirty="0">
-                <a:latin typeface="Helvetica" pitchFamily="2" charset="0"/>
+            <a:pPr lvl="0">
+              <a:defRPr/>
+            </a:pPr>
+            <a:r>
+              <a:rPr kumimoji="1" lang="en-US" altLang="ko-Kore-KR" sz="1400">
+                <a:latin typeface="Arial"/>
               </a:rPr>
               <a:t>T2</a:t>
             </a:r>
-            <a:endParaRPr kumimoji="1" lang="ko-Kore-KR" altLang="en-US" sz="1400" dirty="0">
-              <a:latin typeface="Helvetica" pitchFamily="2" charset="0"/>
-            </a:endParaRPr>
-          </a:p>
-        </p:txBody>
-      </p:sp>
-      <p:sp>
-        <p:nvSpPr>
-          <p:cNvPr id="53" name="모서리가 둥근 직사각형 52">
-            <a:extLst>
-              <a:ext uri="{FF2B5EF4-FFF2-40B4-BE49-F238E27FC236}">
-                <a16:creationId xmlns:a16="http://schemas.microsoft.com/office/drawing/2014/main" id="{4D4FC72B-6AB8-9A4F-A89E-00C23D380987}"/>
-              </a:ext>
-            </a:extLst>
-          </p:cNvPr>
+            <a:endParaRPr kumimoji="1" lang="ko-Kore-KR" altLang="en-US" sz="1400">
+              <a:latin typeface="Arial"/>
+            </a:endParaRPr>
+          </a:p>
+        </p:txBody>
+      </p:sp>
+      <p:sp>
+        <p:nvSpPr>
+          <p:cNvPr id="53" name="모서리가 둥근 직사각형 52"/>
           <p:cNvSpPr/>
           <p:nvPr/>
         </p:nvSpPr>
@@ -16106,30 +15962,26 @@
           </a:fontRef>
         </p:style>
         <p:txBody>
-          <a:bodyPr lIns="252000" rtlCol="0" anchor="ctr"/>
-          <a:lstStyle/>
-          <a:p>
-            <a:pPr algn="ctr"/>
-            <a:endParaRPr kumimoji="1" lang="ko-Kore-KR" altLang="en-US" sz="1600" dirty="0">
-              <a:solidFill>
-                <a:srgbClr val="00B050"/>
-              </a:solidFill>
-              <a:latin typeface="Courier New" pitchFamily="49" charset="0"/>
-              <a:ea typeface="맑은 고딕" pitchFamily="50" charset="-127"/>
-              <a:cs typeface="Courier New" pitchFamily="49" charset="0"/>
-            </a:endParaRPr>
-          </a:p>
-        </p:txBody>
-      </p:sp>
-      <p:sp>
-        <p:nvSpPr>
-          <p:cNvPr id="54" name="TextBox 53">
-            <a:extLst>
-              <a:ext uri="{FF2B5EF4-FFF2-40B4-BE49-F238E27FC236}">
-                <a16:creationId xmlns:a16="http://schemas.microsoft.com/office/drawing/2014/main" id="{C4584E37-8A97-6845-9DD1-2A08C2E13C05}"/>
-              </a:ext>
-            </a:extLst>
-          </p:cNvPr>
+          <a:bodyPr lIns="252000" anchor="ctr"/>
+          <a:lstStyle/>
+          <a:p>
+            <a:pPr lvl="0" algn="ctr">
+              <a:defRPr/>
+            </a:pPr>
+            <a:endParaRPr kumimoji="1" lang="ko-Kore-KR" altLang="en-US" sz="1600">
+              <a:solidFill>
+                <a:srgbClr val="00b050"/>
+              </a:solidFill>
+              <a:latin typeface="Courier New"/>
+              <a:ea typeface="맑은 고딕"/>
+              <a:cs typeface="Courier New"/>
+            </a:endParaRPr>
+          </a:p>
+        </p:txBody>
+      </p:sp>
+      <p:sp>
+        <p:nvSpPr>
+          <p:cNvPr id="54" name="TextBox 53"/>
           <p:cNvSpPr txBox="1"/>
           <p:nvPr/>
         </p:nvSpPr>
@@ -16144,32 +15996,29 @@
           <a:noFill/>
         </p:spPr>
         <p:txBody>
-          <a:bodyPr wrap="square" rtlCol="0">
+          <a:bodyPr wrap="square">
             <a:spAutoFit/>
           </a:bodyPr>
           <a:lstStyle/>
           <a:p>
-            <a:r>
-              <a:rPr kumimoji="1" lang="en-US" altLang="ko-Kore-KR" sz="1400" dirty="0">
-                <a:latin typeface="Helvetica" pitchFamily="2" charset="0"/>
+            <a:pPr lvl="0">
+              <a:defRPr/>
+            </a:pPr>
+            <a:r>
+              <a:rPr kumimoji="1" lang="en-US" altLang="ko-Kore-KR" sz="1400">
+                <a:latin typeface="Arial"/>
               </a:rPr>
               <a:t>T3</a:t>
             </a:r>
-            <a:endParaRPr kumimoji="1" lang="ko-Kore-KR" altLang="en-US" sz="1400" dirty="0">
-              <a:latin typeface="Helvetica" pitchFamily="2" charset="0"/>
-            </a:endParaRPr>
-          </a:p>
-        </p:txBody>
-      </p:sp>
-      <p:sp>
-        <p:nvSpPr>
-          <p:cNvPr id="55" name="모서리가 둥근 직사각형 54">
-            <a:extLst>
-              <a:ext uri="{FF2B5EF4-FFF2-40B4-BE49-F238E27FC236}">
-                <a16:creationId xmlns:a16="http://schemas.microsoft.com/office/drawing/2014/main" id="{A5437028-0A2E-D14D-AEEC-45C2ED54997B}"/>
-              </a:ext>
-            </a:extLst>
-          </p:cNvPr>
+            <a:endParaRPr kumimoji="1" lang="ko-Kore-KR" altLang="en-US" sz="1400">
+              <a:latin typeface="Arial"/>
+            </a:endParaRPr>
+          </a:p>
+        </p:txBody>
+      </p:sp>
+      <p:sp>
+        <p:nvSpPr>
+          <p:cNvPr id="55" name="모서리가 둥근 직사각형 54"/>
           <p:cNvSpPr/>
           <p:nvPr/>
         </p:nvSpPr>
@@ -16207,30 +16056,26 @@
           </a:fontRef>
         </p:style>
         <p:txBody>
-          <a:bodyPr lIns="252000" rtlCol="0" anchor="ctr"/>
-          <a:lstStyle/>
-          <a:p>
-            <a:pPr algn="ctr"/>
-            <a:endParaRPr kumimoji="1" lang="ko-Kore-KR" altLang="en-US" sz="1600" dirty="0">
-              <a:solidFill>
-                <a:srgbClr val="00B050"/>
-              </a:solidFill>
-              <a:latin typeface="Courier New" pitchFamily="49" charset="0"/>
-              <a:ea typeface="맑은 고딕" pitchFamily="50" charset="-127"/>
-              <a:cs typeface="Courier New" pitchFamily="49" charset="0"/>
-            </a:endParaRPr>
-          </a:p>
-        </p:txBody>
-      </p:sp>
-      <p:sp>
-        <p:nvSpPr>
-          <p:cNvPr id="56" name="TextBox 55">
-            <a:extLst>
-              <a:ext uri="{FF2B5EF4-FFF2-40B4-BE49-F238E27FC236}">
-                <a16:creationId xmlns:a16="http://schemas.microsoft.com/office/drawing/2014/main" id="{13DE9BB5-AD5C-7846-8BB0-AF0567848781}"/>
-              </a:ext>
-            </a:extLst>
-          </p:cNvPr>
+          <a:bodyPr lIns="252000" anchor="ctr"/>
+          <a:lstStyle/>
+          <a:p>
+            <a:pPr lvl="0" algn="ctr">
+              <a:defRPr/>
+            </a:pPr>
+            <a:endParaRPr kumimoji="1" lang="ko-Kore-KR" altLang="en-US" sz="1600">
+              <a:solidFill>
+                <a:srgbClr val="00b050"/>
+              </a:solidFill>
+              <a:latin typeface="Courier New"/>
+              <a:ea typeface="맑은 고딕"/>
+              <a:cs typeface="Courier New"/>
+            </a:endParaRPr>
+          </a:p>
+        </p:txBody>
+      </p:sp>
+      <p:sp>
+        <p:nvSpPr>
+          <p:cNvPr id="56" name="TextBox 55"/>
           <p:cNvSpPr txBox="1"/>
           <p:nvPr/>
         </p:nvSpPr>
@@ -16245,32 +16090,29 @@
           <a:noFill/>
         </p:spPr>
         <p:txBody>
-          <a:bodyPr wrap="square" rtlCol="0">
+          <a:bodyPr wrap="square">
             <a:spAutoFit/>
           </a:bodyPr>
           <a:lstStyle/>
           <a:p>
-            <a:r>
-              <a:rPr kumimoji="1" lang="en-US" altLang="ko-Kore-KR" sz="1400" dirty="0">
-                <a:latin typeface="Helvetica" pitchFamily="2" charset="0"/>
+            <a:pPr lvl="0">
+              <a:defRPr/>
+            </a:pPr>
+            <a:r>
+              <a:rPr kumimoji="1" lang="en-US" altLang="ko-Kore-KR" sz="1400">
+                <a:latin typeface="Arial"/>
               </a:rPr>
               <a:t>T4</a:t>
             </a:r>
-            <a:endParaRPr kumimoji="1" lang="ko-Kore-KR" altLang="en-US" sz="1400" dirty="0">
-              <a:latin typeface="Helvetica" pitchFamily="2" charset="0"/>
-            </a:endParaRPr>
-          </a:p>
-        </p:txBody>
-      </p:sp>
-      <p:sp>
-        <p:nvSpPr>
-          <p:cNvPr id="57" name="TextBox 56">
-            <a:extLst>
-              <a:ext uri="{FF2B5EF4-FFF2-40B4-BE49-F238E27FC236}">
-                <a16:creationId xmlns:a16="http://schemas.microsoft.com/office/drawing/2014/main" id="{E81A69C0-A6A2-3F44-9E49-D870AD2DA82D}"/>
-              </a:ext>
-            </a:extLst>
-          </p:cNvPr>
+            <a:endParaRPr kumimoji="1" lang="ko-Kore-KR" altLang="en-US" sz="1400">
+              <a:latin typeface="Arial"/>
+            </a:endParaRPr>
+          </a:p>
+        </p:txBody>
+      </p:sp>
+      <p:sp>
+        <p:nvSpPr>
+          <p:cNvPr id="57" name="TextBox 56"/>
           <p:cNvSpPr txBox="1"/>
           <p:nvPr/>
         </p:nvSpPr>
@@ -16285,32 +16127,29 @@
           <a:noFill/>
         </p:spPr>
         <p:txBody>
-          <a:bodyPr wrap="square" rtlCol="0">
+          <a:bodyPr wrap="square">
             <a:spAutoFit/>
           </a:bodyPr>
           <a:lstStyle/>
           <a:p>
-            <a:r>
-              <a:rPr kumimoji="1" lang="en-US" altLang="ko-Kore-KR" sz="1400" dirty="0">
-                <a:latin typeface="Helvetica" pitchFamily="2" charset="0"/>
+            <a:pPr lvl="0">
+              <a:defRPr/>
+            </a:pPr>
+            <a:r>
+              <a:rPr kumimoji="1" lang="en-US" altLang="ko-Kore-KR" sz="1400">
+                <a:latin typeface="Arial"/>
               </a:rPr>
               <a:t>PRI =9</a:t>
             </a:r>
-            <a:endParaRPr kumimoji="1" lang="ko-Kore-KR" altLang="en-US" sz="1400" dirty="0">
-              <a:latin typeface="Helvetica" pitchFamily="2" charset="0"/>
-            </a:endParaRPr>
-          </a:p>
-        </p:txBody>
-      </p:sp>
-      <p:sp>
-        <p:nvSpPr>
-          <p:cNvPr id="58" name="TextBox 57">
-            <a:extLst>
-              <a:ext uri="{FF2B5EF4-FFF2-40B4-BE49-F238E27FC236}">
-                <a16:creationId xmlns:a16="http://schemas.microsoft.com/office/drawing/2014/main" id="{B29AD1E4-344C-E747-BD15-BAC5385AE55C}"/>
-              </a:ext>
-            </a:extLst>
-          </p:cNvPr>
+            <a:endParaRPr kumimoji="1" lang="ko-Kore-KR" altLang="en-US" sz="1400">
+              <a:latin typeface="Arial"/>
+            </a:endParaRPr>
+          </a:p>
+        </p:txBody>
+      </p:sp>
+      <p:sp>
+        <p:nvSpPr>
+          <p:cNvPr id="58" name="TextBox 57"/>
           <p:cNvSpPr txBox="1"/>
           <p:nvPr/>
         </p:nvSpPr>
@@ -16325,38 +16164,35 @@
           <a:noFill/>
         </p:spPr>
         <p:txBody>
-          <a:bodyPr wrap="square" rtlCol="0">
+          <a:bodyPr wrap="square">
             <a:spAutoFit/>
           </a:bodyPr>
           <a:lstStyle/>
           <a:p>
-            <a:r>
-              <a:rPr kumimoji="1" lang="en-US" altLang="ko-Kore-KR" sz="1400" dirty="0">
-                <a:solidFill>
-                  <a:srgbClr val="FF0000"/>
-                </a:solidFill>
-                <a:latin typeface="Helvetica" pitchFamily="2" charset="0"/>
+            <a:pPr lvl="0">
+              <a:defRPr/>
+            </a:pPr>
+            <a:r>
+              <a:rPr kumimoji="1" lang="en-US" altLang="ko-Kore-KR" sz="1400">
+                <a:solidFill>
+                  <a:srgbClr val="ff0000"/>
+                </a:solidFill>
+                <a:latin typeface="Arial"/>
               </a:rPr>
               <a:t>PRI =12</a:t>
             </a:r>
-            <a:endParaRPr kumimoji="1" lang="ko-Kore-KR" altLang="en-US" sz="1400" dirty="0">
-              <a:solidFill>
-                <a:srgbClr val="FF0000"/>
-              </a:solidFill>
-              <a:latin typeface="Helvetica" pitchFamily="2" charset="0"/>
-            </a:endParaRPr>
-          </a:p>
-        </p:txBody>
-      </p:sp>
-      <p:sp>
-        <p:nvSpPr>
-          <p:cNvPr id="59" name="TextBox 58">
-            <a:extLst>
-              <a:ext uri="{FF2B5EF4-FFF2-40B4-BE49-F238E27FC236}">
-                <a16:creationId xmlns:a16="http://schemas.microsoft.com/office/drawing/2014/main" id="{47751312-CDE6-A349-9A98-8462593A7166}"/>
-              </a:ext>
-            </a:extLst>
-          </p:cNvPr>
+            <a:endParaRPr kumimoji="1" lang="ko-Kore-KR" altLang="en-US" sz="1400">
+              <a:solidFill>
+                <a:srgbClr val="ff0000"/>
+              </a:solidFill>
+              <a:latin typeface="Arial"/>
+            </a:endParaRPr>
+          </a:p>
+        </p:txBody>
+      </p:sp>
+      <p:sp>
+        <p:nvSpPr>
+          <p:cNvPr id="59" name="TextBox 58"/>
           <p:cNvSpPr txBox="1"/>
           <p:nvPr/>
         </p:nvSpPr>
@@ -16371,34 +16207,30 @@
           <a:noFill/>
         </p:spPr>
         <p:txBody>
-          <a:bodyPr wrap="square" rtlCol="0">
+          <a:bodyPr wrap="square">
             <a:spAutoFit/>
           </a:bodyPr>
           <a:lstStyle/>
           <a:p>
-            <a:r>
-              <a:rPr kumimoji="1" lang="en-US" altLang="ko-Kore-KR" sz="1400" dirty="0">
-                <a:latin typeface="Helvetica" pitchFamily="2" charset="0"/>
+            <a:pPr lvl="0">
+              <a:defRPr/>
+            </a:pPr>
+            <a:r>
+              <a:rPr kumimoji="1" lang="en-US" altLang="ko-Kore-KR" sz="1400">
+                <a:latin typeface="Arial"/>
               </a:rPr>
               <a:t>PRI =8</a:t>
             </a:r>
-            <a:endParaRPr kumimoji="1" lang="ko-Kore-KR" altLang="en-US" sz="1400" dirty="0">
-              <a:latin typeface="Helvetica" pitchFamily="2" charset="0"/>
+            <a:endParaRPr kumimoji="1" lang="ko-Kore-KR" altLang="en-US" sz="1400">
+              <a:latin typeface="Arial"/>
             </a:endParaRPr>
           </a:p>
         </p:txBody>
       </p:sp>
       <p:cxnSp>
         <p:nvCxnSpPr>
-          <p:cNvPr id="60" name="직선 화살표 연결선 59">
-            <a:extLst>
-              <a:ext uri="{FF2B5EF4-FFF2-40B4-BE49-F238E27FC236}">
-                <a16:creationId xmlns:a16="http://schemas.microsoft.com/office/drawing/2014/main" id="{27393FEC-C1A1-2B4A-AAE8-DADC609CB810}"/>
-              </a:ext>
-            </a:extLst>
-          </p:cNvPr>
+          <p:cNvPr id="60" name="직선 화살표 연결선 59"/>
           <p:cNvCxnSpPr>
-            <a:cxnSpLocks/>
             <a:endCxn id="53" idx="1"/>
           </p:cNvCxnSpPr>
           <p:nvPr/>
@@ -16435,16 +16267,8 @@
       </p:cxnSp>
       <p:cxnSp>
         <p:nvCxnSpPr>
-          <p:cNvPr id="61" name="직선 화살표 연결선 60">
-            <a:extLst>
-              <a:ext uri="{FF2B5EF4-FFF2-40B4-BE49-F238E27FC236}">
-                <a16:creationId xmlns:a16="http://schemas.microsoft.com/office/drawing/2014/main" id="{955BB946-0B91-FC4D-9F8B-FCF4641CA798}"/>
-              </a:ext>
-            </a:extLst>
-          </p:cNvPr>
-          <p:cNvCxnSpPr>
-            <a:cxnSpLocks/>
-          </p:cNvCxnSpPr>
+          <p:cNvPr id="61" name="직선 화살표 연결선 60"/>
+          <p:cNvCxnSpPr/>
           <p:nvPr/>
         </p:nvCxnSpPr>
         <p:spPr>
@@ -16479,16 +16303,8 @@
       </p:cxnSp>
       <p:cxnSp>
         <p:nvCxnSpPr>
-          <p:cNvPr id="62" name="직선 화살표 연결선 61">
-            <a:extLst>
-              <a:ext uri="{FF2B5EF4-FFF2-40B4-BE49-F238E27FC236}">
-                <a16:creationId xmlns:a16="http://schemas.microsoft.com/office/drawing/2014/main" id="{0854FA58-D40F-E245-878C-9BB41775C3F5}"/>
-              </a:ext>
-            </a:extLst>
-          </p:cNvPr>
-          <p:cNvCxnSpPr>
-            <a:cxnSpLocks/>
-          </p:cNvCxnSpPr>
+          <p:cNvPr id="62" name="직선 화살표 연결선 61"/>
+          <p:cNvCxnSpPr/>
           <p:nvPr/>
         </p:nvCxnSpPr>
         <p:spPr>
@@ -16523,16 +16339,8 @@
       </p:cxnSp>
       <p:cxnSp>
         <p:nvCxnSpPr>
-          <p:cNvPr id="63" name="직선 화살표 연결선 62">
-            <a:extLst>
-              <a:ext uri="{FF2B5EF4-FFF2-40B4-BE49-F238E27FC236}">
-                <a16:creationId xmlns:a16="http://schemas.microsoft.com/office/drawing/2014/main" id="{F608E0CD-0309-F94A-83DF-3EE9573C5C4E}"/>
-              </a:ext>
-            </a:extLst>
-          </p:cNvPr>
-          <p:cNvCxnSpPr>
-            <a:cxnSpLocks/>
-          </p:cNvCxnSpPr>
+          <p:cNvPr id="63" name="직선 화살표 연결선 62"/>
+          <p:cNvCxnSpPr/>
           <p:nvPr/>
         </p:nvCxnSpPr>
         <p:spPr>
@@ -16567,16 +16375,8 @@
       </p:cxnSp>
       <p:cxnSp>
         <p:nvCxnSpPr>
-          <p:cNvPr id="64" name="직선 화살표 연결선 63">
-            <a:extLst>
-              <a:ext uri="{FF2B5EF4-FFF2-40B4-BE49-F238E27FC236}">
-                <a16:creationId xmlns:a16="http://schemas.microsoft.com/office/drawing/2014/main" id="{06FA1A69-65AD-3E45-9484-5BA9BF3863D8}"/>
-              </a:ext>
-            </a:extLst>
-          </p:cNvPr>
-          <p:cNvCxnSpPr>
-            <a:cxnSpLocks/>
-          </p:cNvCxnSpPr>
+          <p:cNvPr id="64" name="직선 화살표 연결선 63"/>
+          <p:cNvCxnSpPr/>
           <p:nvPr/>
         </p:nvCxnSpPr>
         <p:spPr>
@@ -16611,16 +16411,8 @@
       </p:cxnSp>
       <p:cxnSp>
         <p:nvCxnSpPr>
-          <p:cNvPr id="65" name="직선 화살표 연결선 64">
-            <a:extLst>
-              <a:ext uri="{FF2B5EF4-FFF2-40B4-BE49-F238E27FC236}">
-                <a16:creationId xmlns:a16="http://schemas.microsoft.com/office/drawing/2014/main" id="{1EE7A3E7-FA05-E34D-939B-0809AD712096}"/>
-              </a:ext>
-            </a:extLst>
-          </p:cNvPr>
-          <p:cNvCxnSpPr>
-            <a:cxnSpLocks/>
-          </p:cNvCxnSpPr>
+          <p:cNvPr id="65" name="직선 화살표 연결선 64"/>
+          <p:cNvCxnSpPr/>
           <p:nvPr/>
         </p:nvCxnSpPr>
         <p:spPr>
@@ -16655,13 +16447,7 @@
       </p:cxnSp>
       <p:sp>
         <p:nvSpPr>
-          <p:cNvPr id="69" name="아래쪽 화살표[D] 68">
-            <a:extLst>
-              <a:ext uri="{FF2B5EF4-FFF2-40B4-BE49-F238E27FC236}">
-                <a16:creationId xmlns:a16="http://schemas.microsoft.com/office/drawing/2014/main" id="{1A3327F9-A30F-0D49-9D59-AEF437A39511}"/>
-              </a:ext>
-            </a:extLst>
-          </p:cNvPr>
+          <p:cNvPr id="69" name="아래쪽 화살표[D] 68"/>
           <p:cNvSpPr/>
           <p:nvPr/>
         </p:nvSpPr>
@@ -16671,7 +16457,10 @@
             <a:ext cx="336084" cy="432048"/>
           </a:xfrm>
           <a:prstGeom prst="downArrow">
-            <a:avLst/>
+            <a:avLst>
+              <a:gd name="adj1" fmla="val 50000"/>
+              <a:gd name="adj2" fmla="val 50000"/>
+            </a:avLst>
           </a:prstGeom>
           <a:solidFill>
             <a:schemeClr val="bg1"/>
@@ -16697,30 +16486,26 @@
           </a:fontRef>
         </p:style>
         <p:txBody>
-          <a:bodyPr lIns="252000" rtlCol="0" anchor="ctr"/>
-          <a:lstStyle/>
-          <a:p>
-            <a:pPr algn="ctr"/>
-            <a:endParaRPr kumimoji="1" lang="ko-Kore-KR" altLang="en-US" sz="1600" dirty="0">
-              <a:solidFill>
-                <a:srgbClr val="00B050"/>
-              </a:solidFill>
-              <a:latin typeface="Courier New" pitchFamily="49" charset="0"/>
-              <a:ea typeface="맑은 고딕" pitchFamily="50" charset="-127"/>
-              <a:cs typeface="Courier New" pitchFamily="49" charset="0"/>
-            </a:endParaRPr>
-          </a:p>
-        </p:txBody>
-      </p:sp>
-      <p:sp>
-        <p:nvSpPr>
-          <p:cNvPr id="70" name="TextBox 69">
-            <a:extLst>
-              <a:ext uri="{FF2B5EF4-FFF2-40B4-BE49-F238E27FC236}">
-                <a16:creationId xmlns:a16="http://schemas.microsoft.com/office/drawing/2014/main" id="{9850F8A0-0C93-B143-95B5-8C8E0045BBCD}"/>
-              </a:ext>
-            </a:extLst>
-          </p:cNvPr>
+          <a:bodyPr lIns="252000" anchor="ctr"/>
+          <a:lstStyle/>
+          <a:p>
+            <a:pPr lvl="0" algn="ctr">
+              <a:defRPr/>
+            </a:pPr>
+            <a:endParaRPr kumimoji="1" lang="ko-Kore-KR" altLang="en-US" sz="1600">
+              <a:solidFill>
+                <a:srgbClr val="00b050"/>
+              </a:solidFill>
+              <a:latin typeface="Courier New"/>
+              <a:ea typeface="맑은 고딕"/>
+              <a:cs typeface="Courier New"/>
+            </a:endParaRPr>
+          </a:p>
+        </p:txBody>
+      </p:sp>
+      <p:sp>
+        <p:nvSpPr>
+          <p:cNvPr id="70" name="TextBox 69"/>
           <p:cNvSpPr txBox="1"/>
           <p:nvPr/>
         </p:nvSpPr>
@@ -16735,41 +16520,48 @@
           <a:noFill/>
         </p:spPr>
         <p:txBody>
-          <a:bodyPr wrap="none" rtlCol="0">
+          <a:bodyPr wrap="none">
             <a:spAutoFit/>
           </a:bodyPr>
           <a:lstStyle/>
           <a:p>
-            <a:r>
-              <a:rPr kumimoji="1" lang="en-US" altLang="ko-Kore-KR" dirty="0">
-                <a:latin typeface="Helvetica" pitchFamily="2" charset="0"/>
+            <a:pPr lvl="0">
+              <a:defRPr/>
+            </a:pPr>
+            <a:r>
+              <a:rPr kumimoji="1" lang="en-US" altLang="ko-Kore-KR">
+                <a:latin typeface="Arial"/>
               </a:rPr>
               <a:t>Priority donation</a:t>
             </a:r>
-            <a:endParaRPr kumimoji="1" lang="ko-Kore-KR" altLang="en-US" dirty="0">
-              <a:latin typeface="Helvetica" pitchFamily="2" charset="0"/>
+            <a:endParaRPr kumimoji="1" lang="ko-Kore-KR" altLang="en-US">
+              <a:latin typeface="Arial"/>
             </a:endParaRPr>
           </a:p>
         </p:txBody>
       </p:sp>
     </p:spTree>
-    <p:extLst>
-      <p:ext uri="{BB962C8B-B14F-4D97-AF65-F5344CB8AC3E}">
-        <p14:creationId xmlns:p14="http://schemas.microsoft.com/office/powerpoint/2010/main" val="402258117"/>
-      </p:ext>
-    </p:extLst>
   </p:cSld>
   <p:clrMapOvr>
     <a:masterClrMapping/>
   </p:clrMapOvr>
-  <p:transition>
-    <p:zoom/>
-  </p:transition>
+  <mc:AlternateContent xmlns:mc="http://schemas.openxmlformats.org/markup-compatibility/2006">
+    <mc:Choice xmlns:p14="http://schemas.microsoft.com/office/powerpoint/2010/main" Requires="p14">
+      <p:transition xmlns:mc="http://schemas.openxmlformats.org/markup-compatibility/2006" xmlns:p14="http://schemas.microsoft.com/office/powerpoint/2010/main" mc:Ignorable="p14" p14:dur="500">
+        <p:zoom/>
+      </p:transition>
+    </mc:Choice>
+    <mc:Fallback>
+      <p:transition xmlns:mc="http://schemas.openxmlformats.org/markup-compatibility/2006" xmlns:hp="http://schemas.haansoft.com/office/presentation/8.0" mc:Ignorable="hp" hp:hslDur="500">
+        <p:fade/>
+      </p:transition>
+    </mc:Fallback>
+  </mc:AlternateContent>
 </p:sld>
 </file>
 
 <file path=ppt/slides/slide21.xml><?xml version="1.0" encoding="utf-8"?>
-<p:sld xmlns:a="http://schemas.openxmlformats.org/drawingml/2006/main" xmlns:r="http://schemas.openxmlformats.org/officeDocument/2006/relationships" xmlns:p="http://schemas.openxmlformats.org/presentationml/2006/main">
+<p:sld xmlns:r="http://schemas.openxmlformats.org/officeDocument/2006/relationships" xmlns:c="http://schemas.openxmlformats.org/drawingml/2006/chart" xmlns:a="http://schemas.openxmlformats.org/drawingml/2006/main" xmlns:dgm="http://schemas.openxmlformats.org/drawingml/2006/diagram" xmlns:dsp="http://schemas.microsoft.com/office/drawing/2008/diagram" xmlns:p="http://schemas.openxmlformats.org/presentationml/2006/main">
   <p:cSld>
     <p:spTree>
       <p:nvGrpSpPr>
@@ -16787,13 +16579,7 @@
       </p:grpSpPr>
       <p:sp>
         <p:nvSpPr>
-          <p:cNvPr id="18" name="타원 17">
-            <a:extLst>
-              <a:ext uri="{FF2B5EF4-FFF2-40B4-BE49-F238E27FC236}">
-                <a16:creationId xmlns:a16="http://schemas.microsoft.com/office/drawing/2014/main" id="{781B693E-B508-3F46-B496-69B33D941CEF}"/>
-              </a:ext>
-            </a:extLst>
-          </p:cNvPr>
+          <p:cNvPr id="18" name="타원 17"/>
           <p:cNvSpPr/>
           <p:nvPr/>
         </p:nvSpPr>
@@ -16806,7 +16592,7 @@
             <a:avLst/>
           </a:prstGeom>
           <a:solidFill>
-            <a:srgbClr val="FFFF00"/>
+            <a:srgbClr val="ffff00"/>
           </a:solidFill>
           <a:ln w="9525">
             <a:noFill/>
@@ -16827,35 +16613,31 @@
           </a:fontRef>
         </p:style>
         <p:txBody>
-          <a:bodyPr lIns="252000" rtlCol="0" anchor="ctr"/>
-          <a:lstStyle/>
-          <a:p>
-            <a:pPr algn="ctr"/>
-            <a:endParaRPr kumimoji="1" lang="ko-Kore-KR" altLang="en-US" sz="1600" dirty="0">
-              <a:solidFill>
-                <a:srgbClr val="00B050"/>
-              </a:solidFill>
-              <a:latin typeface="Courier New" pitchFamily="49" charset="0"/>
-              <a:ea typeface="맑은 고딕" pitchFamily="50" charset="-127"/>
-              <a:cs typeface="Courier New" pitchFamily="49" charset="0"/>
-            </a:endParaRPr>
-          </a:p>
-        </p:txBody>
-      </p:sp>
-      <p:sp>
-        <p:nvSpPr>
-          <p:cNvPr id="2" name="제목 1">
-            <a:extLst>
-              <a:ext uri="{FF2B5EF4-FFF2-40B4-BE49-F238E27FC236}">
-                <a16:creationId xmlns:a16="http://schemas.microsoft.com/office/drawing/2014/main" id="{5C27E38E-EF00-004C-8490-A9974FC60A95}"/>
-              </a:ext>
-            </a:extLst>
-          </p:cNvPr>
+          <a:bodyPr lIns="252000" anchor="ctr"/>
+          <a:lstStyle/>
+          <a:p>
+            <a:pPr lvl="0" algn="ctr">
+              <a:defRPr/>
+            </a:pPr>
+            <a:endParaRPr kumimoji="1" lang="ko-Kore-KR" altLang="en-US" sz="1600">
+              <a:solidFill>
+                <a:srgbClr val="00b050"/>
+              </a:solidFill>
+              <a:latin typeface="Courier New"/>
+              <a:ea typeface="맑은 고딕"/>
+              <a:cs typeface="Courier New"/>
+            </a:endParaRPr>
+          </a:p>
+        </p:txBody>
+      </p:sp>
+      <p:sp>
+        <p:nvSpPr>
+          <p:cNvPr id="2" name="제목 1"/>
           <p:cNvSpPr>
             <a:spLocks noGrp="1"/>
           </p:cNvSpPr>
           <p:nvPr>
-            <p:ph type="title"/>
+            <p:ph type="title" idx="0"/>
           </p:nvPr>
         </p:nvSpPr>
         <p:spPr/>
@@ -16863,35 +16645,32 @@
           <a:bodyPr/>
           <a:lstStyle/>
           <a:p>
-            <a:r>
-              <a:rPr lang="en-US" altLang="ko-Kore-KR" dirty="0"/>
+            <a:pPr lvl="0">
+              <a:defRPr/>
+            </a:pPr>
+            <a:r>
+              <a:rPr lang="en-US" altLang="ko-Kore-KR"/>
               <a:t>N</a:t>
             </a:r>
             <a:r>
-              <a:rPr kumimoji="1" lang="en-US" altLang="ko-Kore-KR" dirty="0"/>
+              <a:rPr kumimoji="1" lang="en-US" altLang="ko-Kore-KR"/>
               <a:t>ested </a:t>
             </a:r>
             <a:r>
-              <a:rPr lang="en-US" altLang="ko-Kore-KR" dirty="0"/>
+              <a:rPr lang="en-US" altLang="ko-Kore-KR"/>
               <a:t>D</a:t>
             </a:r>
             <a:r>
-              <a:rPr kumimoji="1" lang="en-US" altLang="ko-Kore-KR" dirty="0"/>
+              <a:rPr kumimoji="1" lang="en-US" altLang="ko-Kore-KR"/>
               <a:t>onation</a:t>
             </a:r>
-            <a:endParaRPr kumimoji="1" lang="ko-Kore-KR" altLang="en-US" dirty="0"/>
-          </a:p>
-        </p:txBody>
-      </p:sp>
-      <p:sp>
-        <p:nvSpPr>
-          <p:cNvPr id="4" name="슬라이드 번호 개체 틀 3">
-            <a:extLst>
-              <a:ext uri="{FF2B5EF4-FFF2-40B4-BE49-F238E27FC236}">
-                <a16:creationId xmlns:a16="http://schemas.microsoft.com/office/drawing/2014/main" id="{AE9ECEFD-BC24-E64E-899A-769B75156810}"/>
-              </a:ext>
-            </a:extLst>
-          </p:cNvPr>
+            <a:endParaRPr kumimoji="1" lang="ko-Kore-KR" altLang="en-US"/>
+          </a:p>
+        </p:txBody>
+      </p:sp>
+      <p:sp>
+        <p:nvSpPr>
+          <p:cNvPr id="4" name="슬라이드 번호 개체 틀 3"/>
           <p:cNvSpPr>
             <a:spLocks noGrp="1"/>
           </p:cNvSpPr>
@@ -16904,44 +16683,45 @@
           <a:bodyPr/>
           <a:lstStyle/>
           <a:p>
-            <a:pPr>
+            <a:pPr lvl="0">
               <a:defRPr/>
             </a:pPr>
             <a:fld id="{515CC4ED-1449-4712-AE45-EBC263B4DD26}" type="slidenum">
-              <a:rPr lang="en-US" altLang="ko-KR" smtClean="0">
-                <a:solidFill>
-                  <a:srgbClr val="1F497D">
+              <a:rPr lang="en-US" altLang="ko-KR">
+                <a:solidFill>
+                  <a:srgbClr val="1f497d">
                     <a:lumMod val="50000"/>
                   </a:srgbClr>
                 </a:solidFill>
               </a:rPr>
-              <a:pPr>
+              <a:pPr lvl="0">
                 <a:defRPr/>
               </a:pPr>
-              <a:t>42</a:t>
+              <a:t>21</a:t>
             </a:fld>
             <a:r>
               <a:rPr lang="en-US" altLang="ko-KR">
                 <a:solidFill>
-                  <a:srgbClr val="1F497D">
+                  <a:srgbClr val="1f497d">
                     <a:lumMod val="50000"/>
                   </a:srgbClr>
                 </a:solidFill>
               </a:rPr>
               <a:t> </a:t>
             </a:r>
-          </a:p>
-        </p:txBody>
-      </p:sp>
-      <p:sp>
-        <p:nvSpPr>
-          <p:cNvPr id="5" name="바닥글 개체 틀 4">
-            <a:extLst>
-              <a:ext uri="{FF2B5EF4-FFF2-40B4-BE49-F238E27FC236}">
-                <a16:creationId xmlns:a16="http://schemas.microsoft.com/office/drawing/2014/main" id="{4039F769-C498-2A4B-812C-84DE49A1CF83}"/>
-              </a:ext>
-            </a:extLst>
-          </p:cNvPr>
+            <a:endParaRPr lang="en-US" altLang="ko-KR">
+              <a:solidFill>
+                <a:srgbClr val="1f497d">
+                  <a:lumMod val="50000"/>
+                </a:srgbClr>
+              </a:solidFill>
+            </a:endParaRPr>
+          </a:p>
+        </p:txBody>
+      </p:sp>
+      <p:sp>
+        <p:nvSpPr>
+          <p:cNvPr id="5" name="바닥글 개체 틀 4"/>
           <p:cNvSpPr>
             <a:spLocks noGrp="1"/>
           </p:cNvSpPr>
@@ -16954,7 +16734,7 @@
           <a:bodyPr/>
           <a:lstStyle/>
           <a:p>
-            <a:pPr fontAlgn="base">
+            <a:pPr lvl="0">
               <a:spcBef>
                 <a:spcPct val="0"/>
               </a:spcBef>
@@ -16971,7 +16751,7 @@
               </a:rPr>
               <a:t>Youjip Won</a:t>
             </a:r>
-            <a:endParaRPr kumimoji="1" lang="ko-KR" altLang="en-US" dirty="0">
+            <a:endParaRPr kumimoji="1" lang="ko-KR" altLang="en-US">
               <a:solidFill>
                 <a:prstClr val="black"/>
               </a:solidFill>
@@ -16981,19 +16761,13 @@
       </p:sp>
       <p:pic>
         <p:nvPicPr>
-          <p:cNvPr id="24" name="그림 23">
-            <a:extLst>
-              <a:ext uri="{FF2B5EF4-FFF2-40B4-BE49-F238E27FC236}">
-                <a16:creationId xmlns:a16="http://schemas.microsoft.com/office/drawing/2014/main" id="{EA5EC07E-5D85-0A42-A63A-6DBDD8669D32}"/>
-              </a:ext>
-            </a:extLst>
-          </p:cNvPr>
+          <p:cNvPr id="24" name="그림 23"/>
           <p:cNvPicPr>
             <a:picLocks noChangeAspect="1"/>
           </p:cNvPicPr>
           <p:nvPr/>
         </p:nvPicPr>
-        <p:blipFill>
+        <p:blipFill rotWithShape="1">
           <a:blip r:embed="rId2"/>
           <a:stretch>
             <a:fillRect/>
@@ -17011,13 +16785,7 @@
       </p:pic>
       <p:sp>
         <p:nvSpPr>
-          <p:cNvPr id="25" name="모서리가 둥근 직사각형 24">
-            <a:extLst>
-              <a:ext uri="{FF2B5EF4-FFF2-40B4-BE49-F238E27FC236}">
-                <a16:creationId xmlns:a16="http://schemas.microsoft.com/office/drawing/2014/main" id="{B2C98994-4CD7-A64E-87F6-F0E5F964A38A}"/>
-              </a:ext>
-            </a:extLst>
-          </p:cNvPr>
+          <p:cNvPr id="25" name="모서리가 둥근 직사각형 24"/>
           <p:cNvSpPr/>
           <p:nvPr/>
         </p:nvSpPr>
@@ -17055,30 +16823,26 @@
           </a:fontRef>
         </p:style>
         <p:txBody>
-          <a:bodyPr lIns="252000" rtlCol="0" anchor="ctr"/>
-          <a:lstStyle/>
-          <a:p>
-            <a:pPr algn="ctr"/>
-            <a:endParaRPr kumimoji="1" lang="ko-Kore-KR" altLang="en-US" sz="1600" dirty="0">
-              <a:solidFill>
-                <a:srgbClr val="00B050"/>
-              </a:solidFill>
-              <a:latin typeface="Courier New" pitchFamily="49" charset="0"/>
-              <a:ea typeface="맑은 고딕" pitchFamily="50" charset="-127"/>
-              <a:cs typeface="Courier New" pitchFamily="49" charset="0"/>
-            </a:endParaRPr>
-          </a:p>
-        </p:txBody>
-      </p:sp>
-      <p:sp>
-        <p:nvSpPr>
-          <p:cNvPr id="26" name="TextBox 25">
-            <a:extLst>
-              <a:ext uri="{FF2B5EF4-FFF2-40B4-BE49-F238E27FC236}">
-                <a16:creationId xmlns:a16="http://schemas.microsoft.com/office/drawing/2014/main" id="{79D94A54-7342-0047-8144-1F5A15BE5504}"/>
-              </a:ext>
-            </a:extLst>
-          </p:cNvPr>
+          <a:bodyPr lIns="252000" anchor="ctr"/>
+          <a:lstStyle/>
+          <a:p>
+            <a:pPr lvl="0" algn="ctr">
+              <a:defRPr/>
+            </a:pPr>
+            <a:endParaRPr kumimoji="1" lang="ko-Kore-KR" altLang="en-US" sz="1600">
+              <a:solidFill>
+                <a:srgbClr val="00b050"/>
+              </a:solidFill>
+              <a:latin typeface="Courier New"/>
+              <a:ea typeface="맑은 고딕"/>
+              <a:cs typeface="Courier New"/>
+            </a:endParaRPr>
+          </a:p>
+        </p:txBody>
+      </p:sp>
+      <p:sp>
+        <p:nvSpPr>
+          <p:cNvPr id="26" name="TextBox 25"/>
           <p:cNvSpPr txBox="1"/>
           <p:nvPr/>
         </p:nvSpPr>
@@ -17093,32 +16857,29 @@
           <a:noFill/>
         </p:spPr>
         <p:txBody>
-          <a:bodyPr wrap="square" rtlCol="0">
+          <a:bodyPr wrap="square">
             <a:spAutoFit/>
           </a:bodyPr>
           <a:lstStyle/>
           <a:p>
-            <a:r>
-              <a:rPr kumimoji="1" lang="en-US" altLang="ko-Kore-KR" sz="1400" dirty="0">
-                <a:latin typeface="Helvetica" pitchFamily="2" charset="0"/>
+            <a:pPr lvl="0">
+              <a:defRPr/>
+            </a:pPr>
+            <a:r>
+              <a:rPr kumimoji="1" lang="en-US" altLang="ko-Kore-KR" sz="1400">
+                <a:latin typeface="Arial"/>
               </a:rPr>
               <a:t>T1</a:t>
             </a:r>
-            <a:endParaRPr kumimoji="1" lang="ko-Kore-KR" altLang="en-US" sz="1400" dirty="0">
-              <a:latin typeface="Helvetica" pitchFamily="2" charset="0"/>
-            </a:endParaRPr>
-          </a:p>
-        </p:txBody>
-      </p:sp>
-      <p:sp>
-        <p:nvSpPr>
-          <p:cNvPr id="27" name="TextBox 26">
-            <a:extLst>
-              <a:ext uri="{FF2B5EF4-FFF2-40B4-BE49-F238E27FC236}">
-                <a16:creationId xmlns:a16="http://schemas.microsoft.com/office/drawing/2014/main" id="{1858E70D-0CB1-744F-8E94-B15F60D170AA}"/>
-              </a:ext>
-            </a:extLst>
-          </p:cNvPr>
+            <a:endParaRPr kumimoji="1" lang="ko-Kore-KR" altLang="en-US" sz="1400">
+              <a:latin typeface="Arial"/>
+            </a:endParaRPr>
+          </a:p>
+        </p:txBody>
+      </p:sp>
+      <p:sp>
+        <p:nvSpPr>
+          <p:cNvPr id="27" name="TextBox 26"/>
           <p:cNvSpPr txBox="1"/>
           <p:nvPr/>
         </p:nvSpPr>
@@ -17133,35 +16894,30 @@
           <a:noFill/>
         </p:spPr>
         <p:txBody>
-          <a:bodyPr wrap="square" rtlCol="0">
+          <a:bodyPr wrap="square">
             <a:spAutoFit/>
           </a:bodyPr>
           <a:lstStyle/>
           <a:p>
-            <a:r>
-              <a:rPr kumimoji="1" lang="en-US" altLang="ko-Kore-KR" sz="1400" dirty="0">
-                <a:latin typeface="Helvetica" pitchFamily="2" charset="0"/>
+            <a:pPr lvl="0">
+              <a:defRPr/>
+            </a:pPr>
+            <a:r>
+              <a:rPr kumimoji="1" lang="en-US" altLang="ko-Kore-KR" sz="1400">
+                <a:latin typeface="Arial"/>
               </a:rPr>
               <a:t>PRI =10</a:t>
             </a:r>
-            <a:endParaRPr kumimoji="1" lang="ko-Kore-KR" altLang="en-US" sz="1400" dirty="0">
-              <a:latin typeface="Helvetica" pitchFamily="2" charset="0"/>
+            <a:endParaRPr kumimoji="1" lang="ko-Kore-KR" altLang="en-US" sz="1400">
+              <a:latin typeface="Arial"/>
             </a:endParaRPr>
           </a:p>
         </p:txBody>
       </p:sp>
       <p:cxnSp>
         <p:nvCxnSpPr>
-          <p:cNvPr id="28" name="직선 화살표 연결선 27">
-            <a:extLst>
-              <a:ext uri="{FF2B5EF4-FFF2-40B4-BE49-F238E27FC236}">
-                <a16:creationId xmlns:a16="http://schemas.microsoft.com/office/drawing/2014/main" id="{77491081-00A2-CD41-BFF9-48DF25C8D8D3}"/>
-              </a:ext>
-            </a:extLst>
-          </p:cNvPr>
-          <p:cNvCxnSpPr>
-            <a:cxnSpLocks/>
-          </p:cNvCxnSpPr>
+          <p:cNvPr id="28" name="직선 화살표 연결선 27"/>
+          <p:cNvCxnSpPr/>
           <p:nvPr/>
         </p:nvCxnSpPr>
         <p:spPr>
@@ -17196,13 +16952,7 @@
       </p:cxnSp>
       <p:sp>
         <p:nvSpPr>
-          <p:cNvPr id="29" name="모서리가 둥근 직사각형 28">
-            <a:extLst>
-              <a:ext uri="{FF2B5EF4-FFF2-40B4-BE49-F238E27FC236}">
-                <a16:creationId xmlns:a16="http://schemas.microsoft.com/office/drawing/2014/main" id="{4F4BBFF8-7A0C-1245-9F5C-A22784404098}"/>
-              </a:ext>
-            </a:extLst>
-          </p:cNvPr>
+          <p:cNvPr id="29" name="모서리가 둥근 직사각형 28"/>
           <p:cNvSpPr/>
           <p:nvPr/>
         </p:nvSpPr>
@@ -17240,30 +16990,26 @@
           </a:fontRef>
         </p:style>
         <p:txBody>
-          <a:bodyPr lIns="252000" rtlCol="0" anchor="ctr"/>
-          <a:lstStyle/>
-          <a:p>
-            <a:pPr algn="ctr"/>
-            <a:endParaRPr kumimoji="1" lang="ko-Kore-KR" altLang="en-US" sz="1600" dirty="0">
-              <a:solidFill>
-                <a:srgbClr val="00B050"/>
-              </a:solidFill>
-              <a:latin typeface="Courier New" pitchFamily="49" charset="0"/>
-              <a:ea typeface="맑은 고딕" pitchFamily="50" charset="-127"/>
-              <a:cs typeface="Courier New" pitchFamily="49" charset="0"/>
-            </a:endParaRPr>
-          </a:p>
-        </p:txBody>
-      </p:sp>
-      <p:sp>
-        <p:nvSpPr>
-          <p:cNvPr id="30" name="TextBox 29">
-            <a:extLst>
-              <a:ext uri="{FF2B5EF4-FFF2-40B4-BE49-F238E27FC236}">
-                <a16:creationId xmlns:a16="http://schemas.microsoft.com/office/drawing/2014/main" id="{AE9B2A45-64B2-D240-8948-F1A160AC3F4A}"/>
-              </a:ext>
-            </a:extLst>
-          </p:cNvPr>
+          <a:bodyPr lIns="252000" anchor="ctr"/>
+          <a:lstStyle/>
+          <a:p>
+            <a:pPr lvl="0" algn="ctr">
+              <a:defRPr/>
+            </a:pPr>
+            <a:endParaRPr kumimoji="1" lang="ko-Kore-KR" altLang="en-US" sz="1600">
+              <a:solidFill>
+                <a:srgbClr val="00b050"/>
+              </a:solidFill>
+              <a:latin typeface="Courier New"/>
+              <a:ea typeface="맑은 고딕"/>
+              <a:cs typeface="Courier New"/>
+            </a:endParaRPr>
+          </a:p>
+        </p:txBody>
+      </p:sp>
+      <p:sp>
+        <p:nvSpPr>
+          <p:cNvPr id="30" name="TextBox 29"/>
           <p:cNvSpPr txBox="1"/>
           <p:nvPr/>
         </p:nvSpPr>
@@ -17278,35 +17024,30 @@
           <a:noFill/>
         </p:spPr>
         <p:txBody>
-          <a:bodyPr wrap="square" rtlCol="0">
+          <a:bodyPr wrap="square">
             <a:spAutoFit/>
           </a:bodyPr>
           <a:lstStyle/>
           <a:p>
-            <a:r>
-              <a:rPr kumimoji="1" lang="en-US" altLang="ko-Kore-KR" sz="1400" dirty="0">
-                <a:latin typeface="Helvetica" pitchFamily="2" charset="0"/>
+            <a:pPr lvl="0">
+              <a:defRPr/>
+            </a:pPr>
+            <a:r>
+              <a:rPr kumimoji="1" lang="en-US" altLang="ko-Kore-KR" sz="1400">
+                <a:latin typeface="Arial"/>
               </a:rPr>
               <a:t>T2</a:t>
             </a:r>
-            <a:endParaRPr kumimoji="1" lang="ko-Kore-KR" altLang="en-US" sz="1400" dirty="0">
-              <a:latin typeface="Helvetica" pitchFamily="2" charset="0"/>
+            <a:endParaRPr kumimoji="1" lang="ko-Kore-KR" altLang="en-US" sz="1400">
+              <a:latin typeface="Arial"/>
             </a:endParaRPr>
           </a:p>
         </p:txBody>
       </p:sp>
       <p:cxnSp>
         <p:nvCxnSpPr>
-          <p:cNvPr id="66" name="직선 화살표 연결선 65">
-            <a:extLst>
-              <a:ext uri="{FF2B5EF4-FFF2-40B4-BE49-F238E27FC236}">
-                <a16:creationId xmlns:a16="http://schemas.microsoft.com/office/drawing/2014/main" id="{B454AB86-8773-DA4A-A81E-B7E670255D60}"/>
-              </a:ext>
-            </a:extLst>
-          </p:cNvPr>
-          <p:cNvCxnSpPr>
-            <a:cxnSpLocks/>
-          </p:cNvCxnSpPr>
+          <p:cNvPr id="66" name="직선 화살표 연결선 65"/>
+          <p:cNvCxnSpPr/>
           <p:nvPr/>
         </p:nvCxnSpPr>
         <p:spPr>
@@ -17341,20 +17082,14 @@
       </p:cxnSp>
       <p:pic>
         <p:nvPicPr>
-          <p:cNvPr id="67" name="그림 66">
-            <a:extLst>
-              <a:ext uri="{FF2B5EF4-FFF2-40B4-BE49-F238E27FC236}">
-                <a16:creationId xmlns:a16="http://schemas.microsoft.com/office/drawing/2014/main" id="{867D30D1-91FF-A349-8E27-4A2BA77F28F1}"/>
-              </a:ext>
-            </a:extLst>
-          </p:cNvPr>
+          <p:cNvPr id="67" name="그림 66"/>
           <p:cNvPicPr>
             <a:picLocks noChangeAspect="1"/>
           </p:cNvPicPr>
           <p:nvPr/>
         </p:nvPicPr>
-        <p:blipFill>
-          <a:blip r:embed="rId2"/>
+        <p:blipFill rotWithShape="1">
+          <a:blip r:embed="rId3"/>
           <a:stretch>
             <a:fillRect/>
           </a:stretch>
@@ -17371,20 +17106,14 @@
       </p:pic>
       <p:pic>
         <p:nvPicPr>
-          <p:cNvPr id="68" name="그림 67">
-            <a:extLst>
-              <a:ext uri="{FF2B5EF4-FFF2-40B4-BE49-F238E27FC236}">
-                <a16:creationId xmlns:a16="http://schemas.microsoft.com/office/drawing/2014/main" id="{2B91F58C-855D-C644-87A0-0A89428BCACF}"/>
-              </a:ext>
-            </a:extLst>
-          </p:cNvPr>
+          <p:cNvPr id="68" name="그림 67"/>
           <p:cNvPicPr>
             <a:picLocks noChangeAspect="1"/>
           </p:cNvPicPr>
           <p:nvPr/>
         </p:nvPicPr>
-        <p:blipFill>
-          <a:blip r:embed="rId2"/>
+        <p:blipFill rotWithShape="1">
+          <a:blip r:embed="rId4"/>
           <a:stretch>
             <a:fillRect/>
           </a:stretch>
@@ -17401,13 +17130,7 @@
       </p:pic>
       <p:sp>
         <p:nvSpPr>
-          <p:cNvPr id="69" name="모서리가 둥근 직사각형 68">
-            <a:extLst>
-              <a:ext uri="{FF2B5EF4-FFF2-40B4-BE49-F238E27FC236}">
-                <a16:creationId xmlns:a16="http://schemas.microsoft.com/office/drawing/2014/main" id="{7AE98882-0B4B-5542-A89E-68BE6AB292D3}"/>
-              </a:ext>
-            </a:extLst>
-          </p:cNvPr>
+          <p:cNvPr id="69" name="모서리가 둥근 직사각형 68"/>
           <p:cNvSpPr/>
           <p:nvPr/>
         </p:nvSpPr>
@@ -17445,30 +17168,26 @@
           </a:fontRef>
         </p:style>
         <p:txBody>
-          <a:bodyPr lIns="252000" rtlCol="0" anchor="ctr"/>
-          <a:lstStyle/>
-          <a:p>
-            <a:pPr algn="ctr"/>
-            <a:endParaRPr kumimoji="1" lang="ko-Kore-KR" altLang="en-US" sz="1600" dirty="0">
-              <a:solidFill>
-                <a:srgbClr val="00B050"/>
-              </a:solidFill>
-              <a:latin typeface="Courier New" pitchFamily="49" charset="0"/>
-              <a:ea typeface="맑은 고딕" pitchFamily="50" charset="-127"/>
-              <a:cs typeface="Courier New" pitchFamily="49" charset="0"/>
-            </a:endParaRPr>
-          </a:p>
-        </p:txBody>
-      </p:sp>
-      <p:sp>
-        <p:nvSpPr>
-          <p:cNvPr id="70" name="TextBox 69">
-            <a:extLst>
-              <a:ext uri="{FF2B5EF4-FFF2-40B4-BE49-F238E27FC236}">
-                <a16:creationId xmlns:a16="http://schemas.microsoft.com/office/drawing/2014/main" id="{D636F687-5DD6-9845-95DA-7871BB02C3C7}"/>
-              </a:ext>
-            </a:extLst>
-          </p:cNvPr>
+          <a:bodyPr lIns="252000" anchor="ctr"/>
+          <a:lstStyle/>
+          <a:p>
+            <a:pPr lvl="0" algn="ctr">
+              <a:defRPr/>
+            </a:pPr>
+            <a:endParaRPr kumimoji="1" lang="ko-Kore-KR" altLang="en-US" sz="1600">
+              <a:solidFill>
+                <a:srgbClr val="00b050"/>
+              </a:solidFill>
+              <a:latin typeface="Courier New"/>
+              <a:ea typeface="맑은 고딕"/>
+              <a:cs typeface="Courier New"/>
+            </a:endParaRPr>
+          </a:p>
+        </p:txBody>
+      </p:sp>
+      <p:sp>
+        <p:nvSpPr>
+          <p:cNvPr id="70" name="TextBox 69"/>
           <p:cNvSpPr txBox="1"/>
           <p:nvPr/>
         </p:nvSpPr>
@@ -17483,32 +17202,29 @@
           <a:noFill/>
         </p:spPr>
         <p:txBody>
-          <a:bodyPr wrap="square" rtlCol="0">
+          <a:bodyPr wrap="square">
             <a:spAutoFit/>
           </a:bodyPr>
           <a:lstStyle/>
           <a:p>
-            <a:r>
-              <a:rPr kumimoji="1" lang="en-US" altLang="ko-Kore-KR" sz="1400" dirty="0">
-                <a:latin typeface="Helvetica" pitchFamily="2" charset="0"/>
+            <a:pPr lvl="0">
+              <a:defRPr/>
+            </a:pPr>
+            <a:r>
+              <a:rPr kumimoji="1" lang="en-US" altLang="ko-Kore-KR" sz="1400">
+                <a:latin typeface="Arial"/>
               </a:rPr>
               <a:t>T3</a:t>
             </a:r>
-            <a:endParaRPr kumimoji="1" lang="ko-Kore-KR" altLang="en-US" sz="1400" dirty="0">
-              <a:latin typeface="Helvetica" pitchFamily="2" charset="0"/>
-            </a:endParaRPr>
-          </a:p>
-        </p:txBody>
-      </p:sp>
-      <p:sp>
-        <p:nvSpPr>
-          <p:cNvPr id="71" name="TextBox 70">
-            <a:extLst>
-              <a:ext uri="{FF2B5EF4-FFF2-40B4-BE49-F238E27FC236}">
-                <a16:creationId xmlns:a16="http://schemas.microsoft.com/office/drawing/2014/main" id="{330422F3-CC37-7346-AA4B-14181637C20B}"/>
-              </a:ext>
-            </a:extLst>
-          </p:cNvPr>
+            <a:endParaRPr kumimoji="1" lang="ko-Kore-KR" altLang="en-US" sz="1400">
+              <a:latin typeface="Arial"/>
+            </a:endParaRPr>
+          </a:p>
+        </p:txBody>
+      </p:sp>
+      <p:sp>
+        <p:nvSpPr>
+          <p:cNvPr id="71" name="TextBox 70"/>
           <p:cNvSpPr txBox="1"/>
           <p:nvPr/>
         </p:nvSpPr>
@@ -17523,35 +17239,30 @@
           <a:noFill/>
         </p:spPr>
         <p:txBody>
-          <a:bodyPr wrap="square" rtlCol="0">
+          <a:bodyPr wrap="square">
             <a:spAutoFit/>
           </a:bodyPr>
           <a:lstStyle/>
           <a:p>
-            <a:r>
-              <a:rPr kumimoji="1" lang="en-US" altLang="ko-Kore-KR" sz="1400" dirty="0">
-                <a:latin typeface="Helvetica" pitchFamily="2" charset="0"/>
+            <a:pPr lvl="0">
+              <a:defRPr/>
+            </a:pPr>
+            <a:r>
+              <a:rPr kumimoji="1" lang="en-US" altLang="ko-Kore-KR" sz="1400">
+                <a:latin typeface="Arial"/>
               </a:rPr>
               <a:t>PRI =9</a:t>
             </a:r>
-            <a:endParaRPr kumimoji="1" lang="ko-Kore-KR" altLang="en-US" sz="1400" dirty="0">
-              <a:latin typeface="Helvetica" pitchFamily="2" charset="0"/>
+            <a:endParaRPr kumimoji="1" lang="ko-Kore-KR" altLang="en-US" sz="1400">
+              <a:latin typeface="Arial"/>
             </a:endParaRPr>
           </a:p>
         </p:txBody>
       </p:sp>
       <p:cxnSp>
         <p:nvCxnSpPr>
-          <p:cNvPr id="72" name="직선 화살표 연결선 71">
-            <a:extLst>
-              <a:ext uri="{FF2B5EF4-FFF2-40B4-BE49-F238E27FC236}">
-                <a16:creationId xmlns:a16="http://schemas.microsoft.com/office/drawing/2014/main" id="{82B59BD3-A398-3E48-A2E2-1A20B54224CF}"/>
-              </a:ext>
-            </a:extLst>
-          </p:cNvPr>
-          <p:cNvCxnSpPr>
-            <a:cxnSpLocks/>
-          </p:cNvCxnSpPr>
+          <p:cNvPr id="72" name="직선 화살표 연결선 71"/>
+          <p:cNvCxnSpPr/>
           <p:nvPr/>
         </p:nvCxnSpPr>
         <p:spPr>
@@ -17586,16 +17297,8 @@
       </p:cxnSp>
       <p:cxnSp>
         <p:nvCxnSpPr>
-          <p:cNvPr id="77" name="직선 화살표 연결선 76">
-            <a:extLst>
-              <a:ext uri="{FF2B5EF4-FFF2-40B4-BE49-F238E27FC236}">
-                <a16:creationId xmlns:a16="http://schemas.microsoft.com/office/drawing/2014/main" id="{D5AF25A4-3FC8-DD48-A12F-644B7B9EC986}"/>
-              </a:ext>
-            </a:extLst>
-          </p:cNvPr>
-          <p:cNvCxnSpPr>
-            <a:cxnSpLocks/>
-          </p:cNvCxnSpPr>
+          <p:cNvPr id="77" name="직선 화살표 연결선 76"/>
+          <p:cNvCxnSpPr/>
           <p:nvPr/>
         </p:nvCxnSpPr>
         <p:spPr>
@@ -17630,16 +17333,8 @@
       </p:cxnSp>
       <p:cxnSp>
         <p:nvCxnSpPr>
-          <p:cNvPr id="78" name="직선 화살표 연결선 77">
-            <a:extLst>
-              <a:ext uri="{FF2B5EF4-FFF2-40B4-BE49-F238E27FC236}">
-                <a16:creationId xmlns:a16="http://schemas.microsoft.com/office/drawing/2014/main" id="{C8B657CD-8AC3-E14D-A7A3-4DB81ADB0D92}"/>
-              </a:ext>
-            </a:extLst>
-          </p:cNvPr>
-          <p:cNvCxnSpPr>
-            <a:cxnSpLocks/>
-          </p:cNvCxnSpPr>
+          <p:cNvPr id="78" name="직선 화살표 연결선 77"/>
+          <p:cNvCxnSpPr/>
           <p:nvPr/>
         </p:nvCxnSpPr>
         <p:spPr>
@@ -17674,13 +17369,7 @@
       </p:cxnSp>
       <p:sp>
         <p:nvSpPr>
-          <p:cNvPr id="79" name="TextBox 78">
-            <a:extLst>
-              <a:ext uri="{FF2B5EF4-FFF2-40B4-BE49-F238E27FC236}">
-                <a16:creationId xmlns:a16="http://schemas.microsoft.com/office/drawing/2014/main" id="{8E927956-3C77-C743-9D5A-5C2E5B307128}"/>
-              </a:ext>
-            </a:extLst>
-          </p:cNvPr>
+          <p:cNvPr id="79" name="TextBox 78"/>
           <p:cNvSpPr txBox="1"/>
           <p:nvPr/>
         </p:nvSpPr>
@@ -17695,39 +17384,36 @@
           <a:noFill/>
         </p:spPr>
         <p:txBody>
-          <a:bodyPr wrap="square" rtlCol="0">
+          <a:bodyPr wrap="square">
             <a:spAutoFit/>
           </a:bodyPr>
           <a:lstStyle/>
           <a:p>
-            <a:r>
-              <a:rPr kumimoji="1" lang="en-US" altLang="ko-Kore-KR" sz="1400" dirty="0">
-                <a:latin typeface="Helvetica" pitchFamily="2" charset="0"/>
+            <a:pPr lvl="0">
+              <a:defRPr/>
+            </a:pPr>
+            <a:r>
+              <a:rPr kumimoji="1" lang="en-US" altLang="ko-Kore-KR" sz="1400">
+                <a:latin typeface="Arial"/>
               </a:rPr>
               <a:t>PRI = 7</a:t>
             </a:r>
-            <a:endParaRPr kumimoji="1" lang="ko-Kore-KR" altLang="en-US" sz="1400" dirty="0">
-              <a:latin typeface="Helvetica" pitchFamily="2" charset="0"/>
+            <a:endParaRPr kumimoji="1" lang="ko-Kore-KR" altLang="en-US" sz="1400">
+              <a:latin typeface="Arial"/>
             </a:endParaRPr>
           </a:p>
         </p:txBody>
       </p:sp>
       <p:pic>
         <p:nvPicPr>
-          <p:cNvPr id="101" name="그림 100">
-            <a:extLst>
-              <a:ext uri="{FF2B5EF4-FFF2-40B4-BE49-F238E27FC236}">
-                <a16:creationId xmlns:a16="http://schemas.microsoft.com/office/drawing/2014/main" id="{3CBE17A5-BC83-AD4E-85F6-6D2E27271544}"/>
-              </a:ext>
-            </a:extLst>
-          </p:cNvPr>
+          <p:cNvPr id="101" name="그림 100"/>
           <p:cNvPicPr>
             <a:picLocks noChangeAspect="1"/>
           </p:cNvPicPr>
           <p:nvPr/>
         </p:nvPicPr>
-        <p:blipFill>
-          <a:blip r:embed="rId2"/>
+        <p:blipFill rotWithShape="1">
+          <a:blip r:embed="rId5"/>
           <a:stretch>
             <a:fillRect/>
           </a:stretch>
@@ -17744,13 +17430,7 @@
       </p:pic>
       <p:sp>
         <p:nvSpPr>
-          <p:cNvPr id="102" name="모서리가 둥근 직사각형 101">
-            <a:extLst>
-              <a:ext uri="{FF2B5EF4-FFF2-40B4-BE49-F238E27FC236}">
-                <a16:creationId xmlns:a16="http://schemas.microsoft.com/office/drawing/2014/main" id="{B409C709-F62D-1A43-BF0E-1DE3219F110A}"/>
-              </a:ext>
-            </a:extLst>
-          </p:cNvPr>
+          <p:cNvPr id="102" name="모서리가 둥근 직사각형 101"/>
           <p:cNvSpPr/>
           <p:nvPr/>
         </p:nvSpPr>
@@ -17788,30 +17468,26 @@
           </a:fontRef>
         </p:style>
         <p:txBody>
-          <a:bodyPr lIns="252000" rtlCol="0" anchor="ctr"/>
-          <a:lstStyle/>
-          <a:p>
-            <a:pPr algn="ctr"/>
-            <a:endParaRPr kumimoji="1" lang="ko-Kore-KR" altLang="en-US" sz="1600" dirty="0">
-              <a:solidFill>
-                <a:srgbClr val="00B050"/>
-              </a:solidFill>
-              <a:latin typeface="Courier New" pitchFamily="49" charset="0"/>
-              <a:ea typeface="맑은 고딕" pitchFamily="50" charset="-127"/>
-              <a:cs typeface="Courier New" pitchFamily="49" charset="0"/>
-            </a:endParaRPr>
-          </a:p>
-        </p:txBody>
-      </p:sp>
-      <p:sp>
-        <p:nvSpPr>
-          <p:cNvPr id="103" name="TextBox 102">
-            <a:extLst>
-              <a:ext uri="{FF2B5EF4-FFF2-40B4-BE49-F238E27FC236}">
-                <a16:creationId xmlns:a16="http://schemas.microsoft.com/office/drawing/2014/main" id="{43BA7C07-7524-EA41-828B-A8874E4C709F}"/>
-              </a:ext>
-            </a:extLst>
-          </p:cNvPr>
+          <a:bodyPr lIns="252000" anchor="ctr"/>
+          <a:lstStyle/>
+          <a:p>
+            <a:pPr lvl="0" algn="ctr">
+              <a:defRPr/>
+            </a:pPr>
+            <a:endParaRPr kumimoji="1" lang="ko-Kore-KR" altLang="en-US" sz="1600">
+              <a:solidFill>
+                <a:srgbClr val="00b050"/>
+              </a:solidFill>
+              <a:latin typeface="Courier New"/>
+              <a:ea typeface="맑은 고딕"/>
+              <a:cs typeface="Courier New"/>
+            </a:endParaRPr>
+          </a:p>
+        </p:txBody>
+      </p:sp>
+      <p:sp>
+        <p:nvSpPr>
+          <p:cNvPr id="103" name="TextBox 102"/>
           <p:cNvSpPr txBox="1"/>
           <p:nvPr/>
         </p:nvSpPr>
@@ -17826,32 +17502,29 @@
           <a:noFill/>
         </p:spPr>
         <p:txBody>
-          <a:bodyPr wrap="square" rtlCol="0">
+          <a:bodyPr wrap="square">
             <a:spAutoFit/>
           </a:bodyPr>
           <a:lstStyle/>
           <a:p>
-            <a:r>
-              <a:rPr kumimoji="1" lang="en-US" altLang="ko-Kore-KR" sz="1400" dirty="0">
-                <a:latin typeface="Helvetica" pitchFamily="2" charset="0"/>
+            <a:pPr lvl="0">
+              <a:defRPr/>
+            </a:pPr>
+            <a:r>
+              <a:rPr kumimoji="1" lang="en-US" altLang="ko-Kore-KR" sz="1400">
+                <a:latin typeface="Arial"/>
               </a:rPr>
               <a:t>T1</a:t>
             </a:r>
-            <a:endParaRPr kumimoji="1" lang="ko-Kore-KR" altLang="en-US" sz="1400" dirty="0">
-              <a:latin typeface="Helvetica" pitchFamily="2" charset="0"/>
-            </a:endParaRPr>
-          </a:p>
-        </p:txBody>
-      </p:sp>
-      <p:sp>
-        <p:nvSpPr>
-          <p:cNvPr id="104" name="TextBox 103">
-            <a:extLst>
-              <a:ext uri="{FF2B5EF4-FFF2-40B4-BE49-F238E27FC236}">
-                <a16:creationId xmlns:a16="http://schemas.microsoft.com/office/drawing/2014/main" id="{B7CD58BE-03AA-874B-9B0F-FD5CD8AF13EA}"/>
-              </a:ext>
-            </a:extLst>
-          </p:cNvPr>
+            <a:endParaRPr kumimoji="1" lang="ko-Kore-KR" altLang="en-US" sz="1400">
+              <a:latin typeface="Arial"/>
+            </a:endParaRPr>
+          </a:p>
+        </p:txBody>
+      </p:sp>
+      <p:sp>
+        <p:nvSpPr>
+          <p:cNvPr id="104" name="TextBox 103"/>
           <p:cNvSpPr txBox="1"/>
           <p:nvPr/>
         </p:nvSpPr>
@@ -17866,49 +17539,50 @@
           <a:noFill/>
         </p:spPr>
         <p:txBody>
-          <a:bodyPr wrap="square" rtlCol="0">
+          <a:bodyPr wrap="square">
             <a:spAutoFit/>
           </a:bodyPr>
           <a:lstStyle/>
           <a:p>
-            <a:r>
-              <a:rPr kumimoji="1" lang="en-US" altLang="ko-Kore-KR" sz="1400" strike="sngStrike" dirty="0">
-                <a:latin typeface="Helvetica" pitchFamily="2" charset="0"/>
+            <a:pPr lvl="0">
+              <a:defRPr/>
+            </a:pPr>
+            <a:r>
+              <a:rPr kumimoji="1" lang="en-US" altLang="ko-Kore-KR" sz="1400" strike="sngStrike">
+                <a:latin typeface="Arial"/>
               </a:rPr>
               <a:t>PRI =10</a:t>
             </a:r>
-          </a:p>
-          <a:p>
-            <a:r>
-              <a:rPr kumimoji="1" lang="en-US" altLang="ko-Kore-KR" sz="1400" dirty="0">
-                <a:solidFill>
-                  <a:srgbClr val="FF0000"/>
-                </a:solidFill>
-                <a:latin typeface="Helvetica" pitchFamily="2" charset="0"/>
+            <a:endParaRPr kumimoji="1" lang="en-US" altLang="ko-Kore-KR" sz="1400" strike="sngStrike">
+              <a:latin typeface="Arial"/>
+            </a:endParaRPr>
+          </a:p>
+          <a:p>
+            <a:pPr lvl="0">
+              <a:defRPr/>
+            </a:pPr>
+            <a:r>
+              <a:rPr kumimoji="1" lang="en-US" altLang="ko-Kore-KR" sz="1400">
+                <a:solidFill>
+                  <a:srgbClr val="ff0000"/>
+                </a:solidFill>
+                <a:latin typeface="Arial"/>
               </a:rPr>
               <a:t>PRI = 14</a:t>
             </a:r>
-            <a:endParaRPr kumimoji="1" lang="ko-Kore-KR" altLang="en-US" sz="1400" dirty="0">
-              <a:solidFill>
-                <a:srgbClr val="FF0000"/>
-              </a:solidFill>
-              <a:latin typeface="Helvetica" pitchFamily="2" charset="0"/>
+            <a:endParaRPr kumimoji="1" lang="ko-Kore-KR" altLang="en-US" sz="1400">
+              <a:solidFill>
+                <a:srgbClr val="ff0000"/>
+              </a:solidFill>
+              <a:latin typeface="Arial"/>
             </a:endParaRPr>
           </a:p>
         </p:txBody>
       </p:sp>
       <p:cxnSp>
         <p:nvCxnSpPr>
-          <p:cNvPr id="105" name="직선 화살표 연결선 104">
-            <a:extLst>
-              <a:ext uri="{FF2B5EF4-FFF2-40B4-BE49-F238E27FC236}">
-                <a16:creationId xmlns:a16="http://schemas.microsoft.com/office/drawing/2014/main" id="{84613D6C-20F1-C348-8426-4FE3CAFE5454}"/>
-              </a:ext>
-            </a:extLst>
-          </p:cNvPr>
-          <p:cNvCxnSpPr>
-            <a:cxnSpLocks/>
-          </p:cNvCxnSpPr>
+          <p:cNvPr id="105" name="직선 화살표 연결선 104"/>
+          <p:cNvCxnSpPr/>
           <p:nvPr/>
         </p:nvCxnSpPr>
         <p:spPr>
@@ -17943,13 +17617,7 @@
       </p:cxnSp>
       <p:sp>
         <p:nvSpPr>
-          <p:cNvPr id="106" name="모서리가 둥근 직사각형 105">
-            <a:extLst>
-              <a:ext uri="{FF2B5EF4-FFF2-40B4-BE49-F238E27FC236}">
-                <a16:creationId xmlns:a16="http://schemas.microsoft.com/office/drawing/2014/main" id="{F3BB6471-34B0-1D42-9620-AC7CA2FDDFE2}"/>
-              </a:ext>
-            </a:extLst>
-          </p:cNvPr>
+          <p:cNvPr id="106" name="모서리가 둥근 직사각형 105"/>
           <p:cNvSpPr/>
           <p:nvPr/>
         </p:nvSpPr>
@@ -17987,30 +17655,26 @@
           </a:fontRef>
         </p:style>
         <p:txBody>
-          <a:bodyPr lIns="252000" rtlCol="0" anchor="ctr"/>
-          <a:lstStyle/>
-          <a:p>
-            <a:pPr algn="ctr"/>
-            <a:endParaRPr kumimoji="1" lang="ko-Kore-KR" altLang="en-US" sz="1600" dirty="0">
-              <a:solidFill>
-                <a:srgbClr val="00B050"/>
-              </a:solidFill>
-              <a:latin typeface="Courier New" pitchFamily="49" charset="0"/>
-              <a:ea typeface="맑은 고딕" pitchFamily="50" charset="-127"/>
-              <a:cs typeface="Courier New" pitchFamily="49" charset="0"/>
-            </a:endParaRPr>
-          </a:p>
-        </p:txBody>
-      </p:sp>
-      <p:sp>
-        <p:nvSpPr>
-          <p:cNvPr id="107" name="TextBox 106">
-            <a:extLst>
-              <a:ext uri="{FF2B5EF4-FFF2-40B4-BE49-F238E27FC236}">
-                <a16:creationId xmlns:a16="http://schemas.microsoft.com/office/drawing/2014/main" id="{F4378FDA-3A6C-4844-986F-49F610E7EA5D}"/>
-              </a:ext>
-            </a:extLst>
-          </p:cNvPr>
+          <a:bodyPr lIns="252000" anchor="ctr"/>
+          <a:lstStyle/>
+          <a:p>
+            <a:pPr lvl="0" algn="ctr">
+              <a:defRPr/>
+            </a:pPr>
+            <a:endParaRPr kumimoji="1" lang="ko-Kore-KR" altLang="en-US" sz="1600">
+              <a:solidFill>
+                <a:srgbClr val="00b050"/>
+              </a:solidFill>
+              <a:latin typeface="Courier New"/>
+              <a:ea typeface="맑은 고딕"/>
+              <a:cs typeface="Courier New"/>
+            </a:endParaRPr>
+          </a:p>
+        </p:txBody>
+      </p:sp>
+      <p:sp>
+        <p:nvSpPr>
+          <p:cNvPr id="107" name="TextBox 106"/>
           <p:cNvSpPr txBox="1"/>
           <p:nvPr/>
         </p:nvSpPr>
@@ -18025,35 +17689,30 @@
           <a:noFill/>
         </p:spPr>
         <p:txBody>
-          <a:bodyPr wrap="square" rtlCol="0">
+          <a:bodyPr wrap="square">
             <a:spAutoFit/>
           </a:bodyPr>
           <a:lstStyle/>
           <a:p>
-            <a:r>
-              <a:rPr kumimoji="1" lang="en-US" altLang="ko-Kore-KR" sz="1400" dirty="0">
-                <a:latin typeface="Helvetica" pitchFamily="2" charset="0"/>
+            <a:pPr lvl="0">
+              <a:defRPr/>
+            </a:pPr>
+            <a:r>
+              <a:rPr kumimoji="1" lang="en-US" altLang="ko-Kore-KR" sz="1400">
+                <a:latin typeface="Arial"/>
               </a:rPr>
               <a:t>T2</a:t>
             </a:r>
-            <a:endParaRPr kumimoji="1" lang="ko-Kore-KR" altLang="en-US" sz="1400" dirty="0">
-              <a:latin typeface="Helvetica" pitchFamily="2" charset="0"/>
+            <a:endParaRPr kumimoji="1" lang="ko-Kore-KR" altLang="en-US" sz="1400">
+              <a:latin typeface="Arial"/>
             </a:endParaRPr>
           </a:p>
         </p:txBody>
       </p:sp>
       <p:cxnSp>
         <p:nvCxnSpPr>
-          <p:cNvPr id="108" name="직선 화살표 연결선 107">
-            <a:extLst>
-              <a:ext uri="{FF2B5EF4-FFF2-40B4-BE49-F238E27FC236}">
-                <a16:creationId xmlns:a16="http://schemas.microsoft.com/office/drawing/2014/main" id="{67F8DE0A-E573-4043-975F-CB70435786AD}"/>
-              </a:ext>
-            </a:extLst>
-          </p:cNvPr>
-          <p:cNvCxnSpPr>
-            <a:cxnSpLocks/>
-          </p:cNvCxnSpPr>
+          <p:cNvPr id="108" name="직선 화살표 연결선 107"/>
+          <p:cNvCxnSpPr/>
           <p:nvPr/>
         </p:nvCxnSpPr>
         <p:spPr>
@@ -18088,20 +17747,14 @@
       </p:cxnSp>
       <p:pic>
         <p:nvPicPr>
-          <p:cNvPr id="109" name="그림 108">
-            <a:extLst>
-              <a:ext uri="{FF2B5EF4-FFF2-40B4-BE49-F238E27FC236}">
-                <a16:creationId xmlns:a16="http://schemas.microsoft.com/office/drawing/2014/main" id="{C4D407EB-D6EF-C340-B5D0-D6697AB09D12}"/>
-              </a:ext>
-            </a:extLst>
-          </p:cNvPr>
+          <p:cNvPr id="109" name="그림 108"/>
           <p:cNvPicPr>
             <a:picLocks noChangeAspect="1"/>
           </p:cNvPicPr>
           <p:nvPr/>
         </p:nvPicPr>
-        <p:blipFill>
-          <a:blip r:embed="rId2"/>
+        <p:blipFill rotWithShape="1">
+          <a:blip r:embed="rId6"/>
           <a:stretch>
             <a:fillRect/>
           </a:stretch>
@@ -18118,20 +17771,14 @@
       </p:pic>
       <p:pic>
         <p:nvPicPr>
-          <p:cNvPr id="110" name="그림 109">
-            <a:extLst>
-              <a:ext uri="{FF2B5EF4-FFF2-40B4-BE49-F238E27FC236}">
-                <a16:creationId xmlns:a16="http://schemas.microsoft.com/office/drawing/2014/main" id="{E8952419-617C-3D47-B2C1-0BC36FC9966E}"/>
-              </a:ext>
-            </a:extLst>
-          </p:cNvPr>
+          <p:cNvPr id="110" name="그림 109"/>
           <p:cNvPicPr>
             <a:picLocks noChangeAspect="1"/>
           </p:cNvPicPr>
           <p:nvPr/>
         </p:nvPicPr>
-        <p:blipFill>
-          <a:blip r:embed="rId2"/>
+        <p:blipFill rotWithShape="1">
+          <a:blip r:embed="rId7"/>
           <a:stretch>
             <a:fillRect/>
           </a:stretch>
@@ -18148,13 +17795,7 @@
       </p:pic>
       <p:sp>
         <p:nvSpPr>
-          <p:cNvPr id="111" name="모서리가 둥근 직사각형 110">
-            <a:extLst>
-              <a:ext uri="{FF2B5EF4-FFF2-40B4-BE49-F238E27FC236}">
-                <a16:creationId xmlns:a16="http://schemas.microsoft.com/office/drawing/2014/main" id="{BC5986C0-9F6A-5949-B8D5-9593734E1614}"/>
-              </a:ext>
-            </a:extLst>
-          </p:cNvPr>
+          <p:cNvPr id="111" name="모서리가 둥근 직사각형 110"/>
           <p:cNvSpPr/>
           <p:nvPr/>
         </p:nvSpPr>
@@ -18192,30 +17833,26 @@
           </a:fontRef>
         </p:style>
         <p:txBody>
-          <a:bodyPr lIns="252000" rtlCol="0" anchor="ctr"/>
-          <a:lstStyle/>
-          <a:p>
-            <a:pPr algn="ctr"/>
-            <a:endParaRPr kumimoji="1" lang="ko-Kore-KR" altLang="en-US" sz="1600" dirty="0">
-              <a:solidFill>
-                <a:srgbClr val="00B050"/>
-              </a:solidFill>
-              <a:latin typeface="Courier New" pitchFamily="49" charset="0"/>
-              <a:ea typeface="맑은 고딕" pitchFamily="50" charset="-127"/>
-              <a:cs typeface="Courier New" pitchFamily="49" charset="0"/>
-            </a:endParaRPr>
-          </a:p>
-        </p:txBody>
-      </p:sp>
-      <p:sp>
-        <p:nvSpPr>
-          <p:cNvPr id="112" name="TextBox 111">
-            <a:extLst>
-              <a:ext uri="{FF2B5EF4-FFF2-40B4-BE49-F238E27FC236}">
-                <a16:creationId xmlns:a16="http://schemas.microsoft.com/office/drawing/2014/main" id="{2CD87F8B-0D59-6B44-AD19-2134D26239AC}"/>
-              </a:ext>
-            </a:extLst>
-          </p:cNvPr>
+          <a:bodyPr lIns="252000" anchor="ctr"/>
+          <a:lstStyle/>
+          <a:p>
+            <a:pPr lvl="0" algn="ctr">
+              <a:defRPr/>
+            </a:pPr>
+            <a:endParaRPr kumimoji="1" lang="ko-Kore-KR" altLang="en-US" sz="1600">
+              <a:solidFill>
+                <a:srgbClr val="00b050"/>
+              </a:solidFill>
+              <a:latin typeface="Courier New"/>
+              <a:ea typeface="맑은 고딕"/>
+              <a:cs typeface="Courier New"/>
+            </a:endParaRPr>
+          </a:p>
+        </p:txBody>
+      </p:sp>
+      <p:sp>
+        <p:nvSpPr>
+          <p:cNvPr id="112" name="TextBox 111"/>
           <p:cNvSpPr txBox="1"/>
           <p:nvPr/>
         </p:nvSpPr>
@@ -18230,32 +17867,29 @@
           <a:noFill/>
         </p:spPr>
         <p:txBody>
-          <a:bodyPr wrap="square" rtlCol="0">
+          <a:bodyPr wrap="square">
             <a:spAutoFit/>
           </a:bodyPr>
           <a:lstStyle/>
           <a:p>
-            <a:r>
-              <a:rPr kumimoji="1" lang="en-US" altLang="ko-Kore-KR" sz="1400" dirty="0">
-                <a:latin typeface="Helvetica" pitchFamily="2" charset="0"/>
+            <a:pPr lvl="0">
+              <a:defRPr/>
+            </a:pPr>
+            <a:r>
+              <a:rPr kumimoji="1" lang="en-US" altLang="ko-Kore-KR" sz="1400">
+                <a:latin typeface="Arial"/>
               </a:rPr>
               <a:t>T3</a:t>
             </a:r>
-            <a:endParaRPr kumimoji="1" lang="ko-Kore-KR" altLang="en-US" sz="1400" dirty="0">
-              <a:latin typeface="Helvetica" pitchFamily="2" charset="0"/>
-            </a:endParaRPr>
-          </a:p>
-        </p:txBody>
-      </p:sp>
-      <p:sp>
-        <p:nvSpPr>
-          <p:cNvPr id="113" name="TextBox 112">
-            <a:extLst>
-              <a:ext uri="{FF2B5EF4-FFF2-40B4-BE49-F238E27FC236}">
-                <a16:creationId xmlns:a16="http://schemas.microsoft.com/office/drawing/2014/main" id="{DA6096B1-D14E-624A-9DEF-753AE09DF527}"/>
-              </a:ext>
-            </a:extLst>
-          </p:cNvPr>
+            <a:endParaRPr kumimoji="1" lang="ko-Kore-KR" altLang="en-US" sz="1400">
+              <a:latin typeface="Arial"/>
+            </a:endParaRPr>
+          </a:p>
+        </p:txBody>
+      </p:sp>
+      <p:sp>
+        <p:nvSpPr>
+          <p:cNvPr id="113" name="TextBox 112"/>
           <p:cNvSpPr txBox="1"/>
           <p:nvPr/>
         </p:nvSpPr>
@@ -18270,49 +17904,50 @@
           <a:noFill/>
         </p:spPr>
         <p:txBody>
-          <a:bodyPr wrap="square" rtlCol="0">
+          <a:bodyPr wrap="square">
             <a:spAutoFit/>
           </a:bodyPr>
           <a:lstStyle/>
           <a:p>
-            <a:r>
-              <a:rPr kumimoji="1" lang="en-US" altLang="ko-Kore-KR" sz="1400" strike="sngStrike" dirty="0">
-                <a:latin typeface="Helvetica" pitchFamily="2" charset="0"/>
+            <a:pPr lvl="0">
+              <a:defRPr/>
+            </a:pPr>
+            <a:r>
+              <a:rPr kumimoji="1" lang="en-US" altLang="ko-Kore-KR" sz="1400" strike="sngStrike">
+                <a:latin typeface="Arial"/>
               </a:rPr>
               <a:t>PRI =9</a:t>
             </a:r>
-          </a:p>
-          <a:p>
-            <a:r>
-              <a:rPr kumimoji="1" lang="en-US" altLang="ko-Kore-KR" sz="1400" dirty="0">
-                <a:solidFill>
-                  <a:srgbClr val="FF0000"/>
-                </a:solidFill>
-                <a:latin typeface="Helvetica" pitchFamily="2" charset="0"/>
+            <a:endParaRPr kumimoji="1" lang="en-US" altLang="ko-Kore-KR" sz="1400" strike="sngStrike">
+              <a:latin typeface="Arial"/>
+            </a:endParaRPr>
+          </a:p>
+          <a:p>
+            <a:pPr lvl="0">
+              <a:defRPr/>
+            </a:pPr>
+            <a:r>
+              <a:rPr kumimoji="1" lang="en-US" altLang="ko-Kore-KR" sz="1400">
+                <a:solidFill>
+                  <a:srgbClr val="ff0000"/>
+                </a:solidFill>
+                <a:latin typeface="Arial"/>
               </a:rPr>
               <a:t>PRI = 14</a:t>
             </a:r>
-            <a:endParaRPr kumimoji="1" lang="ko-Kore-KR" altLang="en-US" sz="1400" dirty="0">
-              <a:solidFill>
-                <a:srgbClr val="FF0000"/>
-              </a:solidFill>
-              <a:latin typeface="Helvetica" pitchFamily="2" charset="0"/>
+            <a:endParaRPr kumimoji="1" lang="ko-Kore-KR" altLang="en-US" sz="1400">
+              <a:solidFill>
+                <a:srgbClr val="ff0000"/>
+              </a:solidFill>
+              <a:latin typeface="Arial"/>
             </a:endParaRPr>
           </a:p>
         </p:txBody>
       </p:sp>
       <p:cxnSp>
         <p:nvCxnSpPr>
-          <p:cNvPr id="114" name="직선 화살표 연결선 113">
-            <a:extLst>
-              <a:ext uri="{FF2B5EF4-FFF2-40B4-BE49-F238E27FC236}">
-                <a16:creationId xmlns:a16="http://schemas.microsoft.com/office/drawing/2014/main" id="{73A68F7D-55CF-CA4C-AB00-45EF92D724E8}"/>
-              </a:ext>
-            </a:extLst>
-          </p:cNvPr>
-          <p:cNvCxnSpPr>
-            <a:cxnSpLocks/>
-          </p:cNvCxnSpPr>
+          <p:cNvPr id="114" name="직선 화살표 연결선 113"/>
+          <p:cNvCxnSpPr/>
           <p:nvPr/>
         </p:nvCxnSpPr>
         <p:spPr>
@@ -18347,13 +17982,7 @@
       </p:cxnSp>
       <p:sp>
         <p:nvSpPr>
-          <p:cNvPr id="115" name="모서리가 둥근 직사각형 114">
-            <a:extLst>
-              <a:ext uri="{FF2B5EF4-FFF2-40B4-BE49-F238E27FC236}">
-                <a16:creationId xmlns:a16="http://schemas.microsoft.com/office/drawing/2014/main" id="{D83BDFD1-B038-8C4A-85B1-55D3E73B1B6D}"/>
-              </a:ext>
-            </a:extLst>
-          </p:cNvPr>
+          <p:cNvPr id="115" name="모서리가 둥근 직사각형 114"/>
           <p:cNvSpPr/>
           <p:nvPr/>
         </p:nvSpPr>
@@ -18391,33 +18020,27 @@
           </a:fontRef>
         </p:style>
         <p:txBody>
-          <a:bodyPr lIns="252000" rtlCol="0" anchor="ctr"/>
-          <a:lstStyle/>
-          <a:p>
-            <a:pPr algn="ctr"/>
-            <a:endParaRPr kumimoji="1" lang="ko-Kore-KR" altLang="en-US" sz="1600" dirty="0">
-              <a:solidFill>
-                <a:srgbClr val="00B050"/>
-              </a:solidFill>
-              <a:latin typeface="Courier New" pitchFamily="49" charset="0"/>
-              <a:ea typeface="맑은 고딕" pitchFamily="50" charset="-127"/>
-              <a:cs typeface="Courier New" pitchFamily="49" charset="0"/>
+          <a:bodyPr lIns="252000" anchor="ctr"/>
+          <a:lstStyle/>
+          <a:p>
+            <a:pPr lvl="0" algn="ctr">
+              <a:defRPr/>
+            </a:pPr>
+            <a:endParaRPr kumimoji="1" lang="ko-Kore-KR" altLang="en-US" sz="1600">
+              <a:solidFill>
+                <a:srgbClr val="00b050"/>
+              </a:solidFill>
+              <a:latin typeface="Courier New"/>
+              <a:ea typeface="맑은 고딕"/>
+              <a:cs typeface="Courier New"/>
             </a:endParaRPr>
           </a:p>
         </p:txBody>
       </p:sp>
       <p:cxnSp>
         <p:nvCxnSpPr>
-          <p:cNvPr id="116" name="직선 화살표 연결선 115">
-            <a:extLst>
-              <a:ext uri="{FF2B5EF4-FFF2-40B4-BE49-F238E27FC236}">
-                <a16:creationId xmlns:a16="http://schemas.microsoft.com/office/drawing/2014/main" id="{70275662-5434-2047-9B27-B9BACB06856A}"/>
-              </a:ext>
-            </a:extLst>
-          </p:cNvPr>
-          <p:cNvCxnSpPr>
-            <a:cxnSpLocks/>
-          </p:cNvCxnSpPr>
+          <p:cNvPr id="116" name="직선 화살표 연결선 115"/>
+          <p:cNvCxnSpPr/>
           <p:nvPr/>
         </p:nvCxnSpPr>
         <p:spPr>
@@ -18452,16 +18075,8 @@
       </p:cxnSp>
       <p:cxnSp>
         <p:nvCxnSpPr>
-          <p:cNvPr id="117" name="직선 화살표 연결선 116">
-            <a:extLst>
-              <a:ext uri="{FF2B5EF4-FFF2-40B4-BE49-F238E27FC236}">
-                <a16:creationId xmlns:a16="http://schemas.microsoft.com/office/drawing/2014/main" id="{541810B3-5F5E-4548-8A82-18500842722D}"/>
-              </a:ext>
-            </a:extLst>
-          </p:cNvPr>
-          <p:cNvCxnSpPr>
-            <a:cxnSpLocks/>
-          </p:cNvCxnSpPr>
+          <p:cNvPr id="117" name="직선 화살표 연결선 116"/>
+          <p:cNvCxnSpPr/>
           <p:nvPr/>
         </p:nvCxnSpPr>
         <p:spPr>
@@ -18496,16 +18111,8 @@
       </p:cxnSp>
       <p:cxnSp>
         <p:nvCxnSpPr>
-          <p:cNvPr id="118" name="직선 화살표 연결선 117">
-            <a:extLst>
-              <a:ext uri="{FF2B5EF4-FFF2-40B4-BE49-F238E27FC236}">
-                <a16:creationId xmlns:a16="http://schemas.microsoft.com/office/drawing/2014/main" id="{BF786EBE-707D-F74C-B39E-973DFFD6E64C}"/>
-              </a:ext>
-            </a:extLst>
-          </p:cNvPr>
-          <p:cNvCxnSpPr>
-            <a:cxnSpLocks/>
-          </p:cNvCxnSpPr>
+          <p:cNvPr id="118" name="직선 화살표 연결선 117"/>
+          <p:cNvCxnSpPr/>
           <p:nvPr/>
         </p:nvCxnSpPr>
         <p:spPr>
@@ -18540,13 +18147,7 @@
       </p:cxnSp>
       <p:sp>
         <p:nvSpPr>
-          <p:cNvPr id="119" name="TextBox 118">
-            <a:extLst>
-              <a:ext uri="{FF2B5EF4-FFF2-40B4-BE49-F238E27FC236}">
-                <a16:creationId xmlns:a16="http://schemas.microsoft.com/office/drawing/2014/main" id="{7DDAE5FE-01A4-3B4E-9B99-C81D75190A98}"/>
-              </a:ext>
-            </a:extLst>
-          </p:cNvPr>
+          <p:cNvPr id="119" name="TextBox 118"/>
           <p:cNvSpPr txBox="1"/>
           <p:nvPr/>
         </p:nvSpPr>
@@ -18561,46 +18162,49 @@
           <a:noFill/>
         </p:spPr>
         <p:txBody>
-          <a:bodyPr wrap="square" rtlCol="0">
+          <a:bodyPr wrap="square">
             <a:spAutoFit/>
           </a:bodyPr>
           <a:lstStyle/>
           <a:p>
-            <a:r>
-              <a:rPr kumimoji="1" lang="en-US" altLang="ko-Kore-KR" sz="1400" strike="sngStrike" dirty="0">
-                <a:latin typeface="Helvetica" pitchFamily="2" charset="0"/>
+            <a:pPr lvl="0">
+              <a:defRPr/>
+            </a:pPr>
+            <a:r>
+              <a:rPr kumimoji="1" lang="en-US" altLang="ko-Kore-KR" sz="1400" strike="sngStrike">
+                <a:latin typeface="Arial"/>
               </a:rPr>
               <a:t>PRI = 7</a:t>
             </a:r>
-          </a:p>
-          <a:p>
-            <a:r>
-              <a:rPr kumimoji="1" lang="en-US" altLang="ko-Kore-KR" sz="1400" dirty="0">
-                <a:solidFill>
-                  <a:srgbClr val="FF0000"/>
-                </a:solidFill>
-                <a:latin typeface="Helvetica" pitchFamily="2" charset="0"/>
+            <a:endParaRPr kumimoji="1" lang="en-US" altLang="ko-Kore-KR" sz="1400" strike="sngStrike">
+              <a:latin typeface="Arial"/>
+            </a:endParaRPr>
+          </a:p>
+          <a:p>
+            <a:pPr lvl="0">
+              <a:defRPr/>
+            </a:pPr>
+            <a:r>
+              <a:rPr kumimoji="1" lang="en-US" altLang="ko-Kore-KR" sz="1400">
+                <a:solidFill>
+                  <a:srgbClr val="ff0000"/>
+                </a:solidFill>
+                <a:latin typeface="Arial"/>
               </a:rPr>
               <a:t>PRI = 14</a:t>
             </a:r>
-            <a:endParaRPr kumimoji="1" lang="ko-Kore-KR" altLang="en-US" sz="1400" dirty="0">
-              <a:solidFill>
-                <a:srgbClr val="FF0000"/>
-              </a:solidFill>
-              <a:latin typeface="Helvetica" pitchFamily="2" charset="0"/>
-            </a:endParaRPr>
-          </a:p>
-        </p:txBody>
-      </p:sp>
-      <p:sp>
-        <p:nvSpPr>
-          <p:cNvPr id="15" name="아래쪽 화살표[D] 14">
-            <a:extLst>
-              <a:ext uri="{FF2B5EF4-FFF2-40B4-BE49-F238E27FC236}">
-                <a16:creationId xmlns:a16="http://schemas.microsoft.com/office/drawing/2014/main" id="{6C640455-30C1-D04A-BA85-FD4AFE99E215}"/>
-              </a:ext>
-            </a:extLst>
-          </p:cNvPr>
+            <a:endParaRPr kumimoji="1" lang="ko-Kore-KR" altLang="en-US" sz="1400">
+              <a:solidFill>
+                <a:srgbClr val="ff0000"/>
+              </a:solidFill>
+              <a:latin typeface="Arial"/>
+            </a:endParaRPr>
+          </a:p>
+        </p:txBody>
+      </p:sp>
+      <p:sp>
+        <p:nvSpPr>
+          <p:cNvPr id="15" name="아래쪽 화살표[D] 14"/>
           <p:cNvSpPr/>
           <p:nvPr/>
         </p:nvSpPr>
@@ -18610,7 +18214,10 @@
             <a:ext cx="503798" cy="504056"/>
           </a:xfrm>
           <a:prstGeom prst="downArrow">
-            <a:avLst/>
+            <a:avLst>
+              <a:gd name="adj1" fmla="val 50000"/>
+              <a:gd name="adj2" fmla="val 50000"/>
+            </a:avLst>
           </a:prstGeom>
           <a:solidFill>
             <a:schemeClr val="bg1"/>
@@ -18636,30 +18243,26 @@
           </a:fontRef>
         </p:style>
         <p:txBody>
-          <a:bodyPr lIns="252000" rtlCol="0" anchor="ctr"/>
-          <a:lstStyle/>
-          <a:p>
-            <a:pPr algn="ctr"/>
-            <a:endParaRPr kumimoji="1" lang="ko-Kore-KR" altLang="en-US" sz="1600" dirty="0">
-              <a:solidFill>
-                <a:srgbClr val="00B050"/>
-              </a:solidFill>
-              <a:latin typeface="Courier New" pitchFamily="49" charset="0"/>
-              <a:ea typeface="맑은 고딕" pitchFamily="50" charset="-127"/>
-              <a:cs typeface="Courier New" pitchFamily="49" charset="0"/>
-            </a:endParaRPr>
-          </a:p>
-        </p:txBody>
-      </p:sp>
-      <p:sp>
-        <p:nvSpPr>
-          <p:cNvPr id="16" name="TextBox 15">
-            <a:extLst>
-              <a:ext uri="{FF2B5EF4-FFF2-40B4-BE49-F238E27FC236}">
-                <a16:creationId xmlns:a16="http://schemas.microsoft.com/office/drawing/2014/main" id="{BA3FA77F-652E-214C-A53F-E22792B8D58D}"/>
-              </a:ext>
-            </a:extLst>
-          </p:cNvPr>
+          <a:bodyPr lIns="252000" anchor="ctr"/>
+          <a:lstStyle/>
+          <a:p>
+            <a:pPr lvl="0" algn="ctr">
+              <a:defRPr/>
+            </a:pPr>
+            <a:endParaRPr kumimoji="1" lang="ko-Kore-KR" altLang="en-US" sz="1600">
+              <a:solidFill>
+                <a:srgbClr val="00b050"/>
+              </a:solidFill>
+              <a:latin typeface="Courier New"/>
+              <a:ea typeface="맑은 고딕"/>
+              <a:cs typeface="Courier New"/>
+            </a:endParaRPr>
+          </a:p>
+        </p:txBody>
+      </p:sp>
+      <p:sp>
+        <p:nvSpPr>
+          <p:cNvPr id="16" name="TextBox 15"/>
           <p:cNvSpPr txBox="1"/>
           <p:nvPr/>
         </p:nvSpPr>
@@ -18674,32 +18277,29 @@
           <a:noFill/>
         </p:spPr>
         <p:txBody>
-          <a:bodyPr wrap="square" rtlCol="0">
+          <a:bodyPr wrap="square">
             <a:spAutoFit/>
           </a:bodyPr>
           <a:lstStyle/>
           <a:p>
-            <a:r>
-              <a:rPr kumimoji="1" lang="en-US" altLang="ko-Kore-KR" dirty="0">
-                <a:latin typeface="Helvetica" pitchFamily="2" charset="0"/>
+            <a:pPr lvl="0">
+              <a:defRPr/>
+            </a:pPr>
+            <a:r>
+              <a:rPr kumimoji="1" lang="en-US" altLang="ko-Kore-KR">
+                <a:latin typeface="Arial"/>
               </a:rPr>
               <a:t>B</a:t>
             </a:r>
-            <a:endParaRPr kumimoji="1" lang="ko-Kore-KR" altLang="en-US" dirty="0">
-              <a:latin typeface="Helvetica" pitchFamily="2" charset="0"/>
-            </a:endParaRPr>
-          </a:p>
-        </p:txBody>
-      </p:sp>
-      <p:sp>
-        <p:nvSpPr>
-          <p:cNvPr id="120" name="TextBox 119">
-            <a:extLst>
-              <a:ext uri="{FF2B5EF4-FFF2-40B4-BE49-F238E27FC236}">
-                <a16:creationId xmlns:a16="http://schemas.microsoft.com/office/drawing/2014/main" id="{F87CA8DD-F093-FD49-84A6-01990092C52A}"/>
-              </a:ext>
-            </a:extLst>
-          </p:cNvPr>
+            <a:endParaRPr kumimoji="1" lang="ko-Kore-KR" altLang="en-US">
+              <a:latin typeface="Arial"/>
+            </a:endParaRPr>
+          </a:p>
+        </p:txBody>
+      </p:sp>
+      <p:sp>
+        <p:nvSpPr>
+          <p:cNvPr id="120" name="TextBox 119"/>
           <p:cNvSpPr txBox="1"/>
           <p:nvPr/>
         </p:nvSpPr>
@@ -18714,32 +18314,29 @@
           <a:noFill/>
         </p:spPr>
         <p:txBody>
-          <a:bodyPr wrap="square" rtlCol="0">
+          <a:bodyPr wrap="square">
             <a:spAutoFit/>
           </a:bodyPr>
           <a:lstStyle/>
           <a:p>
-            <a:r>
-              <a:rPr kumimoji="1" lang="en-US" altLang="ko-Kore-KR" dirty="0">
-                <a:latin typeface="Helvetica" pitchFamily="2" charset="0"/>
+            <a:pPr lvl="0">
+              <a:defRPr/>
+            </a:pPr>
+            <a:r>
+              <a:rPr kumimoji="1" lang="en-US" altLang="ko-Kore-KR">
+                <a:latin typeface="Arial"/>
               </a:rPr>
               <a:t>C</a:t>
             </a:r>
-            <a:endParaRPr kumimoji="1" lang="ko-Kore-KR" altLang="en-US" dirty="0">
-              <a:latin typeface="Helvetica" pitchFamily="2" charset="0"/>
-            </a:endParaRPr>
-          </a:p>
-        </p:txBody>
-      </p:sp>
-      <p:sp>
-        <p:nvSpPr>
-          <p:cNvPr id="121" name="TextBox 120">
-            <a:extLst>
-              <a:ext uri="{FF2B5EF4-FFF2-40B4-BE49-F238E27FC236}">
-                <a16:creationId xmlns:a16="http://schemas.microsoft.com/office/drawing/2014/main" id="{B497AA47-70D6-304B-935A-1931AB3DDFDC}"/>
-              </a:ext>
-            </a:extLst>
-          </p:cNvPr>
+            <a:endParaRPr kumimoji="1" lang="ko-Kore-KR" altLang="en-US">
+              <a:latin typeface="Arial"/>
+            </a:endParaRPr>
+          </a:p>
+        </p:txBody>
+      </p:sp>
+      <p:sp>
+        <p:nvSpPr>
+          <p:cNvPr id="121" name="TextBox 120"/>
           <p:cNvSpPr txBox="1"/>
           <p:nvPr/>
         </p:nvSpPr>
@@ -18754,32 +18351,29 @@
           <a:noFill/>
         </p:spPr>
         <p:txBody>
-          <a:bodyPr wrap="square" rtlCol="0">
+          <a:bodyPr wrap="square">
             <a:spAutoFit/>
           </a:bodyPr>
           <a:lstStyle/>
           <a:p>
-            <a:r>
-              <a:rPr kumimoji="1" lang="en-US" altLang="ko-Kore-KR" dirty="0">
-                <a:latin typeface="Helvetica" pitchFamily="2" charset="0"/>
+            <a:pPr lvl="0">
+              <a:defRPr/>
+            </a:pPr>
+            <a:r>
+              <a:rPr kumimoji="1" lang="en-US" altLang="ko-Kore-KR">
+                <a:latin typeface="Arial"/>
               </a:rPr>
               <a:t>A</a:t>
             </a:r>
-            <a:endParaRPr kumimoji="1" lang="ko-Kore-KR" altLang="en-US" dirty="0">
-              <a:latin typeface="Helvetica" pitchFamily="2" charset="0"/>
-            </a:endParaRPr>
-          </a:p>
-        </p:txBody>
-      </p:sp>
-      <p:sp>
-        <p:nvSpPr>
-          <p:cNvPr id="122" name="TextBox 121">
-            <a:extLst>
-              <a:ext uri="{FF2B5EF4-FFF2-40B4-BE49-F238E27FC236}">
-                <a16:creationId xmlns:a16="http://schemas.microsoft.com/office/drawing/2014/main" id="{91CAB0CC-6643-4741-AFE6-7A9DF36933F5}"/>
-              </a:ext>
-            </a:extLst>
-          </p:cNvPr>
+            <a:endParaRPr kumimoji="1" lang="ko-Kore-KR" altLang="en-US">
+              <a:latin typeface="Arial"/>
+            </a:endParaRPr>
+          </a:p>
+        </p:txBody>
+      </p:sp>
+      <p:sp>
+        <p:nvSpPr>
+          <p:cNvPr id="122" name="TextBox 121"/>
           <p:cNvSpPr txBox="1"/>
           <p:nvPr/>
         </p:nvSpPr>
@@ -18794,32 +18388,29 @@
           <a:noFill/>
         </p:spPr>
         <p:txBody>
-          <a:bodyPr wrap="square" rtlCol="0">
+          <a:bodyPr wrap="square">
             <a:spAutoFit/>
           </a:bodyPr>
           <a:lstStyle/>
           <a:p>
-            <a:r>
-              <a:rPr kumimoji="1" lang="en-US" altLang="ko-Kore-KR" dirty="0">
-                <a:latin typeface="Helvetica" pitchFamily="2" charset="0"/>
+            <a:pPr lvl="0">
+              <a:defRPr/>
+            </a:pPr>
+            <a:r>
+              <a:rPr kumimoji="1" lang="en-US" altLang="ko-Kore-KR">
+                <a:latin typeface="Arial"/>
               </a:rPr>
               <a:t>B</a:t>
             </a:r>
-            <a:endParaRPr kumimoji="1" lang="ko-Kore-KR" altLang="en-US" dirty="0">
-              <a:latin typeface="Helvetica" pitchFamily="2" charset="0"/>
-            </a:endParaRPr>
-          </a:p>
-        </p:txBody>
-      </p:sp>
-      <p:sp>
-        <p:nvSpPr>
-          <p:cNvPr id="123" name="TextBox 122">
-            <a:extLst>
-              <a:ext uri="{FF2B5EF4-FFF2-40B4-BE49-F238E27FC236}">
-                <a16:creationId xmlns:a16="http://schemas.microsoft.com/office/drawing/2014/main" id="{FE5836B0-795C-B64C-9AAD-3756E3220482}"/>
-              </a:ext>
-            </a:extLst>
-          </p:cNvPr>
+            <a:endParaRPr kumimoji="1" lang="ko-Kore-KR" altLang="en-US">
+              <a:latin typeface="Arial"/>
+            </a:endParaRPr>
+          </a:p>
+        </p:txBody>
+      </p:sp>
+      <p:sp>
+        <p:nvSpPr>
+          <p:cNvPr id="123" name="TextBox 122"/>
           <p:cNvSpPr txBox="1"/>
           <p:nvPr/>
         </p:nvSpPr>
@@ -18834,32 +18425,29 @@
           <a:noFill/>
         </p:spPr>
         <p:txBody>
-          <a:bodyPr wrap="square" rtlCol="0">
+          <a:bodyPr wrap="square">
             <a:spAutoFit/>
           </a:bodyPr>
           <a:lstStyle/>
           <a:p>
-            <a:r>
-              <a:rPr kumimoji="1" lang="en-US" altLang="ko-Kore-KR" dirty="0">
-                <a:latin typeface="Helvetica" pitchFamily="2" charset="0"/>
+            <a:pPr lvl="0">
+              <a:defRPr/>
+            </a:pPr>
+            <a:r>
+              <a:rPr kumimoji="1" lang="en-US" altLang="ko-Kore-KR">
+                <a:latin typeface="Arial"/>
               </a:rPr>
               <a:t>C</a:t>
             </a:r>
-            <a:endParaRPr kumimoji="1" lang="ko-Kore-KR" altLang="en-US" dirty="0">
-              <a:latin typeface="Helvetica" pitchFamily="2" charset="0"/>
-            </a:endParaRPr>
-          </a:p>
-        </p:txBody>
-      </p:sp>
-      <p:sp>
-        <p:nvSpPr>
-          <p:cNvPr id="124" name="TextBox 123">
-            <a:extLst>
-              <a:ext uri="{FF2B5EF4-FFF2-40B4-BE49-F238E27FC236}">
-                <a16:creationId xmlns:a16="http://schemas.microsoft.com/office/drawing/2014/main" id="{BC9D779D-E300-904E-8FF5-8D058FB387FD}"/>
-              </a:ext>
-            </a:extLst>
-          </p:cNvPr>
+            <a:endParaRPr kumimoji="1" lang="ko-Kore-KR" altLang="en-US">
+              <a:latin typeface="Arial"/>
+            </a:endParaRPr>
+          </a:p>
+        </p:txBody>
+      </p:sp>
+      <p:sp>
+        <p:nvSpPr>
+          <p:cNvPr id="124" name="TextBox 123"/>
           <p:cNvSpPr txBox="1"/>
           <p:nvPr/>
         </p:nvSpPr>
@@ -18874,32 +18462,29 @@
           <a:noFill/>
         </p:spPr>
         <p:txBody>
-          <a:bodyPr wrap="square" rtlCol="0">
+          <a:bodyPr wrap="square">
             <a:spAutoFit/>
           </a:bodyPr>
           <a:lstStyle/>
           <a:p>
-            <a:r>
-              <a:rPr kumimoji="1" lang="en-US" altLang="ko-Kore-KR" dirty="0">
-                <a:latin typeface="Helvetica" pitchFamily="2" charset="0"/>
+            <a:pPr lvl="0">
+              <a:defRPr/>
+            </a:pPr>
+            <a:r>
+              <a:rPr kumimoji="1" lang="en-US" altLang="ko-Kore-KR">
+                <a:latin typeface="Arial"/>
               </a:rPr>
               <a:t>A</a:t>
             </a:r>
-            <a:endParaRPr kumimoji="1" lang="ko-Kore-KR" altLang="en-US" dirty="0">
-              <a:latin typeface="Helvetica" pitchFamily="2" charset="0"/>
-            </a:endParaRPr>
-          </a:p>
-        </p:txBody>
-      </p:sp>
-      <p:sp>
-        <p:nvSpPr>
-          <p:cNvPr id="125" name="TextBox 124">
-            <a:extLst>
-              <a:ext uri="{FF2B5EF4-FFF2-40B4-BE49-F238E27FC236}">
-                <a16:creationId xmlns:a16="http://schemas.microsoft.com/office/drawing/2014/main" id="{359CD68F-D845-BF42-9603-983D804E6A7A}"/>
-              </a:ext>
-            </a:extLst>
-          </p:cNvPr>
+            <a:endParaRPr kumimoji="1" lang="ko-Kore-KR" altLang="en-US">
+              <a:latin typeface="Arial"/>
+            </a:endParaRPr>
+          </a:p>
+        </p:txBody>
+      </p:sp>
+      <p:sp>
+        <p:nvSpPr>
+          <p:cNvPr id="125" name="TextBox 124"/>
           <p:cNvSpPr txBox="1"/>
           <p:nvPr/>
         </p:nvSpPr>
@@ -18914,32 +18499,29 @@
           <a:noFill/>
         </p:spPr>
         <p:txBody>
-          <a:bodyPr wrap="square" rtlCol="0">
+          <a:bodyPr wrap="square">
             <a:spAutoFit/>
           </a:bodyPr>
           <a:lstStyle/>
           <a:p>
-            <a:r>
-              <a:rPr kumimoji="1" lang="en-US" altLang="ko-Kore-KR" sz="1400" dirty="0">
-                <a:latin typeface="Helvetica" pitchFamily="2" charset="0"/>
+            <a:pPr lvl="0">
+              <a:defRPr/>
+            </a:pPr>
+            <a:r>
+              <a:rPr kumimoji="1" lang="en-US" altLang="ko-Kore-KR" sz="1400">
+                <a:latin typeface="Arial"/>
               </a:rPr>
               <a:t>T4</a:t>
             </a:r>
-            <a:endParaRPr kumimoji="1" lang="ko-Kore-KR" altLang="en-US" sz="1400" dirty="0">
-              <a:latin typeface="Helvetica" pitchFamily="2" charset="0"/>
-            </a:endParaRPr>
-          </a:p>
-        </p:txBody>
-      </p:sp>
-      <p:sp>
-        <p:nvSpPr>
-          <p:cNvPr id="17" name="TextBox 16">
-            <a:extLst>
-              <a:ext uri="{FF2B5EF4-FFF2-40B4-BE49-F238E27FC236}">
-                <a16:creationId xmlns:a16="http://schemas.microsoft.com/office/drawing/2014/main" id="{EAA9B240-8EAE-EE4E-9952-67762248F90C}"/>
-              </a:ext>
-            </a:extLst>
-          </p:cNvPr>
+            <a:endParaRPr kumimoji="1" lang="ko-Kore-KR" altLang="en-US" sz="1400">
+              <a:latin typeface="Arial"/>
+            </a:endParaRPr>
+          </a:p>
+        </p:txBody>
+      </p:sp>
+      <p:sp>
+        <p:nvSpPr>
+          <p:cNvPr id="17" name="TextBox 16"/>
           <p:cNvSpPr txBox="1"/>
           <p:nvPr/>
         </p:nvSpPr>
@@ -18954,40 +18536,37 @@
           <a:noFill/>
         </p:spPr>
         <p:txBody>
-          <a:bodyPr wrap="square" rtlCol="0">
+          <a:bodyPr wrap="square">
             <a:spAutoFit/>
           </a:bodyPr>
           <a:lstStyle/>
           <a:p>
-            <a:r>
-              <a:rPr kumimoji="1" lang="en-US" altLang="ko-Kore-KR" dirty="0">
-                <a:latin typeface="Helvetica" pitchFamily="2" charset="0"/>
+            <a:pPr lvl="0">
+              <a:defRPr/>
+            </a:pPr>
+            <a:r>
+              <a:rPr kumimoji="1" lang="en-US" altLang="ko-Kore-KR">
+                <a:latin typeface="Arial"/>
               </a:rPr>
               <a:t>T4, PRI = 14:    </a:t>
             </a:r>
             <a:r>
-              <a:rPr kumimoji="1" lang="en-US" altLang="ko-Kore-KR" dirty="0">
-                <a:latin typeface="Courier New" panose="02070309020205020404" pitchFamily="49" charset="0"/>
-                <a:cs typeface="Courier New" panose="02070309020205020404" pitchFamily="49" charset="0"/>
+              <a:rPr kumimoji="1" lang="en-US" altLang="ko-Kore-KR">
+                <a:latin typeface="Courier New"/>
+                <a:cs typeface="Courier New"/>
               </a:rPr>
               <a:t>lock(C)</a:t>
             </a:r>
-            <a:endParaRPr kumimoji="1" lang="ko-Kore-KR" altLang="en-US" dirty="0">
-              <a:latin typeface="Courier New" panose="02070309020205020404" pitchFamily="49" charset="0"/>
-              <a:cs typeface="Courier New" panose="02070309020205020404" pitchFamily="49" charset="0"/>
-            </a:endParaRPr>
-          </a:p>
-        </p:txBody>
-      </p:sp>
-      <p:sp>
-        <p:nvSpPr>
-          <p:cNvPr id="126" name="TextBox 125">
-            <a:extLst>
-              <a:ext uri="{FF2B5EF4-FFF2-40B4-BE49-F238E27FC236}">
-                <a16:creationId xmlns:a16="http://schemas.microsoft.com/office/drawing/2014/main" id="{E30B917D-CC9D-674C-B671-EF6766F7DC70}"/>
-              </a:ext>
-            </a:extLst>
-          </p:cNvPr>
+            <a:endParaRPr kumimoji="1" lang="ko-Kore-KR" altLang="en-US">
+              <a:latin typeface="Courier New"/>
+              <a:cs typeface="Courier New"/>
+            </a:endParaRPr>
+          </a:p>
+        </p:txBody>
+      </p:sp>
+      <p:sp>
+        <p:nvSpPr>
+          <p:cNvPr id="126" name="TextBox 125"/>
           <p:cNvSpPr txBox="1"/>
           <p:nvPr/>
         </p:nvSpPr>
@@ -19002,41 +18581,48 @@
           <a:noFill/>
         </p:spPr>
         <p:txBody>
-          <a:bodyPr wrap="square" rtlCol="0">
+          <a:bodyPr wrap="square">
             <a:spAutoFit/>
           </a:bodyPr>
           <a:lstStyle/>
           <a:p>
-            <a:r>
-              <a:rPr kumimoji="1" lang="en-US" altLang="ko-Kore-KR" sz="1400" dirty="0">
-                <a:latin typeface="Helvetica" pitchFamily="2" charset="0"/>
+            <a:pPr lvl="0">
+              <a:defRPr/>
+            </a:pPr>
+            <a:r>
+              <a:rPr kumimoji="1" lang="en-US" altLang="ko-Kore-KR" sz="1400">
+                <a:latin typeface="Arial"/>
               </a:rPr>
               <a:t>PRI = 14</a:t>
             </a:r>
-            <a:endParaRPr kumimoji="1" lang="ko-Kore-KR" altLang="en-US" sz="1400" dirty="0">
-              <a:latin typeface="Helvetica" pitchFamily="2" charset="0"/>
+            <a:endParaRPr kumimoji="1" lang="ko-Kore-KR" altLang="en-US" sz="1400">
+              <a:latin typeface="Arial"/>
             </a:endParaRPr>
           </a:p>
         </p:txBody>
       </p:sp>
     </p:spTree>
-    <p:extLst>
-      <p:ext uri="{BB962C8B-B14F-4D97-AF65-F5344CB8AC3E}">
-        <p14:creationId xmlns:p14="http://schemas.microsoft.com/office/powerpoint/2010/main" val="1851042481"/>
-      </p:ext>
-    </p:extLst>
   </p:cSld>
   <p:clrMapOvr>
     <a:masterClrMapping/>
   </p:clrMapOvr>
-  <p:transition>
-    <p:zoom/>
-  </p:transition>
+  <mc:AlternateContent xmlns:mc="http://schemas.openxmlformats.org/markup-compatibility/2006">
+    <mc:Choice xmlns:p14="http://schemas.microsoft.com/office/powerpoint/2010/main" Requires="p14">
+      <p:transition xmlns:mc="http://schemas.openxmlformats.org/markup-compatibility/2006" xmlns:p14="http://schemas.microsoft.com/office/powerpoint/2010/main" mc:Ignorable="p14" p14:dur="500">
+        <p:zoom/>
+      </p:transition>
+    </mc:Choice>
+    <mc:Fallback>
+      <p:transition xmlns:mc="http://schemas.openxmlformats.org/markup-compatibility/2006" xmlns:hp="http://schemas.haansoft.com/office/presentation/8.0" mc:Ignorable="hp" hp:hslDur="500">
+        <p:fade/>
+      </p:transition>
+    </mc:Fallback>
+  </mc:AlternateContent>
 </p:sld>
 </file>
 
 <file path=ppt/slides/slide22.xml><?xml version="1.0" encoding="utf-8"?>
-<p:sld xmlns:a="http://schemas.openxmlformats.org/drawingml/2006/main" xmlns:r="http://schemas.openxmlformats.org/officeDocument/2006/relationships" xmlns:p="http://schemas.openxmlformats.org/presentationml/2006/main">
+<p:sld xmlns:r="http://schemas.openxmlformats.org/officeDocument/2006/relationships" xmlns:c="http://schemas.openxmlformats.org/drawingml/2006/chart" xmlns:a="http://schemas.openxmlformats.org/drawingml/2006/main" xmlns:dgm="http://schemas.openxmlformats.org/drawingml/2006/diagram" xmlns:dsp="http://schemas.microsoft.com/office/drawing/2008/diagram" xmlns:p="http://schemas.openxmlformats.org/presentationml/2006/main">
   <p:cSld>
     <p:spTree>
       <p:nvGrpSpPr>
@@ -19054,18 +18640,12 @@
       </p:grpSpPr>
       <p:sp>
         <p:nvSpPr>
-          <p:cNvPr id="2" name="제목 1">
-            <a:extLst>
-              <a:ext uri="{FF2B5EF4-FFF2-40B4-BE49-F238E27FC236}">
-                <a16:creationId xmlns:a16="http://schemas.microsoft.com/office/drawing/2014/main" id="{5C27E38E-EF00-004C-8490-A9974FC60A95}"/>
-              </a:ext>
-            </a:extLst>
-          </p:cNvPr>
+          <p:cNvPr id="2" name="제목 1"/>
           <p:cNvSpPr>
             <a:spLocks noGrp="1"/>
           </p:cNvSpPr>
           <p:nvPr>
-            <p:ph type="title"/>
+            <p:ph type="title" idx="0"/>
           </p:nvPr>
         </p:nvSpPr>
         <p:spPr/>
@@ -19073,35 +18653,32 @@
           <a:bodyPr/>
           <a:lstStyle/>
           <a:p>
-            <a:r>
-              <a:rPr lang="en-US" altLang="ko-Kore-KR" dirty="0"/>
+            <a:pPr lvl="0">
+              <a:defRPr/>
+            </a:pPr>
+            <a:r>
+              <a:rPr lang="en-US" altLang="ko-Kore-KR"/>
               <a:t>Multiple</a:t>
             </a:r>
             <a:r>
-              <a:rPr kumimoji="1" lang="en-US" altLang="ko-Kore-KR" dirty="0"/>
+              <a:rPr kumimoji="1" lang="en-US" altLang="ko-Kore-KR"/>
               <a:t> </a:t>
             </a:r>
             <a:r>
-              <a:rPr lang="en-US" altLang="ko-Kore-KR" dirty="0"/>
+              <a:rPr lang="en-US" altLang="ko-Kore-KR"/>
               <a:t>D</a:t>
             </a:r>
             <a:r>
-              <a:rPr kumimoji="1" lang="en-US" altLang="ko-Kore-KR" dirty="0"/>
+              <a:rPr kumimoji="1" lang="en-US" altLang="ko-Kore-KR"/>
               <a:t>onation</a:t>
             </a:r>
-            <a:endParaRPr kumimoji="1" lang="ko-Kore-KR" altLang="en-US" dirty="0"/>
-          </a:p>
-        </p:txBody>
-      </p:sp>
-      <p:sp>
-        <p:nvSpPr>
-          <p:cNvPr id="4" name="슬라이드 번호 개체 틀 3">
-            <a:extLst>
-              <a:ext uri="{FF2B5EF4-FFF2-40B4-BE49-F238E27FC236}">
-                <a16:creationId xmlns:a16="http://schemas.microsoft.com/office/drawing/2014/main" id="{AE9ECEFD-BC24-E64E-899A-769B75156810}"/>
-              </a:ext>
-            </a:extLst>
-          </p:cNvPr>
+            <a:endParaRPr kumimoji="1" lang="ko-Kore-KR" altLang="en-US"/>
+          </a:p>
+        </p:txBody>
+      </p:sp>
+      <p:sp>
+        <p:nvSpPr>
+          <p:cNvPr id="4" name="슬라이드 번호 개체 틀 3"/>
           <p:cNvSpPr>
             <a:spLocks noGrp="1"/>
           </p:cNvSpPr>
@@ -19114,44 +18691,45 @@
           <a:bodyPr/>
           <a:lstStyle/>
           <a:p>
-            <a:pPr>
+            <a:pPr lvl="0">
               <a:defRPr/>
             </a:pPr>
             <a:fld id="{515CC4ED-1449-4712-AE45-EBC263B4DD26}" type="slidenum">
-              <a:rPr lang="en-US" altLang="ko-KR" smtClean="0">
-                <a:solidFill>
-                  <a:srgbClr val="1F497D">
+              <a:rPr lang="en-US" altLang="ko-KR">
+                <a:solidFill>
+                  <a:srgbClr val="1f497d">
                     <a:lumMod val="50000"/>
                   </a:srgbClr>
                 </a:solidFill>
               </a:rPr>
-              <a:pPr>
+              <a:pPr lvl="0">
                 <a:defRPr/>
               </a:pPr>
-              <a:t>43</a:t>
+              <a:t>22</a:t>
             </a:fld>
             <a:r>
               <a:rPr lang="en-US" altLang="ko-KR">
                 <a:solidFill>
-                  <a:srgbClr val="1F497D">
+                  <a:srgbClr val="1f497d">
                     <a:lumMod val="50000"/>
                   </a:srgbClr>
                 </a:solidFill>
               </a:rPr>
               <a:t> </a:t>
             </a:r>
-          </a:p>
-        </p:txBody>
-      </p:sp>
-      <p:sp>
-        <p:nvSpPr>
-          <p:cNvPr id="5" name="바닥글 개체 틀 4">
-            <a:extLst>
-              <a:ext uri="{FF2B5EF4-FFF2-40B4-BE49-F238E27FC236}">
-                <a16:creationId xmlns:a16="http://schemas.microsoft.com/office/drawing/2014/main" id="{4039F769-C498-2A4B-812C-84DE49A1CF83}"/>
-              </a:ext>
-            </a:extLst>
-          </p:cNvPr>
+            <a:endParaRPr lang="en-US" altLang="ko-KR">
+              <a:solidFill>
+                <a:srgbClr val="1f497d">
+                  <a:lumMod val="50000"/>
+                </a:srgbClr>
+              </a:solidFill>
+            </a:endParaRPr>
+          </a:p>
+        </p:txBody>
+      </p:sp>
+      <p:sp>
+        <p:nvSpPr>
+          <p:cNvPr id="5" name="바닥글 개체 틀 4"/>
           <p:cNvSpPr>
             <a:spLocks noGrp="1"/>
           </p:cNvSpPr>
@@ -19164,7 +18742,7 @@
           <a:bodyPr/>
           <a:lstStyle/>
           <a:p>
-            <a:pPr fontAlgn="base">
+            <a:pPr lvl="0">
               <a:spcBef>
                 <a:spcPct val="0"/>
               </a:spcBef>
@@ -19181,7 +18759,7 @@
               </a:rPr>
               <a:t>Youjip Won</a:t>
             </a:r>
-            <a:endParaRPr kumimoji="1" lang="ko-KR" altLang="en-US" dirty="0">
+            <a:endParaRPr kumimoji="1" lang="ko-KR" altLang="en-US">
               <a:solidFill>
                 <a:prstClr val="black"/>
               </a:solidFill>
@@ -19191,19 +18769,13 @@
       </p:sp>
       <p:pic>
         <p:nvPicPr>
-          <p:cNvPr id="24" name="그림 23">
-            <a:extLst>
-              <a:ext uri="{FF2B5EF4-FFF2-40B4-BE49-F238E27FC236}">
-                <a16:creationId xmlns:a16="http://schemas.microsoft.com/office/drawing/2014/main" id="{EA5EC07E-5D85-0A42-A63A-6DBDD8669D32}"/>
-              </a:ext>
-            </a:extLst>
-          </p:cNvPr>
+          <p:cNvPr id="24" name="그림 23"/>
           <p:cNvPicPr>
             <a:picLocks noChangeAspect="1"/>
           </p:cNvPicPr>
           <p:nvPr/>
         </p:nvPicPr>
-        <p:blipFill>
+        <p:blipFill rotWithShape="1">
           <a:blip r:embed="rId2"/>
           <a:stretch>
             <a:fillRect/>
@@ -19221,13 +18793,7 @@
       </p:pic>
       <p:sp>
         <p:nvSpPr>
-          <p:cNvPr id="25" name="모서리가 둥근 직사각형 24">
-            <a:extLst>
-              <a:ext uri="{FF2B5EF4-FFF2-40B4-BE49-F238E27FC236}">
-                <a16:creationId xmlns:a16="http://schemas.microsoft.com/office/drawing/2014/main" id="{B2C98994-4CD7-A64E-87F6-F0E5F964A38A}"/>
-              </a:ext>
-            </a:extLst>
-          </p:cNvPr>
+          <p:cNvPr id="25" name="모서리가 둥근 직사각형 24"/>
           <p:cNvSpPr/>
           <p:nvPr/>
         </p:nvSpPr>
@@ -19265,30 +18831,26 @@
           </a:fontRef>
         </p:style>
         <p:txBody>
-          <a:bodyPr lIns="252000" rtlCol="0" anchor="ctr"/>
-          <a:lstStyle/>
-          <a:p>
-            <a:pPr algn="ctr"/>
-            <a:endParaRPr kumimoji="1" lang="ko-Kore-KR" altLang="en-US" sz="1600" dirty="0">
-              <a:solidFill>
-                <a:srgbClr val="00B050"/>
-              </a:solidFill>
-              <a:latin typeface="Courier New" pitchFamily="49" charset="0"/>
-              <a:ea typeface="맑은 고딕" pitchFamily="50" charset="-127"/>
-              <a:cs typeface="Courier New" pitchFamily="49" charset="0"/>
-            </a:endParaRPr>
-          </a:p>
-        </p:txBody>
-      </p:sp>
-      <p:sp>
-        <p:nvSpPr>
-          <p:cNvPr id="26" name="TextBox 25">
-            <a:extLst>
-              <a:ext uri="{FF2B5EF4-FFF2-40B4-BE49-F238E27FC236}">
-                <a16:creationId xmlns:a16="http://schemas.microsoft.com/office/drawing/2014/main" id="{79D94A54-7342-0047-8144-1F5A15BE5504}"/>
-              </a:ext>
-            </a:extLst>
-          </p:cNvPr>
+          <a:bodyPr lIns="252000" anchor="ctr"/>
+          <a:lstStyle/>
+          <a:p>
+            <a:pPr lvl="0" algn="ctr">
+              <a:defRPr/>
+            </a:pPr>
+            <a:endParaRPr kumimoji="1" lang="ko-Kore-KR" altLang="en-US" sz="1600">
+              <a:solidFill>
+                <a:srgbClr val="00b050"/>
+              </a:solidFill>
+              <a:latin typeface="Courier New"/>
+              <a:ea typeface="맑은 고딕"/>
+              <a:cs typeface="Courier New"/>
+            </a:endParaRPr>
+          </a:p>
+        </p:txBody>
+      </p:sp>
+      <p:sp>
+        <p:nvSpPr>
+          <p:cNvPr id="26" name="TextBox 25"/>
           <p:cNvSpPr txBox="1"/>
           <p:nvPr/>
         </p:nvSpPr>
@@ -19303,32 +18865,29 @@
           <a:noFill/>
         </p:spPr>
         <p:txBody>
-          <a:bodyPr wrap="square" rtlCol="0">
+          <a:bodyPr wrap="square">
             <a:spAutoFit/>
           </a:bodyPr>
           <a:lstStyle/>
           <a:p>
-            <a:r>
-              <a:rPr kumimoji="1" lang="en-US" altLang="ko-Kore-KR" sz="1400" dirty="0">
-                <a:latin typeface="Helvetica" pitchFamily="2" charset="0"/>
+            <a:pPr lvl="0">
+              <a:defRPr/>
+            </a:pPr>
+            <a:r>
+              <a:rPr kumimoji="1" lang="en-US" altLang="ko-Kore-KR" sz="1400">
+                <a:latin typeface="Arial"/>
               </a:rPr>
               <a:t>T1</a:t>
             </a:r>
-            <a:endParaRPr kumimoji="1" lang="ko-Kore-KR" altLang="en-US" sz="1400" dirty="0">
-              <a:latin typeface="Helvetica" pitchFamily="2" charset="0"/>
-            </a:endParaRPr>
-          </a:p>
-        </p:txBody>
-      </p:sp>
-      <p:sp>
-        <p:nvSpPr>
-          <p:cNvPr id="27" name="TextBox 26">
-            <a:extLst>
-              <a:ext uri="{FF2B5EF4-FFF2-40B4-BE49-F238E27FC236}">
-                <a16:creationId xmlns:a16="http://schemas.microsoft.com/office/drawing/2014/main" id="{1858E70D-0CB1-744F-8E94-B15F60D170AA}"/>
-              </a:ext>
-            </a:extLst>
-          </p:cNvPr>
+            <a:endParaRPr kumimoji="1" lang="ko-Kore-KR" altLang="en-US" sz="1400">
+              <a:latin typeface="Arial"/>
+            </a:endParaRPr>
+          </a:p>
+        </p:txBody>
+      </p:sp>
+      <p:sp>
+        <p:nvSpPr>
+          <p:cNvPr id="27" name="TextBox 26"/>
           <p:cNvSpPr txBox="1"/>
           <p:nvPr/>
         </p:nvSpPr>
@@ -19343,35 +18902,30 @@
           <a:noFill/>
         </p:spPr>
         <p:txBody>
-          <a:bodyPr wrap="square" rtlCol="0">
+          <a:bodyPr wrap="square">
             <a:spAutoFit/>
           </a:bodyPr>
           <a:lstStyle/>
           <a:p>
-            <a:r>
-              <a:rPr kumimoji="1" lang="en-US" altLang="ko-Kore-KR" sz="1400" strike="sngStrike" dirty="0">
-                <a:latin typeface="Helvetica" pitchFamily="2" charset="0"/>
+            <a:pPr lvl="0">
+              <a:defRPr/>
+            </a:pPr>
+            <a:r>
+              <a:rPr kumimoji="1" lang="en-US" altLang="ko-Kore-KR" sz="1400" strike="sngStrike">
+                <a:latin typeface="Arial"/>
               </a:rPr>
               <a:t>PRI =10</a:t>
             </a:r>
-            <a:endParaRPr kumimoji="1" lang="ko-Kore-KR" altLang="en-US" sz="1400" strike="sngStrike" dirty="0">
-              <a:latin typeface="Helvetica" pitchFamily="2" charset="0"/>
+            <a:endParaRPr kumimoji="1" lang="ko-Kore-KR" altLang="en-US" sz="1400" strike="sngStrike">
+              <a:latin typeface="Arial"/>
             </a:endParaRPr>
           </a:p>
         </p:txBody>
       </p:sp>
       <p:cxnSp>
         <p:nvCxnSpPr>
-          <p:cNvPr id="28" name="직선 화살표 연결선 27">
-            <a:extLst>
-              <a:ext uri="{FF2B5EF4-FFF2-40B4-BE49-F238E27FC236}">
-                <a16:creationId xmlns:a16="http://schemas.microsoft.com/office/drawing/2014/main" id="{77491081-00A2-CD41-BFF9-48DF25C8D8D3}"/>
-              </a:ext>
-            </a:extLst>
-          </p:cNvPr>
-          <p:cNvCxnSpPr>
-            <a:cxnSpLocks/>
-          </p:cNvCxnSpPr>
+          <p:cNvPr id="28" name="직선 화살표 연결선 27"/>
+          <p:cNvCxnSpPr/>
           <p:nvPr/>
         </p:nvCxnSpPr>
         <p:spPr>
@@ -19406,13 +18960,7 @@
       </p:cxnSp>
       <p:sp>
         <p:nvSpPr>
-          <p:cNvPr id="29" name="모서리가 둥근 직사각형 28">
-            <a:extLst>
-              <a:ext uri="{FF2B5EF4-FFF2-40B4-BE49-F238E27FC236}">
-                <a16:creationId xmlns:a16="http://schemas.microsoft.com/office/drawing/2014/main" id="{4F4BBFF8-7A0C-1245-9F5C-A22784404098}"/>
-              </a:ext>
-            </a:extLst>
-          </p:cNvPr>
+          <p:cNvPr id="29" name="모서리가 둥근 직사각형 28"/>
           <p:cNvSpPr/>
           <p:nvPr/>
         </p:nvSpPr>
@@ -19450,30 +18998,26 @@
           </a:fontRef>
         </p:style>
         <p:txBody>
-          <a:bodyPr lIns="252000" rtlCol="0" anchor="ctr"/>
-          <a:lstStyle/>
-          <a:p>
-            <a:pPr algn="ctr"/>
-            <a:endParaRPr kumimoji="1" lang="ko-Kore-KR" altLang="en-US" sz="1600" dirty="0">
-              <a:solidFill>
-                <a:srgbClr val="00B050"/>
-              </a:solidFill>
-              <a:latin typeface="Courier New" pitchFamily="49" charset="0"/>
-              <a:ea typeface="맑은 고딕" pitchFamily="50" charset="-127"/>
-              <a:cs typeface="Courier New" pitchFamily="49" charset="0"/>
-            </a:endParaRPr>
-          </a:p>
-        </p:txBody>
-      </p:sp>
-      <p:sp>
-        <p:nvSpPr>
-          <p:cNvPr id="30" name="TextBox 29">
-            <a:extLst>
-              <a:ext uri="{FF2B5EF4-FFF2-40B4-BE49-F238E27FC236}">
-                <a16:creationId xmlns:a16="http://schemas.microsoft.com/office/drawing/2014/main" id="{AE9B2A45-64B2-D240-8948-F1A160AC3F4A}"/>
-              </a:ext>
-            </a:extLst>
-          </p:cNvPr>
+          <a:bodyPr lIns="252000" anchor="ctr"/>
+          <a:lstStyle/>
+          <a:p>
+            <a:pPr lvl="0" algn="ctr">
+              <a:defRPr/>
+            </a:pPr>
+            <a:endParaRPr kumimoji="1" lang="ko-Kore-KR" altLang="en-US" sz="1600">
+              <a:solidFill>
+                <a:srgbClr val="00b050"/>
+              </a:solidFill>
+              <a:latin typeface="Courier New"/>
+              <a:ea typeface="맑은 고딕"/>
+              <a:cs typeface="Courier New"/>
+            </a:endParaRPr>
+          </a:p>
+        </p:txBody>
+      </p:sp>
+      <p:sp>
+        <p:nvSpPr>
+          <p:cNvPr id="30" name="TextBox 29"/>
           <p:cNvSpPr txBox="1"/>
           <p:nvPr/>
         </p:nvSpPr>
@@ -19488,35 +19032,30 @@
           <a:noFill/>
         </p:spPr>
         <p:txBody>
-          <a:bodyPr wrap="square" rtlCol="0">
+          <a:bodyPr wrap="square">
             <a:spAutoFit/>
           </a:bodyPr>
           <a:lstStyle/>
           <a:p>
-            <a:r>
-              <a:rPr kumimoji="1" lang="en-US" altLang="ko-Kore-KR" sz="1400" dirty="0">
-                <a:latin typeface="Helvetica" pitchFamily="2" charset="0"/>
+            <a:pPr lvl="0">
+              <a:defRPr/>
+            </a:pPr>
+            <a:r>
+              <a:rPr kumimoji="1" lang="en-US" altLang="ko-Kore-KR" sz="1400">
+                <a:latin typeface="Arial"/>
               </a:rPr>
               <a:t>T2</a:t>
             </a:r>
-            <a:endParaRPr kumimoji="1" lang="ko-Kore-KR" altLang="en-US" sz="1400" dirty="0">
-              <a:latin typeface="Helvetica" pitchFamily="2" charset="0"/>
+            <a:endParaRPr kumimoji="1" lang="ko-Kore-KR" altLang="en-US" sz="1400">
+              <a:latin typeface="Arial"/>
             </a:endParaRPr>
           </a:p>
         </p:txBody>
       </p:sp>
       <p:cxnSp>
         <p:nvCxnSpPr>
-          <p:cNvPr id="66" name="직선 화살표 연결선 65">
-            <a:extLst>
-              <a:ext uri="{FF2B5EF4-FFF2-40B4-BE49-F238E27FC236}">
-                <a16:creationId xmlns:a16="http://schemas.microsoft.com/office/drawing/2014/main" id="{B454AB86-8773-DA4A-A81E-B7E670255D60}"/>
-              </a:ext>
-            </a:extLst>
-          </p:cNvPr>
-          <p:cNvCxnSpPr>
-            <a:cxnSpLocks/>
-          </p:cNvCxnSpPr>
+          <p:cNvPr id="66" name="직선 화살표 연결선 65"/>
+          <p:cNvCxnSpPr/>
           <p:nvPr/>
         </p:nvCxnSpPr>
         <p:spPr>
@@ -19551,20 +19090,14 @@
       </p:cxnSp>
       <p:pic>
         <p:nvPicPr>
-          <p:cNvPr id="67" name="그림 66">
-            <a:extLst>
-              <a:ext uri="{FF2B5EF4-FFF2-40B4-BE49-F238E27FC236}">
-                <a16:creationId xmlns:a16="http://schemas.microsoft.com/office/drawing/2014/main" id="{867D30D1-91FF-A349-8E27-4A2BA77F28F1}"/>
-              </a:ext>
-            </a:extLst>
-          </p:cNvPr>
+          <p:cNvPr id="67" name="그림 66"/>
           <p:cNvPicPr>
             <a:picLocks noChangeAspect="1"/>
           </p:cNvPicPr>
           <p:nvPr/>
         </p:nvPicPr>
-        <p:blipFill>
-          <a:blip r:embed="rId2"/>
+        <p:blipFill rotWithShape="1">
+          <a:blip r:embed="rId3"/>
           <a:stretch>
             <a:fillRect/>
           </a:stretch>
@@ -19581,20 +19114,14 @@
       </p:pic>
       <p:pic>
         <p:nvPicPr>
-          <p:cNvPr id="68" name="그림 67">
-            <a:extLst>
-              <a:ext uri="{FF2B5EF4-FFF2-40B4-BE49-F238E27FC236}">
-                <a16:creationId xmlns:a16="http://schemas.microsoft.com/office/drawing/2014/main" id="{2B91F58C-855D-C644-87A0-0A89428BCACF}"/>
-              </a:ext>
-            </a:extLst>
-          </p:cNvPr>
+          <p:cNvPr id="68" name="그림 67"/>
           <p:cNvPicPr>
             <a:picLocks noChangeAspect="1"/>
           </p:cNvPicPr>
           <p:nvPr/>
         </p:nvPicPr>
-        <p:blipFill>
-          <a:blip r:embed="rId2"/>
+        <p:blipFill rotWithShape="1">
+          <a:blip r:embed="rId4"/>
           <a:stretch>
             <a:fillRect/>
           </a:stretch>
@@ -19611,13 +19138,7 @@
       </p:pic>
       <p:sp>
         <p:nvSpPr>
-          <p:cNvPr id="69" name="모서리가 둥근 직사각형 68">
-            <a:extLst>
-              <a:ext uri="{FF2B5EF4-FFF2-40B4-BE49-F238E27FC236}">
-                <a16:creationId xmlns:a16="http://schemas.microsoft.com/office/drawing/2014/main" id="{7AE98882-0B4B-5542-A89E-68BE6AB292D3}"/>
-              </a:ext>
-            </a:extLst>
-          </p:cNvPr>
+          <p:cNvPr id="69" name="모서리가 둥근 직사각형 68"/>
           <p:cNvSpPr/>
           <p:nvPr/>
         </p:nvSpPr>
@@ -19655,30 +19176,26 @@
           </a:fontRef>
         </p:style>
         <p:txBody>
-          <a:bodyPr lIns="252000" rtlCol="0" anchor="ctr"/>
-          <a:lstStyle/>
-          <a:p>
-            <a:pPr algn="ctr"/>
-            <a:endParaRPr kumimoji="1" lang="ko-Kore-KR" altLang="en-US" sz="1600" dirty="0">
-              <a:solidFill>
-                <a:srgbClr val="00B050"/>
-              </a:solidFill>
-              <a:latin typeface="Courier New" pitchFamily="49" charset="0"/>
-              <a:ea typeface="맑은 고딕" pitchFamily="50" charset="-127"/>
-              <a:cs typeface="Courier New" pitchFamily="49" charset="0"/>
-            </a:endParaRPr>
-          </a:p>
-        </p:txBody>
-      </p:sp>
-      <p:sp>
-        <p:nvSpPr>
-          <p:cNvPr id="70" name="TextBox 69">
-            <a:extLst>
-              <a:ext uri="{FF2B5EF4-FFF2-40B4-BE49-F238E27FC236}">
-                <a16:creationId xmlns:a16="http://schemas.microsoft.com/office/drawing/2014/main" id="{D636F687-5DD6-9845-95DA-7871BB02C3C7}"/>
-              </a:ext>
-            </a:extLst>
-          </p:cNvPr>
+          <a:bodyPr lIns="252000" anchor="ctr"/>
+          <a:lstStyle/>
+          <a:p>
+            <a:pPr lvl="0" algn="ctr">
+              <a:defRPr/>
+            </a:pPr>
+            <a:endParaRPr kumimoji="1" lang="ko-Kore-KR" altLang="en-US" sz="1600">
+              <a:solidFill>
+                <a:srgbClr val="00b050"/>
+              </a:solidFill>
+              <a:latin typeface="Courier New"/>
+              <a:ea typeface="맑은 고딕"/>
+              <a:cs typeface="Courier New"/>
+            </a:endParaRPr>
+          </a:p>
+        </p:txBody>
+      </p:sp>
+      <p:sp>
+        <p:nvSpPr>
+          <p:cNvPr id="70" name="TextBox 69"/>
           <p:cNvSpPr txBox="1"/>
           <p:nvPr/>
         </p:nvSpPr>
@@ -19693,32 +19210,29 @@
           <a:noFill/>
         </p:spPr>
         <p:txBody>
-          <a:bodyPr wrap="square" rtlCol="0">
+          <a:bodyPr wrap="square">
             <a:spAutoFit/>
           </a:bodyPr>
           <a:lstStyle/>
           <a:p>
-            <a:r>
-              <a:rPr kumimoji="1" lang="en-US" altLang="ko-Kore-KR" sz="1400" dirty="0">
-                <a:latin typeface="Helvetica" pitchFamily="2" charset="0"/>
+            <a:pPr lvl="0">
+              <a:defRPr/>
+            </a:pPr>
+            <a:r>
+              <a:rPr kumimoji="1" lang="en-US" altLang="ko-Kore-KR" sz="1400">
+                <a:latin typeface="Arial"/>
               </a:rPr>
               <a:t>T3</a:t>
             </a:r>
-            <a:endParaRPr kumimoji="1" lang="ko-Kore-KR" altLang="en-US" sz="1400" dirty="0">
-              <a:latin typeface="Helvetica" pitchFamily="2" charset="0"/>
-            </a:endParaRPr>
-          </a:p>
-        </p:txBody>
-      </p:sp>
-      <p:sp>
-        <p:nvSpPr>
-          <p:cNvPr id="71" name="TextBox 70">
-            <a:extLst>
-              <a:ext uri="{FF2B5EF4-FFF2-40B4-BE49-F238E27FC236}">
-                <a16:creationId xmlns:a16="http://schemas.microsoft.com/office/drawing/2014/main" id="{330422F3-CC37-7346-AA4B-14181637C20B}"/>
-              </a:ext>
-            </a:extLst>
-          </p:cNvPr>
+            <a:endParaRPr kumimoji="1" lang="ko-Kore-KR" altLang="en-US" sz="1400">
+              <a:latin typeface="Arial"/>
+            </a:endParaRPr>
+          </a:p>
+        </p:txBody>
+      </p:sp>
+      <p:sp>
+        <p:nvSpPr>
+          <p:cNvPr id="71" name="TextBox 70"/>
           <p:cNvSpPr txBox="1"/>
           <p:nvPr/>
         </p:nvSpPr>
@@ -19733,35 +19247,30 @@
           <a:noFill/>
         </p:spPr>
         <p:txBody>
-          <a:bodyPr wrap="square" rtlCol="0">
+          <a:bodyPr wrap="square">
             <a:spAutoFit/>
           </a:bodyPr>
           <a:lstStyle/>
           <a:p>
-            <a:r>
-              <a:rPr kumimoji="1" lang="en-US" altLang="ko-Kore-KR" sz="1400" dirty="0">
-                <a:latin typeface="Helvetica" pitchFamily="2" charset="0"/>
+            <a:pPr lvl="0">
+              <a:defRPr/>
+            </a:pPr>
+            <a:r>
+              <a:rPr kumimoji="1" lang="en-US" altLang="ko-Kore-KR" sz="1400">
+                <a:latin typeface="Arial"/>
               </a:rPr>
               <a:t>PRI =12</a:t>
             </a:r>
-            <a:endParaRPr kumimoji="1" lang="ko-Kore-KR" altLang="en-US" sz="1400" dirty="0">
-              <a:latin typeface="Helvetica" pitchFamily="2" charset="0"/>
+            <a:endParaRPr kumimoji="1" lang="ko-Kore-KR" altLang="en-US" sz="1400">
+              <a:latin typeface="Arial"/>
             </a:endParaRPr>
           </a:p>
         </p:txBody>
       </p:sp>
       <p:cxnSp>
         <p:nvCxnSpPr>
-          <p:cNvPr id="72" name="직선 화살표 연결선 71">
-            <a:extLst>
-              <a:ext uri="{FF2B5EF4-FFF2-40B4-BE49-F238E27FC236}">
-                <a16:creationId xmlns:a16="http://schemas.microsoft.com/office/drawing/2014/main" id="{82B59BD3-A398-3E48-A2E2-1A20B54224CF}"/>
-              </a:ext>
-            </a:extLst>
-          </p:cNvPr>
-          <p:cNvCxnSpPr>
-            <a:cxnSpLocks/>
-          </p:cNvCxnSpPr>
+          <p:cNvPr id="72" name="직선 화살표 연결선 71"/>
+          <p:cNvCxnSpPr/>
           <p:nvPr/>
         </p:nvCxnSpPr>
         <p:spPr>
@@ -19796,16 +19305,8 @@
       </p:cxnSp>
       <p:cxnSp>
         <p:nvCxnSpPr>
-          <p:cNvPr id="77" name="직선 화살표 연결선 76">
-            <a:extLst>
-              <a:ext uri="{FF2B5EF4-FFF2-40B4-BE49-F238E27FC236}">
-                <a16:creationId xmlns:a16="http://schemas.microsoft.com/office/drawing/2014/main" id="{D5AF25A4-3FC8-DD48-A12F-644B7B9EC986}"/>
-              </a:ext>
-            </a:extLst>
-          </p:cNvPr>
-          <p:cNvCxnSpPr>
-            <a:cxnSpLocks/>
-          </p:cNvCxnSpPr>
+          <p:cNvPr id="77" name="직선 화살표 연결선 76"/>
+          <p:cNvCxnSpPr/>
           <p:nvPr/>
         </p:nvCxnSpPr>
         <p:spPr>
@@ -19840,16 +19341,8 @@
       </p:cxnSp>
       <p:cxnSp>
         <p:nvCxnSpPr>
-          <p:cNvPr id="78" name="직선 화살표 연결선 77">
-            <a:extLst>
-              <a:ext uri="{FF2B5EF4-FFF2-40B4-BE49-F238E27FC236}">
-                <a16:creationId xmlns:a16="http://schemas.microsoft.com/office/drawing/2014/main" id="{C8B657CD-8AC3-E14D-A7A3-4DB81ADB0D92}"/>
-              </a:ext>
-            </a:extLst>
-          </p:cNvPr>
-          <p:cNvCxnSpPr>
-            <a:cxnSpLocks/>
-          </p:cNvCxnSpPr>
+          <p:cNvPr id="78" name="직선 화살표 연결선 77"/>
+          <p:cNvCxnSpPr/>
           <p:nvPr/>
         </p:nvCxnSpPr>
         <p:spPr>
@@ -19884,13 +19377,7 @@
       </p:cxnSp>
       <p:sp>
         <p:nvSpPr>
-          <p:cNvPr id="79" name="TextBox 78">
-            <a:extLst>
-              <a:ext uri="{FF2B5EF4-FFF2-40B4-BE49-F238E27FC236}">
-                <a16:creationId xmlns:a16="http://schemas.microsoft.com/office/drawing/2014/main" id="{8E927956-3C77-C743-9D5A-5C2E5B307128}"/>
-              </a:ext>
-            </a:extLst>
-          </p:cNvPr>
+          <p:cNvPr id="79" name="TextBox 78"/>
           <p:cNvSpPr txBox="1"/>
           <p:nvPr/>
         </p:nvSpPr>
@@ -19905,32 +19392,29 @@
           <a:noFill/>
         </p:spPr>
         <p:txBody>
-          <a:bodyPr wrap="square" rtlCol="0">
+          <a:bodyPr wrap="square">
             <a:spAutoFit/>
           </a:bodyPr>
           <a:lstStyle/>
           <a:p>
-            <a:r>
-              <a:rPr kumimoji="1" lang="en-US" altLang="ko-Kore-KR" sz="1400" dirty="0">
-                <a:latin typeface="Helvetica" pitchFamily="2" charset="0"/>
+            <a:pPr lvl="0">
+              <a:defRPr/>
+            </a:pPr>
+            <a:r>
+              <a:rPr kumimoji="1" lang="en-US" altLang="ko-Kore-KR" sz="1400">
+                <a:latin typeface="Arial"/>
               </a:rPr>
               <a:t>PRI = 11</a:t>
             </a:r>
-            <a:endParaRPr kumimoji="1" lang="ko-Kore-KR" altLang="en-US" sz="1400" dirty="0">
-              <a:latin typeface="Helvetica" pitchFamily="2" charset="0"/>
-            </a:endParaRPr>
-          </a:p>
-        </p:txBody>
-      </p:sp>
-      <p:sp>
-        <p:nvSpPr>
-          <p:cNvPr id="16" name="TextBox 15">
-            <a:extLst>
-              <a:ext uri="{FF2B5EF4-FFF2-40B4-BE49-F238E27FC236}">
-                <a16:creationId xmlns:a16="http://schemas.microsoft.com/office/drawing/2014/main" id="{BA3FA77F-652E-214C-A53F-E22792B8D58D}"/>
-              </a:ext>
-            </a:extLst>
-          </p:cNvPr>
+            <a:endParaRPr kumimoji="1" lang="ko-Kore-KR" altLang="en-US" sz="1400">
+              <a:latin typeface="Arial"/>
+            </a:endParaRPr>
+          </a:p>
+        </p:txBody>
+      </p:sp>
+      <p:sp>
+        <p:nvSpPr>
+          <p:cNvPr id="16" name="TextBox 15"/>
           <p:cNvSpPr txBox="1"/>
           <p:nvPr/>
         </p:nvSpPr>
@@ -19945,32 +19429,29 @@
           <a:noFill/>
         </p:spPr>
         <p:txBody>
-          <a:bodyPr wrap="square" rtlCol="0">
+          <a:bodyPr wrap="square">
             <a:spAutoFit/>
           </a:bodyPr>
           <a:lstStyle/>
           <a:p>
-            <a:r>
-              <a:rPr kumimoji="1" lang="en-US" altLang="ko-Kore-KR" dirty="0">
-                <a:latin typeface="Helvetica" pitchFamily="2" charset="0"/>
+            <a:pPr lvl="0">
+              <a:defRPr/>
+            </a:pPr>
+            <a:r>
+              <a:rPr kumimoji="1" lang="en-US" altLang="ko-Kore-KR">
+                <a:latin typeface="Arial"/>
               </a:rPr>
               <a:t>B</a:t>
             </a:r>
-            <a:endParaRPr kumimoji="1" lang="ko-Kore-KR" altLang="en-US" dirty="0">
-              <a:latin typeface="Helvetica" pitchFamily="2" charset="0"/>
-            </a:endParaRPr>
-          </a:p>
-        </p:txBody>
-      </p:sp>
-      <p:sp>
-        <p:nvSpPr>
-          <p:cNvPr id="120" name="TextBox 119">
-            <a:extLst>
-              <a:ext uri="{FF2B5EF4-FFF2-40B4-BE49-F238E27FC236}">
-                <a16:creationId xmlns:a16="http://schemas.microsoft.com/office/drawing/2014/main" id="{F87CA8DD-F093-FD49-84A6-01990092C52A}"/>
-              </a:ext>
-            </a:extLst>
-          </p:cNvPr>
+            <a:endParaRPr kumimoji="1" lang="ko-Kore-KR" altLang="en-US">
+              <a:latin typeface="Arial"/>
+            </a:endParaRPr>
+          </a:p>
+        </p:txBody>
+      </p:sp>
+      <p:sp>
+        <p:nvSpPr>
+          <p:cNvPr id="120" name="TextBox 119"/>
           <p:cNvSpPr txBox="1"/>
           <p:nvPr/>
         </p:nvSpPr>
@@ -19985,32 +19466,29 @@
           <a:noFill/>
         </p:spPr>
         <p:txBody>
-          <a:bodyPr wrap="square" rtlCol="0">
+          <a:bodyPr wrap="square">
             <a:spAutoFit/>
           </a:bodyPr>
           <a:lstStyle/>
           <a:p>
-            <a:r>
-              <a:rPr kumimoji="1" lang="en-US" altLang="ko-Kore-KR" dirty="0">
-                <a:latin typeface="Helvetica" pitchFamily="2" charset="0"/>
+            <a:pPr lvl="0">
+              <a:defRPr/>
+            </a:pPr>
+            <a:r>
+              <a:rPr kumimoji="1" lang="en-US" altLang="ko-Kore-KR">
+                <a:latin typeface="Arial"/>
               </a:rPr>
               <a:t>C</a:t>
             </a:r>
-            <a:endParaRPr kumimoji="1" lang="ko-Kore-KR" altLang="en-US" dirty="0">
-              <a:latin typeface="Helvetica" pitchFamily="2" charset="0"/>
-            </a:endParaRPr>
-          </a:p>
-        </p:txBody>
-      </p:sp>
-      <p:sp>
-        <p:nvSpPr>
-          <p:cNvPr id="121" name="TextBox 120">
-            <a:extLst>
-              <a:ext uri="{FF2B5EF4-FFF2-40B4-BE49-F238E27FC236}">
-                <a16:creationId xmlns:a16="http://schemas.microsoft.com/office/drawing/2014/main" id="{B497AA47-70D6-304B-935A-1931AB3DDFDC}"/>
-              </a:ext>
-            </a:extLst>
-          </p:cNvPr>
+            <a:endParaRPr kumimoji="1" lang="ko-Kore-KR" altLang="en-US">
+              <a:latin typeface="Arial"/>
+            </a:endParaRPr>
+          </a:p>
+        </p:txBody>
+      </p:sp>
+      <p:sp>
+        <p:nvSpPr>
+          <p:cNvPr id="121" name="TextBox 120"/>
           <p:cNvSpPr txBox="1"/>
           <p:nvPr/>
         </p:nvSpPr>
@@ -20025,32 +19503,29 @@
           <a:noFill/>
         </p:spPr>
         <p:txBody>
-          <a:bodyPr wrap="square" rtlCol="0">
+          <a:bodyPr wrap="square">
             <a:spAutoFit/>
           </a:bodyPr>
           <a:lstStyle/>
           <a:p>
-            <a:r>
-              <a:rPr kumimoji="1" lang="en-US" altLang="ko-Kore-KR" dirty="0">
-                <a:latin typeface="Helvetica" pitchFamily="2" charset="0"/>
+            <a:pPr lvl="0">
+              <a:defRPr/>
+            </a:pPr>
+            <a:r>
+              <a:rPr kumimoji="1" lang="en-US" altLang="ko-Kore-KR">
+                <a:latin typeface="Arial"/>
               </a:rPr>
               <a:t>A</a:t>
             </a:r>
-            <a:endParaRPr kumimoji="1" lang="ko-Kore-KR" altLang="en-US" dirty="0">
-              <a:latin typeface="Helvetica" pitchFamily="2" charset="0"/>
-            </a:endParaRPr>
-          </a:p>
-        </p:txBody>
-      </p:sp>
-      <p:sp>
-        <p:nvSpPr>
-          <p:cNvPr id="57" name="모서리가 둥근 직사각형 56">
-            <a:extLst>
-              <a:ext uri="{FF2B5EF4-FFF2-40B4-BE49-F238E27FC236}">
-                <a16:creationId xmlns:a16="http://schemas.microsoft.com/office/drawing/2014/main" id="{1CCBD2FE-748C-9641-B1A3-D80EDDC9BFB9}"/>
-              </a:ext>
-            </a:extLst>
-          </p:cNvPr>
+            <a:endParaRPr kumimoji="1" lang="ko-Kore-KR" altLang="en-US">
+              <a:latin typeface="Arial"/>
+            </a:endParaRPr>
+          </a:p>
+        </p:txBody>
+      </p:sp>
+      <p:sp>
+        <p:nvSpPr>
+          <p:cNvPr id="57" name="모서리가 둥근 직사각형 56"/>
           <p:cNvSpPr/>
           <p:nvPr/>
         </p:nvSpPr>
@@ -20088,30 +19563,26 @@
           </a:fontRef>
         </p:style>
         <p:txBody>
-          <a:bodyPr lIns="252000" rtlCol="0" anchor="ctr"/>
-          <a:lstStyle/>
-          <a:p>
-            <a:pPr algn="ctr"/>
-            <a:endParaRPr kumimoji="1" lang="ko-Kore-KR" altLang="en-US" sz="1600" dirty="0">
-              <a:solidFill>
-                <a:srgbClr val="00B050"/>
-              </a:solidFill>
-              <a:latin typeface="Courier New" pitchFamily="49" charset="0"/>
-              <a:ea typeface="맑은 고딕" pitchFamily="50" charset="-127"/>
-              <a:cs typeface="Courier New" pitchFamily="49" charset="0"/>
-            </a:endParaRPr>
-          </a:p>
-        </p:txBody>
-      </p:sp>
-      <p:sp>
-        <p:nvSpPr>
-          <p:cNvPr id="58" name="TextBox 57">
-            <a:extLst>
-              <a:ext uri="{FF2B5EF4-FFF2-40B4-BE49-F238E27FC236}">
-                <a16:creationId xmlns:a16="http://schemas.microsoft.com/office/drawing/2014/main" id="{059EBD85-DC08-624F-9AB6-F3377BFB81E6}"/>
-              </a:ext>
-            </a:extLst>
-          </p:cNvPr>
+          <a:bodyPr lIns="252000" anchor="ctr"/>
+          <a:lstStyle/>
+          <a:p>
+            <a:pPr lvl="0" algn="ctr">
+              <a:defRPr/>
+            </a:pPr>
+            <a:endParaRPr kumimoji="1" lang="ko-Kore-KR" altLang="en-US" sz="1600">
+              <a:solidFill>
+                <a:srgbClr val="00b050"/>
+              </a:solidFill>
+              <a:latin typeface="Courier New"/>
+              <a:ea typeface="맑은 고딕"/>
+              <a:cs typeface="Courier New"/>
+            </a:endParaRPr>
+          </a:p>
+        </p:txBody>
+      </p:sp>
+      <p:sp>
+        <p:nvSpPr>
+          <p:cNvPr id="58" name="TextBox 57"/>
           <p:cNvSpPr txBox="1"/>
           <p:nvPr/>
         </p:nvSpPr>
@@ -20126,35 +19597,30 @@
           <a:noFill/>
         </p:spPr>
         <p:txBody>
-          <a:bodyPr wrap="square" rtlCol="0">
+          <a:bodyPr wrap="square">
             <a:spAutoFit/>
           </a:bodyPr>
           <a:lstStyle/>
           <a:p>
-            <a:r>
-              <a:rPr kumimoji="1" lang="en-US" altLang="ko-Kore-KR" sz="1400" dirty="0">
-                <a:latin typeface="Helvetica" pitchFamily="2" charset="0"/>
+            <a:pPr lvl="0">
+              <a:defRPr/>
+            </a:pPr>
+            <a:r>
+              <a:rPr kumimoji="1" lang="en-US" altLang="ko-Kore-KR" sz="1400">
+                <a:latin typeface="Arial"/>
               </a:rPr>
               <a:t>T4</a:t>
             </a:r>
-            <a:endParaRPr kumimoji="1" lang="ko-Kore-KR" altLang="en-US" sz="1400" dirty="0">
-              <a:latin typeface="Helvetica" pitchFamily="2" charset="0"/>
+            <a:endParaRPr kumimoji="1" lang="ko-Kore-KR" altLang="en-US" sz="1400">
+              <a:latin typeface="Arial"/>
             </a:endParaRPr>
           </a:p>
         </p:txBody>
       </p:sp>
       <p:cxnSp>
         <p:nvCxnSpPr>
-          <p:cNvPr id="59" name="직선 화살표 연결선 58">
-            <a:extLst>
-              <a:ext uri="{FF2B5EF4-FFF2-40B4-BE49-F238E27FC236}">
-                <a16:creationId xmlns:a16="http://schemas.microsoft.com/office/drawing/2014/main" id="{C281CFE6-566E-A744-919D-287A9244BE35}"/>
-              </a:ext>
-            </a:extLst>
-          </p:cNvPr>
-          <p:cNvCxnSpPr>
-            <a:cxnSpLocks/>
-          </p:cNvCxnSpPr>
+          <p:cNvPr id="59" name="직선 화살표 연결선 58"/>
+          <p:cNvCxnSpPr/>
           <p:nvPr/>
         </p:nvCxnSpPr>
         <p:spPr>
@@ -20189,13 +19655,7 @@
       </p:cxnSp>
       <p:sp>
         <p:nvSpPr>
-          <p:cNvPr id="60" name="TextBox 59">
-            <a:extLst>
-              <a:ext uri="{FF2B5EF4-FFF2-40B4-BE49-F238E27FC236}">
-                <a16:creationId xmlns:a16="http://schemas.microsoft.com/office/drawing/2014/main" id="{6AA799FE-0033-5C45-9AC8-A39F9F3E127A}"/>
-              </a:ext>
-            </a:extLst>
-          </p:cNvPr>
+          <p:cNvPr id="60" name="TextBox 59"/>
           <p:cNvSpPr txBox="1"/>
           <p:nvPr/>
         </p:nvSpPr>
@@ -20210,32 +19670,29 @@
           <a:noFill/>
         </p:spPr>
         <p:txBody>
-          <a:bodyPr wrap="square" rtlCol="0">
+          <a:bodyPr wrap="square">
             <a:spAutoFit/>
           </a:bodyPr>
           <a:lstStyle/>
           <a:p>
-            <a:r>
-              <a:rPr kumimoji="1" lang="en-US" altLang="ko-Kore-KR" sz="1400" dirty="0">
-                <a:latin typeface="Helvetica" pitchFamily="2" charset="0"/>
+            <a:pPr lvl="0">
+              <a:defRPr/>
+            </a:pPr>
+            <a:r>
+              <a:rPr kumimoji="1" lang="en-US" altLang="ko-Kore-KR" sz="1400">
+                <a:latin typeface="Arial"/>
               </a:rPr>
               <a:t>PRI = 13</a:t>
             </a:r>
-            <a:endParaRPr kumimoji="1" lang="ko-Kore-KR" altLang="en-US" sz="1400" dirty="0">
-              <a:latin typeface="Helvetica" pitchFamily="2" charset="0"/>
-            </a:endParaRPr>
-          </a:p>
-        </p:txBody>
-      </p:sp>
-      <p:sp>
-        <p:nvSpPr>
-          <p:cNvPr id="61" name="TextBox 60">
-            <a:extLst>
-              <a:ext uri="{FF2B5EF4-FFF2-40B4-BE49-F238E27FC236}">
-                <a16:creationId xmlns:a16="http://schemas.microsoft.com/office/drawing/2014/main" id="{60FADF6C-677A-DD43-8E6C-14852A3D6D5A}"/>
-              </a:ext>
-            </a:extLst>
-          </p:cNvPr>
+            <a:endParaRPr kumimoji="1" lang="ko-Kore-KR" altLang="en-US" sz="1400">
+              <a:latin typeface="Arial"/>
+            </a:endParaRPr>
+          </a:p>
+        </p:txBody>
+      </p:sp>
+      <p:sp>
+        <p:nvSpPr>
+          <p:cNvPr id="61" name="TextBox 60"/>
           <p:cNvSpPr txBox="1"/>
           <p:nvPr/>
         </p:nvSpPr>
@@ -20250,45 +19707,42 @@
           <a:noFill/>
         </p:spPr>
         <p:txBody>
-          <a:bodyPr wrap="square" rtlCol="0">
+          <a:bodyPr wrap="square">
             <a:spAutoFit/>
           </a:bodyPr>
           <a:lstStyle/>
           <a:p>
-            <a:r>
-              <a:rPr kumimoji="1" lang="en-US" altLang="ko-Kore-KR" sz="1400" dirty="0">
-                <a:solidFill>
-                  <a:srgbClr val="FF0000"/>
-                </a:solidFill>
-                <a:latin typeface="Helvetica" pitchFamily="2" charset="0"/>
+            <a:pPr lvl="0">
+              <a:defRPr/>
+            </a:pPr>
+            <a:r>
+              <a:rPr kumimoji="1" lang="en-US" altLang="ko-Kore-KR" sz="1400">
+                <a:solidFill>
+                  <a:srgbClr val="ff0000"/>
+                </a:solidFill>
+                <a:latin typeface="Arial"/>
               </a:rPr>
               <a:t>PRI =13</a:t>
             </a:r>
-            <a:endParaRPr kumimoji="1" lang="ko-Kore-KR" altLang="en-US" sz="1400" dirty="0">
-              <a:solidFill>
-                <a:srgbClr val="FF0000"/>
-              </a:solidFill>
-              <a:latin typeface="Helvetica" pitchFamily="2" charset="0"/>
+            <a:endParaRPr kumimoji="1" lang="ko-Kore-KR" altLang="en-US" sz="1400">
+              <a:solidFill>
+                <a:srgbClr val="ff0000"/>
+              </a:solidFill>
+              <a:latin typeface="Arial"/>
             </a:endParaRPr>
           </a:p>
         </p:txBody>
       </p:sp>
       <p:pic>
         <p:nvPicPr>
-          <p:cNvPr id="62" name="그림 61">
-            <a:extLst>
-              <a:ext uri="{FF2B5EF4-FFF2-40B4-BE49-F238E27FC236}">
-                <a16:creationId xmlns:a16="http://schemas.microsoft.com/office/drawing/2014/main" id="{A692CD79-93D4-104B-9A32-0ED5FE24F6FB}"/>
-              </a:ext>
-            </a:extLst>
-          </p:cNvPr>
+          <p:cNvPr id="62" name="그림 61"/>
           <p:cNvPicPr>
             <a:picLocks noChangeAspect="1"/>
           </p:cNvPicPr>
           <p:nvPr/>
         </p:nvPicPr>
-        <p:blipFill>
-          <a:blip r:embed="rId2"/>
+        <p:blipFill rotWithShape="1">
+          <a:blip r:embed="rId5"/>
           <a:stretch>
             <a:fillRect/>
           </a:stretch>
@@ -20305,13 +19759,7 @@
       </p:pic>
       <p:sp>
         <p:nvSpPr>
-          <p:cNvPr id="63" name="모서리가 둥근 직사각형 62">
-            <a:extLst>
-              <a:ext uri="{FF2B5EF4-FFF2-40B4-BE49-F238E27FC236}">
-                <a16:creationId xmlns:a16="http://schemas.microsoft.com/office/drawing/2014/main" id="{B8C82C52-27A1-274B-A908-C6E0C6B2F073}"/>
-              </a:ext>
-            </a:extLst>
-          </p:cNvPr>
+          <p:cNvPr id="63" name="모서리가 둥근 직사각형 62"/>
           <p:cNvSpPr/>
           <p:nvPr/>
         </p:nvSpPr>
@@ -20349,30 +19797,26 @@
           </a:fontRef>
         </p:style>
         <p:txBody>
-          <a:bodyPr lIns="252000" rtlCol="0" anchor="ctr"/>
-          <a:lstStyle/>
-          <a:p>
-            <a:pPr algn="ctr"/>
-            <a:endParaRPr kumimoji="1" lang="ko-Kore-KR" altLang="en-US" sz="1600" dirty="0">
-              <a:solidFill>
-                <a:srgbClr val="00B050"/>
-              </a:solidFill>
-              <a:latin typeface="Courier New" pitchFamily="49" charset="0"/>
-              <a:ea typeface="맑은 고딕" pitchFamily="50" charset="-127"/>
-              <a:cs typeface="Courier New" pitchFamily="49" charset="0"/>
-            </a:endParaRPr>
-          </a:p>
-        </p:txBody>
-      </p:sp>
-      <p:sp>
-        <p:nvSpPr>
-          <p:cNvPr id="64" name="TextBox 63">
-            <a:extLst>
-              <a:ext uri="{FF2B5EF4-FFF2-40B4-BE49-F238E27FC236}">
-                <a16:creationId xmlns:a16="http://schemas.microsoft.com/office/drawing/2014/main" id="{A9DFBD5E-9392-3046-8D7C-3E54DDEAC135}"/>
-              </a:ext>
-            </a:extLst>
-          </p:cNvPr>
+          <a:bodyPr lIns="252000" anchor="ctr"/>
+          <a:lstStyle/>
+          <a:p>
+            <a:pPr lvl="0" algn="ctr">
+              <a:defRPr/>
+            </a:pPr>
+            <a:endParaRPr kumimoji="1" lang="ko-Kore-KR" altLang="en-US" sz="1600">
+              <a:solidFill>
+                <a:srgbClr val="00b050"/>
+              </a:solidFill>
+              <a:latin typeface="Courier New"/>
+              <a:ea typeface="맑은 고딕"/>
+              <a:cs typeface="Courier New"/>
+            </a:endParaRPr>
+          </a:p>
+        </p:txBody>
+      </p:sp>
+      <p:sp>
+        <p:nvSpPr>
+          <p:cNvPr id="64" name="TextBox 63"/>
           <p:cNvSpPr txBox="1"/>
           <p:nvPr/>
         </p:nvSpPr>
@@ -20387,32 +19831,29 @@
           <a:noFill/>
         </p:spPr>
         <p:txBody>
-          <a:bodyPr wrap="square" rtlCol="0">
+          <a:bodyPr wrap="square">
             <a:spAutoFit/>
           </a:bodyPr>
           <a:lstStyle/>
           <a:p>
-            <a:r>
-              <a:rPr kumimoji="1" lang="en-US" altLang="ko-Kore-KR" sz="1400" dirty="0">
-                <a:latin typeface="Helvetica" pitchFamily="2" charset="0"/>
+            <a:pPr lvl="0">
+              <a:defRPr/>
+            </a:pPr>
+            <a:r>
+              <a:rPr kumimoji="1" lang="en-US" altLang="ko-Kore-KR" sz="1400">
+                <a:latin typeface="Arial"/>
               </a:rPr>
               <a:t>T1</a:t>
             </a:r>
-            <a:endParaRPr kumimoji="1" lang="ko-Kore-KR" altLang="en-US" sz="1400" dirty="0">
-              <a:latin typeface="Helvetica" pitchFamily="2" charset="0"/>
-            </a:endParaRPr>
-          </a:p>
-        </p:txBody>
-      </p:sp>
-      <p:sp>
-        <p:nvSpPr>
-          <p:cNvPr id="65" name="TextBox 64">
-            <a:extLst>
-              <a:ext uri="{FF2B5EF4-FFF2-40B4-BE49-F238E27FC236}">
-                <a16:creationId xmlns:a16="http://schemas.microsoft.com/office/drawing/2014/main" id="{5AC40F64-55F7-3740-91C8-2299624D2CA6}"/>
-              </a:ext>
-            </a:extLst>
-          </p:cNvPr>
+            <a:endParaRPr kumimoji="1" lang="ko-Kore-KR" altLang="en-US" sz="1400">
+              <a:latin typeface="Arial"/>
+            </a:endParaRPr>
+          </a:p>
+        </p:txBody>
+      </p:sp>
+      <p:sp>
+        <p:nvSpPr>
+          <p:cNvPr id="65" name="TextBox 64"/>
           <p:cNvSpPr txBox="1"/>
           <p:nvPr/>
         </p:nvSpPr>
@@ -20427,35 +19868,30 @@
           <a:noFill/>
         </p:spPr>
         <p:txBody>
-          <a:bodyPr wrap="square" rtlCol="0">
+          <a:bodyPr wrap="square">
             <a:spAutoFit/>
           </a:bodyPr>
           <a:lstStyle/>
           <a:p>
-            <a:r>
-              <a:rPr kumimoji="1" lang="en-US" altLang="ko-Kore-KR" sz="1400" strike="sngStrike" dirty="0">
-                <a:latin typeface="Helvetica" pitchFamily="2" charset="0"/>
+            <a:pPr lvl="0">
+              <a:defRPr/>
+            </a:pPr>
+            <a:r>
+              <a:rPr kumimoji="1" lang="en-US" altLang="ko-Kore-KR" sz="1400" strike="sngStrike">
+                <a:latin typeface="Arial"/>
               </a:rPr>
               <a:t>PRI =10</a:t>
             </a:r>
-            <a:endParaRPr kumimoji="1" lang="ko-Kore-KR" altLang="en-US" sz="1400" strike="sngStrike" dirty="0">
-              <a:latin typeface="Helvetica" pitchFamily="2" charset="0"/>
+            <a:endParaRPr kumimoji="1" lang="ko-Kore-KR" altLang="en-US" sz="1400" strike="sngStrike">
+              <a:latin typeface="Arial"/>
             </a:endParaRPr>
           </a:p>
         </p:txBody>
       </p:sp>
       <p:cxnSp>
         <p:nvCxnSpPr>
-          <p:cNvPr id="73" name="직선 화살표 연결선 72">
-            <a:extLst>
-              <a:ext uri="{FF2B5EF4-FFF2-40B4-BE49-F238E27FC236}">
-                <a16:creationId xmlns:a16="http://schemas.microsoft.com/office/drawing/2014/main" id="{C46CDCDD-B4AB-4744-A5D5-77447068A8BD}"/>
-              </a:ext>
-            </a:extLst>
-          </p:cNvPr>
-          <p:cNvCxnSpPr>
-            <a:cxnSpLocks/>
-          </p:cNvCxnSpPr>
+          <p:cNvPr id="73" name="직선 화살표 연결선 72"/>
+          <p:cNvCxnSpPr/>
           <p:nvPr/>
         </p:nvCxnSpPr>
         <p:spPr>
@@ -20490,13 +19926,7 @@
       </p:cxnSp>
       <p:sp>
         <p:nvSpPr>
-          <p:cNvPr id="74" name="모서리가 둥근 직사각형 73">
-            <a:extLst>
-              <a:ext uri="{FF2B5EF4-FFF2-40B4-BE49-F238E27FC236}">
-                <a16:creationId xmlns:a16="http://schemas.microsoft.com/office/drawing/2014/main" id="{C929D1CC-CDF3-E242-8D89-9130119344F9}"/>
-              </a:ext>
-            </a:extLst>
-          </p:cNvPr>
+          <p:cNvPr id="74" name="모서리가 둥근 직사각형 73"/>
           <p:cNvSpPr/>
           <p:nvPr/>
         </p:nvSpPr>
@@ -20534,30 +19964,26 @@
           </a:fontRef>
         </p:style>
         <p:txBody>
-          <a:bodyPr lIns="252000" rtlCol="0" anchor="ctr"/>
-          <a:lstStyle/>
-          <a:p>
-            <a:pPr algn="ctr"/>
-            <a:endParaRPr kumimoji="1" lang="ko-Kore-KR" altLang="en-US" sz="1600" dirty="0">
-              <a:solidFill>
-                <a:srgbClr val="00B050"/>
-              </a:solidFill>
-              <a:latin typeface="Courier New" pitchFamily="49" charset="0"/>
-              <a:ea typeface="맑은 고딕" pitchFamily="50" charset="-127"/>
-              <a:cs typeface="Courier New" pitchFamily="49" charset="0"/>
-            </a:endParaRPr>
-          </a:p>
-        </p:txBody>
-      </p:sp>
-      <p:sp>
-        <p:nvSpPr>
-          <p:cNvPr id="75" name="TextBox 74">
-            <a:extLst>
-              <a:ext uri="{FF2B5EF4-FFF2-40B4-BE49-F238E27FC236}">
-                <a16:creationId xmlns:a16="http://schemas.microsoft.com/office/drawing/2014/main" id="{B54A1065-30B1-3940-A8B8-70C49EABF7B2}"/>
-              </a:ext>
-            </a:extLst>
-          </p:cNvPr>
+          <a:bodyPr lIns="252000" anchor="ctr"/>
+          <a:lstStyle/>
+          <a:p>
+            <a:pPr lvl="0" algn="ctr">
+              <a:defRPr/>
+            </a:pPr>
+            <a:endParaRPr kumimoji="1" lang="ko-Kore-KR" altLang="en-US" sz="1600">
+              <a:solidFill>
+                <a:srgbClr val="00b050"/>
+              </a:solidFill>
+              <a:latin typeface="Courier New"/>
+              <a:ea typeface="맑은 고딕"/>
+              <a:cs typeface="Courier New"/>
+            </a:endParaRPr>
+          </a:p>
+        </p:txBody>
+      </p:sp>
+      <p:sp>
+        <p:nvSpPr>
+          <p:cNvPr id="75" name="TextBox 74"/>
           <p:cNvSpPr txBox="1"/>
           <p:nvPr/>
         </p:nvSpPr>
@@ -20572,35 +19998,30 @@
           <a:noFill/>
         </p:spPr>
         <p:txBody>
-          <a:bodyPr wrap="square" rtlCol="0">
+          <a:bodyPr wrap="square">
             <a:spAutoFit/>
           </a:bodyPr>
           <a:lstStyle/>
           <a:p>
-            <a:r>
-              <a:rPr kumimoji="1" lang="en-US" altLang="ko-Kore-KR" sz="1400" dirty="0">
-                <a:latin typeface="Helvetica" pitchFamily="2" charset="0"/>
+            <a:pPr lvl="0">
+              <a:defRPr/>
+            </a:pPr>
+            <a:r>
+              <a:rPr kumimoji="1" lang="en-US" altLang="ko-Kore-KR" sz="1400">
+                <a:latin typeface="Arial"/>
               </a:rPr>
               <a:t>T2</a:t>
             </a:r>
-            <a:endParaRPr kumimoji="1" lang="ko-Kore-KR" altLang="en-US" sz="1400" dirty="0">
-              <a:latin typeface="Helvetica" pitchFamily="2" charset="0"/>
+            <a:endParaRPr kumimoji="1" lang="ko-Kore-KR" altLang="en-US" sz="1400">
+              <a:latin typeface="Arial"/>
             </a:endParaRPr>
           </a:p>
         </p:txBody>
       </p:sp>
       <p:cxnSp>
         <p:nvCxnSpPr>
-          <p:cNvPr id="76" name="직선 화살표 연결선 75">
-            <a:extLst>
-              <a:ext uri="{FF2B5EF4-FFF2-40B4-BE49-F238E27FC236}">
-                <a16:creationId xmlns:a16="http://schemas.microsoft.com/office/drawing/2014/main" id="{92E70F86-9B4E-4C44-A4BB-6C11B81FCCFC}"/>
-              </a:ext>
-            </a:extLst>
-          </p:cNvPr>
-          <p:cNvCxnSpPr>
-            <a:cxnSpLocks/>
-          </p:cNvCxnSpPr>
+          <p:cNvPr id="76" name="직선 화살표 연결선 75"/>
+          <p:cNvCxnSpPr/>
           <p:nvPr/>
         </p:nvCxnSpPr>
         <p:spPr>
@@ -20635,20 +20056,14 @@
       </p:cxnSp>
       <p:pic>
         <p:nvPicPr>
-          <p:cNvPr id="80" name="그림 79">
-            <a:extLst>
-              <a:ext uri="{FF2B5EF4-FFF2-40B4-BE49-F238E27FC236}">
-                <a16:creationId xmlns:a16="http://schemas.microsoft.com/office/drawing/2014/main" id="{E41E169B-9116-0640-872F-0F4B46F2350A}"/>
-              </a:ext>
-            </a:extLst>
-          </p:cNvPr>
+          <p:cNvPr id="80" name="그림 79"/>
           <p:cNvPicPr>
             <a:picLocks noChangeAspect="1"/>
           </p:cNvPicPr>
           <p:nvPr/>
         </p:nvPicPr>
-        <p:blipFill>
-          <a:blip r:embed="rId2"/>
+        <p:blipFill rotWithShape="1">
+          <a:blip r:embed="rId6"/>
           <a:stretch>
             <a:fillRect/>
           </a:stretch>
@@ -20665,20 +20080,14 @@
       </p:pic>
       <p:pic>
         <p:nvPicPr>
-          <p:cNvPr id="81" name="그림 80">
-            <a:extLst>
-              <a:ext uri="{FF2B5EF4-FFF2-40B4-BE49-F238E27FC236}">
-                <a16:creationId xmlns:a16="http://schemas.microsoft.com/office/drawing/2014/main" id="{331861DF-88E2-4D4C-881E-64827B49AADC}"/>
-              </a:ext>
-            </a:extLst>
-          </p:cNvPr>
+          <p:cNvPr id="81" name="그림 80"/>
           <p:cNvPicPr>
             <a:picLocks noChangeAspect="1"/>
           </p:cNvPicPr>
           <p:nvPr/>
         </p:nvPicPr>
-        <p:blipFill>
-          <a:blip r:embed="rId2"/>
+        <p:blipFill rotWithShape="1">
+          <a:blip r:embed="rId7"/>
           <a:stretch>
             <a:fillRect/>
           </a:stretch>
@@ -20695,13 +20104,7 @@
       </p:pic>
       <p:sp>
         <p:nvSpPr>
-          <p:cNvPr id="82" name="모서리가 둥근 직사각형 81">
-            <a:extLst>
-              <a:ext uri="{FF2B5EF4-FFF2-40B4-BE49-F238E27FC236}">
-                <a16:creationId xmlns:a16="http://schemas.microsoft.com/office/drawing/2014/main" id="{3D84D9A2-B71F-8542-936F-304B9751606C}"/>
-              </a:ext>
-            </a:extLst>
-          </p:cNvPr>
+          <p:cNvPr id="82" name="모서리가 둥근 직사각형 81"/>
           <p:cNvSpPr/>
           <p:nvPr/>
         </p:nvSpPr>
@@ -20739,30 +20142,26 @@
           </a:fontRef>
         </p:style>
         <p:txBody>
-          <a:bodyPr lIns="252000" rtlCol="0" anchor="ctr"/>
-          <a:lstStyle/>
-          <a:p>
-            <a:pPr algn="ctr"/>
-            <a:endParaRPr kumimoji="1" lang="ko-Kore-KR" altLang="en-US" sz="1600" dirty="0">
-              <a:solidFill>
-                <a:srgbClr val="00B050"/>
-              </a:solidFill>
-              <a:latin typeface="Courier New" pitchFamily="49" charset="0"/>
-              <a:ea typeface="맑은 고딕" pitchFamily="50" charset="-127"/>
-              <a:cs typeface="Courier New" pitchFamily="49" charset="0"/>
-            </a:endParaRPr>
-          </a:p>
-        </p:txBody>
-      </p:sp>
-      <p:sp>
-        <p:nvSpPr>
-          <p:cNvPr id="83" name="TextBox 82">
-            <a:extLst>
-              <a:ext uri="{FF2B5EF4-FFF2-40B4-BE49-F238E27FC236}">
-                <a16:creationId xmlns:a16="http://schemas.microsoft.com/office/drawing/2014/main" id="{88669946-28AB-9D42-A8D1-DC4CCF3D5A05}"/>
-              </a:ext>
-            </a:extLst>
-          </p:cNvPr>
+          <a:bodyPr lIns="252000" anchor="ctr"/>
+          <a:lstStyle/>
+          <a:p>
+            <a:pPr lvl="0" algn="ctr">
+              <a:defRPr/>
+            </a:pPr>
+            <a:endParaRPr kumimoji="1" lang="ko-Kore-KR" altLang="en-US" sz="1600">
+              <a:solidFill>
+                <a:srgbClr val="00b050"/>
+              </a:solidFill>
+              <a:latin typeface="Courier New"/>
+              <a:ea typeface="맑은 고딕"/>
+              <a:cs typeface="Courier New"/>
+            </a:endParaRPr>
+          </a:p>
+        </p:txBody>
+      </p:sp>
+      <p:sp>
+        <p:nvSpPr>
+          <p:cNvPr id="83" name="TextBox 82"/>
           <p:cNvSpPr txBox="1"/>
           <p:nvPr/>
         </p:nvSpPr>
@@ -20777,32 +20176,29 @@
           <a:noFill/>
         </p:spPr>
         <p:txBody>
-          <a:bodyPr wrap="square" rtlCol="0">
+          <a:bodyPr wrap="square">
             <a:spAutoFit/>
           </a:bodyPr>
           <a:lstStyle/>
           <a:p>
-            <a:r>
-              <a:rPr kumimoji="1" lang="en-US" altLang="ko-Kore-KR" sz="1400" dirty="0">
-                <a:latin typeface="Helvetica" pitchFamily="2" charset="0"/>
+            <a:pPr lvl="0">
+              <a:defRPr/>
+            </a:pPr>
+            <a:r>
+              <a:rPr kumimoji="1" lang="en-US" altLang="ko-Kore-KR" sz="1400">
+                <a:latin typeface="Arial"/>
               </a:rPr>
               <a:t>T3</a:t>
             </a:r>
-            <a:endParaRPr kumimoji="1" lang="ko-Kore-KR" altLang="en-US" sz="1400" dirty="0">
-              <a:latin typeface="Helvetica" pitchFamily="2" charset="0"/>
-            </a:endParaRPr>
-          </a:p>
-        </p:txBody>
-      </p:sp>
-      <p:sp>
-        <p:nvSpPr>
-          <p:cNvPr id="84" name="TextBox 83">
-            <a:extLst>
-              <a:ext uri="{FF2B5EF4-FFF2-40B4-BE49-F238E27FC236}">
-                <a16:creationId xmlns:a16="http://schemas.microsoft.com/office/drawing/2014/main" id="{982C85A3-D6E9-154C-9300-2C442461BE32}"/>
-              </a:ext>
-            </a:extLst>
-          </p:cNvPr>
+            <a:endParaRPr kumimoji="1" lang="ko-Kore-KR" altLang="en-US" sz="1400">
+              <a:latin typeface="Arial"/>
+            </a:endParaRPr>
+          </a:p>
+        </p:txBody>
+      </p:sp>
+      <p:sp>
+        <p:nvSpPr>
+          <p:cNvPr id="84" name="TextBox 83"/>
           <p:cNvSpPr txBox="1"/>
           <p:nvPr/>
         </p:nvSpPr>
@@ -20817,35 +20213,30 @@
           <a:noFill/>
         </p:spPr>
         <p:txBody>
-          <a:bodyPr wrap="square" rtlCol="0">
+          <a:bodyPr wrap="square">
             <a:spAutoFit/>
           </a:bodyPr>
           <a:lstStyle/>
           <a:p>
-            <a:r>
-              <a:rPr kumimoji="1" lang="en-US" altLang="ko-Kore-KR" sz="1400" dirty="0">
-                <a:latin typeface="Helvetica" pitchFamily="2" charset="0"/>
+            <a:pPr lvl="0">
+              <a:defRPr/>
+            </a:pPr>
+            <a:r>
+              <a:rPr kumimoji="1" lang="en-US" altLang="ko-Kore-KR" sz="1400">
+                <a:latin typeface="Arial"/>
               </a:rPr>
               <a:t>PRI =12</a:t>
             </a:r>
-            <a:endParaRPr kumimoji="1" lang="ko-Kore-KR" altLang="en-US" sz="1400" dirty="0">
-              <a:latin typeface="Helvetica" pitchFamily="2" charset="0"/>
+            <a:endParaRPr kumimoji="1" lang="ko-Kore-KR" altLang="en-US" sz="1400">
+              <a:latin typeface="Arial"/>
             </a:endParaRPr>
           </a:p>
         </p:txBody>
       </p:sp>
       <p:cxnSp>
         <p:nvCxnSpPr>
-          <p:cNvPr id="85" name="직선 화살표 연결선 84">
-            <a:extLst>
-              <a:ext uri="{FF2B5EF4-FFF2-40B4-BE49-F238E27FC236}">
-                <a16:creationId xmlns:a16="http://schemas.microsoft.com/office/drawing/2014/main" id="{126F1A15-3B33-074C-B2DD-071373FA6853}"/>
-              </a:ext>
-            </a:extLst>
-          </p:cNvPr>
-          <p:cNvCxnSpPr>
-            <a:cxnSpLocks/>
-          </p:cNvCxnSpPr>
+          <p:cNvPr id="85" name="직선 화살표 연결선 84"/>
+          <p:cNvCxnSpPr/>
           <p:nvPr/>
         </p:nvCxnSpPr>
         <p:spPr>
@@ -20880,16 +20271,8 @@
       </p:cxnSp>
       <p:cxnSp>
         <p:nvCxnSpPr>
-          <p:cNvPr id="86" name="직선 화살표 연결선 85">
-            <a:extLst>
-              <a:ext uri="{FF2B5EF4-FFF2-40B4-BE49-F238E27FC236}">
-                <a16:creationId xmlns:a16="http://schemas.microsoft.com/office/drawing/2014/main" id="{D9F470BA-5131-074F-A8AF-8EA6286998A3}"/>
-              </a:ext>
-            </a:extLst>
-          </p:cNvPr>
-          <p:cNvCxnSpPr>
-            <a:cxnSpLocks/>
-          </p:cNvCxnSpPr>
+          <p:cNvPr id="86" name="직선 화살표 연결선 85"/>
+          <p:cNvCxnSpPr/>
           <p:nvPr/>
         </p:nvCxnSpPr>
         <p:spPr>
@@ -20924,16 +20307,8 @@
       </p:cxnSp>
       <p:cxnSp>
         <p:nvCxnSpPr>
-          <p:cNvPr id="87" name="직선 화살표 연결선 86">
-            <a:extLst>
-              <a:ext uri="{FF2B5EF4-FFF2-40B4-BE49-F238E27FC236}">
-                <a16:creationId xmlns:a16="http://schemas.microsoft.com/office/drawing/2014/main" id="{C6007ABB-08BB-E14A-865E-E04284C667D7}"/>
-              </a:ext>
-            </a:extLst>
-          </p:cNvPr>
-          <p:cNvCxnSpPr>
-            <a:cxnSpLocks/>
-          </p:cNvCxnSpPr>
+          <p:cNvPr id="87" name="직선 화살표 연결선 86"/>
+          <p:cNvCxnSpPr/>
           <p:nvPr/>
         </p:nvCxnSpPr>
         <p:spPr>
@@ -20968,13 +20343,7 @@
       </p:cxnSp>
       <p:sp>
         <p:nvSpPr>
-          <p:cNvPr id="88" name="TextBox 87">
-            <a:extLst>
-              <a:ext uri="{FF2B5EF4-FFF2-40B4-BE49-F238E27FC236}">
-                <a16:creationId xmlns:a16="http://schemas.microsoft.com/office/drawing/2014/main" id="{22C365C5-C007-6241-AC2C-55FE47662359}"/>
-              </a:ext>
-            </a:extLst>
-          </p:cNvPr>
+          <p:cNvPr id="88" name="TextBox 87"/>
           <p:cNvSpPr txBox="1"/>
           <p:nvPr/>
         </p:nvSpPr>
@@ -20989,32 +20358,29 @@
           <a:noFill/>
         </p:spPr>
         <p:txBody>
-          <a:bodyPr wrap="square" rtlCol="0">
+          <a:bodyPr wrap="square">
             <a:spAutoFit/>
           </a:bodyPr>
           <a:lstStyle/>
           <a:p>
-            <a:r>
-              <a:rPr kumimoji="1" lang="en-US" altLang="ko-Kore-KR" sz="1400" dirty="0">
-                <a:latin typeface="Helvetica" pitchFamily="2" charset="0"/>
+            <a:pPr lvl="0">
+              <a:defRPr/>
+            </a:pPr>
+            <a:r>
+              <a:rPr kumimoji="1" lang="en-US" altLang="ko-Kore-KR" sz="1400">
+                <a:latin typeface="Arial"/>
               </a:rPr>
               <a:t>PRI = 11</a:t>
             </a:r>
-            <a:endParaRPr kumimoji="1" lang="ko-Kore-KR" altLang="en-US" sz="1400" dirty="0">
-              <a:latin typeface="Helvetica" pitchFamily="2" charset="0"/>
-            </a:endParaRPr>
-          </a:p>
-        </p:txBody>
-      </p:sp>
-      <p:sp>
-        <p:nvSpPr>
-          <p:cNvPr id="89" name="TextBox 88">
-            <a:extLst>
-              <a:ext uri="{FF2B5EF4-FFF2-40B4-BE49-F238E27FC236}">
-                <a16:creationId xmlns:a16="http://schemas.microsoft.com/office/drawing/2014/main" id="{9D900BF3-94EE-D547-A2D0-D3F4DE98F040}"/>
-              </a:ext>
-            </a:extLst>
-          </p:cNvPr>
+            <a:endParaRPr kumimoji="1" lang="ko-Kore-KR" altLang="en-US" sz="1400">
+              <a:latin typeface="Arial"/>
+            </a:endParaRPr>
+          </a:p>
+        </p:txBody>
+      </p:sp>
+      <p:sp>
+        <p:nvSpPr>
+          <p:cNvPr id="89" name="TextBox 88"/>
           <p:cNvSpPr txBox="1"/>
           <p:nvPr/>
         </p:nvSpPr>
@@ -21029,32 +20395,29 @@
           <a:noFill/>
         </p:spPr>
         <p:txBody>
-          <a:bodyPr wrap="square" rtlCol="0">
+          <a:bodyPr wrap="square">
             <a:spAutoFit/>
           </a:bodyPr>
           <a:lstStyle/>
           <a:p>
-            <a:r>
-              <a:rPr kumimoji="1" lang="en-US" altLang="ko-Kore-KR" dirty="0">
-                <a:latin typeface="Helvetica" pitchFamily="2" charset="0"/>
+            <a:pPr lvl="0">
+              <a:defRPr/>
+            </a:pPr>
+            <a:r>
+              <a:rPr kumimoji="1" lang="en-US" altLang="ko-Kore-KR">
+                <a:latin typeface="Arial"/>
               </a:rPr>
               <a:t>B</a:t>
             </a:r>
-            <a:endParaRPr kumimoji="1" lang="ko-Kore-KR" altLang="en-US" dirty="0">
-              <a:latin typeface="Helvetica" pitchFamily="2" charset="0"/>
-            </a:endParaRPr>
-          </a:p>
-        </p:txBody>
-      </p:sp>
-      <p:sp>
-        <p:nvSpPr>
-          <p:cNvPr id="90" name="TextBox 89">
-            <a:extLst>
-              <a:ext uri="{FF2B5EF4-FFF2-40B4-BE49-F238E27FC236}">
-                <a16:creationId xmlns:a16="http://schemas.microsoft.com/office/drawing/2014/main" id="{D1B600E4-8ED3-6B4B-8247-A24C2928D55F}"/>
-              </a:ext>
-            </a:extLst>
-          </p:cNvPr>
+            <a:endParaRPr kumimoji="1" lang="ko-Kore-KR" altLang="en-US">
+              <a:latin typeface="Arial"/>
+            </a:endParaRPr>
+          </a:p>
+        </p:txBody>
+      </p:sp>
+      <p:sp>
+        <p:nvSpPr>
+          <p:cNvPr id="90" name="TextBox 89"/>
           <p:cNvSpPr txBox="1"/>
           <p:nvPr/>
         </p:nvSpPr>
@@ -21069,32 +20432,29 @@
           <a:noFill/>
         </p:spPr>
         <p:txBody>
-          <a:bodyPr wrap="square" rtlCol="0">
+          <a:bodyPr wrap="square">
             <a:spAutoFit/>
           </a:bodyPr>
           <a:lstStyle/>
           <a:p>
-            <a:r>
-              <a:rPr kumimoji="1" lang="en-US" altLang="ko-Kore-KR" dirty="0">
-                <a:latin typeface="Helvetica" pitchFamily="2" charset="0"/>
+            <a:pPr lvl="0">
+              <a:defRPr/>
+            </a:pPr>
+            <a:r>
+              <a:rPr kumimoji="1" lang="en-US" altLang="ko-Kore-KR">
+                <a:latin typeface="Arial"/>
               </a:rPr>
               <a:t>C</a:t>
             </a:r>
-            <a:endParaRPr kumimoji="1" lang="ko-Kore-KR" altLang="en-US" dirty="0">
-              <a:latin typeface="Helvetica" pitchFamily="2" charset="0"/>
-            </a:endParaRPr>
-          </a:p>
-        </p:txBody>
-      </p:sp>
-      <p:sp>
-        <p:nvSpPr>
-          <p:cNvPr id="91" name="TextBox 90">
-            <a:extLst>
-              <a:ext uri="{FF2B5EF4-FFF2-40B4-BE49-F238E27FC236}">
-                <a16:creationId xmlns:a16="http://schemas.microsoft.com/office/drawing/2014/main" id="{7414A1A9-F52B-BB41-94ED-B0EF06563C30}"/>
-              </a:ext>
-            </a:extLst>
-          </p:cNvPr>
+            <a:endParaRPr kumimoji="1" lang="ko-Kore-KR" altLang="en-US">
+              <a:latin typeface="Arial"/>
+            </a:endParaRPr>
+          </a:p>
+        </p:txBody>
+      </p:sp>
+      <p:sp>
+        <p:nvSpPr>
+          <p:cNvPr id="91" name="TextBox 90"/>
           <p:cNvSpPr txBox="1"/>
           <p:nvPr/>
         </p:nvSpPr>
@@ -21109,32 +20469,29 @@
           <a:noFill/>
         </p:spPr>
         <p:txBody>
-          <a:bodyPr wrap="square" rtlCol="0">
+          <a:bodyPr wrap="square">
             <a:spAutoFit/>
           </a:bodyPr>
           <a:lstStyle/>
           <a:p>
-            <a:r>
-              <a:rPr kumimoji="1" lang="en-US" altLang="ko-Kore-KR" dirty="0">
-                <a:latin typeface="Helvetica" pitchFamily="2" charset="0"/>
+            <a:pPr lvl="0">
+              <a:defRPr/>
+            </a:pPr>
+            <a:r>
+              <a:rPr kumimoji="1" lang="en-US" altLang="ko-Kore-KR">
+                <a:latin typeface="Arial"/>
               </a:rPr>
               <a:t>A</a:t>
             </a:r>
-            <a:endParaRPr kumimoji="1" lang="ko-Kore-KR" altLang="en-US" dirty="0">
-              <a:latin typeface="Helvetica" pitchFamily="2" charset="0"/>
-            </a:endParaRPr>
-          </a:p>
-        </p:txBody>
-      </p:sp>
-      <p:sp>
-        <p:nvSpPr>
-          <p:cNvPr id="92" name="모서리가 둥근 직사각형 91">
-            <a:extLst>
-              <a:ext uri="{FF2B5EF4-FFF2-40B4-BE49-F238E27FC236}">
-                <a16:creationId xmlns:a16="http://schemas.microsoft.com/office/drawing/2014/main" id="{ADA1E195-B835-FD49-846D-1D55397C48AD}"/>
-              </a:ext>
-            </a:extLst>
-          </p:cNvPr>
+            <a:endParaRPr kumimoji="1" lang="ko-Kore-KR" altLang="en-US">
+              <a:latin typeface="Arial"/>
+            </a:endParaRPr>
+          </a:p>
+        </p:txBody>
+      </p:sp>
+      <p:sp>
+        <p:nvSpPr>
+          <p:cNvPr id="92" name="모서리가 둥근 직사각형 91"/>
           <p:cNvSpPr/>
           <p:nvPr/>
         </p:nvSpPr>
@@ -21172,30 +20529,26 @@
           </a:fontRef>
         </p:style>
         <p:txBody>
-          <a:bodyPr lIns="252000" rtlCol="0" anchor="ctr"/>
-          <a:lstStyle/>
-          <a:p>
-            <a:pPr algn="ctr"/>
-            <a:endParaRPr kumimoji="1" lang="ko-Kore-KR" altLang="en-US" sz="1600" dirty="0">
-              <a:solidFill>
-                <a:srgbClr val="00B050"/>
-              </a:solidFill>
-              <a:latin typeface="Courier New" pitchFamily="49" charset="0"/>
-              <a:ea typeface="맑은 고딕" pitchFamily="50" charset="-127"/>
-              <a:cs typeface="Courier New" pitchFamily="49" charset="0"/>
-            </a:endParaRPr>
-          </a:p>
-        </p:txBody>
-      </p:sp>
-      <p:sp>
-        <p:nvSpPr>
-          <p:cNvPr id="93" name="TextBox 92">
-            <a:extLst>
-              <a:ext uri="{FF2B5EF4-FFF2-40B4-BE49-F238E27FC236}">
-                <a16:creationId xmlns:a16="http://schemas.microsoft.com/office/drawing/2014/main" id="{F8D9DE09-CCED-6D41-B16C-8480F226FEFE}"/>
-              </a:ext>
-            </a:extLst>
-          </p:cNvPr>
+          <a:bodyPr lIns="252000" anchor="ctr"/>
+          <a:lstStyle/>
+          <a:p>
+            <a:pPr lvl="0" algn="ctr">
+              <a:defRPr/>
+            </a:pPr>
+            <a:endParaRPr kumimoji="1" lang="ko-Kore-KR" altLang="en-US" sz="1600">
+              <a:solidFill>
+                <a:srgbClr val="00b050"/>
+              </a:solidFill>
+              <a:latin typeface="Courier New"/>
+              <a:ea typeface="맑은 고딕"/>
+              <a:cs typeface="Courier New"/>
+            </a:endParaRPr>
+          </a:p>
+        </p:txBody>
+      </p:sp>
+      <p:sp>
+        <p:nvSpPr>
+          <p:cNvPr id="93" name="TextBox 92"/>
           <p:cNvSpPr txBox="1"/>
           <p:nvPr/>
         </p:nvSpPr>
@@ -21210,32 +20563,29 @@
           <a:noFill/>
         </p:spPr>
         <p:txBody>
-          <a:bodyPr wrap="square" rtlCol="0">
+          <a:bodyPr wrap="square">
             <a:spAutoFit/>
           </a:bodyPr>
           <a:lstStyle/>
           <a:p>
-            <a:r>
-              <a:rPr kumimoji="1" lang="en-US" altLang="ko-Kore-KR" sz="1400" dirty="0">
-                <a:latin typeface="Helvetica" pitchFamily="2" charset="0"/>
+            <a:pPr lvl="0">
+              <a:defRPr/>
+            </a:pPr>
+            <a:r>
+              <a:rPr kumimoji="1" lang="en-US" altLang="ko-Kore-KR" sz="1400">
+                <a:latin typeface="Arial"/>
               </a:rPr>
               <a:t>T4</a:t>
             </a:r>
-            <a:endParaRPr kumimoji="1" lang="ko-Kore-KR" altLang="en-US" sz="1400" dirty="0">
-              <a:latin typeface="Helvetica" pitchFamily="2" charset="0"/>
-            </a:endParaRPr>
-          </a:p>
-        </p:txBody>
-      </p:sp>
-      <p:sp>
-        <p:nvSpPr>
-          <p:cNvPr id="95" name="TextBox 94">
-            <a:extLst>
-              <a:ext uri="{FF2B5EF4-FFF2-40B4-BE49-F238E27FC236}">
-                <a16:creationId xmlns:a16="http://schemas.microsoft.com/office/drawing/2014/main" id="{75524922-5766-BB4A-A0A3-9398F4EEE4A1}"/>
-              </a:ext>
-            </a:extLst>
-          </p:cNvPr>
+            <a:endParaRPr kumimoji="1" lang="ko-Kore-KR" altLang="en-US" sz="1400">
+              <a:latin typeface="Arial"/>
+            </a:endParaRPr>
+          </a:p>
+        </p:txBody>
+      </p:sp>
+      <p:sp>
+        <p:nvSpPr>
+          <p:cNvPr id="95" name="TextBox 94"/>
           <p:cNvSpPr txBox="1"/>
           <p:nvPr/>
         </p:nvSpPr>
@@ -21250,32 +20600,29 @@
           <a:noFill/>
         </p:spPr>
         <p:txBody>
-          <a:bodyPr wrap="square" rtlCol="0">
+          <a:bodyPr wrap="square">
             <a:spAutoFit/>
           </a:bodyPr>
           <a:lstStyle/>
           <a:p>
-            <a:r>
-              <a:rPr kumimoji="1" lang="en-US" altLang="ko-Kore-KR" sz="1400" dirty="0">
-                <a:latin typeface="Helvetica" pitchFamily="2" charset="0"/>
+            <a:pPr lvl="0">
+              <a:defRPr/>
+            </a:pPr>
+            <a:r>
+              <a:rPr kumimoji="1" lang="en-US" altLang="ko-Kore-KR" sz="1400">
+                <a:latin typeface="Arial"/>
               </a:rPr>
               <a:t>PRI = 13</a:t>
             </a:r>
-            <a:endParaRPr kumimoji="1" lang="ko-Kore-KR" altLang="en-US" sz="1400" dirty="0">
-              <a:latin typeface="Helvetica" pitchFamily="2" charset="0"/>
-            </a:endParaRPr>
-          </a:p>
-        </p:txBody>
-      </p:sp>
-      <p:sp>
-        <p:nvSpPr>
-          <p:cNvPr id="96" name="TextBox 95">
-            <a:extLst>
-              <a:ext uri="{FF2B5EF4-FFF2-40B4-BE49-F238E27FC236}">
-                <a16:creationId xmlns:a16="http://schemas.microsoft.com/office/drawing/2014/main" id="{9356B54F-0133-3B4E-823E-ECBD0F5E641E}"/>
-              </a:ext>
-            </a:extLst>
-          </p:cNvPr>
+            <a:endParaRPr kumimoji="1" lang="ko-Kore-KR" altLang="en-US" sz="1400">
+              <a:latin typeface="Arial"/>
+            </a:endParaRPr>
+          </a:p>
+        </p:txBody>
+      </p:sp>
+      <p:sp>
+        <p:nvSpPr>
+          <p:cNvPr id="96" name="TextBox 95"/>
           <p:cNvSpPr txBox="1"/>
           <p:nvPr/>
         </p:nvSpPr>
@@ -21290,38 +20637,35 @@
           <a:noFill/>
         </p:spPr>
         <p:txBody>
-          <a:bodyPr wrap="square" rtlCol="0">
+          <a:bodyPr wrap="square">
             <a:spAutoFit/>
           </a:bodyPr>
           <a:lstStyle/>
           <a:p>
-            <a:r>
-              <a:rPr kumimoji="1" lang="en-US" altLang="ko-Kore-KR" sz="1400" dirty="0">
-                <a:solidFill>
-                  <a:srgbClr val="FF0000"/>
-                </a:solidFill>
-                <a:latin typeface="Helvetica" pitchFamily="2" charset="0"/>
+            <a:pPr lvl="0">
+              <a:defRPr/>
+            </a:pPr>
+            <a:r>
+              <a:rPr kumimoji="1" lang="en-US" altLang="ko-Kore-KR" sz="1400">
+                <a:solidFill>
+                  <a:srgbClr val="ff0000"/>
+                </a:solidFill>
+                <a:latin typeface="Arial"/>
               </a:rPr>
               <a:t>PRI =12</a:t>
             </a:r>
-            <a:endParaRPr kumimoji="1" lang="ko-Kore-KR" altLang="en-US" sz="1400" dirty="0">
-              <a:solidFill>
-                <a:srgbClr val="FF0000"/>
-              </a:solidFill>
-              <a:latin typeface="Helvetica" pitchFamily="2" charset="0"/>
-            </a:endParaRPr>
-          </a:p>
-        </p:txBody>
-      </p:sp>
-      <p:sp>
-        <p:nvSpPr>
-          <p:cNvPr id="10" name="오른쪽 화살표[R] 9">
-            <a:extLst>
-              <a:ext uri="{FF2B5EF4-FFF2-40B4-BE49-F238E27FC236}">
-                <a16:creationId xmlns:a16="http://schemas.microsoft.com/office/drawing/2014/main" id="{93D583C4-E41A-7943-8985-615D62478064}"/>
-              </a:ext>
-            </a:extLst>
-          </p:cNvPr>
+            <a:endParaRPr kumimoji="1" lang="ko-Kore-KR" altLang="en-US" sz="1400">
+              <a:solidFill>
+                <a:srgbClr val="ff0000"/>
+              </a:solidFill>
+              <a:latin typeface="Arial"/>
+            </a:endParaRPr>
+          </a:p>
+        </p:txBody>
+      </p:sp>
+      <p:sp>
+        <p:nvSpPr>
+          <p:cNvPr id="10" name="오른쪽 화살표[R] 9"/>
           <p:cNvSpPr/>
           <p:nvPr/>
         </p:nvSpPr>
@@ -21331,7 +20675,10 @@
             <a:ext cx="1943627" cy="276778"/>
           </a:xfrm>
           <a:prstGeom prst="rightArrow">
-            <a:avLst/>
+            <a:avLst>
+              <a:gd name="adj1" fmla="val 50000"/>
+              <a:gd name="adj2" fmla="val 50000"/>
+            </a:avLst>
           </a:prstGeom>
           <a:solidFill>
             <a:schemeClr val="bg1"/>
@@ -21357,30 +20704,26 @@
           </a:fontRef>
         </p:style>
         <p:txBody>
-          <a:bodyPr lIns="252000" rtlCol="0" anchor="ctr"/>
-          <a:lstStyle/>
-          <a:p>
-            <a:pPr algn="ctr"/>
-            <a:endParaRPr kumimoji="1" lang="ko-Kore-KR" altLang="en-US" sz="1600" dirty="0">
-              <a:solidFill>
-                <a:srgbClr val="00B050"/>
-              </a:solidFill>
-              <a:latin typeface="Courier New" pitchFamily="49" charset="0"/>
-              <a:ea typeface="맑은 고딕" pitchFamily="50" charset="-127"/>
-              <a:cs typeface="Courier New" pitchFamily="49" charset="0"/>
-            </a:endParaRPr>
-          </a:p>
-        </p:txBody>
-      </p:sp>
-      <p:sp>
-        <p:nvSpPr>
-          <p:cNvPr id="97" name="TextBox 96">
-            <a:extLst>
-              <a:ext uri="{FF2B5EF4-FFF2-40B4-BE49-F238E27FC236}">
-                <a16:creationId xmlns:a16="http://schemas.microsoft.com/office/drawing/2014/main" id="{2D571CB8-0A39-E241-9CBD-6CCD32EF431F}"/>
-              </a:ext>
-            </a:extLst>
-          </p:cNvPr>
+          <a:bodyPr lIns="252000" anchor="ctr"/>
+          <a:lstStyle/>
+          <a:p>
+            <a:pPr lvl="0" algn="ctr">
+              <a:defRPr/>
+            </a:pPr>
+            <a:endParaRPr kumimoji="1" lang="ko-Kore-KR" altLang="en-US" sz="1600">
+              <a:solidFill>
+                <a:srgbClr val="00b050"/>
+              </a:solidFill>
+              <a:latin typeface="Courier New"/>
+              <a:ea typeface="맑은 고딕"/>
+              <a:cs typeface="Courier New"/>
+            </a:endParaRPr>
+          </a:p>
+        </p:txBody>
+      </p:sp>
+      <p:sp>
+        <p:nvSpPr>
+          <p:cNvPr id="97" name="TextBox 96"/>
           <p:cNvSpPr txBox="1"/>
           <p:nvPr/>
         </p:nvSpPr>
@@ -21395,44 +20738,51 @@
           <a:noFill/>
         </p:spPr>
         <p:txBody>
-          <a:bodyPr wrap="square" rtlCol="0">
+          <a:bodyPr wrap="square">
             <a:spAutoFit/>
           </a:bodyPr>
           <a:lstStyle/>
           <a:p>
-            <a:r>
-              <a:rPr kumimoji="1" lang="en-US" altLang="ko-Kore-KR" dirty="0">
-                <a:latin typeface="Helvetica" pitchFamily="2" charset="0"/>
+            <a:pPr lvl="0">
+              <a:defRPr/>
+            </a:pPr>
+            <a:r>
+              <a:rPr kumimoji="1" lang="en-US" altLang="ko-Kore-KR">
+                <a:latin typeface="Arial"/>
               </a:rPr>
               <a:t>T1 :  </a:t>
             </a:r>
             <a:r>
-              <a:rPr kumimoji="1" lang="en-US" altLang="ko-Kore-KR" dirty="0">
-                <a:latin typeface="Courier New" panose="02070309020205020404" pitchFamily="49" charset="0"/>
-                <a:cs typeface="Courier New" panose="02070309020205020404" pitchFamily="49" charset="0"/>
+              <a:rPr kumimoji="1" lang="en-US" altLang="ko-Kore-KR">
+                <a:latin typeface="Courier New"/>
+                <a:cs typeface="Courier New"/>
               </a:rPr>
               <a:t>unlock(C)</a:t>
             </a:r>
-            <a:endParaRPr kumimoji="1" lang="ko-Kore-KR" altLang="en-US" dirty="0">
-              <a:latin typeface="Courier New" panose="02070309020205020404" pitchFamily="49" charset="0"/>
-              <a:cs typeface="Courier New" panose="02070309020205020404" pitchFamily="49" charset="0"/>
+            <a:endParaRPr kumimoji="1" lang="ko-Kore-KR" altLang="en-US">
+              <a:latin typeface="Courier New"/>
+              <a:cs typeface="Courier New"/>
             </a:endParaRPr>
           </a:p>
         </p:txBody>
       </p:sp>
     </p:spTree>
-    <p:extLst>
-      <p:ext uri="{BB962C8B-B14F-4D97-AF65-F5344CB8AC3E}">
-        <p14:creationId xmlns:p14="http://schemas.microsoft.com/office/powerpoint/2010/main" val="209634768"/>
-      </p:ext>
-    </p:extLst>
   </p:cSld>
   <p:clrMapOvr>
     <a:masterClrMapping/>
   </p:clrMapOvr>
-  <p:transition>
-    <p:zoom/>
-  </p:transition>
+  <mc:AlternateContent xmlns:mc="http://schemas.openxmlformats.org/markup-compatibility/2006">
+    <mc:Choice xmlns:p14="http://schemas.microsoft.com/office/powerpoint/2010/main" Requires="p14">
+      <p:transition xmlns:mc="http://schemas.openxmlformats.org/markup-compatibility/2006" xmlns:p14="http://schemas.microsoft.com/office/powerpoint/2010/main" mc:Ignorable="p14" p14:dur="500">
+        <p:zoom/>
+      </p:transition>
+    </mc:Choice>
+    <mc:Fallback>
+      <p:transition xmlns:mc="http://schemas.openxmlformats.org/markup-compatibility/2006" xmlns:hp="http://schemas.haansoft.com/office/presentation/8.0" mc:Ignorable="hp" hp:hslDur="500">
+        <p:fade/>
+      </p:transition>
+    </mc:Fallback>
+  </mc:AlternateContent>
 </p:sld>
 </file>
 
